--- a/SIMU_ON_WSL.pptx
+++ b/SIMU_ON_WSL.pptx
@@ -316,7 +316,7 @@
           <a:p>
             <a:fld id="{7D37F7A6-00EA-477C-BD0D-F6E7C2E86336}" type="datetimeFigureOut">
               <a:rPr kumimoji="1" lang="ja-JP" altLang="en-US" smtClean="0"/>
-              <a:t>2019/5/10</a:t>
+              <a:t>2019/6/11</a:t>
             </a:fld>
             <a:endParaRPr kumimoji="1" lang="ja-JP" altLang="en-US"/>
           </a:p>
@@ -5644,7 +5644,7 @@
           <a:p>
             <a:fld id="{EFCA2F27-532F-4E2E-86E8-C011D6D4D29E}" type="datetimeFigureOut">
               <a:rPr kumimoji="1" lang="ja-JP" altLang="en-US" smtClean="0"/>
-              <a:t>2019/5/10</a:t>
+              <a:t>2019/6/11</a:t>
             </a:fld>
             <a:endParaRPr kumimoji="1" lang="ja-JP" altLang="en-US"/>
           </a:p>
@@ -5942,7 +5942,7 @@
           <a:p>
             <a:fld id="{EFCA2F27-532F-4E2E-86E8-C011D6D4D29E}" type="datetimeFigureOut">
               <a:rPr kumimoji="1" lang="ja-JP" altLang="en-US" smtClean="0"/>
-              <a:t>2019/5/10</a:t>
+              <a:t>2019/6/11</a:t>
             </a:fld>
             <a:endParaRPr kumimoji="1" lang="ja-JP" altLang="en-US"/>
           </a:p>
@@ -6188,7 +6188,7 @@
           <a:p>
             <a:fld id="{EFCA2F27-532F-4E2E-86E8-C011D6D4D29E}" type="datetimeFigureOut">
               <a:rPr kumimoji="1" lang="ja-JP" altLang="en-US" smtClean="0"/>
-              <a:t>2019/5/10</a:t>
+              <a:t>2019/6/11</a:t>
             </a:fld>
             <a:endParaRPr kumimoji="1" lang="ja-JP" altLang="en-US"/>
           </a:p>
@@ -6354,7 +6354,7 @@
           <a:p>
             <a:fld id="{43172269-E0BE-4177-A733-9CAC9D8021AA}" type="datetimeFigureOut">
               <a:rPr kumimoji="1" lang="ja-JP" altLang="en-US" smtClean="0"/>
-              <a:t>2019/5/10</a:t>
+              <a:t>2019/6/11</a:t>
             </a:fld>
             <a:endParaRPr kumimoji="1" lang="ja-JP" altLang="en-US"/>
           </a:p>
@@ -6584,7 +6584,7 @@
           <a:p>
             <a:fld id="{43172269-E0BE-4177-A733-9CAC9D8021AA}" type="datetimeFigureOut">
               <a:rPr kumimoji="1" lang="ja-JP" altLang="en-US" smtClean="0"/>
-              <a:t>2019/5/10</a:t>
+              <a:t>2019/6/11</a:t>
             </a:fld>
             <a:endParaRPr kumimoji="1" lang="ja-JP" altLang="en-US"/>
           </a:p>
@@ -6859,7 +6859,7 @@
           <a:p>
             <a:fld id="{43172269-E0BE-4177-A733-9CAC9D8021AA}" type="datetimeFigureOut">
               <a:rPr kumimoji="1" lang="ja-JP" altLang="en-US" smtClean="0"/>
-              <a:t>2019/5/10</a:t>
+              <a:t>2019/6/11</a:t>
             </a:fld>
             <a:endParaRPr kumimoji="1" lang="ja-JP" altLang="en-US"/>
           </a:p>
@@ -7188,7 +7188,7 @@
           <a:p>
             <a:fld id="{43172269-E0BE-4177-A733-9CAC9D8021AA}" type="datetimeFigureOut">
               <a:rPr kumimoji="1" lang="ja-JP" altLang="en-US" smtClean="0"/>
-              <a:t>2019/5/10</a:t>
+              <a:t>2019/6/11</a:t>
             </a:fld>
             <a:endParaRPr kumimoji="1" lang="ja-JP" altLang="en-US"/>
           </a:p>
@@ -7664,7 +7664,7 @@
           <a:p>
             <a:fld id="{43172269-E0BE-4177-A733-9CAC9D8021AA}" type="datetimeFigureOut">
               <a:rPr kumimoji="1" lang="ja-JP" altLang="en-US" smtClean="0"/>
-              <a:t>2019/5/10</a:t>
+              <a:t>2019/6/11</a:t>
             </a:fld>
             <a:endParaRPr kumimoji="1" lang="ja-JP" altLang="en-US"/>
           </a:p>
@@ -7805,7 +7805,7 @@
           <a:p>
             <a:fld id="{43172269-E0BE-4177-A733-9CAC9D8021AA}" type="datetimeFigureOut">
               <a:rPr kumimoji="1" lang="ja-JP" altLang="en-US" smtClean="0"/>
-              <a:t>2019/5/10</a:t>
+              <a:t>2019/6/11</a:t>
             </a:fld>
             <a:endParaRPr kumimoji="1" lang="ja-JP" altLang="en-US"/>
           </a:p>
@@ -7918,7 +7918,7 @@
           <a:p>
             <a:fld id="{43172269-E0BE-4177-A733-9CAC9D8021AA}" type="datetimeFigureOut">
               <a:rPr kumimoji="1" lang="ja-JP" altLang="en-US" smtClean="0"/>
-              <a:t>2019/5/10</a:t>
+              <a:t>2019/6/11</a:t>
             </a:fld>
             <a:endParaRPr kumimoji="1" lang="ja-JP" altLang="en-US"/>
           </a:p>
@@ -8261,7 +8261,7 @@
           <a:p>
             <a:fld id="{43172269-E0BE-4177-A733-9CAC9D8021AA}" type="datetimeFigureOut">
               <a:rPr kumimoji="1" lang="ja-JP" altLang="en-US" smtClean="0"/>
-              <a:t>2019/5/10</a:t>
+              <a:t>2019/6/11</a:t>
             </a:fld>
             <a:endParaRPr kumimoji="1" lang="ja-JP" altLang="en-US"/>
           </a:p>
@@ -8551,7 +8551,7 @@
           <a:p>
             <a:fld id="{EFCA2F27-532F-4E2E-86E8-C011D6D4D29E}" type="datetimeFigureOut">
               <a:rPr kumimoji="1" lang="ja-JP" altLang="en-US" smtClean="0"/>
-              <a:t>2019/5/10</a:t>
+              <a:t>2019/6/11</a:t>
             </a:fld>
             <a:endParaRPr kumimoji="1" lang="ja-JP" altLang="en-US"/>
           </a:p>
@@ -8785,7 +8785,7 @@
           <a:p>
             <a:fld id="{43172269-E0BE-4177-A733-9CAC9D8021AA}" type="datetimeFigureOut">
               <a:rPr kumimoji="1" lang="ja-JP" altLang="en-US" smtClean="0"/>
-              <a:t>2019/5/10</a:t>
+              <a:t>2019/6/11</a:t>
             </a:fld>
             <a:endParaRPr kumimoji="1" lang="ja-JP" altLang="en-US"/>
           </a:p>
@@ -9015,7 +9015,7 @@
           <a:p>
             <a:fld id="{43172269-E0BE-4177-A733-9CAC9D8021AA}" type="datetimeFigureOut">
               <a:rPr kumimoji="1" lang="ja-JP" altLang="en-US" smtClean="0"/>
-              <a:t>2019/5/10</a:t>
+              <a:t>2019/6/11</a:t>
             </a:fld>
             <a:endParaRPr kumimoji="1" lang="ja-JP" altLang="en-US"/>
           </a:p>
@@ -9255,7 +9255,7 @@
           <a:p>
             <a:fld id="{43172269-E0BE-4177-A733-9CAC9D8021AA}" type="datetimeFigureOut">
               <a:rPr kumimoji="1" lang="ja-JP" altLang="en-US" smtClean="0"/>
-              <a:t>2019/5/10</a:t>
+              <a:t>2019/6/11</a:t>
             </a:fld>
             <a:endParaRPr kumimoji="1" lang="ja-JP" altLang="en-US"/>
           </a:p>
@@ -9536,7 +9536,7 @@
           <a:p>
             <a:fld id="{EFCA2F27-532F-4E2E-86E8-C011D6D4D29E}" type="datetimeFigureOut">
               <a:rPr kumimoji="1" lang="ja-JP" altLang="en-US" smtClean="0"/>
-              <a:t>2019/5/10</a:t>
+              <a:t>2019/6/11</a:t>
             </a:fld>
             <a:endParaRPr kumimoji="1" lang="ja-JP" altLang="en-US"/>
           </a:p>
@@ -9921,7 +9921,7 @@
           <a:p>
             <a:fld id="{EFCA2F27-532F-4E2E-86E8-C011D6D4D29E}" type="datetimeFigureOut">
               <a:rPr kumimoji="1" lang="ja-JP" altLang="en-US" smtClean="0"/>
-              <a:t>2019/5/10</a:t>
+              <a:t>2019/6/11</a:t>
             </a:fld>
             <a:endParaRPr kumimoji="1" lang="ja-JP" altLang="en-US"/>
           </a:p>
@@ -10445,7 +10445,7 @@
           <a:p>
             <a:fld id="{EFCA2F27-532F-4E2E-86E8-C011D6D4D29E}" type="datetimeFigureOut">
               <a:rPr kumimoji="1" lang="ja-JP" altLang="en-US" smtClean="0"/>
-              <a:t>2019/5/10</a:t>
+              <a:t>2019/6/11</a:t>
             </a:fld>
             <a:endParaRPr kumimoji="1" lang="ja-JP" altLang="en-US"/>
           </a:p>
@@ -10598,7 +10598,7 @@
           <a:p>
             <a:fld id="{EFCA2F27-532F-4E2E-86E8-C011D6D4D29E}" type="datetimeFigureOut">
               <a:rPr kumimoji="1" lang="ja-JP" altLang="en-US" smtClean="0"/>
-              <a:t>2019/5/10</a:t>
+              <a:t>2019/6/11</a:t>
             </a:fld>
             <a:endParaRPr kumimoji="1" lang="ja-JP" altLang="en-US"/>
           </a:p>
@@ -10729,7 +10729,7 @@
           <a:p>
             <a:fld id="{EFCA2F27-532F-4E2E-86E8-C011D6D4D29E}" type="datetimeFigureOut">
               <a:rPr kumimoji="1" lang="ja-JP" altLang="en-US" smtClean="0"/>
-              <a:t>2019/5/10</a:t>
+              <a:t>2019/6/11</a:t>
             </a:fld>
             <a:endParaRPr kumimoji="1" lang="ja-JP" altLang="en-US"/>
           </a:p>
@@ -11072,7 +11072,7 @@
           <a:p>
             <a:fld id="{EFCA2F27-532F-4E2E-86E8-C011D6D4D29E}" type="datetimeFigureOut">
               <a:rPr kumimoji="1" lang="ja-JP" altLang="en-US" smtClean="0"/>
-              <a:t>2019/5/10</a:t>
+              <a:t>2019/6/11</a:t>
             </a:fld>
             <a:endParaRPr kumimoji="1" lang="ja-JP" altLang="en-US"/>
           </a:p>
@@ -11364,7 +11364,7 @@
           <a:p>
             <a:fld id="{EFCA2F27-532F-4E2E-86E8-C011D6D4D29E}" type="datetimeFigureOut">
               <a:rPr kumimoji="1" lang="ja-JP" altLang="en-US" smtClean="0"/>
-              <a:t>2019/5/10</a:t>
+              <a:t>2019/6/11</a:t>
             </a:fld>
             <a:endParaRPr kumimoji="1" lang="ja-JP" altLang="en-US"/>
           </a:p>
@@ -13343,7 +13343,7 @@
           <a:p>
             <a:fld id="{EFCA2F27-532F-4E2E-86E8-C011D6D4D29E}" type="datetimeFigureOut">
               <a:rPr kumimoji="1" lang="ja-JP" altLang="en-US" smtClean="0"/>
-              <a:t>2019/5/10</a:t>
+              <a:t>2019/6/11</a:t>
             </a:fld>
             <a:endParaRPr kumimoji="1" lang="ja-JP" altLang="en-US"/>
           </a:p>
@@ -13995,7 +13995,7 @@
           <a:p>
             <a:fld id="{43172269-E0BE-4177-A733-9CAC9D8021AA}" type="datetimeFigureOut">
               <a:rPr kumimoji="1" lang="ja-JP" altLang="en-US" smtClean="0"/>
-              <a:t>2019/5/10</a:t>
+              <a:t>2019/6/11</a:t>
             </a:fld>
             <a:endParaRPr kumimoji="1" lang="ja-JP" altLang="en-US"/>
           </a:p>
@@ -20430,137 +20430,6 @@
           </a:p>
         </p:txBody>
       </p:sp>
-      <p:sp>
-        <p:nvSpPr>
-          <p:cNvPr id="3" name="コンテンツ プレースホルダー 2">
-            <a:extLst>
-              <a:ext uri="{FF2B5EF4-FFF2-40B4-BE49-F238E27FC236}">
-                <a16:creationId xmlns:a16="http://schemas.microsoft.com/office/drawing/2014/main" id="{6AA3BD3F-85EA-4497-94FC-D5DCC81133AC}"/>
-              </a:ext>
-            </a:extLst>
-          </p:cNvPr>
-          <p:cNvSpPr>
-            <a:spLocks noGrp="1"/>
-          </p:cNvSpPr>
-          <p:nvPr>
-            <p:ph idx="1"/>
-          </p:nvPr>
-        </p:nvSpPr>
-        <p:spPr>
-          <a:xfrm>
-            <a:off x="609600" y="1981199"/>
-            <a:ext cx="10972800" cy="4774708"/>
-          </a:xfrm>
-        </p:spPr>
-        <p:txBody>
-          <a:bodyPr/>
-          <a:lstStyle/>
-          <a:p>
-            <a:r>
-              <a:rPr kumimoji="1" lang="ja-JP" altLang="en-US" dirty="0">
-                <a:latin typeface="TakaoExゴシック" panose="020B0500000000000000" pitchFamily="50" charset="-128"/>
-                <a:ea typeface="TakaoExゴシック" panose="020B0500000000000000" pitchFamily="50" charset="-128"/>
-              </a:rPr>
-              <a:t>プログラムと機能の「</a:t>
-            </a:r>
-            <a:r>
-              <a:rPr kumimoji="1" lang="en-US" altLang="ja-JP" dirty="0">
-                <a:latin typeface="TakaoExゴシック" panose="020B0500000000000000" pitchFamily="50" charset="-128"/>
-                <a:ea typeface="TakaoExゴシック" panose="020B0500000000000000" pitchFamily="50" charset="-128"/>
-              </a:rPr>
-              <a:t>Windows</a:t>
-            </a:r>
-            <a:r>
-              <a:rPr kumimoji="1" lang="ja-JP" altLang="en-US" dirty="0">
-                <a:latin typeface="TakaoExゴシック" panose="020B0500000000000000" pitchFamily="50" charset="-128"/>
-                <a:ea typeface="TakaoExゴシック" panose="020B0500000000000000" pitchFamily="50" charset="-128"/>
-              </a:rPr>
-              <a:t>の機能の有効化または</a:t>
-            </a:r>
-            <a:br>
-              <a:rPr kumimoji="1" lang="en-US" altLang="ja-JP" dirty="0">
-                <a:latin typeface="TakaoExゴシック" panose="020B0500000000000000" pitchFamily="50" charset="-128"/>
-                <a:ea typeface="TakaoExゴシック" panose="020B0500000000000000" pitchFamily="50" charset="-128"/>
-              </a:rPr>
-            </a:br>
-            <a:r>
-              <a:rPr kumimoji="1" lang="ja-JP" altLang="en-US" dirty="0">
-                <a:latin typeface="TakaoExゴシック" panose="020B0500000000000000" pitchFamily="50" charset="-128"/>
-                <a:ea typeface="TakaoExゴシック" panose="020B0500000000000000" pitchFamily="50" charset="-128"/>
-              </a:rPr>
-              <a:t>無効化」</a:t>
-            </a:r>
-            <a:br>
-              <a:rPr kumimoji="1" lang="en-US" altLang="ja-JP" dirty="0">
-                <a:latin typeface="TakaoExゴシック" panose="020B0500000000000000" pitchFamily="50" charset="-128"/>
-                <a:ea typeface="TakaoExゴシック" panose="020B0500000000000000" pitchFamily="50" charset="-128"/>
-              </a:rPr>
-            </a:br>
-            <a:r>
-              <a:rPr kumimoji="1" lang="en-US" altLang="ja-JP" dirty="0">
-                <a:latin typeface="TakaoExゴシック" panose="020B0500000000000000" pitchFamily="50" charset="-128"/>
-                <a:ea typeface="TakaoExゴシック" panose="020B0500000000000000" pitchFamily="50" charset="-128"/>
-              </a:rPr>
-              <a:t>&gt;</a:t>
-            </a:r>
-            <a:r>
-              <a:rPr kumimoji="1" lang="ja-JP" altLang="en-US" dirty="0">
-                <a:latin typeface="TakaoExゴシック" panose="020B0500000000000000" pitchFamily="50" charset="-128"/>
-                <a:ea typeface="TakaoExゴシック" panose="020B0500000000000000" pitchFamily="50" charset="-128"/>
-              </a:rPr>
-              <a:t>「</a:t>
-            </a:r>
-            <a:r>
-              <a:rPr kumimoji="1" lang="en-US" altLang="ja-JP" dirty="0">
-                <a:latin typeface="TakaoExゴシック" panose="020B0500000000000000" pitchFamily="50" charset="-128"/>
-                <a:ea typeface="TakaoExゴシック" panose="020B0500000000000000" pitchFamily="50" charset="-128"/>
-              </a:rPr>
-              <a:t>Windows Subsystem for Linux</a:t>
-            </a:r>
-            <a:r>
-              <a:rPr kumimoji="1" lang="ja-JP" altLang="en-US" dirty="0">
-                <a:latin typeface="TakaoExゴシック" panose="020B0500000000000000" pitchFamily="50" charset="-128"/>
-                <a:ea typeface="TakaoExゴシック" panose="020B0500000000000000" pitchFamily="50" charset="-128"/>
-              </a:rPr>
-              <a:t>」のチェックボックスにレ点して</a:t>
-            </a:r>
-            <a:r>
-              <a:rPr kumimoji="1" lang="en-US" altLang="ja-JP" dirty="0">
-                <a:latin typeface="TakaoExゴシック" panose="020B0500000000000000" pitchFamily="50" charset="-128"/>
-                <a:ea typeface="TakaoExゴシック" panose="020B0500000000000000" pitchFamily="50" charset="-128"/>
-              </a:rPr>
-              <a:t>OK</a:t>
-            </a:r>
-            <a:r>
-              <a:rPr kumimoji="1" lang="ja-JP" altLang="en-US" dirty="0">
-                <a:latin typeface="TakaoExゴシック" panose="020B0500000000000000" pitchFamily="50" charset="-128"/>
-                <a:ea typeface="TakaoExゴシック" panose="020B0500000000000000" pitchFamily="50" charset="-128"/>
-              </a:rPr>
-              <a:t>クリック</a:t>
-            </a:r>
-            <a:br>
-              <a:rPr kumimoji="1" lang="en-US" altLang="ja-JP" dirty="0">
-                <a:latin typeface="TakaoExゴシック" panose="020B0500000000000000" pitchFamily="50" charset="-128"/>
-                <a:ea typeface="TakaoExゴシック" panose="020B0500000000000000" pitchFamily="50" charset="-128"/>
-              </a:rPr>
-            </a:br>
-            <a:r>
-              <a:rPr kumimoji="1" lang="en-US" altLang="ja-JP" dirty="0">
-                <a:latin typeface="TakaoExゴシック" panose="020B0500000000000000" pitchFamily="50" charset="-128"/>
-                <a:ea typeface="TakaoExゴシック" panose="020B0500000000000000" pitchFamily="50" charset="-128"/>
-              </a:rPr>
-              <a:t>&gt;</a:t>
-            </a:r>
-            <a:r>
-              <a:rPr kumimoji="1" lang="ja-JP" altLang="en-US" dirty="0">
-                <a:latin typeface="TakaoExゴシック" panose="020B0500000000000000" pitchFamily="50" charset="-128"/>
-                <a:ea typeface="TakaoExゴシック" panose="020B0500000000000000" pitchFamily="50" charset="-128"/>
-              </a:rPr>
-              <a:t>適用後再起動</a:t>
-            </a:r>
-          </a:p>
-        </p:txBody>
-      </p:sp>
       <p:pic>
         <p:nvPicPr>
           <p:cNvPr id="6" name="図 5">
@@ -20914,6 +20783,578 @@
           </a:fontRef>
         </p:style>
       </p:cxnSp>
+      <p:sp>
+        <p:nvSpPr>
+          <p:cNvPr id="3" name="コンテンツ プレースホルダー 2">
+            <a:extLst>
+              <a:ext uri="{FF2B5EF4-FFF2-40B4-BE49-F238E27FC236}">
+                <a16:creationId xmlns:a16="http://schemas.microsoft.com/office/drawing/2014/main" id="{6AA3BD3F-85EA-4497-94FC-D5DCC81133AC}"/>
+              </a:ext>
+            </a:extLst>
+          </p:cNvPr>
+          <p:cNvSpPr>
+            <a:spLocks noGrp="1"/>
+          </p:cNvSpPr>
+          <p:nvPr>
+            <p:ph idx="1"/>
+          </p:nvPr>
+        </p:nvSpPr>
+        <p:spPr>
+          <a:xfrm>
+            <a:off x="0" y="1626091"/>
+            <a:ext cx="4622800" cy="2110587"/>
+          </a:xfrm>
+          <a:solidFill>
+            <a:srgbClr val="FFFFFF">
+              <a:alpha val="69804"/>
+            </a:srgbClr>
+          </a:solidFill>
+        </p:spPr>
+        <p:txBody>
+          <a:bodyPr>
+            <a:noAutofit/>
+          </a:bodyPr>
+          <a:lstStyle/>
+          <a:p>
+            <a:r>
+              <a:rPr kumimoji="1" lang="ja-JP" altLang="en-US" dirty="0">
+                <a:latin typeface="TakaoExゴシック" panose="020B0500000000000000" pitchFamily="50" charset="-128"/>
+                <a:ea typeface="TakaoExゴシック" panose="020B0500000000000000" pitchFamily="50" charset="-128"/>
+              </a:rPr>
+              <a:t>プログラムと機能</a:t>
+            </a:r>
+            <a:br>
+              <a:rPr kumimoji="1" lang="en-US" altLang="ja-JP" dirty="0">
+                <a:latin typeface="TakaoExゴシック" panose="020B0500000000000000" pitchFamily="50" charset="-128"/>
+                <a:ea typeface="TakaoExゴシック" panose="020B0500000000000000" pitchFamily="50" charset="-128"/>
+              </a:rPr>
+            </a:br>
+            <a:r>
+              <a:rPr kumimoji="1" lang="ja-JP" altLang="en-US" dirty="0">
+                <a:latin typeface="TakaoExゴシック" panose="020B0500000000000000" pitchFamily="50" charset="-128"/>
+                <a:ea typeface="TakaoExゴシック" panose="020B0500000000000000" pitchFamily="50" charset="-128"/>
+              </a:rPr>
+              <a:t>「</a:t>
+            </a:r>
+            <a:r>
+              <a:rPr kumimoji="1" lang="en-US" altLang="ja-JP" dirty="0">
+                <a:latin typeface="TakaoExゴシック" panose="020B0500000000000000" pitchFamily="50" charset="-128"/>
+                <a:ea typeface="TakaoExゴシック" panose="020B0500000000000000" pitchFamily="50" charset="-128"/>
+              </a:rPr>
+              <a:t>Windows</a:t>
+            </a:r>
+            <a:r>
+              <a:rPr kumimoji="1" lang="ja-JP" altLang="en-US" dirty="0">
+                <a:latin typeface="TakaoExゴシック" panose="020B0500000000000000" pitchFamily="50" charset="-128"/>
+                <a:ea typeface="TakaoExゴシック" panose="020B0500000000000000" pitchFamily="50" charset="-128"/>
+              </a:rPr>
+              <a:t>の機能の有効化または無効化」クリック</a:t>
+            </a:r>
+          </a:p>
+        </p:txBody>
+      </p:sp>
+      <p:sp>
+        <p:nvSpPr>
+          <p:cNvPr id="13" name="コンテンツ プレースホルダー 2">
+            <a:extLst>
+              <a:ext uri="{FF2B5EF4-FFF2-40B4-BE49-F238E27FC236}">
+                <a16:creationId xmlns:a16="http://schemas.microsoft.com/office/drawing/2014/main" id="{14DCB8C8-5325-499F-AD0F-08C2A0DE6618}"/>
+              </a:ext>
+            </a:extLst>
+          </p:cNvPr>
+          <p:cNvSpPr txBox="1">
+            <a:spLocks/>
+          </p:cNvSpPr>
+          <p:nvPr/>
+        </p:nvSpPr>
+        <p:spPr bwMode="auto">
+          <a:xfrm>
+            <a:off x="4732113" y="409703"/>
+            <a:ext cx="5917206" cy="1675070"/>
+          </a:xfrm>
+          <a:prstGeom prst="rect">
+            <a:avLst/>
+          </a:prstGeom>
+          <a:solidFill>
+            <a:srgbClr val="FFFFFF">
+              <a:alpha val="69804"/>
+            </a:srgbClr>
+          </a:solidFill>
+          <a:ln>
+            <a:noFill/>
+          </a:ln>
+          <a:effectLst/>
+        </p:spPr>
+        <p:txBody>
+          <a:bodyPr vert="horz" wrap="square" lIns="91440" tIns="45720" rIns="91440" bIns="45720" numCol="1" anchor="t" anchorCtr="0" compatLnSpc="1">
+            <a:prstTxWarp prst="textNoShape">
+              <a:avLst/>
+            </a:prstTxWarp>
+            <a:noAutofit/>
+          </a:bodyPr>
+          <a:lstStyle>
+            <a:lvl1pPr marL="342900" indent="-342900" algn="l" rtl="0" eaLnBrk="1" fontAlgn="base" hangingPunct="1">
+              <a:spcBef>
+                <a:spcPct val="20000"/>
+              </a:spcBef>
+              <a:spcAft>
+                <a:spcPct val="0"/>
+              </a:spcAft>
+              <a:buClr>
+                <a:schemeClr val="bg2"/>
+              </a:buClr>
+              <a:buSzPct val="75000"/>
+              <a:buFont typeface="Wingdings" panose="05000000000000000000" pitchFamily="2" charset="2"/>
+              <a:buChar char="n"/>
+              <a:defRPr kumimoji="1" sz="3200">
+                <a:solidFill>
+                  <a:schemeClr val="tx1"/>
+                </a:solidFill>
+                <a:latin typeface="+mn-lt"/>
+                <a:ea typeface="+mn-ea"/>
+                <a:cs typeface="+mn-cs"/>
+              </a:defRPr>
+            </a:lvl1pPr>
+            <a:lvl2pPr marL="742950" indent="-285750" algn="l" rtl="0" eaLnBrk="1" fontAlgn="base" hangingPunct="1">
+              <a:spcBef>
+                <a:spcPct val="20000"/>
+              </a:spcBef>
+              <a:spcAft>
+                <a:spcPct val="0"/>
+              </a:spcAft>
+              <a:buClr>
+                <a:schemeClr val="accent2"/>
+              </a:buClr>
+              <a:buSzPct val="80000"/>
+              <a:buFont typeface="Wingdings" panose="05000000000000000000" pitchFamily="2" charset="2"/>
+              <a:buChar char="¨"/>
+              <a:defRPr kumimoji="1" sz="2800">
+                <a:solidFill>
+                  <a:schemeClr val="tx1"/>
+                </a:solidFill>
+                <a:latin typeface="+mn-lt"/>
+                <a:ea typeface="+mn-ea"/>
+              </a:defRPr>
+            </a:lvl2pPr>
+            <a:lvl3pPr marL="1143000" indent="-228600" algn="l" rtl="0" eaLnBrk="1" fontAlgn="base" hangingPunct="1">
+              <a:spcBef>
+                <a:spcPct val="20000"/>
+              </a:spcBef>
+              <a:spcAft>
+                <a:spcPct val="0"/>
+              </a:spcAft>
+              <a:buClr>
+                <a:schemeClr val="bg2"/>
+              </a:buClr>
+              <a:buSzPct val="65000"/>
+              <a:buFont typeface="Wingdings" panose="05000000000000000000" pitchFamily="2" charset="2"/>
+              <a:buChar char="n"/>
+              <a:defRPr kumimoji="1" sz="2400">
+                <a:solidFill>
+                  <a:schemeClr val="tx1"/>
+                </a:solidFill>
+                <a:latin typeface="+mn-lt"/>
+                <a:ea typeface="+mn-ea"/>
+              </a:defRPr>
+            </a:lvl3pPr>
+            <a:lvl4pPr marL="1600200" indent="-228600" algn="l" rtl="0" eaLnBrk="1" fontAlgn="base" hangingPunct="1">
+              <a:spcBef>
+                <a:spcPct val="20000"/>
+              </a:spcBef>
+              <a:spcAft>
+                <a:spcPct val="0"/>
+              </a:spcAft>
+              <a:buClr>
+                <a:schemeClr val="accent2"/>
+              </a:buClr>
+              <a:buSzPct val="70000"/>
+              <a:buFont typeface="Wingdings" panose="05000000000000000000" pitchFamily="2" charset="2"/>
+              <a:buChar char="¨"/>
+              <a:defRPr kumimoji="1" sz="2000">
+                <a:solidFill>
+                  <a:schemeClr val="tx1"/>
+                </a:solidFill>
+                <a:latin typeface="+mn-lt"/>
+                <a:ea typeface="+mn-ea"/>
+              </a:defRPr>
+            </a:lvl4pPr>
+            <a:lvl5pPr marL="2057400" indent="-228600" algn="l" rtl="0" eaLnBrk="1" fontAlgn="base" hangingPunct="1">
+              <a:spcBef>
+                <a:spcPct val="20000"/>
+              </a:spcBef>
+              <a:spcAft>
+                <a:spcPct val="0"/>
+              </a:spcAft>
+              <a:buClr>
+                <a:schemeClr val="bg2"/>
+              </a:buClr>
+              <a:buFont typeface="Wingdings" panose="05000000000000000000" pitchFamily="2" charset="2"/>
+              <a:buChar char="§"/>
+              <a:defRPr kumimoji="1" sz="2000">
+                <a:solidFill>
+                  <a:schemeClr val="tx1"/>
+                </a:solidFill>
+                <a:latin typeface="+mn-lt"/>
+                <a:ea typeface="+mn-ea"/>
+              </a:defRPr>
+            </a:lvl5pPr>
+            <a:lvl6pPr marL="2514600" indent="-228600" algn="l" rtl="0" eaLnBrk="1" fontAlgn="base" hangingPunct="1">
+              <a:spcBef>
+                <a:spcPct val="20000"/>
+              </a:spcBef>
+              <a:spcAft>
+                <a:spcPct val="0"/>
+              </a:spcAft>
+              <a:buClr>
+                <a:schemeClr val="bg2"/>
+              </a:buClr>
+              <a:buFont typeface="Wingdings" pitchFamily="2" charset="2"/>
+              <a:buChar char="§"/>
+              <a:defRPr kumimoji="1" sz="2000">
+                <a:solidFill>
+                  <a:schemeClr val="tx1"/>
+                </a:solidFill>
+                <a:latin typeface="+mn-lt"/>
+                <a:ea typeface="+mn-ea"/>
+              </a:defRPr>
+            </a:lvl6pPr>
+            <a:lvl7pPr marL="2971800" indent="-228600" algn="l" rtl="0" eaLnBrk="1" fontAlgn="base" hangingPunct="1">
+              <a:spcBef>
+                <a:spcPct val="20000"/>
+              </a:spcBef>
+              <a:spcAft>
+                <a:spcPct val="0"/>
+              </a:spcAft>
+              <a:buClr>
+                <a:schemeClr val="bg2"/>
+              </a:buClr>
+              <a:buFont typeface="Wingdings" pitchFamily="2" charset="2"/>
+              <a:buChar char="§"/>
+              <a:defRPr kumimoji="1" sz="2000">
+                <a:solidFill>
+                  <a:schemeClr val="tx1"/>
+                </a:solidFill>
+                <a:latin typeface="+mn-lt"/>
+                <a:ea typeface="+mn-ea"/>
+              </a:defRPr>
+            </a:lvl7pPr>
+            <a:lvl8pPr marL="3429000" indent="-228600" algn="l" rtl="0" eaLnBrk="1" fontAlgn="base" hangingPunct="1">
+              <a:spcBef>
+                <a:spcPct val="20000"/>
+              </a:spcBef>
+              <a:spcAft>
+                <a:spcPct val="0"/>
+              </a:spcAft>
+              <a:buClr>
+                <a:schemeClr val="bg2"/>
+              </a:buClr>
+              <a:buFont typeface="Wingdings" pitchFamily="2" charset="2"/>
+              <a:buChar char="§"/>
+              <a:defRPr kumimoji="1" sz="2000">
+                <a:solidFill>
+                  <a:schemeClr val="tx1"/>
+                </a:solidFill>
+                <a:latin typeface="+mn-lt"/>
+                <a:ea typeface="+mn-ea"/>
+              </a:defRPr>
+            </a:lvl8pPr>
+            <a:lvl9pPr marL="3886200" indent="-228600" algn="l" rtl="0" eaLnBrk="1" fontAlgn="base" hangingPunct="1">
+              <a:spcBef>
+                <a:spcPct val="20000"/>
+              </a:spcBef>
+              <a:spcAft>
+                <a:spcPct val="0"/>
+              </a:spcAft>
+              <a:buClr>
+                <a:schemeClr val="bg2"/>
+              </a:buClr>
+              <a:buFont typeface="Wingdings" pitchFamily="2" charset="2"/>
+              <a:buChar char="§"/>
+              <a:defRPr kumimoji="1" sz="2000">
+                <a:solidFill>
+                  <a:schemeClr val="tx1"/>
+                </a:solidFill>
+                <a:latin typeface="+mn-lt"/>
+                <a:ea typeface="+mn-ea"/>
+              </a:defRPr>
+            </a:lvl9pPr>
+          </a:lstStyle>
+          <a:p>
+            <a:r>
+              <a:rPr lang="ja-JP" altLang="en-US" kern="0" dirty="0">
+                <a:latin typeface="TakaoExゴシック" panose="020B0500000000000000" pitchFamily="50" charset="-128"/>
+                <a:ea typeface="TakaoExゴシック" panose="020B0500000000000000" pitchFamily="50" charset="-128"/>
+              </a:rPr>
+              <a:t>「</a:t>
+            </a:r>
+            <a:r>
+              <a:rPr lang="en-US" altLang="ja-JP" kern="0" dirty="0">
+                <a:latin typeface="TakaoExゴシック" panose="020B0500000000000000" pitchFamily="50" charset="-128"/>
+                <a:ea typeface="TakaoExゴシック" panose="020B0500000000000000" pitchFamily="50" charset="-128"/>
+              </a:rPr>
+              <a:t>Windows Subsystem for Linux</a:t>
+            </a:r>
+            <a:r>
+              <a:rPr lang="ja-JP" altLang="en-US" kern="0" dirty="0">
+                <a:latin typeface="TakaoExゴシック" panose="020B0500000000000000" pitchFamily="50" charset="-128"/>
+                <a:ea typeface="TakaoExゴシック" panose="020B0500000000000000" pitchFamily="50" charset="-128"/>
+              </a:rPr>
+              <a:t>」のチェックボックスにレ点して</a:t>
+            </a:r>
+            <a:r>
+              <a:rPr lang="en-US" altLang="ja-JP" kern="0" dirty="0">
+                <a:latin typeface="TakaoExゴシック" panose="020B0500000000000000" pitchFamily="50" charset="-128"/>
+                <a:ea typeface="TakaoExゴシック" panose="020B0500000000000000" pitchFamily="50" charset="-128"/>
+              </a:rPr>
+              <a:t>OK</a:t>
+            </a:r>
+            <a:r>
+              <a:rPr lang="ja-JP" altLang="en-US" kern="0" dirty="0">
+                <a:latin typeface="TakaoExゴシック" panose="020B0500000000000000" pitchFamily="50" charset="-128"/>
+                <a:ea typeface="TakaoExゴシック" panose="020B0500000000000000" pitchFamily="50" charset="-128"/>
+              </a:rPr>
+              <a:t>クリック</a:t>
+            </a:r>
+          </a:p>
+        </p:txBody>
+      </p:sp>
+      <p:sp>
+        <p:nvSpPr>
+          <p:cNvPr id="14" name="コンテンツ プレースホルダー 2">
+            <a:extLst>
+              <a:ext uri="{FF2B5EF4-FFF2-40B4-BE49-F238E27FC236}">
+                <a16:creationId xmlns:a16="http://schemas.microsoft.com/office/drawing/2014/main" id="{5EDBC162-59E2-4E98-9981-E56FDA359FDA}"/>
+              </a:ext>
+            </a:extLst>
+          </p:cNvPr>
+          <p:cNvSpPr txBox="1">
+            <a:spLocks/>
+          </p:cNvSpPr>
+          <p:nvPr/>
+        </p:nvSpPr>
+        <p:spPr bwMode="auto">
+          <a:xfrm>
+            <a:off x="727434" y="4241141"/>
+            <a:ext cx="5101544" cy="718519"/>
+          </a:xfrm>
+          <a:prstGeom prst="rect">
+            <a:avLst/>
+          </a:prstGeom>
+          <a:solidFill>
+            <a:srgbClr val="FFFFFF">
+              <a:alpha val="69804"/>
+            </a:srgbClr>
+          </a:solidFill>
+          <a:ln>
+            <a:noFill/>
+          </a:ln>
+          <a:effectLst/>
+        </p:spPr>
+        <p:txBody>
+          <a:bodyPr vert="horz" wrap="square" lIns="91440" tIns="45720" rIns="91440" bIns="45720" numCol="1" anchor="t" anchorCtr="0" compatLnSpc="1">
+            <a:prstTxWarp prst="textNoShape">
+              <a:avLst/>
+            </a:prstTxWarp>
+            <a:noAutofit/>
+          </a:bodyPr>
+          <a:lstStyle>
+            <a:lvl1pPr marL="342900" indent="-342900" algn="l" rtl="0" eaLnBrk="1" fontAlgn="base" hangingPunct="1">
+              <a:spcBef>
+                <a:spcPct val="20000"/>
+              </a:spcBef>
+              <a:spcAft>
+                <a:spcPct val="0"/>
+              </a:spcAft>
+              <a:buClr>
+                <a:schemeClr val="bg2"/>
+              </a:buClr>
+              <a:buSzPct val="75000"/>
+              <a:buFont typeface="Wingdings" panose="05000000000000000000" pitchFamily="2" charset="2"/>
+              <a:buChar char="n"/>
+              <a:defRPr kumimoji="1" sz="3200">
+                <a:solidFill>
+                  <a:schemeClr val="tx1"/>
+                </a:solidFill>
+                <a:latin typeface="+mn-lt"/>
+                <a:ea typeface="+mn-ea"/>
+                <a:cs typeface="+mn-cs"/>
+              </a:defRPr>
+            </a:lvl1pPr>
+            <a:lvl2pPr marL="742950" indent="-285750" algn="l" rtl="0" eaLnBrk="1" fontAlgn="base" hangingPunct="1">
+              <a:spcBef>
+                <a:spcPct val="20000"/>
+              </a:spcBef>
+              <a:spcAft>
+                <a:spcPct val="0"/>
+              </a:spcAft>
+              <a:buClr>
+                <a:schemeClr val="accent2"/>
+              </a:buClr>
+              <a:buSzPct val="80000"/>
+              <a:buFont typeface="Wingdings" panose="05000000000000000000" pitchFamily="2" charset="2"/>
+              <a:buChar char="¨"/>
+              <a:defRPr kumimoji="1" sz="2800">
+                <a:solidFill>
+                  <a:schemeClr val="tx1"/>
+                </a:solidFill>
+                <a:latin typeface="+mn-lt"/>
+                <a:ea typeface="+mn-ea"/>
+              </a:defRPr>
+            </a:lvl2pPr>
+            <a:lvl3pPr marL="1143000" indent="-228600" algn="l" rtl="0" eaLnBrk="1" fontAlgn="base" hangingPunct="1">
+              <a:spcBef>
+                <a:spcPct val="20000"/>
+              </a:spcBef>
+              <a:spcAft>
+                <a:spcPct val="0"/>
+              </a:spcAft>
+              <a:buClr>
+                <a:schemeClr val="bg2"/>
+              </a:buClr>
+              <a:buSzPct val="65000"/>
+              <a:buFont typeface="Wingdings" panose="05000000000000000000" pitchFamily="2" charset="2"/>
+              <a:buChar char="n"/>
+              <a:defRPr kumimoji="1" sz="2400">
+                <a:solidFill>
+                  <a:schemeClr val="tx1"/>
+                </a:solidFill>
+                <a:latin typeface="+mn-lt"/>
+                <a:ea typeface="+mn-ea"/>
+              </a:defRPr>
+            </a:lvl3pPr>
+            <a:lvl4pPr marL="1600200" indent="-228600" algn="l" rtl="0" eaLnBrk="1" fontAlgn="base" hangingPunct="1">
+              <a:spcBef>
+                <a:spcPct val="20000"/>
+              </a:spcBef>
+              <a:spcAft>
+                <a:spcPct val="0"/>
+              </a:spcAft>
+              <a:buClr>
+                <a:schemeClr val="accent2"/>
+              </a:buClr>
+              <a:buSzPct val="70000"/>
+              <a:buFont typeface="Wingdings" panose="05000000000000000000" pitchFamily="2" charset="2"/>
+              <a:buChar char="¨"/>
+              <a:defRPr kumimoji="1" sz="2000">
+                <a:solidFill>
+                  <a:schemeClr val="tx1"/>
+                </a:solidFill>
+                <a:latin typeface="+mn-lt"/>
+                <a:ea typeface="+mn-ea"/>
+              </a:defRPr>
+            </a:lvl4pPr>
+            <a:lvl5pPr marL="2057400" indent="-228600" algn="l" rtl="0" eaLnBrk="1" fontAlgn="base" hangingPunct="1">
+              <a:spcBef>
+                <a:spcPct val="20000"/>
+              </a:spcBef>
+              <a:spcAft>
+                <a:spcPct val="0"/>
+              </a:spcAft>
+              <a:buClr>
+                <a:schemeClr val="bg2"/>
+              </a:buClr>
+              <a:buFont typeface="Wingdings" panose="05000000000000000000" pitchFamily="2" charset="2"/>
+              <a:buChar char="§"/>
+              <a:defRPr kumimoji="1" sz="2000">
+                <a:solidFill>
+                  <a:schemeClr val="tx1"/>
+                </a:solidFill>
+                <a:latin typeface="+mn-lt"/>
+                <a:ea typeface="+mn-ea"/>
+              </a:defRPr>
+            </a:lvl5pPr>
+            <a:lvl6pPr marL="2514600" indent="-228600" algn="l" rtl="0" eaLnBrk="1" fontAlgn="base" hangingPunct="1">
+              <a:spcBef>
+                <a:spcPct val="20000"/>
+              </a:spcBef>
+              <a:spcAft>
+                <a:spcPct val="0"/>
+              </a:spcAft>
+              <a:buClr>
+                <a:schemeClr val="bg2"/>
+              </a:buClr>
+              <a:buFont typeface="Wingdings" pitchFamily="2" charset="2"/>
+              <a:buChar char="§"/>
+              <a:defRPr kumimoji="1" sz="2000">
+                <a:solidFill>
+                  <a:schemeClr val="tx1"/>
+                </a:solidFill>
+                <a:latin typeface="+mn-lt"/>
+                <a:ea typeface="+mn-ea"/>
+              </a:defRPr>
+            </a:lvl6pPr>
+            <a:lvl7pPr marL="2971800" indent="-228600" algn="l" rtl="0" eaLnBrk="1" fontAlgn="base" hangingPunct="1">
+              <a:spcBef>
+                <a:spcPct val="20000"/>
+              </a:spcBef>
+              <a:spcAft>
+                <a:spcPct val="0"/>
+              </a:spcAft>
+              <a:buClr>
+                <a:schemeClr val="bg2"/>
+              </a:buClr>
+              <a:buFont typeface="Wingdings" pitchFamily="2" charset="2"/>
+              <a:buChar char="§"/>
+              <a:defRPr kumimoji="1" sz="2000">
+                <a:solidFill>
+                  <a:schemeClr val="tx1"/>
+                </a:solidFill>
+                <a:latin typeface="+mn-lt"/>
+                <a:ea typeface="+mn-ea"/>
+              </a:defRPr>
+            </a:lvl7pPr>
+            <a:lvl8pPr marL="3429000" indent="-228600" algn="l" rtl="0" eaLnBrk="1" fontAlgn="base" hangingPunct="1">
+              <a:spcBef>
+                <a:spcPct val="20000"/>
+              </a:spcBef>
+              <a:spcAft>
+                <a:spcPct val="0"/>
+              </a:spcAft>
+              <a:buClr>
+                <a:schemeClr val="bg2"/>
+              </a:buClr>
+              <a:buFont typeface="Wingdings" pitchFamily="2" charset="2"/>
+              <a:buChar char="§"/>
+              <a:defRPr kumimoji="1" sz="2000">
+                <a:solidFill>
+                  <a:schemeClr val="tx1"/>
+                </a:solidFill>
+                <a:latin typeface="+mn-lt"/>
+                <a:ea typeface="+mn-ea"/>
+              </a:defRPr>
+            </a:lvl8pPr>
+            <a:lvl9pPr marL="3886200" indent="-228600" algn="l" rtl="0" eaLnBrk="1" fontAlgn="base" hangingPunct="1">
+              <a:spcBef>
+                <a:spcPct val="20000"/>
+              </a:spcBef>
+              <a:spcAft>
+                <a:spcPct val="0"/>
+              </a:spcAft>
+              <a:buClr>
+                <a:schemeClr val="bg2"/>
+              </a:buClr>
+              <a:buFont typeface="Wingdings" pitchFamily="2" charset="2"/>
+              <a:buChar char="§"/>
+              <a:defRPr kumimoji="1" sz="2000">
+                <a:solidFill>
+                  <a:schemeClr val="tx1"/>
+                </a:solidFill>
+                <a:latin typeface="+mn-lt"/>
+                <a:ea typeface="+mn-ea"/>
+              </a:defRPr>
+            </a:lvl9pPr>
+          </a:lstStyle>
+          <a:p>
+            <a:r>
+              <a:rPr lang="ja-JP" altLang="en-US" kern="0" dirty="0">
+                <a:latin typeface="TakaoExゴシック" panose="020B0500000000000000" pitchFamily="50" charset="-128"/>
+                <a:ea typeface="TakaoExゴシック" panose="020B0500000000000000" pitchFamily="50" charset="-128"/>
+              </a:rPr>
+              <a:t>変更完了後、再起動する</a:t>
+            </a:r>
+          </a:p>
+        </p:txBody>
+      </p:sp>
     </p:spTree>
     <p:extLst>
       <p:ext uri="{BB962C8B-B14F-4D97-AF65-F5344CB8AC3E}">
@@ -20958,11 +21399,7 @@
                                           </p:stCondLst>
                                         </p:cTn>
                                         <p:tgtEl>
-                                          <p:spTgt spid="3">
-                                            <p:txEl>
-                                              <p:pRg st="0" end="0"/>
-                                            </p:txEl>
-                                          </p:spTgt>
+                                          <p:spTgt spid="3"/>
                                         </p:tgtEl>
                                         <p:attrNameLst>
                                           <p:attrName>style.visibility</p:attrName>
@@ -20978,30 +21415,21 @@
                             </p:childTnLst>
                           </p:cTn>
                         </p:par>
-                      </p:childTnLst>
-                    </p:cTn>
-                  </p:par>
-                  <p:par>
-                    <p:cTn id="7" fill="hold">
-                      <p:stCondLst>
-                        <p:cond delay="indefinite"/>
-                      </p:stCondLst>
-                      <p:childTnLst>
                         <p:par>
-                          <p:cTn id="8" fill="hold">
+                          <p:cTn id="7" fill="hold">
                             <p:stCondLst>
                               <p:cond delay="0"/>
                             </p:stCondLst>
                             <p:childTnLst>
                               <p:par>
-                                <p:cTn id="9" presetID="22" presetClass="entr" presetSubtype="1" fill="hold" nodeType="clickEffect">
+                                <p:cTn id="8" presetID="22" presetClass="entr" presetSubtype="1" fill="hold" nodeType="afterEffect">
                                   <p:stCondLst>
                                     <p:cond delay="0"/>
                                   </p:stCondLst>
                                   <p:childTnLst>
                                     <p:set>
                                       <p:cBhvr>
-                                        <p:cTn id="10" dur="1" fill="hold">
+                                        <p:cTn id="9" dur="1" fill="hold">
                                           <p:stCondLst>
                                             <p:cond delay="0"/>
                                           </p:stCondLst>
@@ -21019,7 +21447,7 @@
                                     </p:set>
                                     <p:animEffect transition="in" filter="wipe(up)">
                                       <p:cBhvr>
-                                        <p:cTn id="11" dur="500"/>
+                                        <p:cTn id="10" dur="500"/>
                                         <p:tgtEl>
                                           <p:spTgt spid="6"/>
                                         </p:tgtEl>
@@ -21032,20 +21460,20 @@
                           </p:cTn>
                         </p:par>
                         <p:par>
-                          <p:cTn id="12" fill="hold">
+                          <p:cTn id="11" fill="hold">
                             <p:stCondLst>
                               <p:cond delay="500"/>
                             </p:stCondLst>
                             <p:childTnLst>
                               <p:par>
-                                <p:cTn id="13" presetID="1" presetClass="entr" presetSubtype="0" fill="hold" grpId="0" nodeType="afterEffect">
+                                <p:cTn id="12" presetID="21" presetClass="entr" presetSubtype="1" fill="hold" grpId="0" nodeType="afterEffect">
                                   <p:stCondLst>
                                     <p:cond delay="0"/>
                                   </p:stCondLst>
                                   <p:childTnLst>
                                     <p:set>
                                       <p:cBhvr>
-                                        <p:cTn id="14" dur="1" fill="hold">
+                                        <p:cTn id="13" dur="1" fill="hold">
                                           <p:stCondLst>
                                             <p:cond delay="0"/>
                                           </p:stCondLst>
@@ -21061,6 +21489,14 @@
                                         <p:strVal val="visible"/>
                                       </p:to>
                                     </p:set>
+                                    <p:animEffect transition="in" filter="wheel(1)">
+                                      <p:cBhvr>
+                                        <p:cTn id="14" dur="2000"/>
+                                        <p:tgtEl>
+                                          <p:spTgt spid="8"/>
+                                        </p:tgtEl>
+                                      </p:cBhvr>
+                                    </p:animEffect>
                                   </p:childTnLst>
                                 </p:cTn>
                               </p:par>
@@ -21083,7 +21519,7 @@
                             </p:stCondLst>
                             <p:childTnLst>
                               <p:par>
-                                <p:cTn id="17" presetID="22" presetClass="entr" presetSubtype="1" fill="hold" nodeType="clickEffect">
+                                <p:cTn id="17" presetID="1" presetClass="exit" presetSubtype="0" fill="hold" grpId="1" nodeType="clickEffect">
                                   <p:stCondLst>
                                     <p:cond delay="0"/>
                                   </p:stCondLst>
@@ -21091,6 +21527,42 @@
                                     <p:set>
                                       <p:cBhvr>
                                         <p:cTn id="18" dur="1" fill="hold">
+                                          <p:stCondLst>
+                                            <p:cond delay="0"/>
+                                          </p:stCondLst>
+                                        </p:cTn>
+                                        <p:tgtEl>
+                                          <p:spTgt spid="3"/>
+                                        </p:tgtEl>
+                                        <p:attrNameLst>
+                                          <p:attrName>style.visibility</p:attrName>
+                                        </p:attrNameLst>
+                                      </p:cBhvr>
+                                      <p:to>
+                                        <p:strVal val="hidden"/>
+                                      </p:to>
+                                    </p:set>
+                                  </p:childTnLst>
+                                </p:cTn>
+                              </p:par>
+                            </p:childTnLst>
+                          </p:cTn>
+                        </p:par>
+                        <p:par>
+                          <p:cTn id="19" fill="hold">
+                            <p:stCondLst>
+                              <p:cond delay="0"/>
+                            </p:stCondLst>
+                            <p:childTnLst>
+                              <p:par>
+                                <p:cTn id="20" presetID="22" presetClass="entr" presetSubtype="1" fill="hold" nodeType="afterEffect">
+                                  <p:stCondLst>
+                                    <p:cond delay="0"/>
+                                  </p:stCondLst>
+                                  <p:childTnLst>
+                                    <p:set>
+                                      <p:cBhvr>
+                                        <p:cTn id="21" dur="1" fill="hold">
                                           <p:stCondLst>
                                             <p:cond delay="0"/>
                                           </p:stCondLst>
@@ -21108,7 +21580,7 @@
                                     </p:set>
                                     <p:animEffect transition="in" filter="wipe(up)">
                                       <p:cBhvr>
-                                        <p:cTn id="19" dur="500"/>
+                                        <p:cTn id="22" dur="500"/>
                                         <p:tgtEl>
                                           <p:spTgt spid="15"/>
                                         </p:tgtEl>
@@ -21121,20 +21593,47 @@
                           </p:cTn>
                         </p:par>
                         <p:par>
-                          <p:cTn id="20" fill="hold">
+                          <p:cTn id="23" fill="hold">
                             <p:stCondLst>
                               <p:cond delay="500"/>
                             </p:stCondLst>
                             <p:childTnLst>
                               <p:par>
-                                <p:cTn id="21" presetID="22" presetClass="entr" presetSubtype="8" fill="hold" nodeType="afterEffect">
+                                <p:cTn id="24" presetID="1" presetClass="entr" presetSubtype="0" fill="hold" grpId="0" nodeType="afterEffect">
                                   <p:stCondLst>
                                     <p:cond delay="0"/>
                                   </p:stCondLst>
                                   <p:childTnLst>
                                     <p:set>
                                       <p:cBhvr>
-                                        <p:cTn id="22" dur="1" fill="hold">
+                                        <p:cTn id="25" dur="1" fill="hold">
+                                          <p:stCondLst>
+                                            <p:cond delay="0"/>
+                                          </p:stCondLst>
+                                        </p:cTn>
+                                        <p:tgtEl>
+                                          <p:spTgt spid="13"/>
+                                        </p:tgtEl>
+                                        <p:attrNameLst>
+                                          <p:attrName>style.visibility</p:attrName>
+                                        </p:attrNameLst>
+                                      </p:cBhvr>
+                                      <p:to>
+                                        <p:strVal val="visible"/>
+                                      </p:to>
+                                    </p:set>
+                                  </p:childTnLst>
+                                </p:cTn>
+                              </p:par>
+                              <p:par>
+                                <p:cTn id="26" presetID="22" presetClass="entr" presetSubtype="8" fill="hold" nodeType="withEffect">
+                                  <p:stCondLst>
+                                    <p:cond delay="0"/>
+                                  </p:stCondLst>
+                                  <p:childTnLst>
+                                    <p:set>
+                                      <p:cBhvr>
+                                        <p:cTn id="27" dur="1" fill="hold">
                                           <p:stCondLst>
                                             <p:cond delay="0"/>
                                           </p:stCondLst>
@@ -21152,7 +21651,7 @@
                                     </p:set>
                                     <p:animEffect transition="in" filter="wipe(left)">
                                       <p:cBhvr>
-                                        <p:cTn id="23" dur="500"/>
+                                        <p:cTn id="28" dur="500"/>
                                         <p:tgtEl>
                                           <p:spTgt spid="11"/>
                                         </p:tgtEl>
@@ -21165,20 +21664,20 @@
                           </p:cTn>
                         </p:par>
                         <p:par>
-                          <p:cTn id="24" fill="hold">
+                          <p:cTn id="29" fill="hold">
                             <p:stCondLst>
                               <p:cond delay="1000"/>
                             </p:stCondLst>
                             <p:childTnLst>
                               <p:par>
-                                <p:cTn id="25" presetID="1" presetClass="entr" presetSubtype="0" fill="hold" grpId="0" nodeType="afterEffect">
+                                <p:cTn id="30" presetID="21" presetClass="entr" presetSubtype="1" fill="hold" grpId="0" nodeType="afterEffect">
                                   <p:stCondLst>
                                     <p:cond delay="0"/>
                                   </p:stCondLst>
                                   <p:childTnLst>
                                     <p:set>
                                       <p:cBhvr>
-                                        <p:cTn id="26" dur="1" fill="hold">
+                                        <p:cTn id="31" dur="1" fill="hold">
                                           <p:stCondLst>
                                             <p:cond delay="0"/>
                                           </p:stCondLst>
@@ -21194,6 +21693,14 @@
                                         <p:strVal val="visible"/>
                                       </p:to>
                                     </p:set>
+                                    <p:animEffect transition="in" filter="wheel(1)">
+                                      <p:cBhvr>
+                                        <p:cTn id="32" dur="2000"/>
+                                        <p:tgtEl>
+                                          <p:spTgt spid="9"/>
+                                        </p:tgtEl>
+                                      </p:cBhvr>
+                                    </p:animEffect>
                                   </p:childTnLst>
                                 </p:cTn>
                               </p:par>
@@ -21204,26 +21711,62 @@
                     </p:cTn>
                   </p:par>
                   <p:par>
-                    <p:cTn id="27" fill="hold">
+                    <p:cTn id="33" fill="hold">
                       <p:stCondLst>
                         <p:cond delay="indefinite"/>
                       </p:stCondLst>
                       <p:childTnLst>
                         <p:par>
-                          <p:cTn id="28" fill="hold">
+                          <p:cTn id="34" fill="hold">
                             <p:stCondLst>
                               <p:cond delay="0"/>
                             </p:stCondLst>
                             <p:childTnLst>
                               <p:par>
-                                <p:cTn id="29" presetID="22" presetClass="entr" presetSubtype="1" fill="hold" nodeType="clickEffect">
+                                <p:cTn id="35" presetID="1" presetClass="exit" presetSubtype="0" fill="hold" grpId="1" nodeType="clickEffect">
                                   <p:stCondLst>
                                     <p:cond delay="0"/>
                                   </p:stCondLst>
                                   <p:childTnLst>
                                     <p:set>
                                       <p:cBhvr>
-                                        <p:cTn id="30" dur="1" fill="hold">
+                                        <p:cTn id="36" dur="1" fill="hold">
+                                          <p:stCondLst>
+                                            <p:cond delay="0"/>
+                                          </p:stCondLst>
+                                        </p:cTn>
+                                        <p:tgtEl>
+                                          <p:spTgt spid="13"/>
+                                        </p:tgtEl>
+                                        <p:attrNameLst>
+                                          <p:attrName>style.visibility</p:attrName>
+                                        </p:attrNameLst>
+                                      </p:cBhvr>
+                                      <p:to>
+                                        <p:strVal val="hidden"/>
+                                      </p:to>
+                                    </p:set>
+                                  </p:childTnLst>
+                                </p:cTn>
+                              </p:par>
+                            </p:childTnLst>
+                          </p:cTn>
+                        </p:par>
+                        <p:par>
+                          <p:cTn id="37" fill="hold">
+                            <p:stCondLst>
+                              <p:cond delay="0"/>
+                            </p:stCondLst>
+                            <p:childTnLst>
+                              <p:par>
+                                <p:cTn id="38" presetID="22" presetClass="entr" presetSubtype="1" fill="hold" nodeType="afterEffect">
+                                  <p:stCondLst>
+                                    <p:cond delay="0"/>
+                                  </p:stCondLst>
+                                  <p:childTnLst>
+                                    <p:set>
+                                      <p:cBhvr>
+                                        <p:cTn id="39" dur="1" fill="hold">
                                           <p:stCondLst>
                                             <p:cond delay="0"/>
                                           </p:stCondLst>
@@ -21241,7 +21784,7 @@
                                     </p:set>
                                     <p:animEffect transition="in" filter="wipe(up)">
                                       <p:cBhvr>
-                                        <p:cTn id="31" dur="500"/>
+                                        <p:cTn id="40" dur="500"/>
                                         <p:tgtEl>
                                           <p:spTgt spid="19"/>
                                         </p:tgtEl>
@@ -21254,20 +21797,47 @@
                           </p:cTn>
                         </p:par>
                         <p:par>
-                          <p:cTn id="32" fill="hold">
+                          <p:cTn id="41" fill="hold">
                             <p:stCondLst>
                               <p:cond delay="500"/>
                             </p:stCondLst>
                             <p:childTnLst>
                               <p:par>
-                                <p:cTn id="33" presetID="22" presetClass="entr" presetSubtype="8" fill="hold" nodeType="afterEffect">
+                                <p:cTn id="42" presetID="1" presetClass="entr" presetSubtype="0" fill="hold" grpId="0" nodeType="afterEffect">
                                   <p:stCondLst>
                                     <p:cond delay="0"/>
                                   </p:stCondLst>
                                   <p:childTnLst>
                                     <p:set>
                                       <p:cBhvr>
-                                        <p:cTn id="34" dur="1" fill="hold">
+                                        <p:cTn id="43" dur="1" fill="hold">
+                                          <p:stCondLst>
+                                            <p:cond delay="0"/>
+                                          </p:stCondLst>
+                                        </p:cTn>
+                                        <p:tgtEl>
+                                          <p:spTgt spid="14"/>
+                                        </p:tgtEl>
+                                        <p:attrNameLst>
+                                          <p:attrName>style.visibility</p:attrName>
+                                        </p:attrNameLst>
+                                      </p:cBhvr>
+                                      <p:to>
+                                        <p:strVal val="visible"/>
+                                      </p:to>
+                                    </p:set>
+                                  </p:childTnLst>
+                                </p:cTn>
+                              </p:par>
+                              <p:par>
+                                <p:cTn id="44" presetID="22" presetClass="entr" presetSubtype="8" fill="hold" nodeType="withEffect">
+                                  <p:stCondLst>
+                                    <p:cond delay="0"/>
+                                  </p:stCondLst>
+                                  <p:childTnLst>
+                                    <p:set>
+                                      <p:cBhvr>
+                                        <p:cTn id="45" dur="1" fill="hold">
                                           <p:stCondLst>
                                             <p:cond delay="0"/>
                                           </p:stCondLst>
@@ -21285,7 +21855,7 @@
                                     </p:set>
                                     <p:animEffect transition="in" filter="wipe(left)">
                                       <p:cBhvr>
-                                        <p:cTn id="35" dur="500"/>
+                                        <p:cTn id="46" dur="500"/>
                                         <p:tgtEl>
                                           <p:spTgt spid="21"/>
                                         </p:tgtEl>
@@ -21298,20 +21868,20 @@
                           </p:cTn>
                         </p:par>
                         <p:par>
-                          <p:cTn id="36" fill="hold">
+                          <p:cTn id="47" fill="hold">
                             <p:stCondLst>
                               <p:cond delay="1000"/>
                             </p:stCondLst>
                             <p:childTnLst>
                               <p:par>
-                                <p:cTn id="37" presetID="1" presetClass="entr" presetSubtype="0" fill="hold" grpId="0" nodeType="afterEffect">
+                                <p:cTn id="48" presetID="21" presetClass="entr" presetSubtype="1" fill="hold" grpId="0" nodeType="afterEffect">
                                   <p:stCondLst>
                                     <p:cond delay="0"/>
                                   </p:stCondLst>
                                   <p:childTnLst>
                                     <p:set>
                                       <p:cBhvr>
-                                        <p:cTn id="38" dur="1" fill="hold">
+                                        <p:cTn id="49" dur="1" fill="hold">
                                           <p:stCondLst>
                                             <p:cond delay="0"/>
                                           </p:stCondLst>
@@ -21327,6 +21897,14 @@
                                         <p:strVal val="visible"/>
                                       </p:to>
                                     </p:set>
+                                    <p:animEffect transition="in" filter="wheel(1)">
+                                      <p:cBhvr>
+                                        <p:cTn id="50" dur="2000"/>
+                                        <p:tgtEl>
+                                          <p:spTgt spid="20"/>
+                                        </p:tgtEl>
+                                      </p:cBhvr>
+                                    </p:animEffect>
                                   </p:childTnLst>
                                 </p:cTn>
                               </p:par>
@@ -21358,10 +21936,14 @@
       </p:par>
     </p:tnLst>
     <p:bldLst>
-      <p:bldP spid="3" grpId="0" build="p"/>
       <p:bldP spid="8" grpId="0" animBg="1"/>
       <p:bldP spid="9" grpId="0" animBg="1"/>
       <p:bldP spid="20" grpId="0" animBg="1"/>
+      <p:bldP spid="3" grpId="0" animBg="1"/>
+      <p:bldP spid="3" grpId="1" animBg="1"/>
+      <p:bldP spid="13" grpId="0" animBg="1"/>
+      <p:bldP spid="13" grpId="1" animBg="1"/>
+      <p:bldP spid="14" grpId="0" animBg="1"/>
     </p:bldLst>
   </p:timing>
 </p:sld>
@@ -21854,30 +22436,109 @@
                             </p:childTnLst>
                           </p:cTn>
                         </p:par>
-                      </p:childTnLst>
-                    </p:cTn>
-                  </p:par>
-                  <p:par>
-                    <p:cTn id="9" fill="hold">
-                      <p:stCondLst>
-                        <p:cond delay="indefinite"/>
-                      </p:stCondLst>
-                      <p:childTnLst>
                         <p:par>
-                          <p:cTn id="10" fill="hold">
+                          <p:cTn id="9" fill="hold">
                             <p:stCondLst>
                               <p:cond delay="0"/>
                             </p:stCondLst>
                             <p:childTnLst>
                               <p:par>
-                                <p:cTn id="11" presetID="1" presetClass="entr" presetSubtype="0" fill="hold" grpId="0" nodeType="clickEffect">
+                                <p:cTn id="10" presetID="22" presetClass="entr" presetSubtype="1" fill="hold" nodeType="afterEffect">
                                   <p:stCondLst>
                                     <p:cond delay="0"/>
                                   </p:stCondLst>
                                   <p:childTnLst>
                                     <p:set>
                                       <p:cBhvr>
-                                        <p:cTn id="12" dur="1" fill="hold">
+                                        <p:cTn id="11" dur="1" fill="hold">
+                                          <p:stCondLst>
+                                            <p:cond delay="0"/>
+                                          </p:stCondLst>
+                                        </p:cTn>
+                                        <p:tgtEl>
+                                          <p:spTgt spid="5"/>
+                                        </p:tgtEl>
+                                        <p:attrNameLst>
+                                          <p:attrName>style.visibility</p:attrName>
+                                        </p:attrNameLst>
+                                      </p:cBhvr>
+                                      <p:to>
+                                        <p:strVal val="visible"/>
+                                      </p:to>
+                                    </p:set>
+                                    <p:animEffect transition="in" filter="wipe(up)">
+                                      <p:cBhvr>
+                                        <p:cTn id="12" dur="500"/>
+                                        <p:tgtEl>
+                                          <p:spTgt spid="5"/>
+                                        </p:tgtEl>
+                                      </p:cBhvr>
+                                    </p:animEffect>
+                                  </p:childTnLst>
+                                </p:cTn>
+                              </p:par>
+                            </p:childTnLst>
+                          </p:cTn>
+                        </p:par>
+                        <p:par>
+                          <p:cTn id="13" fill="hold">
+                            <p:stCondLst>
+                              <p:cond delay="500"/>
+                            </p:stCondLst>
+                            <p:childTnLst>
+                              <p:par>
+                                <p:cTn id="14" presetID="21" presetClass="entr" presetSubtype="1" fill="hold" grpId="0" nodeType="afterEffect">
+                                  <p:stCondLst>
+                                    <p:cond delay="0"/>
+                                  </p:stCondLst>
+                                  <p:childTnLst>
+                                    <p:set>
+                                      <p:cBhvr>
+                                        <p:cTn id="15" dur="1" fill="hold">
+                                          <p:stCondLst>
+                                            <p:cond delay="0"/>
+                                          </p:stCondLst>
+                                        </p:cTn>
+                                        <p:tgtEl>
+                                          <p:spTgt spid="8"/>
+                                        </p:tgtEl>
+                                        <p:attrNameLst>
+                                          <p:attrName>style.visibility</p:attrName>
+                                        </p:attrNameLst>
+                                      </p:cBhvr>
+                                      <p:to>
+                                        <p:strVal val="visible"/>
+                                      </p:to>
+                                    </p:set>
+                                    <p:animEffect transition="in" filter="wheel(1)">
+                                      <p:cBhvr>
+                                        <p:cTn id="16" dur="2000"/>
+                                        <p:tgtEl>
+                                          <p:spTgt spid="8"/>
+                                        </p:tgtEl>
+                                      </p:cBhvr>
+                                    </p:animEffect>
+                                  </p:childTnLst>
+                                </p:cTn>
+                              </p:par>
+                            </p:childTnLst>
+                          </p:cTn>
+                        </p:par>
+                        <p:par>
+                          <p:cTn id="17" fill="hold">
+                            <p:stCondLst>
+                              <p:cond delay="2500"/>
+                            </p:stCondLst>
+                            <p:childTnLst>
+                              <p:par>
+                                <p:cTn id="18" presetID="1" presetClass="entr" presetSubtype="0" fill="hold" grpId="0" nodeType="afterEffect">
+                                  <p:stCondLst>
+                                    <p:cond delay="0"/>
+                                  </p:stCondLst>
+                                  <p:childTnLst>
+                                    <p:set>
+                                      <p:cBhvr>
+                                        <p:cTn id="19" dur="1" fill="hold">
                                           <p:stCondLst>
                                             <p:cond delay="0"/>
                                           </p:stCondLst>
@@ -21903,128 +22564,21 @@
                             </p:childTnLst>
                           </p:cTn>
                         </p:par>
-                      </p:childTnLst>
-                    </p:cTn>
-                  </p:par>
-                  <p:par>
-                    <p:cTn id="13" fill="hold">
-                      <p:stCondLst>
-                        <p:cond delay="indefinite"/>
-                      </p:stCondLst>
-                      <p:childTnLst>
                         <p:par>
-                          <p:cTn id="14" fill="hold">
+                          <p:cTn id="20" fill="hold">
                             <p:stCondLst>
-                              <p:cond delay="0"/>
+                              <p:cond delay="2500"/>
                             </p:stCondLst>
                             <p:childTnLst>
                               <p:par>
-                                <p:cTn id="15" presetID="22" presetClass="entr" presetSubtype="1" fill="hold" nodeType="clickEffect">
+                                <p:cTn id="21" presetID="22" presetClass="entr" presetSubtype="1" fill="hold" nodeType="afterEffect">
                                   <p:stCondLst>
                                     <p:cond delay="0"/>
                                   </p:stCondLst>
                                   <p:childTnLst>
                                     <p:set>
                                       <p:cBhvr>
-                                        <p:cTn id="16" dur="1" fill="hold">
-                                          <p:stCondLst>
-                                            <p:cond delay="0"/>
-                                          </p:stCondLst>
-                                        </p:cTn>
-                                        <p:tgtEl>
-                                          <p:spTgt spid="5"/>
-                                        </p:tgtEl>
-                                        <p:attrNameLst>
-                                          <p:attrName>style.visibility</p:attrName>
-                                        </p:attrNameLst>
-                                      </p:cBhvr>
-                                      <p:to>
-                                        <p:strVal val="visible"/>
-                                      </p:to>
-                                    </p:set>
-                                    <p:animEffect transition="in" filter="wipe(up)">
-                                      <p:cBhvr>
-                                        <p:cTn id="17" dur="500"/>
-                                        <p:tgtEl>
-                                          <p:spTgt spid="5"/>
-                                        </p:tgtEl>
-                                      </p:cBhvr>
-                                    </p:animEffect>
-                                  </p:childTnLst>
-                                </p:cTn>
-                              </p:par>
-                            </p:childTnLst>
-                          </p:cTn>
-                        </p:par>
-                      </p:childTnLst>
-                    </p:cTn>
-                  </p:par>
-                  <p:par>
-                    <p:cTn id="18" fill="hold">
-                      <p:stCondLst>
-                        <p:cond delay="indefinite"/>
-                      </p:stCondLst>
-                      <p:childTnLst>
-                        <p:par>
-                          <p:cTn id="19" fill="hold">
-                            <p:stCondLst>
-                              <p:cond delay="0"/>
-                            </p:stCondLst>
-                            <p:childTnLst>
-                              <p:par>
-                                <p:cTn id="20" presetID="1" presetClass="entr" presetSubtype="0" fill="hold" grpId="0" nodeType="clickEffect">
-                                  <p:stCondLst>
-                                    <p:cond delay="0"/>
-                                  </p:stCondLst>
-                                  <p:childTnLst>
-                                    <p:set>
-                                      <p:cBhvr>
-                                        <p:cTn id="21" dur="1" fill="hold">
-                                          <p:stCondLst>
-                                            <p:cond delay="0"/>
-                                          </p:stCondLst>
-                                        </p:cTn>
-                                        <p:tgtEl>
-                                          <p:spTgt spid="8"/>
-                                        </p:tgtEl>
-                                        <p:attrNameLst>
-                                          <p:attrName>style.visibility</p:attrName>
-                                        </p:attrNameLst>
-                                      </p:cBhvr>
-                                      <p:to>
-                                        <p:strVal val="visible"/>
-                                      </p:to>
-                                    </p:set>
-                                  </p:childTnLst>
-                                </p:cTn>
-                              </p:par>
-                            </p:childTnLst>
-                          </p:cTn>
-                        </p:par>
-                      </p:childTnLst>
-                    </p:cTn>
-                  </p:par>
-                  <p:par>
-                    <p:cTn id="22" fill="hold">
-                      <p:stCondLst>
-                        <p:cond delay="indefinite"/>
-                      </p:stCondLst>
-                      <p:childTnLst>
-                        <p:par>
-                          <p:cTn id="23" fill="hold">
-                            <p:stCondLst>
-                              <p:cond delay="0"/>
-                            </p:stCondLst>
-                            <p:childTnLst>
-                              <p:par>
-                                <p:cTn id="24" presetID="22" presetClass="entr" presetSubtype="1" fill="hold" nodeType="clickEffect">
-                                  <p:stCondLst>
-                                    <p:cond delay="0"/>
-                                  </p:stCondLst>
-                                  <p:childTnLst>
-                                    <p:set>
-                                      <p:cBhvr>
-                                        <p:cTn id="25" dur="1" fill="hold">
+                                        <p:cTn id="22" dur="1" fill="hold">
                                           <p:stCondLst>
                                             <p:cond delay="0"/>
                                           </p:stCondLst>
@@ -22042,7 +22596,7 @@
                                     </p:set>
                                     <p:animEffect transition="in" filter="wipe(up)">
                                       <p:cBhvr>
-                                        <p:cTn id="26" dur="500"/>
+                                        <p:cTn id="23" dur="500"/>
                                         <p:tgtEl>
                                           <p:spTgt spid="7"/>
                                         </p:tgtEl>
@@ -22055,20 +22609,20 @@
                           </p:cTn>
                         </p:par>
                         <p:par>
-                          <p:cTn id="27" fill="hold">
+                          <p:cTn id="24" fill="hold">
                             <p:stCondLst>
-                              <p:cond delay="500"/>
+                              <p:cond delay="3000"/>
                             </p:stCondLst>
                             <p:childTnLst>
                               <p:par>
-                                <p:cTn id="28" presetID="22" presetClass="entr" presetSubtype="8" fill="hold" nodeType="afterEffect">
+                                <p:cTn id="25" presetID="22" presetClass="entr" presetSubtype="8" fill="hold" nodeType="afterEffect">
                                   <p:stCondLst>
                                     <p:cond delay="0"/>
                                   </p:stCondLst>
                                   <p:childTnLst>
                                     <p:set>
                                       <p:cBhvr>
-                                        <p:cTn id="29" dur="1" fill="hold">
+                                        <p:cTn id="26" dur="1" fill="hold">
                                           <p:stCondLst>
                                             <p:cond delay="0"/>
                                           </p:stCondLst>
@@ -22086,7 +22640,7 @@
                                     </p:set>
                                     <p:animEffect transition="in" filter="wipe(left)">
                                       <p:cBhvr>
-                                        <p:cTn id="30" dur="500"/>
+                                        <p:cTn id="27" dur="500"/>
                                         <p:tgtEl>
                                           <p:spTgt spid="11"/>
                                         </p:tgtEl>
@@ -22099,20 +22653,20 @@
                           </p:cTn>
                         </p:par>
                         <p:par>
-                          <p:cTn id="31" fill="hold">
+                          <p:cTn id="28" fill="hold">
                             <p:stCondLst>
-                              <p:cond delay="1000"/>
+                              <p:cond delay="3500"/>
                             </p:stCondLst>
                             <p:childTnLst>
                               <p:par>
-                                <p:cTn id="32" presetID="1" presetClass="entr" presetSubtype="0" fill="hold" grpId="0" nodeType="afterEffect">
+                                <p:cTn id="29" presetID="21" presetClass="entr" presetSubtype="1" fill="hold" grpId="0" nodeType="afterEffect">
                                   <p:stCondLst>
                                     <p:cond delay="0"/>
                                   </p:stCondLst>
                                   <p:childTnLst>
                                     <p:set>
                                       <p:cBhvr>
-                                        <p:cTn id="33" dur="1" fill="hold">
+                                        <p:cTn id="30" dur="1" fill="hold">
                                           <p:stCondLst>
                                             <p:cond delay="0"/>
                                           </p:stCondLst>
@@ -22128,6 +22682,14 @@
                                         <p:strVal val="visible"/>
                                       </p:to>
                                     </p:set>
+                                    <p:animEffect transition="in" filter="wheel(1)">
+                                      <p:cBhvr>
+                                        <p:cTn id="31" dur="2000"/>
+                                        <p:tgtEl>
+                                          <p:spTgt spid="9"/>
+                                        </p:tgtEl>
+                                      </p:cBhvr>
+                                    </p:animEffect>
                                   </p:childTnLst>
                                 </p:cTn>
                               </p:par>
@@ -22159,7 +22721,7 @@
       </p:par>
     </p:tnLst>
     <p:bldLst>
-      <p:bldP spid="3" grpId="0" build="p"/>
+      <p:bldP spid="3" grpId="0" uiExpand="1" build="p"/>
       <p:bldP spid="8" grpId="0" animBg="1"/>
       <p:bldP spid="9" grpId="0" animBg="1"/>
     </p:bldLst>
@@ -22233,64 +22795,6 @@
           </a:p>
         </p:txBody>
       </p:sp>
-      <p:sp>
-        <p:nvSpPr>
-          <p:cNvPr id="3" name="コンテンツ プレースホルダー 2">
-            <a:extLst>
-              <a:ext uri="{FF2B5EF4-FFF2-40B4-BE49-F238E27FC236}">
-                <a16:creationId xmlns:a16="http://schemas.microsoft.com/office/drawing/2014/main" id="{C044A338-8D2B-45EC-BE8C-FFE21B5C386E}"/>
-              </a:ext>
-            </a:extLst>
-          </p:cNvPr>
-          <p:cNvSpPr>
-            <a:spLocks noGrp="1"/>
-          </p:cNvSpPr>
-          <p:nvPr>
-            <p:ph idx="1"/>
-          </p:nvPr>
-        </p:nvSpPr>
-        <p:spPr/>
-        <p:txBody>
-          <a:bodyPr/>
-          <a:lstStyle/>
-          <a:p>
-            <a:r>
-              <a:rPr kumimoji="1" lang="ja-JP" altLang="en-US" dirty="0">
-                <a:latin typeface="TakaoExゴシック" panose="020B0500000000000000" pitchFamily="50" charset="-128"/>
-                <a:ea typeface="TakaoExゴシック" panose="020B0500000000000000" pitchFamily="50" charset="-128"/>
-              </a:rPr>
-              <a:t>特集ページで</a:t>
-            </a:r>
-            <a:r>
-              <a:rPr kumimoji="1" lang="en-US" altLang="ja-JP" dirty="0">
-                <a:latin typeface="TakaoExゴシック" panose="020B0500000000000000" pitchFamily="50" charset="-128"/>
-                <a:ea typeface="TakaoExゴシック" panose="020B0500000000000000" pitchFamily="50" charset="-128"/>
-              </a:rPr>
-              <a:t>Ubuntu</a:t>
-            </a:r>
-            <a:r>
-              <a:rPr kumimoji="1" lang="ja-JP" altLang="en-US" dirty="0">
-                <a:latin typeface="TakaoExゴシック" panose="020B0500000000000000" pitchFamily="50" charset="-128"/>
-                <a:ea typeface="TakaoExゴシック" panose="020B0500000000000000" pitchFamily="50" charset="-128"/>
-              </a:rPr>
-              <a:t>を選び、「入手」をクリック</a:t>
-            </a:r>
-            <a:endParaRPr kumimoji="1" lang="en-US" altLang="ja-JP" dirty="0">
-              <a:latin typeface="TakaoExゴシック" panose="020B0500000000000000" pitchFamily="50" charset="-128"/>
-              <a:ea typeface="TakaoExゴシック" panose="020B0500000000000000" pitchFamily="50" charset="-128"/>
-            </a:endParaRPr>
-          </a:p>
-          <a:p>
-            <a:r>
-              <a:rPr kumimoji="1" lang="ja-JP" altLang="en-US" dirty="0">
-                <a:latin typeface="TakaoExゴシック" panose="020B0500000000000000" pitchFamily="50" charset="-128"/>
-                <a:ea typeface="TakaoExゴシック" panose="020B0500000000000000" pitchFamily="50" charset="-128"/>
-              </a:rPr>
-              <a:t>あとは、インストール終了を待つ</a:t>
-            </a:r>
-          </a:p>
-        </p:txBody>
-      </p:sp>
       <p:pic>
         <p:nvPicPr>
           <p:cNvPr id="6" name="図 5">
@@ -22326,6 +22830,65 @@
           </a:prstGeom>
         </p:spPr>
       </p:pic>
+      <p:sp>
+        <p:nvSpPr>
+          <p:cNvPr id="3" name="コンテンツ プレースホルダー 2">
+            <a:extLst>
+              <a:ext uri="{FF2B5EF4-FFF2-40B4-BE49-F238E27FC236}">
+                <a16:creationId xmlns:a16="http://schemas.microsoft.com/office/drawing/2014/main" id="{C044A338-8D2B-45EC-BE8C-FFE21B5C386E}"/>
+              </a:ext>
+            </a:extLst>
+          </p:cNvPr>
+          <p:cNvSpPr>
+            <a:spLocks noGrp="1"/>
+          </p:cNvSpPr>
+          <p:nvPr>
+            <p:ph idx="1"/>
+          </p:nvPr>
+        </p:nvSpPr>
+        <p:spPr>
+          <a:xfrm>
+            <a:off x="609600" y="1981200"/>
+            <a:ext cx="10972800" cy="709414"/>
+          </a:xfrm>
+          <a:solidFill>
+            <a:srgbClr val="FFFFFF">
+              <a:alpha val="69804"/>
+            </a:srgbClr>
+          </a:solidFill>
+        </p:spPr>
+        <p:txBody>
+          <a:bodyPr/>
+          <a:lstStyle/>
+          <a:p>
+            <a:r>
+              <a:rPr kumimoji="1" lang="ja-JP" altLang="en-US" dirty="0">
+                <a:latin typeface="TakaoExゴシック" panose="020B0500000000000000" pitchFamily="50" charset="-128"/>
+                <a:ea typeface="TakaoExゴシック" panose="020B0500000000000000" pitchFamily="50" charset="-128"/>
+              </a:rPr>
+              <a:t>特集ページで</a:t>
+            </a:r>
+            <a:r>
+              <a:rPr kumimoji="1" lang="en-US" altLang="ja-JP" dirty="0">
+                <a:latin typeface="TakaoExゴシック" panose="020B0500000000000000" pitchFamily="50" charset="-128"/>
+                <a:ea typeface="TakaoExゴシック" panose="020B0500000000000000" pitchFamily="50" charset="-128"/>
+              </a:rPr>
+              <a:t>Ubuntu</a:t>
+            </a:r>
+            <a:r>
+              <a:rPr kumimoji="1" lang="ja-JP" altLang="en-US" dirty="0">
+                <a:latin typeface="TakaoExゴシック" panose="020B0500000000000000" pitchFamily="50" charset="-128"/>
+                <a:ea typeface="TakaoExゴシック" panose="020B0500000000000000" pitchFamily="50" charset="-128"/>
+              </a:rPr>
+              <a:t>を選び、「入手」をクリック</a:t>
+            </a:r>
+            <a:endParaRPr kumimoji="1" lang="en-US" altLang="ja-JP" dirty="0">
+              <a:latin typeface="TakaoExゴシック" panose="020B0500000000000000" pitchFamily="50" charset="-128"/>
+              <a:ea typeface="TakaoExゴシック" panose="020B0500000000000000" pitchFamily="50" charset="-128"/>
+            </a:endParaRPr>
+          </a:p>
+        </p:txBody>
+      </p:sp>
       <p:sp>
         <p:nvSpPr>
           <p:cNvPr id="8" name="楕円 7">
@@ -22495,6 +23058,13 @@
             </a:solidFill>
             <a:tailEnd type="triangle"/>
           </a:ln>
+          <a:effectLst>
+            <a:outerShdw blurRad="50800" dist="38100" dir="13500000" algn="br" rotWithShape="0">
+              <a:prstClr val="black">
+                <a:alpha val="40000"/>
+              </a:prstClr>
+            </a:outerShdw>
+          </a:effectLst>
         </p:spPr>
         <p:style>
           <a:lnRef idx="1">
@@ -22511,6 +23081,267 @@
           </a:fontRef>
         </p:style>
       </p:cxnSp>
+      <p:sp>
+        <p:nvSpPr>
+          <p:cNvPr id="10" name="コンテンツ プレースホルダー 2">
+            <a:extLst>
+              <a:ext uri="{FF2B5EF4-FFF2-40B4-BE49-F238E27FC236}">
+                <a16:creationId xmlns:a16="http://schemas.microsoft.com/office/drawing/2014/main" id="{BA35816B-F100-4AAD-AE80-A169C9D1F7AE}"/>
+              </a:ext>
+            </a:extLst>
+          </p:cNvPr>
+          <p:cNvSpPr txBox="1">
+            <a:spLocks/>
+          </p:cNvSpPr>
+          <p:nvPr/>
+        </p:nvSpPr>
+        <p:spPr bwMode="auto">
+          <a:xfrm>
+            <a:off x="5052333" y="6187936"/>
+            <a:ext cx="7140445" cy="709414"/>
+          </a:xfrm>
+          <a:prstGeom prst="rect">
+            <a:avLst/>
+          </a:prstGeom>
+          <a:solidFill>
+            <a:srgbClr val="FFFFFF">
+              <a:alpha val="69804"/>
+            </a:srgbClr>
+          </a:solidFill>
+          <a:ln>
+            <a:noFill/>
+          </a:ln>
+          <a:effectLst/>
+          <a:extLst>
+            <a:ext uri="{91240B29-F687-4F45-9708-019B960494DF}">
+              <a14:hiddenLine xmlns:a14="http://schemas.microsoft.com/office/drawing/2010/main" w="9525">
+                <a:solidFill>
+                  <a:schemeClr val="tx1"/>
+                </a:solidFill>
+                <a:miter lim="800000"/>
+                <a:headEnd/>
+                <a:tailEnd/>
+              </a14:hiddenLine>
+            </a:ext>
+            <a:ext uri="{AF507438-7753-43E0-B8FC-AC1667EBCBE1}">
+              <a14:hiddenEffects xmlns:a14="http://schemas.microsoft.com/office/drawing/2010/main">
+                <a:effectLst>
+                  <a:outerShdw dist="35921" dir="2700000" algn="ctr" rotWithShape="0">
+                    <a:schemeClr val="bg2"/>
+                  </a:outerShdw>
+                </a:effectLst>
+              </a14:hiddenEffects>
+            </a:ext>
+          </a:extLst>
+        </p:spPr>
+        <p:txBody>
+          <a:bodyPr vert="horz" wrap="square" lIns="91440" tIns="45720" rIns="91440" bIns="45720" numCol="1" anchor="t" anchorCtr="0" compatLnSpc="1">
+            <a:prstTxWarp prst="textNoShape">
+              <a:avLst/>
+            </a:prstTxWarp>
+          </a:bodyPr>
+          <a:lstStyle>
+            <a:lvl1pPr marL="342900" indent="-342900" algn="l" rtl="0" eaLnBrk="1" fontAlgn="base" hangingPunct="1">
+              <a:spcBef>
+                <a:spcPct val="20000"/>
+              </a:spcBef>
+              <a:spcAft>
+                <a:spcPct val="0"/>
+              </a:spcAft>
+              <a:buClr>
+                <a:schemeClr val="bg2"/>
+              </a:buClr>
+              <a:buSzPct val="75000"/>
+              <a:buFont typeface="Wingdings" panose="05000000000000000000" pitchFamily="2" charset="2"/>
+              <a:buChar char="n"/>
+              <a:defRPr kumimoji="1" sz="3200">
+                <a:solidFill>
+                  <a:schemeClr val="tx1"/>
+                </a:solidFill>
+                <a:latin typeface="+mn-lt"/>
+                <a:ea typeface="+mn-ea"/>
+                <a:cs typeface="+mn-cs"/>
+              </a:defRPr>
+            </a:lvl1pPr>
+            <a:lvl2pPr marL="742950" indent="-285750" algn="l" rtl="0" eaLnBrk="1" fontAlgn="base" hangingPunct="1">
+              <a:spcBef>
+                <a:spcPct val="20000"/>
+              </a:spcBef>
+              <a:spcAft>
+                <a:spcPct val="0"/>
+              </a:spcAft>
+              <a:buClr>
+                <a:schemeClr val="accent2"/>
+              </a:buClr>
+              <a:buSzPct val="80000"/>
+              <a:buFont typeface="Wingdings" panose="05000000000000000000" pitchFamily="2" charset="2"/>
+              <a:buChar char="¨"/>
+              <a:defRPr kumimoji="1" sz="2800">
+                <a:solidFill>
+                  <a:schemeClr val="tx1"/>
+                </a:solidFill>
+                <a:latin typeface="+mn-lt"/>
+                <a:ea typeface="+mn-ea"/>
+              </a:defRPr>
+            </a:lvl2pPr>
+            <a:lvl3pPr marL="1143000" indent="-228600" algn="l" rtl="0" eaLnBrk="1" fontAlgn="base" hangingPunct="1">
+              <a:spcBef>
+                <a:spcPct val="20000"/>
+              </a:spcBef>
+              <a:spcAft>
+                <a:spcPct val="0"/>
+              </a:spcAft>
+              <a:buClr>
+                <a:schemeClr val="bg2"/>
+              </a:buClr>
+              <a:buSzPct val="65000"/>
+              <a:buFont typeface="Wingdings" panose="05000000000000000000" pitchFamily="2" charset="2"/>
+              <a:buChar char="n"/>
+              <a:defRPr kumimoji="1" sz="2400">
+                <a:solidFill>
+                  <a:schemeClr val="tx1"/>
+                </a:solidFill>
+                <a:latin typeface="+mn-lt"/>
+                <a:ea typeface="+mn-ea"/>
+              </a:defRPr>
+            </a:lvl3pPr>
+            <a:lvl4pPr marL="1600200" indent="-228600" algn="l" rtl="0" eaLnBrk="1" fontAlgn="base" hangingPunct="1">
+              <a:spcBef>
+                <a:spcPct val="20000"/>
+              </a:spcBef>
+              <a:spcAft>
+                <a:spcPct val="0"/>
+              </a:spcAft>
+              <a:buClr>
+                <a:schemeClr val="accent2"/>
+              </a:buClr>
+              <a:buSzPct val="70000"/>
+              <a:buFont typeface="Wingdings" panose="05000000000000000000" pitchFamily="2" charset="2"/>
+              <a:buChar char="¨"/>
+              <a:defRPr kumimoji="1" sz="2000">
+                <a:solidFill>
+                  <a:schemeClr val="tx1"/>
+                </a:solidFill>
+                <a:latin typeface="+mn-lt"/>
+                <a:ea typeface="+mn-ea"/>
+              </a:defRPr>
+            </a:lvl4pPr>
+            <a:lvl5pPr marL="2057400" indent="-228600" algn="l" rtl="0" eaLnBrk="1" fontAlgn="base" hangingPunct="1">
+              <a:spcBef>
+                <a:spcPct val="20000"/>
+              </a:spcBef>
+              <a:spcAft>
+                <a:spcPct val="0"/>
+              </a:spcAft>
+              <a:buClr>
+                <a:schemeClr val="bg2"/>
+              </a:buClr>
+              <a:buFont typeface="Wingdings" panose="05000000000000000000" pitchFamily="2" charset="2"/>
+              <a:buChar char="§"/>
+              <a:defRPr kumimoji="1" sz="2000">
+                <a:solidFill>
+                  <a:schemeClr val="tx1"/>
+                </a:solidFill>
+                <a:latin typeface="+mn-lt"/>
+                <a:ea typeface="+mn-ea"/>
+              </a:defRPr>
+            </a:lvl5pPr>
+            <a:lvl6pPr marL="2514600" indent="-228600" algn="l" rtl="0" eaLnBrk="1" fontAlgn="base" hangingPunct="1">
+              <a:spcBef>
+                <a:spcPct val="20000"/>
+              </a:spcBef>
+              <a:spcAft>
+                <a:spcPct val="0"/>
+              </a:spcAft>
+              <a:buClr>
+                <a:schemeClr val="bg2"/>
+              </a:buClr>
+              <a:buFont typeface="Wingdings" pitchFamily="2" charset="2"/>
+              <a:buChar char="§"/>
+              <a:defRPr kumimoji="1" sz="2000">
+                <a:solidFill>
+                  <a:schemeClr val="tx1"/>
+                </a:solidFill>
+                <a:latin typeface="+mn-lt"/>
+                <a:ea typeface="+mn-ea"/>
+              </a:defRPr>
+            </a:lvl6pPr>
+            <a:lvl7pPr marL="2971800" indent="-228600" algn="l" rtl="0" eaLnBrk="1" fontAlgn="base" hangingPunct="1">
+              <a:spcBef>
+                <a:spcPct val="20000"/>
+              </a:spcBef>
+              <a:spcAft>
+                <a:spcPct val="0"/>
+              </a:spcAft>
+              <a:buClr>
+                <a:schemeClr val="bg2"/>
+              </a:buClr>
+              <a:buFont typeface="Wingdings" pitchFamily="2" charset="2"/>
+              <a:buChar char="§"/>
+              <a:defRPr kumimoji="1" sz="2000">
+                <a:solidFill>
+                  <a:schemeClr val="tx1"/>
+                </a:solidFill>
+                <a:latin typeface="+mn-lt"/>
+                <a:ea typeface="+mn-ea"/>
+              </a:defRPr>
+            </a:lvl7pPr>
+            <a:lvl8pPr marL="3429000" indent="-228600" algn="l" rtl="0" eaLnBrk="1" fontAlgn="base" hangingPunct="1">
+              <a:spcBef>
+                <a:spcPct val="20000"/>
+              </a:spcBef>
+              <a:spcAft>
+                <a:spcPct val="0"/>
+              </a:spcAft>
+              <a:buClr>
+                <a:schemeClr val="bg2"/>
+              </a:buClr>
+              <a:buFont typeface="Wingdings" pitchFamily="2" charset="2"/>
+              <a:buChar char="§"/>
+              <a:defRPr kumimoji="1" sz="2000">
+                <a:solidFill>
+                  <a:schemeClr val="tx1"/>
+                </a:solidFill>
+                <a:latin typeface="+mn-lt"/>
+                <a:ea typeface="+mn-ea"/>
+              </a:defRPr>
+            </a:lvl8pPr>
+            <a:lvl9pPr marL="3886200" indent="-228600" algn="l" rtl="0" eaLnBrk="1" fontAlgn="base" hangingPunct="1">
+              <a:spcBef>
+                <a:spcPct val="20000"/>
+              </a:spcBef>
+              <a:spcAft>
+                <a:spcPct val="0"/>
+              </a:spcAft>
+              <a:buClr>
+                <a:schemeClr val="bg2"/>
+              </a:buClr>
+              <a:buFont typeface="Wingdings" pitchFamily="2" charset="2"/>
+              <a:buChar char="§"/>
+              <a:defRPr kumimoji="1" sz="2000">
+                <a:solidFill>
+                  <a:schemeClr val="tx1"/>
+                </a:solidFill>
+                <a:latin typeface="+mn-lt"/>
+                <a:ea typeface="+mn-ea"/>
+              </a:defRPr>
+            </a:lvl9pPr>
+          </a:lstStyle>
+          <a:p>
+            <a:r>
+              <a:rPr lang="ja-JP" altLang="en-US" kern="0" dirty="0">
+                <a:latin typeface="TakaoExゴシック" panose="020B0500000000000000" pitchFamily="50" charset="-128"/>
+                <a:ea typeface="TakaoExゴシック" panose="020B0500000000000000" pitchFamily="50" charset="-128"/>
+              </a:rPr>
+              <a:t>そのあとはインストール終了を待つ</a:t>
+            </a:r>
+            <a:endParaRPr lang="en-US" altLang="ja-JP" kern="0" dirty="0">
+              <a:latin typeface="TakaoExゴシック" panose="020B0500000000000000" pitchFamily="50" charset="-128"/>
+              <a:ea typeface="TakaoExゴシック" panose="020B0500000000000000" pitchFamily="50" charset="-128"/>
+            </a:endParaRPr>
+          </a:p>
+        </p:txBody>
+      </p:sp>
     </p:spTree>
     <p:extLst>
       <p:ext uri="{BB962C8B-B14F-4D97-AF65-F5344CB8AC3E}">
@@ -22556,6 +23387,35 @@
                                         </p:cTn>
                                         <p:tgtEl>
                                           <p:spTgt spid="3">
+                                            <p:bg/>
+                                          </p:spTgt>
+                                        </p:tgtEl>
+                                        <p:attrNameLst>
+                                          <p:attrName>style.visibility</p:attrName>
+                                        </p:attrNameLst>
+                                      </p:cBhvr>
+                                      <p:to>
+                                        <p:strVal val="visible"/>
+                                      </p:to>
+                                    </p:set>
+                                  </p:childTnLst>
+                                </p:cTn>
+                              </p:par>
+                              <p:par>
+                                <p:cTn id="7" presetID="1" presetClass="entr" presetSubtype="0" fill="hold" grpId="0" nodeType="withEffect">
+                                  <p:stCondLst>
+                                    <p:cond delay="0"/>
+                                  </p:stCondLst>
+                                  <p:childTnLst>
+                                    <p:set>
+                                      <p:cBhvr>
+                                        <p:cTn id="8" dur="1" fill="hold">
+                                          <p:stCondLst>
+                                            <p:cond delay="0"/>
+                                          </p:stCondLst>
+                                        </p:cTn>
+                                        <p:tgtEl>
+                                          <p:spTgt spid="3">
                                             <p:txEl>
                                               <p:pRg st="0" end="0"/>
                                             </p:txEl>
@@ -22576,69 +23436,20 @@
                           </p:cTn>
                         </p:par>
                         <p:par>
-                          <p:cTn id="7" fill="hold">
+                          <p:cTn id="9" fill="hold">
                             <p:stCondLst>
                               <p:cond delay="0"/>
                             </p:stCondLst>
                             <p:childTnLst>
                               <p:par>
-                                <p:cTn id="8" presetID="1" presetClass="entr" presetSubtype="0" fill="hold" grpId="0" nodeType="afterEffect">
-                                  <p:stCondLst>
-                                    <p:cond delay="750"/>
-                                  </p:stCondLst>
-                                  <p:childTnLst>
-                                    <p:set>
-                                      <p:cBhvr>
-                                        <p:cTn id="9" dur="1" fill="hold">
-                                          <p:stCondLst>
-                                            <p:cond delay="0"/>
-                                          </p:stCondLst>
-                                        </p:cTn>
-                                        <p:tgtEl>
-                                          <p:spTgt spid="3">
-                                            <p:txEl>
-                                              <p:pRg st="1" end="1"/>
-                                            </p:txEl>
-                                          </p:spTgt>
-                                        </p:tgtEl>
-                                        <p:attrNameLst>
-                                          <p:attrName>style.visibility</p:attrName>
-                                        </p:attrNameLst>
-                                      </p:cBhvr>
-                                      <p:to>
-                                        <p:strVal val="visible"/>
-                                      </p:to>
-                                    </p:set>
-                                  </p:childTnLst>
-                                </p:cTn>
-                              </p:par>
-                            </p:childTnLst>
-                          </p:cTn>
-                        </p:par>
-                      </p:childTnLst>
-                    </p:cTn>
-                  </p:par>
-                  <p:par>
-                    <p:cTn id="10" fill="hold">
-                      <p:stCondLst>
-                        <p:cond delay="indefinite"/>
-                      </p:stCondLst>
-                      <p:childTnLst>
-                        <p:par>
-                          <p:cTn id="11" fill="hold">
-                            <p:stCondLst>
-                              <p:cond delay="0"/>
-                            </p:stCondLst>
-                            <p:childTnLst>
-                              <p:par>
-                                <p:cTn id="12" presetID="22" presetClass="entr" presetSubtype="1" fill="hold" nodeType="clickEffect">
+                                <p:cTn id="10" presetID="22" presetClass="entr" presetSubtype="1" fill="hold" nodeType="afterEffect">
                                   <p:stCondLst>
                                     <p:cond delay="0"/>
                                   </p:stCondLst>
                                   <p:childTnLst>
                                     <p:set>
                                       <p:cBhvr>
-                                        <p:cTn id="13" dur="1" fill="hold">
+                                        <p:cTn id="11" dur="1" fill="hold">
                                           <p:stCondLst>
                                             <p:cond delay="0"/>
                                           </p:stCondLst>
@@ -22656,7 +23467,7 @@
                                     </p:set>
                                     <p:animEffect transition="in" filter="wipe(up)">
                                       <p:cBhvr>
-                                        <p:cTn id="14" dur="500"/>
+                                        <p:cTn id="12" dur="500"/>
                                         <p:tgtEl>
                                           <p:spTgt spid="6"/>
                                         </p:tgtEl>
@@ -22669,20 +23480,20 @@
                           </p:cTn>
                         </p:par>
                         <p:par>
-                          <p:cTn id="15" fill="hold">
+                          <p:cTn id="13" fill="hold">
                             <p:stCondLst>
                               <p:cond delay="500"/>
                             </p:stCondLst>
                             <p:childTnLst>
                               <p:par>
-                                <p:cTn id="16" presetID="1" presetClass="entr" presetSubtype="0" fill="hold" grpId="0" nodeType="afterEffect">
+                                <p:cTn id="14" presetID="21" presetClass="entr" presetSubtype="1" fill="hold" grpId="0" nodeType="afterEffect">
                                   <p:stCondLst>
                                     <p:cond delay="0"/>
                                   </p:stCondLst>
                                   <p:childTnLst>
                                     <p:set>
                                       <p:cBhvr>
-                                        <p:cTn id="17" dur="1" fill="hold">
+                                        <p:cTn id="15" dur="1" fill="hold">
                                           <p:stCondLst>
                                             <p:cond delay="0"/>
                                           </p:stCondLst>
@@ -22698,6 +23509,14 @@
                                         <p:strVal val="visible"/>
                                       </p:to>
                                     </p:set>
+                                    <p:animEffect transition="in" filter="wheel(1)">
+                                      <p:cBhvr>
+                                        <p:cTn id="16" dur="2000"/>
+                                        <p:tgtEl>
+                                          <p:spTgt spid="8"/>
+                                        </p:tgtEl>
+                                      </p:cBhvr>
+                                    </p:animEffect>
                                   </p:childTnLst>
                                 </p:cTn>
                               </p:par>
@@ -22708,26 +23527,26 @@
                     </p:cTn>
                   </p:par>
                   <p:par>
-                    <p:cTn id="18" fill="hold">
+                    <p:cTn id="17" fill="hold">
                       <p:stCondLst>
                         <p:cond delay="indefinite"/>
                       </p:stCondLst>
                       <p:childTnLst>
                         <p:par>
-                          <p:cTn id="19" fill="hold">
+                          <p:cTn id="18" fill="hold">
                             <p:stCondLst>
                               <p:cond delay="0"/>
                             </p:stCondLst>
                             <p:childTnLst>
                               <p:par>
-                                <p:cTn id="20" presetID="22" presetClass="entr" presetSubtype="1" fill="hold" nodeType="clickEffect">
+                                <p:cTn id="19" presetID="22" presetClass="entr" presetSubtype="1" fill="hold" nodeType="clickEffect">
                                   <p:stCondLst>
                                     <p:cond delay="0"/>
                                   </p:stCondLst>
                                   <p:childTnLst>
                                     <p:set>
                                       <p:cBhvr>
-                                        <p:cTn id="21" dur="1" fill="hold">
+                                        <p:cTn id="20" dur="1" fill="hold">
                                           <p:stCondLst>
                                             <p:cond delay="0"/>
                                           </p:stCondLst>
@@ -22745,7 +23564,7 @@
                                     </p:set>
                                     <p:animEffect transition="in" filter="wipe(up)">
                                       <p:cBhvr>
-                                        <p:cTn id="22" dur="500"/>
+                                        <p:cTn id="21" dur="500"/>
                                         <p:tgtEl>
                                           <p:spTgt spid="14"/>
                                         </p:tgtEl>
@@ -22757,14 +23576,23 @@
                             </p:childTnLst>
                           </p:cTn>
                         </p:par>
+                      </p:childTnLst>
+                    </p:cTn>
+                  </p:par>
+                  <p:par>
+                    <p:cTn id="22" fill="hold">
+                      <p:stCondLst>
+                        <p:cond delay="indefinite"/>
+                      </p:stCondLst>
+                      <p:childTnLst>
                         <p:par>
                           <p:cTn id="23" fill="hold">
                             <p:stCondLst>
-                              <p:cond delay="500"/>
+                              <p:cond delay="0"/>
                             </p:stCondLst>
                             <p:childTnLst>
                               <p:par>
-                                <p:cTn id="24" presetID="22" presetClass="entr" presetSubtype="8" fill="hold" nodeType="afterEffect">
+                                <p:cTn id="24" presetID="22" presetClass="entr" presetSubtype="8" fill="hold" nodeType="clickEffect">
                                   <p:stCondLst>
                                     <p:cond delay="0"/>
                                   </p:stCondLst>
@@ -22804,11 +23632,11 @@
                         <p:par>
                           <p:cTn id="27" fill="hold">
                             <p:stCondLst>
-                              <p:cond delay="1000"/>
+                              <p:cond delay="500"/>
                             </p:stCondLst>
                             <p:childTnLst>
                               <p:par>
-                                <p:cTn id="28" presetID="1" presetClass="entr" presetSubtype="0" fill="hold" grpId="0" nodeType="afterEffect">
+                                <p:cTn id="28" presetID="21" presetClass="entr" presetSubtype="1" fill="hold" grpId="0" nodeType="afterEffect">
                                   <p:stCondLst>
                                     <p:cond delay="0"/>
                                   </p:stCondLst>
@@ -22822,6 +23650,92 @@
                                         </p:cTn>
                                         <p:tgtEl>
                                           <p:spTgt spid="9"/>
+                                        </p:tgtEl>
+                                        <p:attrNameLst>
+                                          <p:attrName>style.visibility</p:attrName>
+                                        </p:attrNameLst>
+                                      </p:cBhvr>
+                                      <p:to>
+                                        <p:strVal val="visible"/>
+                                      </p:to>
+                                    </p:set>
+                                    <p:animEffect transition="in" filter="wheel(1)">
+                                      <p:cBhvr>
+                                        <p:cTn id="30" dur="2000"/>
+                                        <p:tgtEl>
+                                          <p:spTgt spid="9"/>
+                                        </p:tgtEl>
+                                      </p:cBhvr>
+                                    </p:animEffect>
+                                  </p:childTnLst>
+                                </p:cTn>
+                              </p:par>
+                            </p:childTnLst>
+                          </p:cTn>
+                        </p:par>
+                      </p:childTnLst>
+                    </p:cTn>
+                  </p:par>
+                  <p:par>
+                    <p:cTn id="31" fill="hold">
+                      <p:stCondLst>
+                        <p:cond delay="indefinite"/>
+                      </p:stCondLst>
+                      <p:childTnLst>
+                        <p:par>
+                          <p:cTn id="32" fill="hold">
+                            <p:stCondLst>
+                              <p:cond delay="0"/>
+                            </p:stCondLst>
+                            <p:childTnLst>
+                              <p:par>
+                                <p:cTn id="33" presetID="1" presetClass="entr" presetSubtype="0" fill="hold" grpId="0" nodeType="clickEffect">
+                                  <p:stCondLst>
+                                    <p:cond delay="0"/>
+                                  </p:stCondLst>
+                                  <p:childTnLst>
+                                    <p:set>
+                                      <p:cBhvr>
+                                        <p:cTn id="34" dur="1" fill="hold">
+                                          <p:stCondLst>
+                                            <p:cond delay="0"/>
+                                          </p:stCondLst>
+                                        </p:cTn>
+                                        <p:tgtEl>
+                                          <p:spTgt spid="10">
+                                            <p:bg/>
+                                          </p:spTgt>
+                                        </p:tgtEl>
+                                        <p:attrNameLst>
+                                          <p:attrName>style.visibility</p:attrName>
+                                        </p:attrNameLst>
+                                      </p:cBhvr>
+                                      <p:to>
+                                        <p:strVal val="visible"/>
+                                      </p:to>
+                                    </p:set>
+                                  </p:childTnLst>
+                                </p:cTn>
+                              </p:par>
+                              <p:par>
+                                <p:cTn id="35" presetID="1" presetClass="entr" presetSubtype="0" fill="hold" grpId="0" nodeType="withEffect">
+                                  <p:stCondLst>
+                                    <p:cond delay="0"/>
+                                  </p:stCondLst>
+                                  <p:childTnLst>
+                                    <p:set>
+                                      <p:cBhvr>
+                                        <p:cTn id="36" dur="1" fill="hold">
+                                          <p:stCondLst>
+                                            <p:cond delay="0"/>
+                                          </p:stCondLst>
+                                        </p:cTn>
+                                        <p:tgtEl>
+                                          <p:spTgt spid="10">
+                                            <p:txEl>
+                                              <p:pRg st="0" end="0"/>
+                                            </p:txEl>
+                                          </p:spTgt>
                                         </p:tgtEl>
                                         <p:attrNameLst>
                                           <p:attrName>style.visibility</p:attrName>
@@ -22862,9 +23776,10 @@
       </p:par>
     </p:tnLst>
     <p:bldLst>
-      <p:bldP spid="3" grpId="0" uiExpand="1" build="p"/>
+      <p:bldP spid="3" grpId="0" uiExpand="1" build="p" animBg="1"/>
       <p:bldP spid="8" grpId="0" animBg="1"/>
       <p:bldP spid="9" grpId="0" animBg="1"/>
+      <p:bldP spid="10" grpId="0" uiExpand="1" build="p" animBg="1"/>
     </p:bldLst>
   </p:timing>
 </p:sld>
@@ -22933,64 +23848,6 @@
               <a:latin typeface="Takaoゴシック" panose="020B0509000000000000" pitchFamily="49" charset="-128"/>
               <a:ea typeface="Takaoゴシック" panose="020B0509000000000000" pitchFamily="49" charset="-128"/>
             </a:endParaRPr>
-          </a:p>
-        </p:txBody>
-      </p:sp>
-      <p:sp>
-        <p:nvSpPr>
-          <p:cNvPr id="3" name="コンテンツ プレースホルダー 2">
-            <a:extLst>
-              <a:ext uri="{FF2B5EF4-FFF2-40B4-BE49-F238E27FC236}">
-                <a16:creationId xmlns:a16="http://schemas.microsoft.com/office/drawing/2014/main" id="{C044A338-8D2B-45EC-BE8C-FFE21B5C386E}"/>
-              </a:ext>
-            </a:extLst>
-          </p:cNvPr>
-          <p:cNvSpPr>
-            <a:spLocks noGrp="1"/>
-          </p:cNvSpPr>
-          <p:nvPr>
-            <p:ph idx="1"/>
-          </p:nvPr>
-        </p:nvSpPr>
-        <p:spPr/>
-        <p:txBody>
-          <a:bodyPr/>
-          <a:lstStyle/>
-          <a:p>
-            <a:r>
-              <a:rPr kumimoji="1" lang="ja-JP" altLang="en-US" dirty="0">
-                <a:latin typeface="TakaoExゴシック" panose="020B0500000000000000" pitchFamily="50" charset="-128"/>
-                <a:ea typeface="TakaoExゴシック" panose="020B0500000000000000" pitchFamily="50" charset="-128"/>
-              </a:rPr>
-              <a:t>インストール後、スタートメニュー</a:t>
-            </a:r>
-            <a:r>
-              <a:rPr kumimoji="1" lang="en-US" altLang="ja-JP" dirty="0">
-                <a:latin typeface="TakaoExゴシック" panose="020B0500000000000000" pitchFamily="50" charset="-128"/>
-                <a:ea typeface="TakaoExゴシック" panose="020B0500000000000000" pitchFamily="50" charset="-128"/>
-              </a:rPr>
-              <a:t>&gt;Ubuntu</a:t>
-            </a:r>
-            <a:r>
-              <a:rPr kumimoji="1" lang="ja-JP" altLang="en-US" dirty="0">
-                <a:latin typeface="TakaoExゴシック" panose="020B0500000000000000" pitchFamily="50" charset="-128"/>
-                <a:ea typeface="TakaoExゴシック" panose="020B0500000000000000" pitchFamily="50" charset="-128"/>
-              </a:rPr>
-              <a:t>をクリック</a:t>
-            </a:r>
-            <a:endParaRPr kumimoji="1" lang="en-US" altLang="ja-JP" dirty="0">
-              <a:latin typeface="TakaoExゴシック" panose="020B0500000000000000" pitchFamily="50" charset="-128"/>
-              <a:ea typeface="TakaoExゴシック" panose="020B0500000000000000" pitchFamily="50" charset="-128"/>
-            </a:endParaRPr>
-          </a:p>
-          <a:p>
-            <a:r>
-              <a:rPr kumimoji="1" lang="ja-JP" altLang="en-US" dirty="0">
-                <a:latin typeface="TakaoExゴシック" panose="020B0500000000000000" pitchFamily="50" charset="-128"/>
-                <a:ea typeface="TakaoExゴシック" panose="020B0500000000000000" pitchFamily="50" charset="-128"/>
-              </a:rPr>
-              <a:t>初回起動時はファイル展開があるためしばらく待つ</a:t>
-            </a:r>
           </a:p>
         </p:txBody>
       </p:sp>
@@ -23161,6 +24018,74 @@
           </a:fontRef>
         </p:style>
       </p:cxnSp>
+      <p:sp>
+        <p:nvSpPr>
+          <p:cNvPr id="3" name="コンテンツ プレースホルダー 2">
+            <a:extLst>
+              <a:ext uri="{FF2B5EF4-FFF2-40B4-BE49-F238E27FC236}">
+                <a16:creationId xmlns:a16="http://schemas.microsoft.com/office/drawing/2014/main" id="{C044A338-8D2B-45EC-BE8C-FFE21B5C386E}"/>
+              </a:ext>
+            </a:extLst>
+          </p:cNvPr>
+          <p:cNvSpPr>
+            <a:spLocks noGrp="1"/>
+          </p:cNvSpPr>
+          <p:nvPr>
+            <p:ph idx="1"/>
+          </p:nvPr>
+        </p:nvSpPr>
+        <p:spPr>
+          <a:xfrm>
+            <a:off x="609600" y="1981200"/>
+            <a:ext cx="10972800" cy="1371600"/>
+          </a:xfrm>
+          <a:solidFill>
+            <a:srgbClr val="FFFFFF">
+              <a:alpha val="69804"/>
+            </a:srgbClr>
+          </a:solidFill>
+        </p:spPr>
+        <p:txBody>
+          <a:bodyPr/>
+          <a:lstStyle/>
+          <a:p>
+            <a:r>
+              <a:rPr kumimoji="1" lang="ja-JP" altLang="en-US" dirty="0">
+                <a:latin typeface="TakaoExゴシック" panose="020B0500000000000000" pitchFamily="50" charset="-128"/>
+                <a:ea typeface="TakaoExゴシック" panose="020B0500000000000000" pitchFamily="50" charset="-128"/>
+              </a:rPr>
+              <a:t>インストール後、スタートメニュー</a:t>
+            </a:r>
+            <a:r>
+              <a:rPr kumimoji="1" lang="en-US" altLang="ja-JP" dirty="0">
+                <a:latin typeface="TakaoExゴシック" panose="020B0500000000000000" pitchFamily="50" charset="-128"/>
+                <a:ea typeface="TakaoExゴシック" panose="020B0500000000000000" pitchFamily="50" charset="-128"/>
+              </a:rPr>
+              <a:t>&gt;Ubuntu</a:t>
+            </a:r>
+            <a:r>
+              <a:rPr kumimoji="1" lang="ja-JP" altLang="en-US" dirty="0">
+                <a:latin typeface="TakaoExゴシック" panose="020B0500000000000000" pitchFamily="50" charset="-128"/>
+                <a:ea typeface="TakaoExゴシック" panose="020B0500000000000000" pitchFamily="50" charset="-128"/>
+              </a:rPr>
+              <a:t>をクリック</a:t>
+            </a:r>
+            <a:endParaRPr kumimoji="1" lang="en-US" altLang="ja-JP" dirty="0">
+              <a:latin typeface="TakaoExゴシック" panose="020B0500000000000000" pitchFamily="50" charset="-128"/>
+              <a:ea typeface="TakaoExゴシック" panose="020B0500000000000000" pitchFamily="50" charset="-128"/>
+            </a:endParaRPr>
+          </a:p>
+          <a:p>
+            <a:r>
+              <a:rPr kumimoji="1" lang="ja-JP" altLang="en-US" dirty="0">
+                <a:latin typeface="TakaoExゴシック" panose="020B0500000000000000" pitchFamily="50" charset="-128"/>
+                <a:ea typeface="TakaoExゴシック" panose="020B0500000000000000" pitchFamily="50" charset="-128"/>
+              </a:rPr>
+              <a:t>初回起動時はファイル展開があるためしばらく待つ</a:t>
+            </a:r>
+          </a:p>
+        </p:txBody>
+      </p:sp>
     </p:spTree>
     <p:extLst>
       <p:ext uri="{BB962C8B-B14F-4D97-AF65-F5344CB8AC3E}">
@@ -23206,6 +24131,35 @@
                                         </p:cTn>
                                         <p:tgtEl>
                                           <p:spTgt spid="3">
+                                            <p:bg/>
+                                          </p:spTgt>
+                                        </p:tgtEl>
+                                        <p:attrNameLst>
+                                          <p:attrName>style.visibility</p:attrName>
+                                        </p:attrNameLst>
+                                      </p:cBhvr>
+                                      <p:to>
+                                        <p:strVal val="visible"/>
+                                      </p:to>
+                                    </p:set>
+                                  </p:childTnLst>
+                                </p:cTn>
+                              </p:par>
+                              <p:par>
+                                <p:cTn id="7" presetID="1" presetClass="entr" presetSubtype="0" fill="hold" grpId="0" nodeType="withEffect">
+                                  <p:stCondLst>
+                                    <p:cond delay="0"/>
+                                  </p:stCondLst>
+                                  <p:childTnLst>
+                                    <p:set>
+                                      <p:cBhvr>
+                                        <p:cTn id="8" dur="1" fill="hold">
+                                          <p:stCondLst>
+                                            <p:cond delay="0"/>
+                                          </p:stCondLst>
+                                        </p:cTn>
+                                        <p:tgtEl>
+                                          <p:spTgt spid="3">
                                             <p:txEl>
                                               <p:pRg st="0" end="0"/>
                                             </p:txEl>
@@ -23225,30 +24179,118 @@
                             </p:childTnLst>
                           </p:cTn>
                         </p:par>
-                      </p:childTnLst>
-                    </p:cTn>
-                  </p:par>
-                  <p:par>
-                    <p:cTn id="7" fill="hold">
-                      <p:stCondLst>
-                        <p:cond delay="indefinite"/>
-                      </p:stCondLst>
-                      <p:childTnLst>
                         <p:par>
-                          <p:cTn id="8" fill="hold">
+                          <p:cTn id="9" fill="hold">
                             <p:stCondLst>
                               <p:cond delay="0"/>
                             </p:stCondLst>
                             <p:childTnLst>
                               <p:par>
-                                <p:cTn id="9" presetID="1" presetClass="entr" presetSubtype="0" fill="hold" grpId="0" nodeType="clickEffect">
+                                <p:cTn id="10" presetID="22" presetClass="entr" presetSubtype="4" fill="hold" nodeType="afterEffect">
                                   <p:stCondLst>
                                     <p:cond delay="0"/>
                                   </p:stCondLst>
                                   <p:childTnLst>
                                     <p:set>
                                       <p:cBhvr>
-                                        <p:cTn id="10" dur="1" fill="hold">
+                                        <p:cTn id="11" dur="1" fill="hold">
+                                          <p:stCondLst>
+                                            <p:cond delay="0"/>
+                                          </p:stCondLst>
+                                        </p:cTn>
+                                        <p:tgtEl>
+                                          <p:spTgt spid="5"/>
+                                        </p:tgtEl>
+                                        <p:attrNameLst>
+                                          <p:attrName>style.visibility</p:attrName>
+                                        </p:attrNameLst>
+                                      </p:cBhvr>
+                                      <p:to>
+                                        <p:strVal val="visible"/>
+                                      </p:to>
+                                    </p:set>
+                                    <p:animEffect transition="in" filter="wipe(down)">
+                                      <p:cBhvr>
+                                        <p:cTn id="12" dur="500"/>
+                                        <p:tgtEl>
+                                          <p:spTgt spid="5"/>
+                                        </p:tgtEl>
+                                      </p:cBhvr>
+                                    </p:animEffect>
+                                  </p:childTnLst>
+                                </p:cTn>
+                              </p:par>
+                            </p:childTnLst>
+                          </p:cTn>
+                        </p:par>
+                        <p:par>
+                          <p:cTn id="13" fill="hold">
+                            <p:stCondLst>
+                              <p:cond delay="500"/>
+                            </p:stCondLst>
+                            <p:childTnLst>
+                              <p:par>
+                                <p:cTn id="14" presetID="21" presetClass="entr" presetSubtype="1" fill="hold" grpId="0" nodeType="afterEffect">
+                                  <p:stCondLst>
+                                    <p:cond delay="0"/>
+                                  </p:stCondLst>
+                                  <p:childTnLst>
+                                    <p:set>
+                                      <p:cBhvr>
+                                        <p:cTn id="15" dur="1" fill="hold">
+                                          <p:stCondLst>
+                                            <p:cond delay="0"/>
+                                          </p:stCondLst>
+                                        </p:cTn>
+                                        <p:tgtEl>
+                                          <p:spTgt spid="12"/>
+                                        </p:tgtEl>
+                                        <p:attrNameLst>
+                                          <p:attrName>style.visibility</p:attrName>
+                                        </p:attrNameLst>
+                                      </p:cBhvr>
+                                      <p:to>
+                                        <p:strVal val="visible"/>
+                                      </p:to>
+                                    </p:set>
+                                    <p:animEffect transition="in" filter="wheel(1)">
+                                      <p:cBhvr>
+                                        <p:cTn id="16" dur="2000"/>
+                                        <p:tgtEl>
+                                          <p:spTgt spid="12"/>
+                                        </p:tgtEl>
+                                      </p:cBhvr>
+                                    </p:animEffect>
+                                  </p:childTnLst>
+                                </p:cTn>
+                              </p:par>
+                            </p:childTnLst>
+                          </p:cTn>
+                        </p:par>
+                      </p:childTnLst>
+                    </p:cTn>
+                  </p:par>
+                  <p:par>
+                    <p:cTn id="17" fill="hold">
+                      <p:stCondLst>
+                        <p:cond delay="indefinite"/>
+                      </p:stCondLst>
+                      <p:childTnLst>
+                        <p:par>
+                          <p:cTn id="18" fill="hold">
+                            <p:stCondLst>
+                              <p:cond delay="0"/>
+                            </p:stCondLst>
+                            <p:childTnLst>
+                              <p:par>
+                                <p:cTn id="19" presetID="1" presetClass="entr" presetSubtype="0" fill="hold" grpId="0" nodeType="clickEffect">
+                                  <p:stCondLst>
+                                    <p:cond delay="0"/>
+                                  </p:stCondLst>
+                                  <p:childTnLst>
+                                    <p:set>
+                                      <p:cBhvr>
+                                        <p:cTn id="20" dur="1" fill="hold">
                                           <p:stCondLst>
                                             <p:cond delay="0"/>
                                           </p:stCondLst>
@@ -23274,119 +24316,21 @@
                             </p:childTnLst>
                           </p:cTn>
                         </p:par>
-                      </p:childTnLst>
-                    </p:cTn>
-                  </p:par>
-                  <p:par>
-                    <p:cTn id="11" fill="hold">
-                      <p:stCondLst>
-                        <p:cond delay="indefinite"/>
-                      </p:stCondLst>
-                      <p:childTnLst>
                         <p:par>
-                          <p:cTn id="12" fill="hold">
+                          <p:cTn id="21" fill="hold">
                             <p:stCondLst>
                               <p:cond delay="0"/>
                             </p:stCondLst>
                             <p:childTnLst>
                               <p:par>
-                                <p:cTn id="13" presetID="22" presetClass="entr" presetSubtype="4" fill="hold" nodeType="clickEffect">
+                                <p:cTn id="22" presetID="22" presetClass="entr" presetSubtype="1" fill="hold" nodeType="afterEffect">
                                   <p:stCondLst>
                                     <p:cond delay="0"/>
                                   </p:stCondLst>
                                   <p:childTnLst>
                                     <p:set>
                                       <p:cBhvr>
-                                        <p:cTn id="14" dur="1" fill="hold">
-                                          <p:stCondLst>
-                                            <p:cond delay="0"/>
-                                          </p:stCondLst>
-                                        </p:cTn>
-                                        <p:tgtEl>
-                                          <p:spTgt spid="5"/>
-                                        </p:tgtEl>
-                                        <p:attrNameLst>
-                                          <p:attrName>style.visibility</p:attrName>
-                                        </p:attrNameLst>
-                                      </p:cBhvr>
-                                      <p:to>
-                                        <p:strVal val="visible"/>
-                                      </p:to>
-                                    </p:set>
-                                    <p:animEffect transition="in" filter="wipe(down)">
-                                      <p:cBhvr>
-                                        <p:cTn id="15" dur="500"/>
-                                        <p:tgtEl>
-                                          <p:spTgt spid="5"/>
-                                        </p:tgtEl>
-                                      </p:cBhvr>
-                                    </p:animEffect>
-                                  </p:childTnLst>
-                                </p:cTn>
-                              </p:par>
-                            </p:childTnLst>
-                          </p:cTn>
-                        </p:par>
-                        <p:par>
-                          <p:cTn id="16" fill="hold">
-                            <p:stCondLst>
-                              <p:cond delay="500"/>
-                            </p:stCondLst>
-                            <p:childTnLst>
-                              <p:par>
-                                <p:cTn id="17" presetID="1" presetClass="entr" presetSubtype="0" fill="hold" grpId="0" nodeType="afterEffect">
-                                  <p:stCondLst>
-                                    <p:cond delay="0"/>
-                                  </p:stCondLst>
-                                  <p:childTnLst>
-                                    <p:set>
-                                      <p:cBhvr>
-                                        <p:cTn id="18" dur="1" fill="hold">
-                                          <p:stCondLst>
-                                            <p:cond delay="0"/>
-                                          </p:stCondLst>
-                                        </p:cTn>
-                                        <p:tgtEl>
-                                          <p:spTgt spid="12"/>
-                                        </p:tgtEl>
-                                        <p:attrNameLst>
-                                          <p:attrName>style.visibility</p:attrName>
-                                        </p:attrNameLst>
-                                      </p:cBhvr>
-                                      <p:to>
-                                        <p:strVal val="visible"/>
-                                      </p:to>
-                                    </p:set>
-                                  </p:childTnLst>
-                                </p:cTn>
-                              </p:par>
-                            </p:childTnLst>
-                          </p:cTn>
-                        </p:par>
-                      </p:childTnLst>
-                    </p:cTn>
-                  </p:par>
-                  <p:par>
-                    <p:cTn id="19" fill="hold">
-                      <p:stCondLst>
-                        <p:cond delay="indefinite"/>
-                      </p:stCondLst>
-                      <p:childTnLst>
-                        <p:par>
-                          <p:cTn id="20" fill="hold">
-                            <p:stCondLst>
-                              <p:cond delay="0"/>
-                            </p:stCondLst>
-                            <p:childTnLst>
-                              <p:par>
-                                <p:cTn id="21" presetID="22" presetClass="entr" presetSubtype="1" fill="hold" nodeType="clickEffect">
-                                  <p:stCondLst>
-                                    <p:cond delay="0"/>
-                                  </p:stCondLst>
-                                  <p:childTnLst>
-                                    <p:set>
-                                      <p:cBhvr>
-                                        <p:cTn id="22" dur="1" fill="hold">
+                                        <p:cTn id="23" dur="1" fill="hold">
                                           <p:stCondLst>
                                             <p:cond delay="0"/>
                                           </p:stCondLst>
@@ -23404,7 +24348,7 @@
                                     </p:set>
                                     <p:animEffect transition="in" filter="wipe(up)">
                                       <p:cBhvr>
-                                        <p:cTn id="23" dur="500"/>
+                                        <p:cTn id="24" dur="500"/>
                                         <p:tgtEl>
                                           <p:spTgt spid="10"/>
                                         </p:tgtEl>
@@ -23417,20 +24361,20 @@
                           </p:cTn>
                         </p:par>
                         <p:par>
-                          <p:cTn id="24" fill="hold">
+                          <p:cTn id="25" fill="hold">
                             <p:stCondLst>
                               <p:cond delay="500"/>
                             </p:stCondLst>
                             <p:childTnLst>
                               <p:par>
-                                <p:cTn id="25" presetID="22" presetClass="entr" presetSubtype="8" fill="hold" nodeType="afterEffect">
+                                <p:cTn id="26" presetID="22" presetClass="entr" presetSubtype="8" fill="hold" nodeType="afterEffect">
                                   <p:stCondLst>
                                     <p:cond delay="0"/>
                                   </p:stCondLst>
                                   <p:childTnLst>
                                     <p:set>
                                       <p:cBhvr>
-                                        <p:cTn id="26" dur="1" fill="hold">
+                                        <p:cTn id="27" dur="1" fill="hold">
                                           <p:stCondLst>
                                             <p:cond delay="0"/>
                                           </p:stCondLst>
@@ -23448,7 +24392,7 @@
                                     </p:set>
                                     <p:animEffect transition="in" filter="wipe(left)">
                                       <p:cBhvr>
-                                        <p:cTn id="27" dur="500"/>
+                                        <p:cTn id="28" dur="500"/>
                                         <p:tgtEl>
                                           <p:spTgt spid="15"/>
                                         </p:tgtEl>
@@ -23485,8 +24429,8 @@
       </p:par>
     </p:tnLst>
     <p:bldLst>
-      <p:bldP spid="3" grpId="0" uiExpand="1" build="p"/>
       <p:bldP spid="12" grpId="0" animBg="1"/>
+      <p:bldP spid="3" grpId="0" uiExpand="1" build="p" animBg="1"/>
     </p:bldLst>
   </p:timing>
 </p:sld>
@@ -23992,30 +24936,118 @@
                             </p:childTnLst>
                           </p:cTn>
                         </p:par>
-                      </p:childTnLst>
-                    </p:cTn>
-                  </p:par>
-                  <p:par>
-                    <p:cTn id="19" fill="hold">
-                      <p:stCondLst>
-                        <p:cond delay="indefinite"/>
-                      </p:stCondLst>
-                      <p:childTnLst>
                         <p:par>
-                          <p:cTn id="20" fill="hold">
+                          <p:cTn id="19" fill="hold">
                             <p:stCondLst>
                               <p:cond delay="0"/>
                             </p:stCondLst>
                             <p:childTnLst>
                               <p:par>
-                                <p:cTn id="21" presetID="1" presetClass="entr" presetSubtype="0" fill="hold" grpId="0" nodeType="clickEffect">
+                                <p:cTn id="20" presetID="22" presetClass="entr" presetSubtype="8" fill="hold" grpId="0" nodeType="afterEffect">
                                   <p:stCondLst>
                                     <p:cond delay="0"/>
                                   </p:stCondLst>
                                   <p:childTnLst>
                                     <p:set>
                                       <p:cBhvr>
-                                        <p:cTn id="22" dur="1" fill="hold">
+                                        <p:cTn id="21" dur="1" fill="hold">
+                                          <p:stCondLst>
+                                            <p:cond delay="0"/>
+                                          </p:stCondLst>
+                                        </p:cTn>
+                                        <p:tgtEl>
+                                          <p:spTgt spid="9"/>
+                                        </p:tgtEl>
+                                        <p:attrNameLst>
+                                          <p:attrName>style.visibility</p:attrName>
+                                        </p:attrNameLst>
+                                      </p:cBhvr>
+                                      <p:to>
+                                        <p:strVal val="visible"/>
+                                      </p:to>
+                                    </p:set>
+                                    <p:animEffect transition="in" filter="wipe(left)">
+                                      <p:cBhvr>
+                                        <p:cTn id="22" dur="500"/>
+                                        <p:tgtEl>
+                                          <p:spTgt spid="9"/>
+                                        </p:tgtEl>
+                                      </p:cBhvr>
+                                    </p:animEffect>
+                                  </p:childTnLst>
+                                </p:cTn>
+                              </p:par>
+                            </p:childTnLst>
+                          </p:cTn>
+                        </p:par>
+                        <p:par>
+                          <p:cTn id="23" fill="hold">
+                            <p:stCondLst>
+                              <p:cond delay="500"/>
+                            </p:stCondLst>
+                            <p:childTnLst>
+                              <p:par>
+                                <p:cTn id="24" presetID="22" presetClass="entr" presetSubtype="1" fill="hold" nodeType="afterEffect">
+                                  <p:stCondLst>
+                                    <p:cond delay="0"/>
+                                  </p:stCondLst>
+                                  <p:childTnLst>
+                                    <p:set>
+                                      <p:cBhvr>
+                                        <p:cTn id="25" dur="1" fill="hold">
+                                          <p:stCondLst>
+                                            <p:cond delay="0"/>
+                                          </p:stCondLst>
+                                        </p:cTn>
+                                        <p:tgtEl>
+                                          <p:spTgt spid="8"/>
+                                        </p:tgtEl>
+                                        <p:attrNameLst>
+                                          <p:attrName>style.visibility</p:attrName>
+                                        </p:attrNameLst>
+                                      </p:cBhvr>
+                                      <p:to>
+                                        <p:strVal val="visible"/>
+                                      </p:to>
+                                    </p:set>
+                                    <p:animEffect transition="in" filter="wipe(up)">
+                                      <p:cBhvr>
+                                        <p:cTn id="26" dur="500"/>
+                                        <p:tgtEl>
+                                          <p:spTgt spid="8"/>
+                                        </p:tgtEl>
+                                      </p:cBhvr>
+                                    </p:animEffect>
+                                  </p:childTnLst>
+                                </p:cTn>
+                              </p:par>
+                            </p:childTnLst>
+                          </p:cTn>
+                        </p:par>
+                      </p:childTnLst>
+                    </p:cTn>
+                  </p:par>
+                  <p:par>
+                    <p:cTn id="27" fill="hold">
+                      <p:stCondLst>
+                        <p:cond delay="indefinite"/>
+                      </p:stCondLst>
+                      <p:childTnLst>
+                        <p:par>
+                          <p:cTn id="28" fill="hold">
+                            <p:stCondLst>
+                              <p:cond delay="0"/>
+                            </p:stCondLst>
+                            <p:childTnLst>
+                              <p:par>
+                                <p:cTn id="29" presetID="1" presetClass="entr" presetSubtype="0" fill="hold" grpId="0" nodeType="clickEffect">
+                                  <p:stCondLst>
+                                    <p:cond delay="0"/>
+                                  </p:stCondLst>
+                                  <p:childTnLst>
+                                    <p:set>
+                                      <p:cBhvr>
+                                        <p:cTn id="30" dur="1" fill="hold">
                                           <p:stCondLst>
                                             <p:cond delay="0"/>
                                           </p:stCondLst>
@@ -24035,94 +25067,6 @@
                                         <p:strVal val="visible"/>
                                       </p:to>
                                     </p:set>
-                                  </p:childTnLst>
-                                </p:cTn>
-                              </p:par>
-                            </p:childTnLst>
-                          </p:cTn>
-                        </p:par>
-                        <p:par>
-                          <p:cTn id="23" fill="hold">
-                            <p:stCondLst>
-                              <p:cond delay="0"/>
-                            </p:stCondLst>
-                            <p:childTnLst>
-                              <p:par>
-                                <p:cTn id="24" presetID="22" presetClass="entr" presetSubtype="8" fill="hold" grpId="0" nodeType="afterEffect">
-                                  <p:stCondLst>
-                                    <p:cond delay="500"/>
-                                  </p:stCondLst>
-                                  <p:childTnLst>
-                                    <p:set>
-                                      <p:cBhvr>
-                                        <p:cTn id="25" dur="1" fill="hold">
-                                          <p:stCondLst>
-                                            <p:cond delay="0"/>
-                                          </p:stCondLst>
-                                        </p:cTn>
-                                        <p:tgtEl>
-                                          <p:spTgt spid="9"/>
-                                        </p:tgtEl>
-                                        <p:attrNameLst>
-                                          <p:attrName>style.visibility</p:attrName>
-                                        </p:attrNameLst>
-                                      </p:cBhvr>
-                                      <p:to>
-                                        <p:strVal val="visible"/>
-                                      </p:to>
-                                    </p:set>
-                                    <p:animEffect transition="in" filter="wipe(left)">
-                                      <p:cBhvr>
-                                        <p:cTn id="26" dur="500"/>
-                                        <p:tgtEl>
-                                          <p:spTgt spid="9"/>
-                                        </p:tgtEl>
-                                      </p:cBhvr>
-                                    </p:animEffect>
-                                  </p:childTnLst>
-                                </p:cTn>
-                              </p:par>
-                            </p:childTnLst>
-                          </p:cTn>
-                        </p:par>
-                        <p:par>
-                          <p:cTn id="27" fill="hold">
-                            <p:stCondLst>
-                              <p:cond delay="1000"/>
-                            </p:stCondLst>
-                            <p:childTnLst>
-                              <p:par>
-                                <p:cTn id="28" presetID="22" presetClass="entr" presetSubtype="1" fill="hold" nodeType="afterEffect">
-                                  <p:stCondLst>
-                                    <p:cond delay="0"/>
-                                  </p:stCondLst>
-                                  <p:childTnLst>
-                                    <p:set>
-                                      <p:cBhvr>
-                                        <p:cTn id="29" dur="1" fill="hold">
-                                          <p:stCondLst>
-                                            <p:cond delay="0"/>
-                                          </p:stCondLst>
-                                        </p:cTn>
-                                        <p:tgtEl>
-                                          <p:spTgt spid="8"/>
-                                        </p:tgtEl>
-                                        <p:attrNameLst>
-                                          <p:attrName>style.visibility</p:attrName>
-                                        </p:attrNameLst>
-                                      </p:cBhvr>
-                                      <p:to>
-                                        <p:strVal val="visible"/>
-                                      </p:to>
-                                    </p:set>
-                                    <p:animEffect transition="in" filter="wipe(up)">
-                                      <p:cBhvr>
-                                        <p:cTn id="30" dur="500"/>
-                                        <p:tgtEl>
-                                          <p:spTgt spid="8"/>
-                                        </p:tgtEl>
-                                      </p:cBhvr>
-                                    </p:animEffect>
                                   </p:childTnLst>
                                 </p:cTn>
                               </p:par>

--- a/SIMU_ON_WSL.pptx
+++ b/SIMU_ON_WSL.pptx
@@ -316,7 +316,7 @@
           <a:p>
             <a:fld id="{7D37F7A6-00EA-477C-BD0D-F6E7C2E86336}" type="datetimeFigureOut">
               <a:rPr kumimoji="1" lang="ja-JP" altLang="en-US" smtClean="0"/>
-              <a:t>2019/6/11</a:t>
+              <a:t>2019/6/15</a:t>
             </a:fld>
             <a:endParaRPr kumimoji="1" lang="ja-JP" altLang="en-US"/>
           </a:p>
@@ -673,7 +673,7 @@
             </a:r>
             <a:r>
               <a:rPr kumimoji="1" lang="ja-JP" altLang="en-US" dirty="0"/>
-              <a:t>のコンパイルをするための環境構築について話します</a:t>
+              <a:t>のコンパイルをするための環境構築について</a:t>
             </a:r>
           </a:p>
         </p:txBody>
@@ -759,16 +759,12 @@
           <a:lstStyle/>
           <a:p>
             <a:r>
-              <a:rPr kumimoji="1" lang="ja-JP" altLang="en-US" dirty="0"/>
-              <a:t>さて、</a:t>
-            </a:r>
-            <a:r>
               <a:rPr kumimoji="1" lang="en-US" altLang="ja-JP" dirty="0"/>
               <a:t>OS</a:t>
             </a:r>
             <a:r>
               <a:rPr kumimoji="1" lang="ja-JP" altLang="en-US" dirty="0"/>
-              <a:t>セットアップ後の作業は</a:t>
+              <a:t>セットアップ後の作業：まずは</a:t>
             </a:r>
             <a:r>
               <a:rPr kumimoji="1" lang="en-US" altLang="ja-JP" dirty="0"/>
@@ -776,14 +772,14 @@
             </a:r>
             <a:r>
               <a:rPr kumimoji="1" lang="ja-JP" altLang="en-US" dirty="0"/>
-              <a:t>アップデートを行っておきましょう</a:t>
+              <a:t>アップデート</a:t>
             </a:r>
             <a:endParaRPr kumimoji="1" lang="en-US" altLang="ja-JP" dirty="0"/>
           </a:p>
           <a:p>
             <a:r>
               <a:rPr kumimoji="1" lang="ja-JP" altLang="en-US" dirty="0"/>
-              <a:t>日本語化に関しては省略しますので、各自で必要であれば調べて実行願います</a:t>
+              <a:t>日本語化に関しては省略＞各自で必要であれば調べて実行願う</a:t>
             </a:r>
             <a:endParaRPr kumimoji="1" lang="en-US" altLang="ja-JP" dirty="0"/>
           </a:p>
@@ -798,7 +794,7 @@
             </a:r>
             <a:r>
               <a:rPr kumimoji="1" lang="ja-JP" altLang="en-US" dirty="0"/>
-              <a:t>は管理者権限を要するため、</a:t>
+              <a:t>は管理者権限を要する＞</a:t>
             </a:r>
             <a:r>
               <a:rPr kumimoji="1" lang="en-US" altLang="ja-JP" dirty="0" err="1"/>
@@ -806,7 +802,7 @@
             </a:r>
             <a:r>
               <a:rPr kumimoji="1" lang="ja-JP" altLang="en-US" dirty="0"/>
-              <a:t>を頭に付ける必要があります</a:t>
+              <a:t>を頭に付ける必要</a:t>
             </a:r>
             <a:endParaRPr kumimoji="1" lang="en-US" altLang="ja-JP" dirty="0"/>
           </a:p>
@@ -817,7 +813,7 @@
             </a:r>
             <a:r>
               <a:rPr kumimoji="1" lang="ja-JP" altLang="en-US" dirty="0"/>
-              <a:t>を使った際に求められるパスワードはユーザのパスワードです</a:t>
+              <a:t>を使った際に求められるパスワードはユーザのパスワード</a:t>
             </a:r>
             <a:endParaRPr kumimoji="1" lang="en-US" altLang="ja-JP" dirty="0"/>
           </a:p>
@@ -844,7 +840,7 @@
             </a:r>
             <a:r>
               <a:rPr kumimoji="1" lang="ja-JP" altLang="en-US" dirty="0"/>
-              <a:t>で更新を実行します</a:t>
+              <a:t>で更新を実行</a:t>
             </a:r>
           </a:p>
         </p:txBody>
@@ -930,17 +926,6 @@
           <a:lstStyle/>
           <a:p>
             <a:r>
-              <a:rPr kumimoji="1" lang="ja-JP" altLang="en-US" dirty="0"/>
-              <a:t>アップデートも終わったところで必要なパッケージを入れるわけですが、既にネット上にあるクロスコンパイル方法で</a:t>
-            </a:r>
-            <a:endParaRPr kumimoji="1" lang="en-US" altLang="ja-JP" dirty="0"/>
-          </a:p>
-          <a:p>
-            <a:r>
-              <a:rPr kumimoji="1" lang="ja-JP" altLang="en-US" dirty="0"/>
-              <a:t>用いられている</a:t>
-            </a:r>
-            <a:r>
               <a:rPr kumimoji="1" lang="en-US" altLang="ja-JP" dirty="0"/>
               <a:t>Arch Linux</a:t>
             </a:r>
@@ -954,29 +939,18 @@
             </a:r>
             <a:r>
               <a:rPr kumimoji="1" lang="ja-JP" altLang="en-US" dirty="0"/>
-              <a:t>には有りません。</a:t>
+              <a:t>にはない</a:t>
             </a:r>
             <a:endParaRPr kumimoji="1" lang="en-US" altLang="ja-JP" dirty="0"/>
           </a:p>
           <a:p>
             <a:r>
               <a:rPr kumimoji="1" lang="ja-JP" altLang="en-US" dirty="0"/>
-              <a:t>もう一度言います。有りません。</a:t>
+              <a:t>セットの中にある各パッケージは殆ど揃っているのでそのままインストール可能</a:t>
             </a:r>
             <a:endParaRPr kumimoji="1" lang="en-US" altLang="ja-JP" dirty="0"/>
           </a:p>
           <a:p>
-            <a:r>
-              <a:rPr kumimoji="1" lang="ja-JP" altLang="en-US" dirty="0"/>
-              <a:t>ですが、セットの中にある各パッケージは殆ど揃っているのでそのままインストールできます。</a:t>
-            </a:r>
-            <a:endParaRPr kumimoji="1" lang="en-US" altLang="ja-JP" dirty="0"/>
-          </a:p>
-          <a:p>
-            <a:r>
-              <a:rPr kumimoji="1" lang="ja-JP" altLang="en-US" dirty="0"/>
-              <a:t>ですが、</a:t>
-            </a:r>
             <a:r>
               <a:rPr kumimoji="1" lang="en-US" altLang="ja-JP" dirty="0"/>
               <a:t>bzip2</a:t>
@@ -991,7 +965,7 @@
             </a:r>
             <a:r>
               <a:rPr kumimoji="1" lang="ja-JP" altLang="en-US" dirty="0"/>
-              <a:t>はコードをいじってからでなければ上手くいかないのでこの</a:t>
+              <a:t>はコードをいじってからでなければ上手くいかない＞この</a:t>
             </a:r>
             <a:r>
               <a:rPr kumimoji="1" lang="en-US" altLang="ja-JP" dirty="0"/>
@@ -999,11 +973,26 @@
             </a:r>
             <a:r>
               <a:rPr kumimoji="1" lang="ja-JP" altLang="en-US" dirty="0"/>
-              <a:t>つだけは別に入れます</a:t>
+              <a:t>つだけは別に導入</a:t>
             </a:r>
             <a:endParaRPr kumimoji="1" lang="en-US" altLang="ja-JP" dirty="0"/>
           </a:p>
           <a:p>
+            <a:endParaRPr kumimoji="1" lang="en-US" altLang="ja-JP" dirty="0"/>
+          </a:p>
+          <a:p>
+            <a:r>
+              <a:rPr kumimoji="1" lang="en-US" altLang="ja-JP" dirty="0"/>
+              <a:t>Arch Linux</a:t>
+            </a:r>
+            <a:r>
+              <a:rPr lang="ja-JP" altLang="en-US" dirty="0"/>
+              <a:t>：既出クロスコンパイル方法で用いられている</a:t>
+            </a:r>
+            <a:r>
+              <a:rPr lang="en-US" altLang="ja-JP" dirty="0"/>
+              <a:t>Linux</a:t>
+            </a:r>
             <a:endParaRPr kumimoji="1" lang="ja-JP" altLang="en-US" dirty="0"/>
           </a:p>
         </p:txBody>
@@ -1089,10 +1078,6 @@
           <a:lstStyle/>
           <a:p>
             <a:r>
-              <a:rPr kumimoji="1" lang="ja-JP" altLang="en-US" dirty="0"/>
-              <a:t>これは</a:t>
-            </a:r>
-            <a:r>
               <a:rPr kumimoji="1" lang="en-US" altLang="ja-JP" dirty="0"/>
               <a:t>Arch</a:t>
             </a:r>
@@ -1118,19 +1103,11 @@
             </a:r>
             <a:r>
               <a:rPr kumimoji="1" lang="en-US" altLang="ja-JP" baseline="0" dirty="0"/>
-              <a:t>Ubuntu</a:t>
+              <a:t>apt</a:t>
             </a:r>
             <a:r>
               <a:rPr kumimoji="1" lang="ja-JP" altLang="en-US" baseline="0" dirty="0"/>
-              <a:t>で</a:t>
-            </a:r>
-            <a:r>
-              <a:rPr kumimoji="1" lang="en-US" altLang="ja-JP" baseline="0" dirty="0"/>
-              <a:t>apt</a:t>
-            </a:r>
-            <a:r>
-              <a:rPr kumimoji="1" lang="ja-JP" altLang="en-US" baseline="0" dirty="0"/>
-              <a:t>で入れるものです。</a:t>
+              <a:t>で入れるもの</a:t>
             </a:r>
             <a:endParaRPr kumimoji="1" lang="ja-JP" altLang="en-US" dirty="0"/>
           </a:p>
@@ -1226,8 +1203,11 @@
             </a:r>
             <a:r>
               <a:rPr kumimoji="1" lang="ja-JP" altLang="en-US" dirty="0"/>
-              <a:t>で入れるその他のパッケージです。</a:t>
-            </a:r>
+              <a:t>で入れるその他のパッケージ</a:t>
+            </a:r>
+            <a:endParaRPr kumimoji="1" lang="en-US" altLang="ja-JP" dirty="0"/>
+          </a:p>
+          <a:p>
             <a:endParaRPr kumimoji="1" lang="en-US" altLang="ja-JP" dirty="0"/>
           </a:p>
           <a:p>
@@ -1241,15 +1221,19 @@
             </a:r>
             <a:r>
               <a:rPr kumimoji="1" lang="ja-JP" altLang="en-US" dirty="0"/>
-              <a:t>で入れられるものであれば、既にインストール済であっても更新されるか「最新です」というメッセージが出るだけなので</a:t>
+              <a:t>で入れられるもの：既にインストール済であっても更新されるか「最新です」というメッセージが出るだけ</a:t>
             </a:r>
             <a:endParaRPr kumimoji="1" lang="en-US" altLang="ja-JP" dirty="0"/>
           </a:p>
           <a:p>
             <a:r>
               <a:rPr kumimoji="1" lang="ja-JP" altLang="en-US" dirty="0"/>
-              <a:t>気にしないで入れてください</a:t>
-            </a:r>
+              <a:t>＞気にせずインストールしていい</a:t>
+            </a:r>
+            <a:endParaRPr kumimoji="1" lang="en-US" altLang="ja-JP" dirty="0"/>
+          </a:p>
+          <a:p>
+            <a:endParaRPr kumimoji="1" lang="en-US" altLang="ja-JP" dirty="0"/>
           </a:p>
           <a:p>
             <a:r>
@@ -1262,8 +1246,21 @@
             </a:r>
             <a:r>
               <a:rPr kumimoji="1" lang="ja-JP" altLang="en-US" dirty="0"/>
-              <a:t>の後にはとくに制限無く並べられるので、各パッケージの間スペースを空けて書いてください</a:t>
-            </a:r>
+              <a:t>の後にはとくに制限無く並べられる</a:t>
+            </a:r>
+            <a:r>
+              <a:rPr kumimoji="1" lang="en-US" altLang="ja-JP" dirty="0"/>
+              <a:t>&gt;</a:t>
+            </a:r>
+            <a:r>
+              <a:rPr kumimoji="1" lang="ja-JP" altLang="en-US" dirty="0"/>
+              <a:t>各パッケージの間スペースを空けて書けば</a:t>
+            </a:r>
+            <a:r>
+              <a:rPr kumimoji="1" lang="en-US" altLang="ja-JP" dirty="0"/>
+              <a:t>OK</a:t>
+            </a:r>
+            <a:endParaRPr kumimoji="1" lang="ja-JP" altLang="en-US" dirty="0"/>
           </a:p>
         </p:txBody>
       </p:sp>
@@ -1348,16 +1345,12 @@
           <a:lstStyle/>
           <a:p>
             <a:r>
-              <a:rPr kumimoji="1" lang="ja-JP" altLang="en-US" dirty="0"/>
-              <a:t>次は</a:t>
-            </a:r>
-            <a:r>
               <a:rPr kumimoji="1" lang="en-US" altLang="ja-JP" dirty="0"/>
               <a:t>zip</a:t>
             </a:r>
             <a:r>
               <a:rPr kumimoji="1" lang="ja-JP" altLang="en-US" dirty="0"/>
-              <a:t>系の導入です。</a:t>
+              <a:t>系の導入</a:t>
             </a:r>
             <a:endParaRPr kumimoji="1" lang="en-US" altLang="ja-JP" dirty="0"/>
           </a:p>
@@ -2261,10 +2254,6 @@
           <a:lstStyle/>
           <a:p>
             <a:r>
-              <a:rPr kumimoji="1" lang="ja-JP" altLang="en-US" dirty="0"/>
-              <a:t>まず、</a:t>
-            </a:r>
-            <a:r>
               <a:rPr kumimoji="1" lang="en-US" altLang="ja-JP" dirty="0"/>
               <a:t>Windows Subsystem for Linux</a:t>
             </a:r>
@@ -2278,18 +2267,21 @@
             </a:r>
             <a:r>
               <a:rPr kumimoji="1" lang="ja-JP" altLang="en-US" dirty="0"/>
-              <a:t>と言いますが、これについてざっくりと</a:t>
+              <a:t>と言う</a:t>
             </a:r>
             <a:endParaRPr kumimoji="1" lang="en-US" altLang="ja-JP" dirty="0"/>
           </a:p>
           <a:p>
             <a:r>
-              <a:rPr kumimoji="1" lang="en-US" altLang="ja-JP" dirty="0"/>
-              <a:t>WSL</a:t>
-            </a:r>
-            <a:r>
               <a:rPr kumimoji="1" lang="ja-JP" altLang="en-US" dirty="0"/>
-              <a:t>は、簡単に言えば</a:t>
+              <a:t>これについてざっくりと</a:t>
+            </a:r>
+            <a:endParaRPr kumimoji="1" lang="en-US" altLang="ja-JP" dirty="0"/>
+          </a:p>
+          <a:p>
+            <a:r>
+              <a:rPr kumimoji="1" lang="ja-JP" altLang="en-US" dirty="0"/>
+              <a:t>簡単に言えば</a:t>
             </a:r>
             <a:r>
               <a:rPr kumimoji="1" lang="en-US" altLang="ja-JP" dirty="0"/>
@@ -2305,21 +2297,31 @@
             </a:r>
             <a:r>
               <a:rPr kumimoji="1" lang="ja-JP" altLang="en-US" dirty="0"/>
-              <a:t>コンソールアプリです</a:t>
+              <a:t>コンソールアプリ</a:t>
             </a:r>
             <a:endParaRPr kumimoji="1" lang="en-US" altLang="ja-JP" dirty="0"/>
           </a:p>
           <a:p>
             <a:r>
               <a:rPr kumimoji="1" lang="ja-JP" altLang="en-US" dirty="0"/>
-              <a:t>詳しいことは省略しますので、詳しく知りたい方は様々な記事を調べて頂ければ幸いです</a:t>
+              <a:t>詳しいことは省略</a:t>
             </a:r>
             <a:endParaRPr kumimoji="1" lang="en-US" altLang="ja-JP" dirty="0"/>
           </a:p>
           <a:p>
+            <a:endParaRPr kumimoji="1" lang="en-US" altLang="ja-JP" dirty="0"/>
+          </a:p>
+          <a:p>
             <a:r>
               <a:rPr kumimoji="1" lang="ja-JP" altLang="en-US" dirty="0"/>
-              <a:t>このアプリ登場のおかげで、</a:t>
+              <a:t>アプリ登場のおかげで、</a:t>
+            </a:r>
+            <a:endParaRPr kumimoji="1" lang="en-US" altLang="ja-JP" dirty="0"/>
+          </a:p>
+          <a:p>
+            <a:r>
+              <a:rPr kumimoji="1" lang="ja-JP" altLang="en-US" dirty="0"/>
+              <a:t>・</a:t>
             </a:r>
             <a:r>
               <a:rPr kumimoji="1" lang="en-US" altLang="ja-JP" dirty="0"/>
@@ -2343,7 +2345,14 @@
             </a:r>
             <a:r>
               <a:rPr kumimoji="1" lang="ja-JP" altLang="en-US" dirty="0"/>
-              <a:t>を作成したり、</a:t>
+              <a:t>を作成</a:t>
+            </a:r>
+            <a:endParaRPr kumimoji="1" lang="en-US" altLang="ja-JP" dirty="0"/>
+          </a:p>
+          <a:p>
+            <a:r>
+              <a:rPr kumimoji="1" lang="ja-JP" altLang="en-US" dirty="0"/>
+              <a:t>・</a:t>
             </a:r>
             <a:r>
               <a:rPr kumimoji="1" lang="en-US" altLang="ja-JP" dirty="0"/>
@@ -2351,33 +2360,42 @@
             </a:r>
             <a:r>
               <a:rPr kumimoji="1" lang="ja-JP" altLang="en-US" dirty="0"/>
-              <a:t>ライクなソフトを導入して</a:t>
+              <a:t>ライクなソフトを導入して特殊なコマンドを覚える</a:t>
             </a:r>
             <a:endParaRPr kumimoji="1" lang="en-US" altLang="ja-JP" dirty="0"/>
           </a:p>
           <a:p>
             <a:r>
               <a:rPr kumimoji="1" lang="ja-JP" altLang="en-US" dirty="0"/>
-              <a:t>特殊なコマンドを覚える、デュアルブートできるようにする、パソコンを物理的に増やすなどということをしなくても良くなります</a:t>
+              <a:t>・デュアルブートできるようにする</a:t>
             </a:r>
             <a:endParaRPr kumimoji="1" lang="en-US" altLang="ja-JP" dirty="0"/>
           </a:p>
           <a:p>
             <a:r>
-              <a:rPr kumimoji="1" lang="en-US" altLang="ja-JP" dirty="0"/>
-              <a:t>WSL</a:t>
-            </a:r>
-            <a:r>
               <a:rPr kumimoji="1" lang="ja-JP" altLang="en-US" dirty="0"/>
-              <a:t>で利用できるディストリビューションのひとつ</a:t>
-            </a:r>
+              <a:t>・パソコンを物理的に増やす</a:t>
+            </a:r>
+            <a:endParaRPr kumimoji="1" lang="en-US" altLang="ja-JP" dirty="0"/>
+          </a:p>
+          <a:p>
+            <a:r>
+              <a:rPr kumimoji="1" lang="ja-JP" altLang="en-US" dirty="0"/>
+              <a:t>などということをしなくても良くなった</a:t>
+            </a:r>
+            <a:endParaRPr kumimoji="1" lang="en-US" altLang="ja-JP" dirty="0"/>
+          </a:p>
+          <a:p>
+            <a:endParaRPr kumimoji="1" lang="en-US" altLang="ja-JP" dirty="0"/>
+          </a:p>
+          <a:p>
             <a:r>
               <a:rPr kumimoji="1" lang="en-US" altLang="ja-JP" dirty="0"/>
               <a:t>Ubuntu</a:t>
             </a:r>
             <a:r>
               <a:rPr kumimoji="1" lang="ja-JP" altLang="en-US" dirty="0"/>
-              <a:t>の場合、一部除いて</a:t>
+              <a:t>の場合、ハード制御系など一部除いて</a:t>
             </a:r>
             <a:r>
               <a:rPr kumimoji="1" lang="en-US" altLang="ja-JP" dirty="0"/>
@@ -2393,55 +2411,9 @@
             </a:r>
             <a:r>
               <a:rPr kumimoji="1" lang="ja-JP" altLang="en-US" dirty="0"/>
-              <a:t>のまま導入できる</a:t>
+              <a:t>のまま導入できる＞調べたことのほとんどをそのまま使うことが可能</a:t>
             </a:r>
             <a:endParaRPr kumimoji="1" lang="en-US" altLang="ja-JP" dirty="0"/>
-          </a:p>
-          <a:p>
-            <a:r>
-              <a:rPr kumimoji="1" lang="ja-JP" altLang="en-US" dirty="0"/>
-              <a:t>つまり、皆さんが調べて覚えたことのほとんどをそのまま使うことが可能です</a:t>
-            </a:r>
-            <a:endParaRPr kumimoji="1" lang="en-US" altLang="ja-JP" dirty="0"/>
-          </a:p>
-          <a:p>
-            <a:pPr marL="0" marR="0" lvl="0" indent="0" algn="l" defTabSz="914400" rtl="0" eaLnBrk="1" fontAlgn="auto" latinLnBrk="0" hangingPunct="1">
-              <a:lnSpc>
-                <a:spcPct val="100000"/>
-              </a:lnSpc>
-              <a:spcBef>
-                <a:spcPts val="0"/>
-              </a:spcBef>
-              <a:spcAft>
-                <a:spcPts val="0"/>
-              </a:spcAft>
-              <a:buClrTx/>
-              <a:buSzTx/>
-              <a:buFontTx/>
-              <a:buNone/>
-              <a:tabLst/>
-              <a:defRPr/>
-            </a:pPr>
-            <a:r>
-              <a:rPr kumimoji="1" lang="ja-JP" altLang="en-US" dirty="0"/>
-              <a:t>（可能なら起動して</a:t>
-            </a:r>
-            <a:r>
-              <a:rPr kumimoji="1" lang="en-US" altLang="ja-JP" dirty="0" err="1"/>
-              <a:t>sudo</a:t>
-            </a:r>
-            <a:r>
-              <a:rPr kumimoji="1" lang="en-US" altLang="ja-JP" dirty="0"/>
-              <a:t> apt update</a:t>
-            </a:r>
-            <a:r>
-              <a:rPr kumimoji="1" lang="ja-JP" altLang="en-US" dirty="0"/>
-              <a:t>位をみせる）</a:t>
-            </a:r>
-            <a:endParaRPr kumimoji="1" lang="en-US" altLang="ja-JP" dirty="0"/>
-          </a:p>
-          <a:p>
-            <a:endParaRPr kumimoji="1" lang="ja-JP" altLang="en-US" dirty="0"/>
           </a:p>
         </p:txBody>
       </p:sp>
@@ -2661,7 +2633,14 @@
           <a:p>
             <a:r>
               <a:rPr kumimoji="1" lang="ja-JP" altLang="en-US" dirty="0"/>
-              <a:t>で、私が何を話すのかというと、この</a:t>
+              <a:t>何を話すのか＞</a:t>
+            </a:r>
+            <a:endParaRPr kumimoji="1" lang="en-US" altLang="ja-JP" dirty="0"/>
+          </a:p>
+          <a:p>
+            <a:r>
+              <a:rPr kumimoji="1" lang="ja-JP" altLang="en-US" dirty="0"/>
+              <a:t>この</a:t>
             </a:r>
             <a:r>
               <a:rPr kumimoji="1" lang="en-US" altLang="ja-JP" dirty="0"/>
@@ -2685,21 +2664,24 @@
             </a:r>
             <a:r>
               <a:rPr kumimoji="1" lang="ja-JP" altLang="en-US" dirty="0"/>
-              <a:t>をコンパイル、いわゆるクロスコンパイルするための準備を始めましょう</a:t>
+              <a:t>をクロスコンパイルするための準備を始めましょう</a:t>
             </a:r>
             <a:endParaRPr kumimoji="1" lang="en-US" altLang="ja-JP" dirty="0"/>
           </a:p>
           <a:p>
+            <a:endParaRPr kumimoji="1" lang="en-US" altLang="ja-JP" dirty="0"/>
+          </a:p>
+          <a:p>
             <a:r>
               <a:rPr kumimoji="1" lang="ja-JP" altLang="en-US" dirty="0"/>
-              <a:t>ということです。</a:t>
+              <a:t>実際のコンパイル作業に関しては？</a:t>
             </a:r>
             <a:endParaRPr kumimoji="1" lang="en-US" altLang="ja-JP" dirty="0"/>
           </a:p>
           <a:p>
             <a:r>
               <a:rPr kumimoji="1" lang="ja-JP" altLang="en-US" dirty="0"/>
-              <a:t>実際のコンパイル作業に関しては、検索すると</a:t>
+              <a:t>＞検索すると</a:t>
             </a:r>
             <a:r>
               <a:rPr kumimoji="1" lang="en-US" altLang="ja-JP" dirty="0" err="1"/>
@@ -2707,7 +2689,14 @@
             </a:r>
             <a:r>
               <a:rPr kumimoji="1" lang="ja-JP" altLang="en-US" dirty="0"/>
-              <a:t>に上げられてるのもありますし、啓徳さんがハッシュタグ</a:t>
+              <a:t>に上げられている</a:t>
+            </a:r>
+            <a:endParaRPr kumimoji="1" lang="en-US" altLang="ja-JP" dirty="0"/>
+          </a:p>
+          <a:p>
+            <a:r>
+              <a:rPr kumimoji="1" lang="ja-JP" altLang="en-US" dirty="0"/>
+              <a:t>＞啓徳さんがハッシュタグ</a:t>
             </a:r>
             <a:r>
               <a:rPr kumimoji="1" lang="en-US" altLang="ja-JP" dirty="0"/>
@@ -2715,8 +2704,33 @@
             </a:r>
             <a:r>
               <a:rPr kumimoji="1" lang="ja-JP" altLang="en-US" dirty="0"/>
-              <a:t>でも上げられていますので、この内容だけで大分時間取るのもあり省略いたします。</a:t>
-            </a:r>
+              <a:t>であげている</a:t>
+            </a:r>
+            <a:endParaRPr kumimoji="1" lang="en-US" altLang="ja-JP" dirty="0"/>
+          </a:p>
+          <a:p>
+            <a:r>
+              <a:rPr kumimoji="1" lang="ja-JP" altLang="en-US" dirty="0"/>
+              <a:t>＞</a:t>
+            </a:r>
+            <a:r>
+              <a:rPr kumimoji="1" lang="en-US" altLang="ja-JP" dirty="0"/>
+              <a:t>WSL</a:t>
+            </a:r>
+            <a:r>
+              <a:rPr kumimoji="1" lang="ja-JP" altLang="en-US" dirty="0"/>
+              <a:t>導入作業説明もかなり時間取る</a:t>
+            </a:r>
+            <a:endParaRPr kumimoji="1" lang="en-US" altLang="ja-JP" dirty="0"/>
+          </a:p>
+          <a:p>
+            <a:r>
+              <a:rPr kumimoji="1" lang="ja-JP" altLang="en-US" dirty="0"/>
+              <a:t>なので省略</a:t>
+            </a:r>
+            <a:endParaRPr kumimoji="1" lang="en-US" altLang="ja-JP" dirty="0"/>
+          </a:p>
+          <a:p>
             <a:endParaRPr kumimoji="1" lang="en-US" altLang="ja-JP" dirty="0"/>
           </a:p>
           <a:p>
@@ -2743,7 +2757,7 @@
             </a:r>
             <a:r>
               <a:rPr kumimoji="1" lang="ja-JP" altLang="en-US" dirty="0"/>
-              <a:t>の画面は出ません。先ほどの黒画面が終点です。</a:t>
+              <a:t>の画面はない。黒い画面と仲良くなる会</a:t>
             </a:r>
             <a:endParaRPr kumimoji="1" lang="en-US" altLang="ja-JP" dirty="0"/>
           </a:p>
@@ -2767,7 +2781,7 @@
             </a:pPr>
             <a:r>
               <a:rPr kumimoji="1" lang="ja-JP" altLang="en-US" dirty="0"/>
-              <a:t>あと、この先も文字が多い、ダメと言われやすいスライドになりますが、画像が黒画面だらけになりそうだったのでご了承頂ければ幸いです。</a:t>
+              <a:t>あと、この先も文字が多いのはご了承願いたい</a:t>
             </a:r>
             <a:endParaRPr kumimoji="1" lang="en-US" altLang="ja-JP" dirty="0"/>
           </a:p>
@@ -2862,14 +2876,17 @@
           <a:p>
             <a:r>
               <a:rPr kumimoji="1" lang="ja-JP" altLang="en-US" dirty="0"/>
-              <a:t>始めに設定をいじって有効化します。</a:t>
+              <a:t>始めに設定をいじって有効化</a:t>
             </a:r>
             <a:endParaRPr kumimoji="1" lang="en-US" altLang="ja-JP" dirty="0"/>
           </a:p>
           <a:p>
+            <a:endParaRPr kumimoji="1" lang="en-US" altLang="ja-JP" dirty="0"/>
+          </a:p>
+          <a:p>
             <a:r>
               <a:rPr kumimoji="1" lang="ja-JP" altLang="en-US" dirty="0"/>
-              <a:t>管理者権限アカウント（設定からアカウントへ行くと最初に表示されるページで確認できます）でログインし、スタートメニュー（</a:t>
+              <a:t>管理者権限アカウントでログインし、スタートメニュー（</a:t>
             </a:r>
             <a:r>
               <a:rPr kumimoji="1" lang="en-US" altLang="ja-JP" dirty="0"/>
@@ -2884,8 +2901,26 @@
           <a:p>
             <a:r>
               <a:rPr kumimoji="1" lang="ja-JP" altLang="en-US" dirty="0"/>
-              <a:t>右クリックメニューが出たらアプリと機能をクリックして、出た画面の右側、プログラムと機能を選びます</a:t>
-            </a:r>
+              <a:t>右クリックメニューが出たらアプリと機能をクリック</a:t>
+            </a:r>
+            <a:endParaRPr kumimoji="1" lang="en-US" altLang="ja-JP" dirty="0"/>
+          </a:p>
+          <a:p>
+            <a:r>
+              <a:rPr kumimoji="1" lang="ja-JP" altLang="en-US" dirty="0"/>
+              <a:t>アプリと機能画面の右側、プログラムと機能を選ぶ</a:t>
+            </a:r>
+            <a:endParaRPr kumimoji="1" lang="en-US" altLang="ja-JP" dirty="0"/>
+          </a:p>
+          <a:p>
+            <a:endParaRPr lang="en-US" altLang="ja-JP" dirty="0"/>
+          </a:p>
+          <a:p>
+            <a:r>
+              <a:rPr lang="ja-JP" altLang="en-US" dirty="0"/>
+              <a:t>管理者権限アカウント：設定からアカウントへ行くと最初に表示されるページで確認できる</a:t>
+            </a:r>
+            <a:endParaRPr kumimoji="1" lang="ja-JP" altLang="en-US" dirty="0"/>
           </a:p>
         </p:txBody>
       </p:sp>
@@ -2979,21 +3014,19 @@
             </a:r>
             <a:r>
               <a:rPr kumimoji="1" lang="ja-JP" altLang="en-US" dirty="0"/>
-              <a:t>の機能の有効化～をクリックします</a:t>
+              <a:t>の機能の有効化または無効化をクリック</a:t>
             </a:r>
             <a:endParaRPr kumimoji="1" lang="en-US" altLang="ja-JP" dirty="0"/>
           </a:p>
           <a:p>
             <a:r>
               <a:rPr kumimoji="1" lang="ja-JP" altLang="en-US" dirty="0"/>
-              <a:t>かなり奥まったところにある機能有効化画面が出たら</a:t>
+              <a:t>機能有効化画面が出たら</a:t>
             </a:r>
             <a:r>
               <a:rPr kumimoji="1" lang="en-US" altLang="ja-JP" dirty="0"/>
               <a:t>Windows Subsystem for Linux</a:t>
             </a:r>
-          </a:p>
-          <a:p>
             <a:r>
               <a:rPr kumimoji="1" lang="ja-JP" altLang="en-US" dirty="0"/>
               <a:t>にレ点を入れて</a:t>
@@ -3002,24 +3035,27 @@
               <a:rPr kumimoji="1" lang="en-US" altLang="ja-JP" dirty="0"/>
               <a:t>OK</a:t>
             </a:r>
+          </a:p>
+          <a:p>
             <a:r>
               <a:rPr kumimoji="1" lang="ja-JP" altLang="en-US" dirty="0"/>
-              <a:t>を押して変更を待ちます。</a:t>
+              <a:t>変更を待つ</a:t>
             </a:r>
             <a:endParaRPr kumimoji="1" lang="en-US" altLang="ja-JP" dirty="0"/>
           </a:p>
           <a:p>
             <a:r>
               <a:rPr kumimoji="1" lang="ja-JP" altLang="en-US" dirty="0"/>
-              <a:t>変更終了したら再起動するので、もし作業中のファイルがあったら保存して閉じてから再起動します</a:t>
+              <a:t>変更終了したら再起動</a:t>
             </a:r>
             <a:endParaRPr kumimoji="1" lang="en-US" altLang="ja-JP" dirty="0"/>
           </a:p>
           <a:p>
             <a:r>
               <a:rPr kumimoji="1" lang="ja-JP" altLang="en-US" dirty="0"/>
-              <a:t>進捗を白紙化しないように注意してください</a:t>
-            </a:r>
+              <a:t>もし作業中のファイルがあったら保存して閉じてから再起動</a:t>
+            </a:r>
+            <a:endParaRPr kumimoji="1" lang="en-US" altLang="ja-JP" dirty="0"/>
           </a:p>
         </p:txBody>
       </p:sp>
@@ -3105,7 +3141,7 @@
           <a:p>
             <a:r>
               <a:rPr kumimoji="1" lang="ja-JP" altLang="en-US" dirty="0"/>
-              <a:t>再起動したらいよいよ本体のインストールです</a:t>
+              <a:t>いよいよ本体のインストール</a:t>
             </a:r>
             <a:endParaRPr kumimoji="1" lang="en-US" altLang="ja-JP" dirty="0"/>
           </a:p>
@@ -3120,14 +3156,21 @@
             </a:r>
             <a:r>
               <a:rPr kumimoji="1" lang="ja-JP" altLang="en-US" dirty="0"/>
-              <a:t>と、大文字小文字は問わないので打ち込みます</a:t>
+              <a:t>と打ち込む</a:t>
             </a:r>
             <a:endParaRPr kumimoji="1" lang="en-US" altLang="ja-JP" dirty="0"/>
           </a:p>
           <a:p>
             <a:r>
               <a:rPr kumimoji="1" lang="ja-JP" altLang="en-US" dirty="0"/>
-              <a:t>すると候補が表示されるのでこれ（</a:t>
+              <a:t>大文字小文字は問わない</a:t>
+            </a:r>
+            <a:endParaRPr kumimoji="1" lang="en-US" altLang="ja-JP" dirty="0"/>
+          </a:p>
+          <a:p>
+            <a:r>
+              <a:rPr kumimoji="1" lang="ja-JP" altLang="en-US" dirty="0"/>
+              <a:t>候補が表示されるので</a:t>
             </a:r>
             <a:r>
               <a:rPr kumimoji="1" lang="en-US" altLang="ja-JP" dirty="0"/>
@@ -3143,7 +3186,7 @@
             </a:r>
             <a:r>
               <a:rPr kumimoji="1" lang="ja-JP" altLang="en-US" dirty="0"/>
-              <a:t>を実行する）をクリックします</a:t>
+              <a:t>を実行するをクリック</a:t>
             </a:r>
           </a:p>
         </p:txBody>
@@ -3238,14 +3281,14 @@
             </a:r>
             <a:r>
               <a:rPr kumimoji="1" lang="ja-JP" altLang="en-US" dirty="0"/>
-              <a:t>を選び詳細画面で入手を押します</a:t>
+              <a:t>を選び詳細画面で入手を押す</a:t>
             </a:r>
             <a:endParaRPr kumimoji="1" lang="en-US" altLang="ja-JP" dirty="0"/>
           </a:p>
           <a:p>
             <a:r>
               <a:rPr kumimoji="1" lang="ja-JP" altLang="en-US" dirty="0"/>
-              <a:t>今回のを参考に自力で出来る方は</a:t>
+              <a:t>自力で出来る方、他を使い慣れている方は</a:t>
             </a:r>
             <a:r>
               <a:rPr kumimoji="1" lang="en-US" altLang="ja-JP" dirty="0"/>
@@ -3267,16 +3310,11 @@
               <a:rPr kumimoji="1" lang="en-US" altLang="ja-JP" dirty="0"/>
               <a:t>OK</a:t>
             </a:r>
+          </a:p>
+          <a:p>
             <a:r>
               <a:rPr kumimoji="1" lang="ja-JP" altLang="en-US" dirty="0"/>
-              <a:t>です</a:t>
-            </a:r>
-            <a:endParaRPr kumimoji="1" lang="en-US" altLang="ja-JP" dirty="0"/>
-          </a:p>
-          <a:p>
-            <a:r>
-              <a:rPr kumimoji="1" lang="ja-JP" altLang="en-US" dirty="0"/>
-              <a:t>入手を押すとインストールが始まるので終わるのを待ちます</a:t>
+              <a:t>入手を押すとインストールが始まるので終わるのを待つ</a:t>
             </a:r>
           </a:p>
         </p:txBody>
@@ -3371,14 +3409,14 @@
             </a:r>
             <a:r>
               <a:rPr kumimoji="1" lang="ja-JP" altLang="en-US" dirty="0"/>
-              <a:t>をクリックしてください</a:t>
+              <a:t>をクリック</a:t>
             </a:r>
             <a:endParaRPr kumimoji="1" lang="en-US" altLang="ja-JP" dirty="0"/>
           </a:p>
           <a:p>
             <a:r>
               <a:rPr kumimoji="1" lang="ja-JP" altLang="en-US" dirty="0"/>
-              <a:t>初回はファイル展開あるため、画像の文字が表示されるのでお手洗いなどを済ませておいてください。</a:t>
+              <a:t>初回はファイル展開あるため、またしばらく待つ</a:t>
             </a:r>
           </a:p>
         </p:txBody>
@@ -3465,36 +3503,39 @@
           <a:p>
             <a:r>
               <a:rPr kumimoji="1" lang="ja-JP" altLang="en-US" dirty="0"/>
-              <a:t>しばらく待つと、ユーザ名が求められるため考えたユーザ名を入れてください。</a:t>
+              <a:t>しばらく待つと、ユーザ名が求められるため入力し、エンター</a:t>
             </a:r>
             <a:endParaRPr kumimoji="1" lang="en-US" altLang="ja-JP" dirty="0"/>
           </a:p>
           <a:p>
             <a:r>
+              <a:rPr lang="en-US" altLang="ja-JP" dirty="0"/>
+              <a:t>Windows</a:t>
+            </a:r>
+            <a:r>
+              <a:rPr lang="ja-JP" altLang="en-US" dirty="0"/>
+              <a:t>のアカウントとは別の名前で問題無い</a:t>
+            </a:r>
+            <a:endParaRPr lang="en-US" altLang="ja-JP" dirty="0"/>
+          </a:p>
+          <a:p>
+            <a:r>
               <a:rPr kumimoji="1" lang="ja-JP" altLang="en-US" dirty="0"/>
-              <a:t>これは特に</a:t>
-            </a:r>
-            <a:r>
-              <a:rPr kumimoji="1" lang="en-US" altLang="ja-JP" dirty="0"/>
-              <a:t>Microsoft</a:t>
-            </a:r>
+              <a:t>ユーザ名入力後パスワードを求められる</a:t>
+            </a:r>
+            <a:endParaRPr kumimoji="1" lang="en-US" altLang="ja-JP" dirty="0"/>
+          </a:p>
+          <a:p>
             <a:r>
               <a:rPr kumimoji="1" lang="ja-JP" altLang="en-US" dirty="0"/>
-              <a:t>アカウントとそろえなくても問題ありません。</a:t>
+              <a:t>考えたパスワードを入力し、エンター</a:t>
             </a:r>
             <a:endParaRPr kumimoji="1" lang="en-US" altLang="ja-JP" dirty="0"/>
           </a:p>
           <a:p>
             <a:r>
               <a:rPr kumimoji="1" lang="ja-JP" altLang="en-US" dirty="0"/>
-              <a:t>その後パスワードを求められるため考えたパスワードを入れてください</a:t>
-            </a:r>
-            <a:endParaRPr kumimoji="1" lang="en-US" altLang="ja-JP" dirty="0"/>
-          </a:p>
-          <a:p>
-            <a:r>
-              <a:rPr kumimoji="1" lang="ja-JP" altLang="en-US" dirty="0"/>
-              <a:t>で、注意事項ですが、パスワードはアスタリスクも表示されません。打ち間違い注意してください。</a:t>
+              <a:t>注意事項：パスワードはアスタリスクすら表示されない</a:t>
             </a:r>
             <a:endParaRPr kumimoji="1" lang="en-US" altLang="ja-JP" dirty="0"/>
           </a:p>
@@ -3509,7 +3550,14 @@
             </a:r>
             <a:r>
               <a:rPr kumimoji="1" lang="ja-JP" altLang="en-US" dirty="0"/>
-              <a:t>回打ち込む必要があります。問題無ければドルマークがでます</a:t>
+              <a:t>回打ち込む</a:t>
+            </a:r>
+            <a:endParaRPr kumimoji="1" lang="en-US" altLang="ja-JP" dirty="0"/>
+          </a:p>
+          <a:p>
+            <a:r>
+              <a:rPr kumimoji="1" lang="ja-JP" altLang="en-US" dirty="0"/>
+              <a:t>問題無ければドルマーク（コマンド待機状態）がでます</a:t>
             </a:r>
             <a:endParaRPr kumimoji="1" lang="en-US" altLang="ja-JP" dirty="0"/>
           </a:p>
@@ -5644,7 +5692,7 @@
           <a:p>
             <a:fld id="{EFCA2F27-532F-4E2E-86E8-C011D6D4D29E}" type="datetimeFigureOut">
               <a:rPr kumimoji="1" lang="ja-JP" altLang="en-US" smtClean="0"/>
-              <a:t>2019/6/11</a:t>
+              <a:t>2019/6/15</a:t>
             </a:fld>
             <a:endParaRPr kumimoji="1" lang="ja-JP" altLang="en-US"/>
           </a:p>
@@ -5942,7 +5990,7 @@
           <a:p>
             <a:fld id="{EFCA2F27-532F-4E2E-86E8-C011D6D4D29E}" type="datetimeFigureOut">
               <a:rPr kumimoji="1" lang="ja-JP" altLang="en-US" smtClean="0"/>
-              <a:t>2019/6/11</a:t>
+              <a:t>2019/6/15</a:t>
             </a:fld>
             <a:endParaRPr kumimoji="1" lang="ja-JP" altLang="en-US"/>
           </a:p>
@@ -6188,7 +6236,7 @@
           <a:p>
             <a:fld id="{EFCA2F27-532F-4E2E-86E8-C011D6D4D29E}" type="datetimeFigureOut">
               <a:rPr kumimoji="1" lang="ja-JP" altLang="en-US" smtClean="0"/>
-              <a:t>2019/6/11</a:t>
+              <a:t>2019/6/15</a:t>
             </a:fld>
             <a:endParaRPr kumimoji="1" lang="ja-JP" altLang="en-US"/>
           </a:p>
@@ -6354,7 +6402,7 @@
           <a:p>
             <a:fld id="{43172269-E0BE-4177-A733-9CAC9D8021AA}" type="datetimeFigureOut">
               <a:rPr kumimoji="1" lang="ja-JP" altLang="en-US" smtClean="0"/>
-              <a:t>2019/6/11</a:t>
+              <a:t>2019/6/15</a:t>
             </a:fld>
             <a:endParaRPr kumimoji="1" lang="ja-JP" altLang="en-US"/>
           </a:p>
@@ -6584,7 +6632,7 @@
           <a:p>
             <a:fld id="{43172269-E0BE-4177-A733-9CAC9D8021AA}" type="datetimeFigureOut">
               <a:rPr kumimoji="1" lang="ja-JP" altLang="en-US" smtClean="0"/>
-              <a:t>2019/6/11</a:t>
+              <a:t>2019/6/15</a:t>
             </a:fld>
             <a:endParaRPr kumimoji="1" lang="ja-JP" altLang="en-US"/>
           </a:p>
@@ -6859,7 +6907,7 @@
           <a:p>
             <a:fld id="{43172269-E0BE-4177-A733-9CAC9D8021AA}" type="datetimeFigureOut">
               <a:rPr kumimoji="1" lang="ja-JP" altLang="en-US" smtClean="0"/>
-              <a:t>2019/6/11</a:t>
+              <a:t>2019/6/15</a:t>
             </a:fld>
             <a:endParaRPr kumimoji="1" lang="ja-JP" altLang="en-US"/>
           </a:p>
@@ -7188,7 +7236,7 @@
           <a:p>
             <a:fld id="{43172269-E0BE-4177-A733-9CAC9D8021AA}" type="datetimeFigureOut">
               <a:rPr kumimoji="1" lang="ja-JP" altLang="en-US" smtClean="0"/>
-              <a:t>2019/6/11</a:t>
+              <a:t>2019/6/15</a:t>
             </a:fld>
             <a:endParaRPr kumimoji="1" lang="ja-JP" altLang="en-US"/>
           </a:p>
@@ -7664,7 +7712,7 @@
           <a:p>
             <a:fld id="{43172269-E0BE-4177-A733-9CAC9D8021AA}" type="datetimeFigureOut">
               <a:rPr kumimoji="1" lang="ja-JP" altLang="en-US" smtClean="0"/>
-              <a:t>2019/6/11</a:t>
+              <a:t>2019/6/15</a:t>
             </a:fld>
             <a:endParaRPr kumimoji="1" lang="ja-JP" altLang="en-US"/>
           </a:p>
@@ -7805,7 +7853,7 @@
           <a:p>
             <a:fld id="{43172269-E0BE-4177-A733-9CAC9D8021AA}" type="datetimeFigureOut">
               <a:rPr kumimoji="1" lang="ja-JP" altLang="en-US" smtClean="0"/>
-              <a:t>2019/6/11</a:t>
+              <a:t>2019/6/15</a:t>
             </a:fld>
             <a:endParaRPr kumimoji="1" lang="ja-JP" altLang="en-US"/>
           </a:p>
@@ -7918,7 +7966,7 @@
           <a:p>
             <a:fld id="{43172269-E0BE-4177-A733-9CAC9D8021AA}" type="datetimeFigureOut">
               <a:rPr kumimoji="1" lang="ja-JP" altLang="en-US" smtClean="0"/>
-              <a:t>2019/6/11</a:t>
+              <a:t>2019/6/15</a:t>
             </a:fld>
             <a:endParaRPr kumimoji="1" lang="ja-JP" altLang="en-US"/>
           </a:p>
@@ -8261,7 +8309,7 @@
           <a:p>
             <a:fld id="{43172269-E0BE-4177-A733-9CAC9D8021AA}" type="datetimeFigureOut">
               <a:rPr kumimoji="1" lang="ja-JP" altLang="en-US" smtClean="0"/>
-              <a:t>2019/6/11</a:t>
+              <a:t>2019/6/15</a:t>
             </a:fld>
             <a:endParaRPr kumimoji="1" lang="ja-JP" altLang="en-US"/>
           </a:p>
@@ -8551,7 +8599,7 @@
           <a:p>
             <a:fld id="{EFCA2F27-532F-4E2E-86E8-C011D6D4D29E}" type="datetimeFigureOut">
               <a:rPr kumimoji="1" lang="ja-JP" altLang="en-US" smtClean="0"/>
-              <a:t>2019/6/11</a:t>
+              <a:t>2019/6/15</a:t>
             </a:fld>
             <a:endParaRPr kumimoji="1" lang="ja-JP" altLang="en-US"/>
           </a:p>
@@ -8785,7 +8833,7 @@
           <a:p>
             <a:fld id="{43172269-E0BE-4177-A733-9CAC9D8021AA}" type="datetimeFigureOut">
               <a:rPr kumimoji="1" lang="ja-JP" altLang="en-US" smtClean="0"/>
-              <a:t>2019/6/11</a:t>
+              <a:t>2019/6/15</a:t>
             </a:fld>
             <a:endParaRPr kumimoji="1" lang="ja-JP" altLang="en-US"/>
           </a:p>
@@ -9015,7 +9063,7 @@
           <a:p>
             <a:fld id="{43172269-E0BE-4177-A733-9CAC9D8021AA}" type="datetimeFigureOut">
               <a:rPr kumimoji="1" lang="ja-JP" altLang="en-US" smtClean="0"/>
-              <a:t>2019/6/11</a:t>
+              <a:t>2019/6/15</a:t>
             </a:fld>
             <a:endParaRPr kumimoji="1" lang="ja-JP" altLang="en-US"/>
           </a:p>
@@ -9255,7 +9303,7 @@
           <a:p>
             <a:fld id="{43172269-E0BE-4177-A733-9CAC9D8021AA}" type="datetimeFigureOut">
               <a:rPr kumimoji="1" lang="ja-JP" altLang="en-US" smtClean="0"/>
-              <a:t>2019/6/11</a:t>
+              <a:t>2019/6/15</a:t>
             </a:fld>
             <a:endParaRPr kumimoji="1" lang="ja-JP" altLang="en-US"/>
           </a:p>
@@ -9536,7 +9584,7 @@
           <a:p>
             <a:fld id="{EFCA2F27-532F-4E2E-86E8-C011D6D4D29E}" type="datetimeFigureOut">
               <a:rPr kumimoji="1" lang="ja-JP" altLang="en-US" smtClean="0"/>
-              <a:t>2019/6/11</a:t>
+              <a:t>2019/6/15</a:t>
             </a:fld>
             <a:endParaRPr kumimoji="1" lang="ja-JP" altLang="en-US"/>
           </a:p>
@@ -9921,7 +9969,7 @@
           <a:p>
             <a:fld id="{EFCA2F27-532F-4E2E-86E8-C011D6D4D29E}" type="datetimeFigureOut">
               <a:rPr kumimoji="1" lang="ja-JP" altLang="en-US" smtClean="0"/>
-              <a:t>2019/6/11</a:t>
+              <a:t>2019/6/15</a:t>
             </a:fld>
             <a:endParaRPr kumimoji="1" lang="ja-JP" altLang="en-US"/>
           </a:p>
@@ -10445,7 +10493,7 @@
           <a:p>
             <a:fld id="{EFCA2F27-532F-4E2E-86E8-C011D6D4D29E}" type="datetimeFigureOut">
               <a:rPr kumimoji="1" lang="ja-JP" altLang="en-US" smtClean="0"/>
-              <a:t>2019/6/11</a:t>
+              <a:t>2019/6/15</a:t>
             </a:fld>
             <a:endParaRPr kumimoji="1" lang="ja-JP" altLang="en-US"/>
           </a:p>
@@ -10598,7 +10646,7 @@
           <a:p>
             <a:fld id="{EFCA2F27-532F-4E2E-86E8-C011D6D4D29E}" type="datetimeFigureOut">
               <a:rPr kumimoji="1" lang="ja-JP" altLang="en-US" smtClean="0"/>
-              <a:t>2019/6/11</a:t>
+              <a:t>2019/6/15</a:t>
             </a:fld>
             <a:endParaRPr kumimoji="1" lang="ja-JP" altLang="en-US"/>
           </a:p>
@@ -10729,7 +10777,7 @@
           <a:p>
             <a:fld id="{EFCA2F27-532F-4E2E-86E8-C011D6D4D29E}" type="datetimeFigureOut">
               <a:rPr kumimoji="1" lang="ja-JP" altLang="en-US" smtClean="0"/>
-              <a:t>2019/6/11</a:t>
+              <a:t>2019/6/15</a:t>
             </a:fld>
             <a:endParaRPr kumimoji="1" lang="ja-JP" altLang="en-US"/>
           </a:p>
@@ -11072,7 +11120,7 @@
           <a:p>
             <a:fld id="{EFCA2F27-532F-4E2E-86E8-C011D6D4D29E}" type="datetimeFigureOut">
               <a:rPr kumimoji="1" lang="ja-JP" altLang="en-US" smtClean="0"/>
-              <a:t>2019/6/11</a:t>
+              <a:t>2019/6/15</a:t>
             </a:fld>
             <a:endParaRPr kumimoji="1" lang="ja-JP" altLang="en-US"/>
           </a:p>
@@ -11364,7 +11412,7 @@
           <a:p>
             <a:fld id="{EFCA2F27-532F-4E2E-86E8-C011D6D4D29E}" type="datetimeFigureOut">
               <a:rPr kumimoji="1" lang="ja-JP" altLang="en-US" smtClean="0"/>
-              <a:t>2019/6/11</a:t>
+              <a:t>2019/6/15</a:t>
             </a:fld>
             <a:endParaRPr kumimoji="1" lang="ja-JP" altLang="en-US"/>
           </a:p>
@@ -13343,7 +13391,7 @@
           <a:p>
             <a:fld id="{EFCA2F27-532F-4E2E-86E8-C011D6D4D29E}" type="datetimeFigureOut">
               <a:rPr kumimoji="1" lang="ja-JP" altLang="en-US" smtClean="0"/>
-              <a:t>2019/6/11</a:t>
+              <a:t>2019/6/15</a:t>
             </a:fld>
             <a:endParaRPr kumimoji="1" lang="ja-JP" altLang="en-US"/>
           </a:p>
@@ -13995,7 +14043,7 @@
           <a:p>
             <a:fld id="{43172269-E0BE-4177-A733-9CAC9D8021AA}" type="datetimeFigureOut">
               <a:rPr kumimoji="1" lang="ja-JP" altLang="en-US" smtClean="0"/>
-              <a:t>2019/6/11</a:t>
+              <a:t>2019/6/15</a:t>
             </a:fld>
             <a:endParaRPr kumimoji="1" lang="ja-JP" altLang="en-US"/>
           </a:p>
@@ -14668,7 +14716,7 @@
         <p:spPr>
           <a:xfrm>
             <a:off x="609600" y="1981200"/>
-            <a:ext cx="10972800" cy="3886200"/>
+            <a:ext cx="10972800" cy="1971039"/>
           </a:xfrm>
         </p:spPr>
         <p:txBody>
@@ -14724,54 +14772,6 @@
               <a:t>」必要</a:t>
             </a:r>
             <a:endParaRPr kumimoji="1" lang="en-US" altLang="ja-JP" dirty="0">
-              <a:latin typeface="TakaoExゴシック" panose="020B0500000000000000" pitchFamily="50" charset="-128"/>
-              <a:ea typeface="TakaoExゴシック" panose="020B0500000000000000" pitchFamily="50" charset="-128"/>
-            </a:endParaRPr>
-          </a:p>
-          <a:p>
-            <a:r>
-              <a:rPr lang="en-US" altLang="ja-JP" dirty="0" err="1">
-                <a:latin typeface="TakaoExゴシック" panose="020B0500000000000000" pitchFamily="50" charset="-128"/>
-                <a:ea typeface="TakaoExゴシック" panose="020B0500000000000000" pitchFamily="50" charset="-128"/>
-              </a:rPr>
-              <a:t>sudo</a:t>
-            </a:r>
-            <a:r>
-              <a:rPr lang="en-US" altLang="ja-JP" dirty="0">
-                <a:latin typeface="TakaoExゴシック" panose="020B0500000000000000" pitchFamily="50" charset="-128"/>
-                <a:ea typeface="TakaoExゴシック" panose="020B0500000000000000" pitchFamily="50" charset="-128"/>
-              </a:rPr>
-              <a:t> apt update</a:t>
-            </a:r>
-            <a:r>
-              <a:rPr lang="ja-JP" altLang="en-US" dirty="0">
-                <a:latin typeface="TakaoExゴシック" panose="020B0500000000000000" pitchFamily="50" charset="-128"/>
-                <a:ea typeface="TakaoExゴシック" panose="020B0500000000000000" pitchFamily="50" charset="-128"/>
-              </a:rPr>
-              <a:t>で最新情報取得、</a:t>
-            </a:r>
-            <a:r>
-              <a:rPr lang="en-US" altLang="ja-JP" dirty="0" err="1">
-                <a:latin typeface="TakaoExゴシック" panose="020B0500000000000000" pitchFamily="50" charset="-128"/>
-                <a:ea typeface="TakaoExゴシック" panose="020B0500000000000000" pitchFamily="50" charset="-128"/>
-              </a:rPr>
-              <a:t>sudo</a:t>
-            </a:r>
-            <a:r>
-              <a:rPr lang="en-US" altLang="ja-JP" dirty="0">
-                <a:latin typeface="TakaoExゴシック" panose="020B0500000000000000" pitchFamily="50" charset="-128"/>
-                <a:ea typeface="TakaoExゴシック" panose="020B0500000000000000" pitchFamily="50" charset="-128"/>
-              </a:rPr>
-              <a:t> apt upgrade</a:t>
-            </a:r>
-            <a:r>
-              <a:rPr lang="ja-JP" altLang="en-US" dirty="0">
-                <a:latin typeface="TakaoExゴシック" panose="020B0500000000000000" pitchFamily="50" charset="-128"/>
-                <a:ea typeface="TakaoExゴシック" panose="020B0500000000000000" pitchFamily="50" charset="-128"/>
-              </a:rPr>
-              <a:t>で更新の２段階で行う</a:t>
-            </a:r>
-            <a:endParaRPr kumimoji="1" lang="ja-JP" altLang="en-US" dirty="0">
               <a:latin typeface="TakaoExゴシック" panose="020B0500000000000000" pitchFamily="50" charset="-128"/>
               <a:ea typeface="TakaoExゴシック" panose="020B0500000000000000" pitchFamily="50" charset="-128"/>
             </a:endParaRPr>
@@ -14900,6 +14900,301 @@
           </a:p>
         </p:txBody>
       </p:sp>
+      <p:sp>
+        <p:nvSpPr>
+          <p:cNvPr id="7" name="コンテンツ プレースホルダー 2">
+            <a:extLst>
+              <a:ext uri="{FF2B5EF4-FFF2-40B4-BE49-F238E27FC236}">
+                <a16:creationId xmlns:a16="http://schemas.microsoft.com/office/drawing/2014/main" id="{F0A7EAFE-D525-4A7C-8E5E-3D59D29658E4}"/>
+              </a:ext>
+            </a:extLst>
+          </p:cNvPr>
+          <p:cNvSpPr txBox="1">
+            <a:spLocks/>
+          </p:cNvSpPr>
+          <p:nvPr/>
+        </p:nvSpPr>
+        <p:spPr bwMode="auto">
+          <a:xfrm>
+            <a:off x="609600" y="2092959"/>
+            <a:ext cx="10972800" cy="1869440"/>
+          </a:xfrm>
+          <a:prstGeom prst="rect">
+            <a:avLst/>
+          </a:prstGeom>
+          <a:noFill/>
+          <a:ln>
+            <a:noFill/>
+          </a:ln>
+          <a:effectLst/>
+          <a:extLst>
+            <a:ext uri="{909E8E84-426E-40DD-AFC4-6F175D3DCCD1}">
+              <a14:hiddenFill xmlns:a14="http://schemas.microsoft.com/office/drawing/2010/main">
+                <a:solidFill>
+                  <a:schemeClr val="accent1"/>
+                </a:solidFill>
+              </a14:hiddenFill>
+            </a:ext>
+            <a:ext uri="{91240B29-F687-4F45-9708-019B960494DF}">
+              <a14:hiddenLine xmlns:a14="http://schemas.microsoft.com/office/drawing/2010/main" w="9525">
+                <a:solidFill>
+                  <a:schemeClr val="tx1"/>
+                </a:solidFill>
+                <a:miter lim="800000"/>
+                <a:headEnd/>
+                <a:tailEnd/>
+              </a14:hiddenLine>
+            </a:ext>
+            <a:ext uri="{AF507438-7753-43E0-B8FC-AC1667EBCBE1}">
+              <a14:hiddenEffects xmlns:a14="http://schemas.microsoft.com/office/drawing/2010/main">
+                <a:effectLst>
+                  <a:outerShdw dist="35921" dir="2700000" algn="ctr" rotWithShape="0">
+                    <a:schemeClr val="bg2"/>
+                  </a:outerShdw>
+                </a:effectLst>
+              </a14:hiddenEffects>
+            </a:ext>
+          </a:extLst>
+        </p:spPr>
+        <p:txBody>
+          <a:bodyPr vert="horz" wrap="square" lIns="91440" tIns="45720" rIns="91440" bIns="45720" numCol="1" anchor="t" anchorCtr="0" compatLnSpc="1">
+            <a:prstTxWarp prst="textNoShape">
+              <a:avLst/>
+            </a:prstTxWarp>
+          </a:bodyPr>
+          <a:lstStyle>
+            <a:lvl1pPr marL="342900" indent="-342900" algn="l" rtl="0" eaLnBrk="1" fontAlgn="base" hangingPunct="1">
+              <a:spcBef>
+                <a:spcPct val="20000"/>
+              </a:spcBef>
+              <a:spcAft>
+                <a:spcPct val="0"/>
+              </a:spcAft>
+              <a:buClr>
+                <a:schemeClr val="bg2"/>
+              </a:buClr>
+              <a:buSzPct val="75000"/>
+              <a:buFont typeface="Wingdings" panose="05000000000000000000" pitchFamily="2" charset="2"/>
+              <a:buChar char="n"/>
+              <a:defRPr kumimoji="1" sz="3200">
+                <a:solidFill>
+                  <a:schemeClr val="tx1"/>
+                </a:solidFill>
+                <a:latin typeface="+mn-lt"/>
+                <a:ea typeface="+mn-ea"/>
+                <a:cs typeface="+mn-cs"/>
+              </a:defRPr>
+            </a:lvl1pPr>
+            <a:lvl2pPr marL="742950" indent="-285750" algn="l" rtl="0" eaLnBrk="1" fontAlgn="base" hangingPunct="1">
+              <a:spcBef>
+                <a:spcPct val="20000"/>
+              </a:spcBef>
+              <a:spcAft>
+                <a:spcPct val="0"/>
+              </a:spcAft>
+              <a:buClr>
+                <a:schemeClr val="accent2"/>
+              </a:buClr>
+              <a:buSzPct val="80000"/>
+              <a:buFont typeface="Wingdings" panose="05000000000000000000" pitchFamily="2" charset="2"/>
+              <a:buChar char="¨"/>
+              <a:defRPr kumimoji="1" sz="2800">
+                <a:solidFill>
+                  <a:schemeClr val="tx1"/>
+                </a:solidFill>
+                <a:latin typeface="+mn-lt"/>
+                <a:ea typeface="+mn-ea"/>
+              </a:defRPr>
+            </a:lvl2pPr>
+            <a:lvl3pPr marL="1143000" indent="-228600" algn="l" rtl="0" eaLnBrk="1" fontAlgn="base" hangingPunct="1">
+              <a:spcBef>
+                <a:spcPct val="20000"/>
+              </a:spcBef>
+              <a:spcAft>
+                <a:spcPct val="0"/>
+              </a:spcAft>
+              <a:buClr>
+                <a:schemeClr val="bg2"/>
+              </a:buClr>
+              <a:buSzPct val="65000"/>
+              <a:buFont typeface="Wingdings" panose="05000000000000000000" pitchFamily="2" charset="2"/>
+              <a:buChar char="n"/>
+              <a:defRPr kumimoji="1" sz="2400">
+                <a:solidFill>
+                  <a:schemeClr val="tx1"/>
+                </a:solidFill>
+                <a:latin typeface="+mn-lt"/>
+                <a:ea typeface="+mn-ea"/>
+              </a:defRPr>
+            </a:lvl3pPr>
+            <a:lvl4pPr marL="1600200" indent="-228600" algn="l" rtl="0" eaLnBrk="1" fontAlgn="base" hangingPunct="1">
+              <a:spcBef>
+                <a:spcPct val="20000"/>
+              </a:spcBef>
+              <a:spcAft>
+                <a:spcPct val="0"/>
+              </a:spcAft>
+              <a:buClr>
+                <a:schemeClr val="accent2"/>
+              </a:buClr>
+              <a:buSzPct val="70000"/>
+              <a:buFont typeface="Wingdings" panose="05000000000000000000" pitchFamily="2" charset="2"/>
+              <a:buChar char="¨"/>
+              <a:defRPr kumimoji="1" sz="2000">
+                <a:solidFill>
+                  <a:schemeClr val="tx1"/>
+                </a:solidFill>
+                <a:latin typeface="+mn-lt"/>
+                <a:ea typeface="+mn-ea"/>
+              </a:defRPr>
+            </a:lvl4pPr>
+            <a:lvl5pPr marL="2057400" indent="-228600" algn="l" rtl="0" eaLnBrk="1" fontAlgn="base" hangingPunct="1">
+              <a:spcBef>
+                <a:spcPct val="20000"/>
+              </a:spcBef>
+              <a:spcAft>
+                <a:spcPct val="0"/>
+              </a:spcAft>
+              <a:buClr>
+                <a:schemeClr val="bg2"/>
+              </a:buClr>
+              <a:buFont typeface="Wingdings" panose="05000000000000000000" pitchFamily="2" charset="2"/>
+              <a:buChar char="§"/>
+              <a:defRPr kumimoji="1" sz="2000">
+                <a:solidFill>
+                  <a:schemeClr val="tx1"/>
+                </a:solidFill>
+                <a:latin typeface="+mn-lt"/>
+                <a:ea typeface="+mn-ea"/>
+              </a:defRPr>
+            </a:lvl5pPr>
+            <a:lvl6pPr marL="2514600" indent="-228600" algn="l" rtl="0" eaLnBrk="1" fontAlgn="base" hangingPunct="1">
+              <a:spcBef>
+                <a:spcPct val="20000"/>
+              </a:spcBef>
+              <a:spcAft>
+                <a:spcPct val="0"/>
+              </a:spcAft>
+              <a:buClr>
+                <a:schemeClr val="bg2"/>
+              </a:buClr>
+              <a:buFont typeface="Wingdings" pitchFamily="2" charset="2"/>
+              <a:buChar char="§"/>
+              <a:defRPr kumimoji="1" sz="2000">
+                <a:solidFill>
+                  <a:schemeClr val="tx1"/>
+                </a:solidFill>
+                <a:latin typeface="+mn-lt"/>
+                <a:ea typeface="+mn-ea"/>
+              </a:defRPr>
+            </a:lvl6pPr>
+            <a:lvl7pPr marL="2971800" indent="-228600" algn="l" rtl="0" eaLnBrk="1" fontAlgn="base" hangingPunct="1">
+              <a:spcBef>
+                <a:spcPct val="20000"/>
+              </a:spcBef>
+              <a:spcAft>
+                <a:spcPct val="0"/>
+              </a:spcAft>
+              <a:buClr>
+                <a:schemeClr val="bg2"/>
+              </a:buClr>
+              <a:buFont typeface="Wingdings" pitchFamily="2" charset="2"/>
+              <a:buChar char="§"/>
+              <a:defRPr kumimoji="1" sz="2000">
+                <a:solidFill>
+                  <a:schemeClr val="tx1"/>
+                </a:solidFill>
+                <a:latin typeface="+mn-lt"/>
+                <a:ea typeface="+mn-ea"/>
+              </a:defRPr>
+            </a:lvl7pPr>
+            <a:lvl8pPr marL="3429000" indent="-228600" algn="l" rtl="0" eaLnBrk="1" fontAlgn="base" hangingPunct="1">
+              <a:spcBef>
+                <a:spcPct val="20000"/>
+              </a:spcBef>
+              <a:spcAft>
+                <a:spcPct val="0"/>
+              </a:spcAft>
+              <a:buClr>
+                <a:schemeClr val="bg2"/>
+              </a:buClr>
+              <a:buFont typeface="Wingdings" pitchFamily="2" charset="2"/>
+              <a:buChar char="§"/>
+              <a:defRPr kumimoji="1" sz="2000">
+                <a:solidFill>
+                  <a:schemeClr val="tx1"/>
+                </a:solidFill>
+                <a:latin typeface="+mn-lt"/>
+                <a:ea typeface="+mn-ea"/>
+              </a:defRPr>
+            </a:lvl8pPr>
+            <a:lvl9pPr marL="3886200" indent="-228600" algn="l" rtl="0" eaLnBrk="1" fontAlgn="base" hangingPunct="1">
+              <a:spcBef>
+                <a:spcPct val="20000"/>
+              </a:spcBef>
+              <a:spcAft>
+                <a:spcPct val="0"/>
+              </a:spcAft>
+              <a:buClr>
+                <a:schemeClr val="bg2"/>
+              </a:buClr>
+              <a:buFont typeface="Wingdings" pitchFamily="2" charset="2"/>
+              <a:buChar char="§"/>
+              <a:defRPr kumimoji="1" sz="2000">
+                <a:solidFill>
+                  <a:schemeClr val="tx1"/>
+                </a:solidFill>
+                <a:latin typeface="+mn-lt"/>
+                <a:ea typeface="+mn-ea"/>
+              </a:defRPr>
+            </a:lvl9pPr>
+          </a:lstStyle>
+          <a:p>
+            <a:r>
+              <a:rPr lang="en-US" altLang="ja-JP" kern="0" dirty="0" err="1">
+                <a:latin typeface="TakaoExゴシック" panose="020B0500000000000000" pitchFamily="50" charset="-128"/>
+                <a:ea typeface="TakaoExゴシック" panose="020B0500000000000000" pitchFamily="50" charset="-128"/>
+              </a:rPr>
+              <a:t>sudo</a:t>
+            </a:r>
+            <a:r>
+              <a:rPr lang="en-US" altLang="ja-JP" kern="0" dirty="0">
+                <a:latin typeface="TakaoExゴシック" panose="020B0500000000000000" pitchFamily="50" charset="-128"/>
+                <a:ea typeface="TakaoExゴシック" panose="020B0500000000000000" pitchFamily="50" charset="-128"/>
+              </a:rPr>
+              <a:t> apt update</a:t>
+            </a:r>
+            <a:r>
+              <a:rPr lang="ja-JP" altLang="en-US" kern="0" dirty="0">
+                <a:latin typeface="TakaoExゴシック" panose="020B0500000000000000" pitchFamily="50" charset="-128"/>
+                <a:ea typeface="TakaoExゴシック" panose="020B0500000000000000" pitchFamily="50" charset="-128"/>
+              </a:rPr>
+              <a:t>で最新情報取得、</a:t>
+            </a:r>
+            <a:r>
+              <a:rPr lang="en-US" altLang="ja-JP" kern="0" dirty="0" err="1">
+                <a:latin typeface="TakaoExゴシック" panose="020B0500000000000000" pitchFamily="50" charset="-128"/>
+                <a:ea typeface="TakaoExゴシック" panose="020B0500000000000000" pitchFamily="50" charset="-128"/>
+              </a:rPr>
+              <a:t>sudo</a:t>
+            </a:r>
+            <a:r>
+              <a:rPr lang="en-US" altLang="ja-JP" kern="0" dirty="0">
+                <a:latin typeface="TakaoExゴシック" panose="020B0500000000000000" pitchFamily="50" charset="-128"/>
+                <a:ea typeface="TakaoExゴシック" panose="020B0500000000000000" pitchFamily="50" charset="-128"/>
+              </a:rPr>
+              <a:t> apt upgrade</a:t>
+            </a:r>
+            <a:r>
+              <a:rPr lang="ja-JP" altLang="en-US" kern="0" dirty="0">
+                <a:latin typeface="TakaoExゴシック" panose="020B0500000000000000" pitchFamily="50" charset="-128"/>
+                <a:ea typeface="TakaoExゴシック" panose="020B0500000000000000" pitchFamily="50" charset="-128"/>
+              </a:rPr>
+              <a:t>で更新の２段階で行う</a:t>
+            </a:r>
+          </a:p>
+        </p:txBody>
+      </p:sp>
     </p:spTree>
     <p:extLst>
       <p:ext uri="{BB962C8B-B14F-4D97-AF65-F5344CB8AC3E}">
@@ -14922,6 +15217,9 @@
                     <p:cTn id="3" fill="hold">
                       <p:stCondLst>
                         <p:cond delay="indefinite"/>
+                        <p:cond evt="onBegin" delay="0">
+                          <p:tn val="2"/>
+                        </p:cond>
                       </p:stCondLst>
                       <p:childTnLst>
                         <p:par>
@@ -14931,7 +15229,7 @@
                             </p:stCondLst>
                             <p:childTnLst>
                               <p:par>
-                                <p:cTn id="5" presetID="1" presetClass="entr" presetSubtype="0" fill="hold" grpId="0" nodeType="clickEffect">
+                                <p:cTn id="5" presetID="1" presetClass="entr" presetSubtype="0" fill="hold" grpId="0" nodeType="afterEffect">
                                   <p:stCondLst>
                                     <p:cond delay="0"/>
                                   </p:stCondLst>
@@ -14961,15 +15259,24 @@
                                   </p:childTnLst>
                                 </p:cTn>
                               </p:par>
+                            </p:childTnLst>
+                          </p:cTn>
+                        </p:par>
+                        <p:par>
+                          <p:cTn id="7" fill="hold">
+                            <p:stCondLst>
+                              <p:cond delay="0"/>
+                            </p:stCondLst>
+                            <p:childTnLst>
                               <p:par>
-                                <p:cTn id="7" presetID="1" presetClass="entr" presetSubtype="0" fill="hold" grpId="0" nodeType="withEffect">
+                                <p:cTn id="8" presetID="1" presetClass="entr" presetSubtype="0" fill="hold" grpId="0" nodeType="afterEffect">
                                   <p:stCondLst>
                                     <p:cond delay="0"/>
                                   </p:stCondLst>
                                   <p:childTnLst>
                                     <p:set>
                                       <p:cBhvr>
-                                        <p:cTn id="8" dur="1" fill="hold">
+                                        <p:cTn id="9" dur="1" fill="hold">
                                           <p:stCondLst>
                                             <p:cond delay="0"/>
                                           </p:stCondLst>
@@ -14999,26 +15306,26 @@
                     </p:cTn>
                   </p:par>
                   <p:par>
-                    <p:cTn id="9" fill="hold">
+                    <p:cTn id="10" fill="hold">
                       <p:stCondLst>
                         <p:cond delay="indefinite"/>
                       </p:stCondLst>
                       <p:childTnLst>
                         <p:par>
-                          <p:cTn id="10" fill="hold">
+                          <p:cTn id="11" fill="hold">
                             <p:stCondLst>
                               <p:cond delay="0"/>
                             </p:stCondLst>
                             <p:childTnLst>
                               <p:par>
-                                <p:cTn id="11" presetID="1" presetClass="entr" presetSubtype="0" fill="hold" grpId="0" nodeType="clickEffect">
+                                <p:cTn id="12" presetID="1" presetClass="entr" presetSubtype="0" fill="hold" grpId="0" nodeType="clickEffect">
                                   <p:stCondLst>
                                     <p:cond delay="0"/>
                                   </p:stCondLst>
                                   <p:childTnLst>
                                     <p:set>
                                       <p:cBhvr>
-                                        <p:cTn id="12" dur="1" fill="hold">
+                                        <p:cTn id="13" dur="1" fill="hold">
                                           <p:stCondLst>
                                             <p:cond delay="0"/>
                                           </p:stCondLst>
@@ -15048,26 +15355,26 @@
                     </p:cTn>
                   </p:par>
                   <p:par>
-                    <p:cTn id="13" fill="hold">
+                    <p:cTn id="14" fill="hold">
                       <p:stCondLst>
                         <p:cond delay="indefinite"/>
                       </p:stCondLst>
                       <p:childTnLst>
                         <p:par>
-                          <p:cTn id="14" fill="hold">
+                          <p:cTn id="15" fill="hold">
                             <p:stCondLst>
                               <p:cond delay="0"/>
                             </p:stCondLst>
                             <p:childTnLst>
                               <p:par>
-                                <p:cTn id="15" presetID="1" presetClass="entr" presetSubtype="0" fill="hold" grpId="0" nodeType="clickEffect">
+                                <p:cTn id="16" presetID="1" presetClass="exit" presetSubtype="0" fill="hold" grpId="1" nodeType="clickEffect">
                                   <p:stCondLst>
                                     <p:cond delay="0"/>
                                   </p:stCondLst>
                                   <p:childTnLst>
                                     <p:set>
                                       <p:cBhvr>
-                                        <p:cTn id="16" dur="1" fill="hold">
+                                        <p:cTn id="17" dur="1" fill="hold">
                                           <p:stCondLst>
                                             <p:cond delay="0"/>
                                           </p:stCondLst>
@@ -15075,7 +15382,109 @@
                                         <p:tgtEl>
                                           <p:spTgt spid="3">
                                             <p:txEl>
-                                              <p:pRg st="3" end="3"/>
+                                              <p:pRg st="0" end="0"/>
+                                            </p:txEl>
+                                          </p:spTgt>
+                                        </p:tgtEl>
+                                        <p:attrNameLst>
+                                          <p:attrName>style.visibility</p:attrName>
+                                        </p:attrNameLst>
+                                      </p:cBhvr>
+                                      <p:to>
+                                        <p:strVal val="hidden"/>
+                                      </p:to>
+                                    </p:set>
+                                  </p:childTnLst>
+                                </p:cTn>
+                              </p:par>
+                              <p:par>
+                                <p:cTn id="18" presetID="1" presetClass="exit" presetSubtype="0" fill="hold" grpId="1" nodeType="withEffect">
+                                  <p:stCondLst>
+                                    <p:cond delay="0"/>
+                                  </p:stCondLst>
+                                  <p:childTnLst>
+                                    <p:set>
+                                      <p:cBhvr>
+                                        <p:cTn id="19" dur="1" fill="hold">
+                                          <p:stCondLst>
+                                            <p:cond delay="0"/>
+                                          </p:stCondLst>
+                                        </p:cTn>
+                                        <p:tgtEl>
+                                          <p:spTgt spid="3">
+                                            <p:txEl>
+                                              <p:pRg st="1" end="1"/>
+                                            </p:txEl>
+                                          </p:spTgt>
+                                        </p:tgtEl>
+                                        <p:attrNameLst>
+                                          <p:attrName>style.visibility</p:attrName>
+                                        </p:attrNameLst>
+                                      </p:cBhvr>
+                                      <p:to>
+                                        <p:strVal val="hidden"/>
+                                      </p:to>
+                                    </p:set>
+                                  </p:childTnLst>
+                                </p:cTn>
+                              </p:par>
+                              <p:par>
+                                <p:cTn id="20" presetID="1" presetClass="exit" presetSubtype="0" fill="hold" grpId="1" nodeType="withEffect">
+                                  <p:stCondLst>
+                                    <p:cond delay="0"/>
+                                  </p:stCondLst>
+                                  <p:childTnLst>
+                                    <p:set>
+                                      <p:cBhvr>
+                                        <p:cTn id="21" dur="1" fill="hold">
+                                          <p:stCondLst>
+                                            <p:cond delay="0"/>
+                                          </p:stCondLst>
+                                        </p:cTn>
+                                        <p:tgtEl>
+                                          <p:spTgt spid="3">
+                                            <p:txEl>
+                                              <p:pRg st="2" end="2"/>
+                                            </p:txEl>
+                                          </p:spTgt>
+                                        </p:tgtEl>
+                                        <p:attrNameLst>
+                                          <p:attrName>style.visibility</p:attrName>
+                                        </p:attrNameLst>
+                                      </p:cBhvr>
+                                      <p:to>
+                                        <p:strVal val="hidden"/>
+                                      </p:to>
+                                    </p:set>
+                                  </p:childTnLst>
+                                </p:cTn>
+                              </p:par>
+                            </p:childTnLst>
+                          </p:cTn>
+                        </p:par>
+                        <p:par>
+                          <p:cTn id="22" fill="hold">
+                            <p:stCondLst>
+                              <p:cond delay="0"/>
+                            </p:stCondLst>
+                            <p:childTnLst>
+                              <p:par>
+                                <p:cTn id="23" presetID="1" presetClass="entr" presetSubtype="0" fill="hold" grpId="0" nodeType="afterEffect">
+                                  <p:stCondLst>
+                                    <p:cond delay="0"/>
+                                  </p:stCondLst>
+                                  <p:childTnLst>
+                                    <p:set>
+                                      <p:cBhvr>
+                                        <p:cTn id="24" dur="1" fill="hold">
+                                          <p:stCondLst>
+                                            <p:cond delay="0"/>
+                                          </p:stCondLst>
+                                        </p:cTn>
+                                        <p:tgtEl>
+                                          <p:spTgt spid="7">
+                                            <p:txEl>
+                                              <p:pRg st="0" end="0"/>
                                             </p:txEl>
                                           </p:spTgt>
                                         </p:tgtEl>
@@ -15093,30 +15502,21 @@
                             </p:childTnLst>
                           </p:cTn>
                         </p:par>
-                      </p:childTnLst>
-                    </p:cTn>
-                  </p:par>
-                  <p:par>
-                    <p:cTn id="17" fill="hold">
-                      <p:stCondLst>
-                        <p:cond delay="indefinite"/>
-                      </p:stCondLst>
-                      <p:childTnLst>
                         <p:par>
-                          <p:cTn id="18" fill="hold">
+                          <p:cTn id="25" fill="hold">
                             <p:stCondLst>
                               <p:cond delay="0"/>
                             </p:stCondLst>
                             <p:childTnLst>
                               <p:par>
-                                <p:cTn id="19" presetID="22" presetClass="entr" presetSubtype="1" fill="hold" nodeType="clickEffect">
+                                <p:cTn id="26" presetID="22" presetClass="entr" presetSubtype="1" fill="hold" nodeType="afterEffect">
                                   <p:stCondLst>
                                     <p:cond delay="0"/>
                                   </p:stCondLst>
                                   <p:childTnLst>
                                     <p:set>
                                       <p:cBhvr>
-                                        <p:cTn id="20" dur="1" fill="hold">
+                                        <p:cTn id="27" dur="1" fill="hold">
                                           <p:stCondLst>
                                             <p:cond delay="0"/>
                                           </p:stCondLst>
@@ -15134,7 +15534,7 @@
                                     </p:set>
                                     <p:animEffect transition="in" filter="wipe(up)">
                                       <p:cBhvr>
-                                        <p:cTn id="21" dur="500"/>
+                                        <p:cTn id="28" dur="500"/>
                                         <p:tgtEl>
                                           <p:spTgt spid="5"/>
                                         </p:tgtEl>
@@ -15146,30 +15546,21 @@
                             </p:childTnLst>
                           </p:cTn>
                         </p:par>
-                      </p:childTnLst>
-                    </p:cTn>
-                  </p:par>
-                  <p:par>
-                    <p:cTn id="22" fill="hold">
-                      <p:stCondLst>
-                        <p:cond delay="indefinite"/>
-                      </p:stCondLst>
-                      <p:childTnLst>
                         <p:par>
-                          <p:cTn id="23" fill="hold">
+                          <p:cTn id="29" fill="hold">
                             <p:stCondLst>
-                              <p:cond delay="0"/>
+                              <p:cond delay="500"/>
                             </p:stCondLst>
                             <p:childTnLst>
                               <p:par>
-                                <p:cTn id="24" presetID="22" presetClass="entr" presetSubtype="8" fill="hold" grpId="0" nodeType="clickEffect">
+                                <p:cTn id="30" presetID="22" presetClass="entr" presetSubtype="8" fill="hold" grpId="0" nodeType="afterEffect">
                                   <p:stCondLst>
                                     <p:cond delay="0"/>
                                   </p:stCondLst>
                                   <p:childTnLst>
                                     <p:set>
                                       <p:cBhvr>
-                                        <p:cTn id="25" dur="1" fill="hold">
+                                        <p:cTn id="31" dur="1" fill="hold">
                                           <p:stCondLst>
                                             <p:cond delay="0"/>
                                           </p:stCondLst>
@@ -15187,7 +15578,7 @@
                                     </p:set>
                                     <p:animEffect transition="in" filter="wipe(left)">
                                       <p:cBhvr>
-                                        <p:cTn id="26" dur="500"/>
+                                        <p:cTn id="32" dur="500"/>
                                         <p:tgtEl>
                                           <p:spTgt spid="9"/>
                                         </p:tgtEl>
@@ -15200,20 +15591,20 @@
                           </p:cTn>
                         </p:par>
                         <p:par>
-                          <p:cTn id="27" fill="hold">
+                          <p:cTn id="33" fill="hold">
                             <p:stCondLst>
-                              <p:cond delay="500"/>
+                              <p:cond delay="1000"/>
                             </p:stCondLst>
                             <p:childTnLst>
                               <p:par>
-                                <p:cTn id="28" presetID="22" presetClass="entr" presetSubtype="1" fill="hold" nodeType="afterEffect">
+                                <p:cTn id="34" presetID="22" presetClass="entr" presetSubtype="1" fill="hold" nodeType="afterEffect">
                                   <p:stCondLst>
                                     <p:cond delay="0"/>
                                   </p:stCondLst>
                                   <p:childTnLst>
                                     <p:set>
                                       <p:cBhvr>
-                                        <p:cTn id="29" dur="1" fill="hold">
+                                        <p:cTn id="35" dur="1" fill="hold">
                                           <p:stCondLst>
                                             <p:cond delay="0"/>
                                           </p:stCondLst>
@@ -15231,7 +15622,7 @@
                                     </p:set>
                                     <p:animEffect transition="in" filter="wipe(up)">
                                       <p:cBhvr>
-                                        <p:cTn id="30" dur="500"/>
+                                        <p:cTn id="36" dur="500"/>
                                         <p:tgtEl>
                                           <p:spTgt spid="10"/>
                                         </p:tgtEl>
@@ -15269,7 +15660,9 @@
     </p:tnLst>
     <p:bldLst>
       <p:bldP spid="3" grpId="0" uiExpand="1" build="p"/>
+      <p:bldP spid="3" grpId="1" uiExpand="1" build="p"/>
       <p:bldP spid="9" grpId="0" animBg="1"/>
+      <p:bldP spid="7" grpId="0" uiExpand="1" build="p"/>
     </p:bldLst>
   </p:timing>
 </p:sld>
@@ -15579,6 +15972,9 @@
                     <p:cTn id="3" fill="hold">
                       <p:stCondLst>
                         <p:cond delay="indefinite"/>
+                        <p:cond evt="onBegin" delay="0">
+                          <p:tn val="2"/>
+                        </p:cond>
                       </p:stCondLst>
                       <p:childTnLst>
                         <p:par>
@@ -15588,7 +15984,7 @@
                             </p:stCondLst>
                             <p:childTnLst>
                               <p:par>
-                                <p:cTn id="5" presetID="1" presetClass="entr" presetSubtype="0" fill="hold" grpId="0" nodeType="clickEffect">
+                                <p:cTn id="5" presetID="1" presetClass="entr" presetSubtype="0" fill="hold" grpId="0" nodeType="afterEffect">
                                   <p:stCondLst>
                                     <p:cond delay="0"/>
                                   </p:stCondLst>
@@ -17302,13 +17698,20 @@
             </a:r>
             <a:r>
               <a:rPr lang="ja-JP" altLang="en-US" dirty="0"/>
-              <a:t>共にパッケージ導入では上手くいかない</a:t>
+              <a:t>共に、パッケージ導入ではクロスコンパイルが</a:t>
             </a:r>
             <a:br>
               <a:rPr lang="en-US" altLang="ja-JP" dirty="0"/>
             </a:br>
             <a:r>
               <a:rPr lang="ja-JP" altLang="en-US" dirty="0"/>
+              <a:t>上手くいかない</a:t>
+            </a:r>
+            <a:br>
+              <a:rPr lang="en-US" altLang="ja-JP" dirty="0"/>
+            </a:br>
+            <a:r>
+              <a:rPr lang="ja-JP" altLang="en-US" dirty="0"/>
               <a:t>そのため、ソースコードを編集して導入</a:t>
             </a:r>
             <a:endParaRPr lang="en-US" altLang="ja-JP" dirty="0"/>
@@ -17356,7 +17759,14 @@
             <a:pPr lvl="1"/>
             <a:r>
               <a:rPr lang="ja-JP" altLang="en-US" dirty="0"/>
-              <a:t>ホームディレクトリごちゃごちゃイヤなら専用ディレクトリ作ってそこでもできる</a:t>
+              <a:t>ホームディレクトリごちゃごちゃイヤなら専用ディレクトリ作って</a:t>
+            </a:r>
+            <a:br>
+              <a:rPr lang="en-US" altLang="ja-JP" dirty="0"/>
+            </a:br>
+            <a:r>
+              <a:rPr lang="ja-JP" altLang="en-US" dirty="0"/>
+              <a:t>そこで作業も可能</a:t>
             </a:r>
             <a:endParaRPr lang="en-US" altLang="ja-JP" dirty="0"/>
           </a:p>
@@ -17375,6 +17785,202 @@
   <p:clrMapOvr>
     <a:masterClrMapping/>
   </p:clrMapOvr>
+  <p:timing>
+    <p:tnLst>
+      <p:par>
+        <p:cTn id="1" dur="indefinite" restart="never" nodeType="tmRoot">
+          <p:childTnLst>
+            <p:seq concurrent="1" nextAc="seek">
+              <p:cTn id="2" dur="indefinite" nodeType="mainSeq">
+                <p:childTnLst>
+                  <p:par>
+                    <p:cTn id="3" fill="hold">
+                      <p:stCondLst>
+                        <p:cond delay="indefinite"/>
+                        <p:cond evt="onBegin" delay="0">
+                          <p:tn val="2"/>
+                        </p:cond>
+                      </p:stCondLst>
+                      <p:childTnLst>
+                        <p:par>
+                          <p:cTn id="4" fill="hold">
+                            <p:stCondLst>
+                              <p:cond delay="0"/>
+                            </p:stCondLst>
+                            <p:childTnLst>
+                              <p:par>
+                                <p:cTn id="5" presetID="1" presetClass="entr" presetSubtype="0" fill="hold" grpId="0" nodeType="afterEffect">
+                                  <p:stCondLst>
+                                    <p:cond delay="0"/>
+                                  </p:stCondLst>
+                                  <p:childTnLst>
+                                    <p:set>
+                                      <p:cBhvr>
+                                        <p:cTn id="6" dur="1" fill="hold">
+                                          <p:stCondLst>
+                                            <p:cond delay="0"/>
+                                          </p:stCondLst>
+                                        </p:cTn>
+                                        <p:tgtEl>
+                                          <p:spTgt spid="6">
+                                            <p:txEl>
+                                              <p:pRg st="0" end="0"/>
+                                            </p:txEl>
+                                          </p:spTgt>
+                                        </p:tgtEl>
+                                        <p:attrNameLst>
+                                          <p:attrName>style.visibility</p:attrName>
+                                        </p:attrNameLst>
+                                      </p:cBhvr>
+                                      <p:to>
+                                        <p:strVal val="visible"/>
+                                      </p:to>
+                                    </p:set>
+                                  </p:childTnLst>
+                                </p:cTn>
+                              </p:par>
+                            </p:childTnLst>
+                          </p:cTn>
+                        </p:par>
+                      </p:childTnLst>
+                    </p:cTn>
+                  </p:par>
+                  <p:par>
+                    <p:cTn id="7" fill="hold">
+                      <p:stCondLst>
+                        <p:cond delay="indefinite"/>
+                      </p:stCondLst>
+                      <p:childTnLst>
+                        <p:par>
+                          <p:cTn id="8" fill="hold">
+                            <p:stCondLst>
+                              <p:cond delay="0"/>
+                            </p:stCondLst>
+                            <p:childTnLst>
+                              <p:par>
+                                <p:cTn id="9" presetID="1" presetClass="entr" presetSubtype="0" fill="hold" grpId="0" nodeType="clickEffect">
+                                  <p:stCondLst>
+                                    <p:cond delay="0"/>
+                                  </p:stCondLst>
+                                  <p:childTnLst>
+                                    <p:set>
+                                      <p:cBhvr>
+                                        <p:cTn id="10" dur="1" fill="hold">
+                                          <p:stCondLst>
+                                            <p:cond delay="0"/>
+                                          </p:stCondLst>
+                                        </p:cTn>
+                                        <p:tgtEl>
+                                          <p:spTgt spid="6">
+                                            <p:txEl>
+                                              <p:pRg st="1" end="1"/>
+                                            </p:txEl>
+                                          </p:spTgt>
+                                        </p:tgtEl>
+                                        <p:attrNameLst>
+                                          <p:attrName>style.visibility</p:attrName>
+                                        </p:attrNameLst>
+                                      </p:cBhvr>
+                                      <p:to>
+                                        <p:strVal val="visible"/>
+                                      </p:to>
+                                    </p:set>
+                                  </p:childTnLst>
+                                </p:cTn>
+                              </p:par>
+                              <p:par>
+                                <p:cTn id="11" presetID="1" presetClass="entr" presetSubtype="0" fill="hold" grpId="0" nodeType="withEffect">
+                                  <p:stCondLst>
+                                    <p:cond delay="0"/>
+                                  </p:stCondLst>
+                                  <p:childTnLst>
+                                    <p:set>
+                                      <p:cBhvr>
+                                        <p:cTn id="12" dur="1" fill="hold">
+                                          <p:stCondLst>
+                                            <p:cond delay="0"/>
+                                          </p:stCondLst>
+                                        </p:cTn>
+                                        <p:tgtEl>
+                                          <p:spTgt spid="6">
+                                            <p:txEl>
+                                              <p:pRg st="2" end="2"/>
+                                            </p:txEl>
+                                          </p:spTgt>
+                                        </p:tgtEl>
+                                        <p:attrNameLst>
+                                          <p:attrName>style.visibility</p:attrName>
+                                        </p:attrNameLst>
+                                      </p:cBhvr>
+                                      <p:to>
+                                        <p:strVal val="visible"/>
+                                      </p:to>
+                                    </p:set>
+                                  </p:childTnLst>
+                                </p:cTn>
+                              </p:par>
+                              <p:par>
+                                <p:cTn id="13" presetID="1" presetClass="entr" presetSubtype="0" fill="hold" grpId="0" nodeType="withEffect">
+                                  <p:stCondLst>
+                                    <p:cond delay="0"/>
+                                  </p:stCondLst>
+                                  <p:childTnLst>
+                                    <p:set>
+                                      <p:cBhvr>
+                                        <p:cTn id="14" dur="1" fill="hold">
+                                          <p:stCondLst>
+                                            <p:cond delay="0"/>
+                                          </p:stCondLst>
+                                        </p:cTn>
+                                        <p:tgtEl>
+                                          <p:spTgt spid="6">
+                                            <p:txEl>
+                                              <p:pRg st="3" end="3"/>
+                                            </p:txEl>
+                                          </p:spTgt>
+                                        </p:tgtEl>
+                                        <p:attrNameLst>
+                                          <p:attrName>style.visibility</p:attrName>
+                                        </p:attrNameLst>
+                                      </p:cBhvr>
+                                      <p:to>
+                                        <p:strVal val="visible"/>
+                                      </p:to>
+                                    </p:set>
+                                  </p:childTnLst>
+                                </p:cTn>
+                              </p:par>
+                            </p:childTnLst>
+                          </p:cTn>
+                        </p:par>
+                      </p:childTnLst>
+                    </p:cTn>
+                  </p:par>
+                </p:childTnLst>
+              </p:cTn>
+              <p:prevCondLst>
+                <p:cond evt="onPrev" delay="0">
+                  <p:tgtEl>
+                    <p:sldTgt/>
+                  </p:tgtEl>
+                </p:cond>
+              </p:prevCondLst>
+              <p:nextCondLst>
+                <p:cond evt="onNext" delay="0">
+                  <p:tgtEl>
+                    <p:sldTgt/>
+                  </p:tgtEl>
+                </p:cond>
+              </p:nextCondLst>
+            </p:seq>
+          </p:childTnLst>
+        </p:cTn>
+      </p:par>
+    </p:tnLst>
+    <p:bldLst>
+      <p:bldP spid="6" grpId="0" uiExpand="1" build="p"/>
+    </p:bldLst>
+  </p:timing>
 </p:sld>
 </file>
 
@@ -17595,6 +18201,264 @@
   <p:clrMapOvr>
     <a:masterClrMapping/>
   </p:clrMapOvr>
+  <p:timing>
+    <p:tnLst>
+      <p:par>
+        <p:cTn id="1" dur="indefinite" restart="never" nodeType="tmRoot">
+          <p:childTnLst>
+            <p:seq concurrent="1" nextAc="seek">
+              <p:cTn id="2" dur="indefinite" nodeType="mainSeq">
+                <p:childTnLst>
+                  <p:par>
+                    <p:cTn id="3" fill="hold">
+                      <p:stCondLst>
+                        <p:cond delay="indefinite"/>
+                        <p:cond evt="onBegin" delay="0">
+                          <p:tn val="2"/>
+                        </p:cond>
+                      </p:stCondLst>
+                      <p:childTnLst>
+                        <p:par>
+                          <p:cTn id="4" fill="hold">
+                            <p:stCondLst>
+                              <p:cond delay="0"/>
+                            </p:stCondLst>
+                            <p:childTnLst>
+                              <p:par>
+                                <p:cTn id="5" presetID="1" presetClass="entr" presetSubtype="0" fill="hold" grpId="0" nodeType="afterEffect">
+                                  <p:stCondLst>
+                                    <p:cond delay="0"/>
+                                  </p:stCondLst>
+                                  <p:childTnLst>
+                                    <p:set>
+                                      <p:cBhvr>
+                                        <p:cTn id="6" dur="1" fill="hold">
+                                          <p:stCondLst>
+                                            <p:cond delay="0"/>
+                                          </p:stCondLst>
+                                        </p:cTn>
+                                        <p:tgtEl>
+                                          <p:spTgt spid="6">
+                                            <p:txEl>
+                                              <p:pRg st="0" end="0"/>
+                                            </p:txEl>
+                                          </p:spTgt>
+                                        </p:tgtEl>
+                                        <p:attrNameLst>
+                                          <p:attrName>style.visibility</p:attrName>
+                                        </p:attrNameLst>
+                                      </p:cBhvr>
+                                      <p:to>
+                                        <p:strVal val="visible"/>
+                                      </p:to>
+                                    </p:set>
+                                  </p:childTnLst>
+                                </p:cTn>
+                              </p:par>
+                              <p:par>
+                                <p:cTn id="7" presetID="1" presetClass="entr" presetSubtype="0" fill="hold" grpId="0" nodeType="withEffect">
+                                  <p:stCondLst>
+                                    <p:cond delay="0"/>
+                                  </p:stCondLst>
+                                  <p:childTnLst>
+                                    <p:set>
+                                      <p:cBhvr>
+                                        <p:cTn id="8" dur="1" fill="hold">
+                                          <p:stCondLst>
+                                            <p:cond delay="0"/>
+                                          </p:stCondLst>
+                                        </p:cTn>
+                                        <p:tgtEl>
+                                          <p:spTgt spid="6">
+                                            <p:txEl>
+                                              <p:pRg st="1" end="1"/>
+                                            </p:txEl>
+                                          </p:spTgt>
+                                        </p:tgtEl>
+                                        <p:attrNameLst>
+                                          <p:attrName>style.visibility</p:attrName>
+                                        </p:attrNameLst>
+                                      </p:cBhvr>
+                                      <p:to>
+                                        <p:strVal val="visible"/>
+                                      </p:to>
+                                    </p:set>
+                                  </p:childTnLst>
+                                </p:cTn>
+                              </p:par>
+                              <p:par>
+                                <p:cTn id="9" presetID="1" presetClass="entr" presetSubtype="0" fill="hold" grpId="0" nodeType="withEffect">
+                                  <p:stCondLst>
+                                    <p:cond delay="0"/>
+                                  </p:stCondLst>
+                                  <p:childTnLst>
+                                    <p:set>
+                                      <p:cBhvr>
+                                        <p:cTn id="10" dur="1" fill="hold">
+                                          <p:stCondLst>
+                                            <p:cond delay="0"/>
+                                          </p:stCondLst>
+                                        </p:cTn>
+                                        <p:tgtEl>
+                                          <p:spTgt spid="6">
+                                            <p:txEl>
+                                              <p:pRg st="2" end="2"/>
+                                            </p:txEl>
+                                          </p:spTgt>
+                                        </p:tgtEl>
+                                        <p:attrNameLst>
+                                          <p:attrName>style.visibility</p:attrName>
+                                        </p:attrNameLst>
+                                      </p:cBhvr>
+                                      <p:to>
+                                        <p:strVal val="visible"/>
+                                      </p:to>
+                                    </p:set>
+                                  </p:childTnLst>
+                                </p:cTn>
+                              </p:par>
+                              <p:par>
+                                <p:cTn id="11" presetID="1" presetClass="entr" presetSubtype="0" fill="hold" grpId="0" nodeType="withEffect">
+                                  <p:stCondLst>
+                                    <p:cond delay="0"/>
+                                  </p:stCondLst>
+                                  <p:childTnLst>
+                                    <p:set>
+                                      <p:cBhvr>
+                                        <p:cTn id="12" dur="1" fill="hold">
+                                          <p:stCondLst>
+                                            <p:cond delay="0"/>
+                                          </p:stCondLst>
+                                        </p:cTn>
+                                        <p:tgtEl>
+                                          <p:spTgt spid="6">
+                                            <p:txEl>
+                                              <p:pRg st="3" end="3"/>
+                                            </p:txEl>
+                                          </p:spTgt>
+                                        </p:tgtEl>
+                                        <p:attrNameLst>
+                                          <p:attrName>style.visibility</p:attrName>
+                                        </p:attrNameLst>
+                                      </p:cBhvr>
+                                      <p:to>
+                                        <p:strVal val="visible"/>
+                                      </p:to>
+                                    </p:set>
+                                  </p:childTnLst>
+                                </p:cTn>
+                              </p:par>
+                            </p:childTnLst>
+                          </p:cTn>
+                        </p:par>
+                      </p:childTnLst>
+                    </p:cTn>
+                  </p:par>
+                  <p:par>
+                    <p:cTn id="13" fill="hold">
+                      <p:stCondLst>
+                        <p:cond delay="indefinite"/>
+                      </p:stCondLst>
+                      <p:childTnLst>
+                        <p:par>
+                          <p:cTn id="14" fill="hold">
+                            <p:stCondLst>
+                              <p:cond delay="0"/>
+                            </p:stCondLst>
+                            <p:childTnLst>
+                              <p:par>
+                                <p:cTn id="15" presetID="1" presetClass="entr" presetSubtype="0" fill="hold" grpId="0" nodeType="clickEffect">
+                                  <p:stCondLst>
+                                    <p:cond delay="0"/>
+                                  </p:stCondLst>
+                                  <p:childTnLst>
+                                    <p:set>
+                                      <p:cBhvr>
+                                        <p:cTn id="16" dur="1" fill="hold">
+                                          <p:stCondLst>
+                                            <p:cond delay="0"/>
+                                          </p:stCondLst>
+                                        </p:cTn>
+                                        <p:tgtEl>
+                                          <p:spTgt spid="6">
+                                            <p:txEl>
+                                              <p:pRg st="4" end="4"/>
+                                            </p:txEl>
+                                          </p:spTgt>
+                                        </p:tgtEl>
+                                        <p:attrNameLst>
+                                          <p:attrName>style.visibility</p:attrName>
+                                        </p:attrNameLst>
+                                      </p:cBhvr>
+                                      <p:to>
+                                        <p:strVal val="visible"/>
+                                      </p:to>
+                                    </p:set>
+                                  </p:childTnLst>
+                                </p:cTn>
+                              </p:par>
+                              <p:par>
+                                <p:cTn id="17" presetID="1" presetClass="entr" presetSubtype="0" fill="hold" grpId="0" nodeType="withEffect">
+                                  <p:stCondLst>
+                                    <p:cond delay="0"/>
+                                  </p:stCondLst>
+                                  <p:childTnLst>
+                                    <p:set>
+                                      <p:cBhvr>
+                                        <p:cTn id="18" dur="1" fill="hold">
+                                          <p:stCondLst>
+                                            <p:cond delay="0"/>
+                                          </p:stCondLst>
+                                        </p:cTn>
+                                        <p:tgtEl>
+                                          <p:spTgt spid="6">
+                                            <p:txEl>
+                                              <p:pRg st="5" end="5"/>
+                                            </p:txEl>
+                                          </p:spTgt>
+                                        </p:tgtEl>
+                                        <p:attrNameLst>
+                                          <p:attrName>style.visibility</p:attrName>
+                                        </p:attrNameLst>
+                                      </p:cBhvr>
+                                      <p:to>
+                                        <p:strVal val="visible"/>
+                                      </p:to>
+                                    </p:set>
+                                  </p:childTnLst>
+                                </p:cTn>
+                              </p:par>
+                            </p:childTnLst>
+                          </p:cTn>
+                        </p:par>
+                      </p:childTnLst>
+                    </p:cTn>
+                  </p:par>
+                </p:childTnLst>
+              </p:cTn>
+              <p:prevCondLst>
+                <p:cond evt="onPrev" delay="0">
+                  <p:tgtEl>
+                    <p:sldTgt/>
+                  </p:tgtEl>
+                </p:cond>
+              </p:prevCondLst>
+              <p:nextCondLst>
+                <p:cond evt="onNext" delay="0">
+                  <p:tgtEl>
+                    <p:sldTgt/>
+                  </p:tgtEl>
+                </p:cond>
+              </p:nextCondLst>
+            </p:seq>
+          </p:childTnLst>
+        </p:cTn>
+      </p:par>
+    </p:tnLst>
+    <p:bldLst>
+      <p:bldP spid="6" grpId="0" uiExpand="1" build="p"/>
+    </p:bldLst>
+  </p:timing>
 </p:sld>
 </file>
 
@@ -17893,6 +18757,264 @@
   <p:clrMapOvr>
     <a:masterClrMapping/>
   </p:clrMapOvr>
+  <p:timing>
+    <p:tnLst>
+      <p:par>
+        <p:cTn id="1" dur="indefinite" restart="never" nodeType="tmRoot">
+          <p:childTnLst>
+            <p:seq concurrent="1" nextAc="seek">
+              <p:cTn id="2" dur="indefinite" nodeType="mainSeq">
+                <p:childTnLst>
+                  <p:par>
+                    <p:cTn id="3" fill="hold">
+                      <p:stCondLst>
+                        <p:cond delay="indefinite"/>
+                        <p:cond evt="onBegin" delay="0">
+                          <p:tn val="2"/>
+                        </p:cond>
+                      </p:stCondLst>
+                      <p:childTnLst>
+                        <p:par>
+                          <p:cTn id="4" fill="hold">
+                            <p:stCondLst>
+                              <p:cond delay="0"/>
+                            </p:stCondLst>
+                            <p:childTnLst>
+                              <p:par>
+                                <p:cTn id="5" presetID="1" presetClass="entr" presetSubtype="0" fill="hold" grpId="0" nodeType="afterEffect">
+                                  <p:stCondLst>
+                                    <p:cond delay="0"/>
+                                  </p:stCondLst>
+                                  <p:childTnLst>
+                                    <p:set>
+                                      <p:cBhvr>
+                                        <p:cTn id="6" dur="1" fill="hold">
+                                          <p:stCondLst>
+                                            <p:cond delay="0"/>
+                                          </p:stCondLst>
+                                        </p:cTn>
+                                        <p:tgtEl>
+                                          <p:spTgt spid="6">
+                                            <p:txEl>
+                                              <p:pRg st="0" end="0"/>
+                                            </p:txEl>
+                                          </p:spTgt>
+                                        </p:tgtEl>
+                                        <p:attrNameLst>
+                                          <p:attrName>style.visibility</p:attrName>
+                                        </p:attrNameLst>
+                                      </p:cBhvr>
+                                      <p:to>
+                                        <p:strVal val="visible"/>
+                                      </p:to>
+                                    </p:set>
+                                  </p:childTnLst>
+                                </p:cTn>
+                              </p:par>
+                              <p:par>
+                                <p:cTn id="7" presetID="1" presetClass="entr" presetSubtype="0" fill="hold" grpId="0" nodeType="withEffect">
+                                  <p:stCondLst>
+                                    <p:cond delay="0"/>
+                                  </p:stCondLst>
+                                  <p:childTnLst>
+                                    <p:set>
+                                      <p:cBhvr>
+                                        <p:cTn id="8" dur="1" fill="hold">
+                                          <p:stCondLst>
+                                            <p:cond delay="0"/>
+                                          </p:stCondLst>
+                                        </p:cTn>
+                                        <p:tgtEl>
+                                          <p:spTgt spid="6">
+                                            <p:txEl>
+                                              <p:pRg st="1" end="1"/>
+                                            </p:txEl>
+                                          </p:spTgt>
+                                        </p:tgtEl>
+                                        <p:attrNameLst>
+                                          <p:attrName>style.visibility</p:attrName>
+                                        </p:attrNameLst>
+                                      </p:cBhvr>
+                                      <p:to>
+                                        <p:strVal val="visible"/>
+                                      </p:to>
+                                    </p:set>
+                                  </p:childTnLst>
+                                </p:cTn>
+                              </p:par>
+                            </p:childTnLst>
+                          </p:cTn>
+                        </p:par>
+                      </p:childTnLst>
+                    </p:cTn>
+                  </p:par>
+                  <p:par>
+                    <p:cTn id="9" fill="hold">
+                      <p:stCondLst>
+                        <p:cond delay="indefinite"/>
+                      </p:stCondLst>
+                      <p:childTnLst>
+                        <p:par>
+                          <p:cTn id="10" fill="hold">
+                            <p:stCondLst>
+                              <p:cond delay="0"/>
+                            </p:stCondLst>
+                            <p:childTnLst>
+                              <p:par>
+                                <p:cTn id="11" presetID="1" presetClass="entr" presetSubtype="0" fill="hold" grpId="0" nodeType="clickEffect">
+                                  <p:stCondLst>
+                                    <p:cond delay="0"/>
+                                  </p:stCondLst>
+                                  <p:childTnLst>
+                                    <p:set>
+                                      <p:cBhvr>
+                                        <p:cTn id="12" dur="1" fill="hold">
+                                          <p:stCondLst>
+                                            <p:cond delay="0"/>
+                                          </p:stCondLst>
+                                        </p:cTn>
+                                        <p:tgtEl>
+                                          <p:spTgt spid="6">
+                                            <p:txEl>
+                                              <p:pRg st="2" end="2"/>
+                                            </p:txEl>
+                                          </p:spTgt>
+                                        </p:tgtEl>
+                                        <p:attrNameLst>
+                                          <p:attrName>style.visibility</p:attrName>
+                                        </p:attrNameLst>
+                                      </p:cBhvr>
+                                      <p:to>
+                                        <p:strVal val="visible"/>
+                                      </p:to>
+                                    </p:set>
+                                  </p:childTnLst>
+                                </p:cTn>
+                              </p:par>
+                              <p:par>
+                                <p:cTn id="13" presetID="1" presetClass="entr" presetSubtype="0" fill="hold" grpId="0" nodeType="withEffect">
+                                  <p:stCondLst>
+                                    <p:cond delay="0"/>
+                                  </p:stCondLst>
+                                  <p:childTnLst>
+                                    <p:set>
+                                      <p:cBhvr>
+                                        <p:cTn id="14" dur="1" fill="hold">
+                                          <p:stCondLst>
+                                            <p:cond delay="0"/>
+                                          </p:stCondLst>
+                                        </p:cTn>
+                                        <p:tgtEl>
+                                          <p:spTgt spid="6">
+                                            <p:txEl>
+                                              <p:pRg st="3" end="3"/>
+                                            </p:txEl>
+                                          </p:spTgt>
+                                        </p:tgtEl>
+                                        <p:attrNameLst>
+                                          <p:attrName>style.visibility</p:attrName>
+                                        </p:attrNameLst>
+                                      </p:cBhvr>
+                                      <p:to>
+                                        <p:strVal val="visible"/>
+                                      </p:to>
+                                    </p:set>
+                                  </p:childTnLst>
+                                </p:cTn>
+                              </p:par>
+                              <p:par>
+                                <p:cTn id="15" presetID="1" presetClass="entr" presetSubtype="0" fill="hold" grpId="0" nodeType="withEffect">
+                                  <p:stCondLst>
+                                    <p:cond delay="0"/>
+                                  </p:stCondLst>
+                                  <p:childTnLst>
+                                    <p:set>
+                                      <p:cBhvr>
+                                        <p:cTn id="16" dur="1" fill="hold">
+                                          <p:stCondLst>
+                                            <p:cond delay="0"/>
+                                          </p:stCondLst>
+                                        </p:cTn>
+                                        <p:tgtEl>
+                                          <p:spTgt spid="6">
+                                            <p:txEl>
+                                              <p:pRg st="4" end="4"/>
+                                            </p:txEl>
+                                          </p:spTgt>
+                                        </p:tgtEl>
+                                        <p:attrNameLst>
+                                          <p:attrName>style.visibility</p:attrName>
+                                        </p:attrNameLst>
+                                      </p:cBhvr>
+                                      <p:to>
+                                        <p:strVal val="visible"/>
+                                      </p:to>
+                                    </p:set>
+                                  </p:childTnLst>
+                                </p:cTn>
+                              </p:par>
+                              <p:par>
+                                <p:cTn id="17" presetID="1" presetClass="entr" presetSubtype="0" fill="hold" grpId="0" nodeType="withEffect">
+                                  <p:stCondLst>
+                                    <p:cond delay="0"/>
+                                  </p:stCondLst>
+                                  <p:childTnLst>
+                                    <p:set>
+                                      <p:cBhvr>
+                                        <p:cTn id="18" dur="1" fill="hold">
+                                          <p:stCondLst>
+                                            <p:cond delay="0"/>
+                                          </p:stCondLst>
+                                        </p:cTn>
+                                        <p:tgtEl>
+                                          <p:spTgt spid="6">
+                                            <p:txEl>
+                                              <p:pRg st="5" end="5"/>
+                                            </p:txEl>
+                                          </p:spTgt>
+                                        </p:tgtEl>
+                                        <p:attrNameLst>
+                                          <p:attrName>style.visibility</p:attrName>
+                                        </p:attrNameLst>
+                                      </p:cBhvr>
+                                      <p:to>
+                                        <p:strVal val="visible"/>
+                                      </p:to>
+                                    </p:set>
+                                  </p:childTnLst>
+                                </p:cTn>
+                              </p:par>
+                            </p:childTnLst>
+                          </p:cTn>
+                        </p:par>
+                      </p:childTnLst>
+                    </p:cTn>
+                  </p:par>
+                </p:childTnLst>
+              </p:cTn>
+              <p:prevCondLst>
+                <p:cond evt="onPrev" delay="0">
+                  <p:tgtEl>
+                    <p:sldTgt/>
+                  </p:tgtEl>
+                </p:cond>
+              </p:prevCondLst>
+              <p:nextCondLst>
+                <p:cond evt="onNext" delay="0">
+                  <p:tgtEl>
+                    <p:sldTgt/>
+                  </p:tgtEl>
+                </p:cond>
+              </p:nextCondLst>
+            </p:seq>
+          </p:childTnLst>
+        </p:cTn>
+      </p:par>
+    </p:tnLst>
+    <p:bldLst>
+      <p:bldP spid="6" grpId="0" uiExpand="1" build="p"/>
+    </p:bldLst>
+  </p:timing>
 </p:sld>
 </file>
 
@@ -18065,6 +19187,264 @@
   <p:clrMapOvr>
     <a:masterClrMapping/>
   </p:clrMapOvr>
+  <p:timing>
+    <p:tnLst>
+      <p:par>
+        <p:cTn id="1" dur="indefinite" restart="never" nodeType="tmRoot">
+          <p:childTnLst>
+            <p:seq concurrent="1" nextAc="seek">
+              <p:cTn id="2" dur="indefinite" nodeType="mainSeq">
+                <p:childTnLst>
+                  <p:par>
+                    <p:cTn id="3" fill="hold">
+                      <p:stCondLst>
+                        <p:cond delay="indefinite"/>
+                        <p:cond evt="onBegin" delay="0">
+                          <p:tn val="2"/>
+                        </p:cond>
+                      </p:stCondLst>
+                      <p:childTnLst>
+                        <p:par>
+                          <p:cTn id="4" fill="hold">
+                            <p:stCondLst>
+                              <p:cond delay="0"/>
+                            </p:stCondLst>
+                            <p:childTnLst>
+                              <p:par>
+                                <p:cTn id="5" presetID="1" presetClass="entr" presetSubtype="0" fill="hold" grpId="0" nodeType="afterEffect">
+                                  <p:stCondLst>
+                                    <p:cond delay="0"/>
+                                  </p:stCondLst>
+                                  <p:childTnLst>
+                                    <p:set>
+                                      <p:cBhvr>
+                                        <p:cTn id="6" dur="1" fill="hold">
+                                          <p:stCondLst>
+                                            <p:cond delay="0"/>
+                                          </p:stCondLst>
+                                        </p:cTn>
+                                        <p:tgtEl>
+                                          <p:spTgt spid="6">
+                                            <p:txEl>
+                                              <p:pRg st="0" end="0"/>
+                                            </p:txEl>
+                                          </p:spTgt>
+                                        </p:tgtEl>
+                                        <p:attrNameLst>
+                                          <p:attrName>style.visibility</p:attrName>
+                                        </p:attrNameLst>
+                                      </p:cBhvr>
+                                      <p:to>
+                                        <p:strVal val="visible"/>
+                                      </p:to>
+                                    </p:set>
+                                  </p:childTnLst>
+                                </p:cTn>
+                              </p:par>
+                              <p:par>
+                                <p:cTn id="7" presetID="1" presetClass="entr" presetSubtype="0" fill="hold" grpId="0" nodeType="withEffect">
+                                  <p:stCondLst>
+                                    <p:cond delay="0"/>
+                                  </p:stCondLst>
+                                  <p:childTnLst>
+                                    <p:set>
+                                      <p:cBhvr>
+                                        <p:cTn id="8" dur="1" fill="hold">
+                                          <p:stCondLst>
+                                            <p:cond delay="0"/>
+                                          </p:stCondLst>
+                                        </p:cTn>
+                                        <p:tgtEl>
+                                          <p:spTgt spid="6">
+                                            <p:txEl>
+                                              <p:pRg st="1" end="1"/>
+                                            </p:txEl>
+                                          </p:spTgt>
+                                        </p:tgtEl>
+                                        <p:attrNameLst>
+                                          <p:attrName>style.visibility</p:attrName>
+                                        </p:attrNameLst>
+                                      </p:cBhvr>
+                                      <p:to>
+                                        <p:strVal val="visible"/>
+                                      </p:to>
+                                    </p:set>
+                                  </p:childTnLst>
+                                </p:cTn>
+                              </p:par>
+                              <p:par>
+                                <p:cTn id="9" presetID="1" presetClass="entr" presetSubtype="0" fill="hold" grpId="0" nodeType="withEffect">
+                                  <p:stCondLst>
+                                    <p:cond delay="0"/>
+                                  </p:stCondLst>
+                                  <p:childTnLst>
+                                    <p:set>
+                                      <p:cBhvr>
+                                        <p:cTn id="10" dur="1" fill="hold">
+                                          <p:stCondLst>
+                                            <p:cond delay="0"/>
+                                          </p:stCondLst>
+                                        </p:cTn>
+                                        <p:tgtEl>
+                                          <p:spTgt spid="6">
+                                            <p:txEl>
+                                              <p:pRg st="2" end="2"/>
+                                            </p:txEl>
+                                          </p:spTgt>
+                                        </p:tgtEl>
+                                        <p:attrNameLst>
+                                          <p:attrName>style.visibility</p:attrName>
+                                        </p:attrNameLst>
+                                      </p:cBhvr>
+                                      <p:to>
+                                        <p:strVal val="visible"/>
+                                      </p:to>
+                                    </p:set>
+                                  </p:childTnLst>
+                                </p:cTn>
+                              </p:par>
+                              <p:par>
+                                <p:cTn id="11" presetID="1" presetClass="entr" presetSubtype="0" fill="hold" grpId="0" nodeType="withEffect">
+                                  <p:stCondLst>
+                                    <p:cond delay="0"/>
+                                  </p:stCondLst>
+                                  <p:childTnLst>
+                                    <p:set>
+                                      <p:cBhvr>
+                                        <p:cTn id="12" dur="1" fill="hold">
+                                          <p:stCondLst>
+                                            <p:cond delay="0"/>
+                                          </p:stCondLst>
+                                        </p:cTn>
+                                        <p:tgtEl>
+                                          <p:spTgt spid="6">
+                                            <p:txEl>
+                                              <p:pRg st="3" end="3"/>
+                                            </p:txEl>
+                                          </p:spTgt>
+                                        </p:tgtEl>
+                                        <p:attrNameLst>
+                                          <p:attrName>style.visibility</p:attrName>
+                                        </p:attrNameLst>
+                                      </p:cBhvr>
+                                      <p:to>
+                                        <p:strVal val="visible"/>
+                                      </p:to>
+                                    </p:set>
+                                  </p:childTnLst>
+                                </p:cTn>
+                              </p:par>
+                            </p:childTnLst>
+                          </p:cTn>
+                        </p:par>
+                      </p:childTnLst>
+                    </p:cTn>
+                  </p:par>
+                  <p:par>
+                    <p:cTn id="13" fill="hold">
+                      <p:stCondLst>
+                        <p:cond delay="indefinite"/>
+                      </p:stCondLst>
+                      <p:childTnLst>
+                        <p:par>
+                          <p:cTn id="14" fill="hold">
+                            <p:stCondLst>
+                              <p:cond delay="0"/>
+                            </p:stCondLst>
+                            <p:childTnLst>
+                              <p:par>
+                                <p:cTn id="15" presetID="1" presetClass="entr" presetSubtype="0" fill="hold" grpId="0" nodeType="clickEffect">
+                                  <p:stCondLst>
+                                    <p:cond delay="0"/>
+                                  </p:stCondLst>
+                                  <p:childTnLst>
+                                    <p:set>
+                                      <p:cBhvr>
+                                        <p:cTn id="16" dur="1" fill="hold">
+                                          <p:stCondLst>
+                                            <p:cond delay="0"/>
+                                          </p:stCondLst>
+                                        </p:cTn>
+                                        <p:tgtEl>
+                                          <p:spTgt spid="6">
+                                            <p:txEl>
+                                              <p:pRg st="4" end="4"/>
+                                            </p:txEl>
+                                          </p:spTgt>
+                                        </p:tgtEl>
+                                        <p:attrNameLst>
+                                          <p:attrName>style.visibility</p:attrName>
+                                        </p:attrNameLst>
+                                      </p:cBhvr>
+                                      <p:to>
+                                        <p:strVal val="visible"/>
+                                      </p:to>
+                                    </p:set>
+                                  </p:childTnLst>
+                                </p:cTn>
+                              </p:par>
+                              <p:par>
+                                <p:cTn id="17" presetID="1" presetClass="entr" presetSubtype="0" fill="hold" grpId="0" nodeType="withEffect">
+                                  <p:stCondLst>
+                                    <p:cond delay="0"/>
+                                  </p:stCondLst>
+                                  <p:childTnLst>
+                                    <p:set>
+                                      <p:cBhvr>
+                                        <p:cTn id="18" dur="1" fill="hold">
+                                          <p:stCondLst>
+                                            <p:cond delay="0"/>
+                                          </p:stCondLst>
+                                        </p:cTn>
+                                        <p:tgtEl>
+                                          <p:spTgt spid="6">
+                                            <p:txEl>
+                                              <p:pRg st="5" end="5"/>
+                                            </p:txEl>
+                                          </p:spTgt>
+                                        </p:tgtEl>
+                                        <p:attrNameLst>
+                                          <p:attrName>style.visibility</p:attrName>
+                                        </p:attrNameLst>
+                                      </p:cBhvr>
+                                      <p:to>
+                                        <p:strVal val="visible"/>
+                                      </p:to>
+                                    </p:set>
+                                  </p:childTnLst>
+                                </p:cTn>
+                              </p:par>
+                            </p:childTnLst>
+                          </p:cTn>
+                        </p:par>
+                      </p:childTnLst>
+                    </p:cTn>
+                  </p:par>
+                </p:childTnLst>
+              </p:cTn>
+              <p:prevCondLst>
+                <p:cond evt="onPrev" delay="0">
+                  <p:tgtEl>
+                    <p:sldTgt/>
+                  </p:tgtEl>
+                </p:cond>
+              </p:prevCondLst>
+              <p:nextCondLst>
+                <p:cond evt="onNext" delay="0">
+                  <p:tgtEl>
+                    <p:sldTgt/>
+                  </p:tgtEl>
+                </p:cond>
+              </p:nextCondLst>
+            </p:seq>
+          </p:childTnLst>
+        </p:cTn>
+      </p:par>
+    </p:tnLst>
+    <p:bldLst>
+      <p:bldP spid="6" grpId="0" uiExpand="1" build="p"/>
+    </p:bldLst>
+  </p:timing>
 </p:sld>
 </file>
 
@@ -18182,15 +19562,25 @@
             </a:r>
             <a:r>
               <a:rPr lang="ja-JP" altLang="en-US" dirty="0"/>
-              <a:t>の逆スラッシュ （フォントにより円マーク ” </a:t>
+              <a:t>の逆スラッシュ“</a:t>
+            </a:r>
+            <a:r>
+              <a:rPr lang="ja-JP" altLang="en-US" dirty="0">
+                <a:ea typeface="Takaoゴシック" panose="020B0509000000000000" pitchFamily="49" charset="-128"/>
+              </a:rPr>
+              <a:t>＼</a:t>
+            </a:r>
+            <a:r>
+              <a:rPr lang="ja-JP" altLang="en-US" dirty="0"/>
+              <a:t>” （フォント等により円 “ </a:t>
             </a:r>
             <a:r>
               <a:rPr lang="en-US" altLang="ja-JP" dirty="0"/>
-              <a:t>\ ” </a:t>
+              <a:t>\ </a:t>
             </a:r>
             <a:r>
               <a:rPr lang="ja-JP" altLang="en-US" dirty="0"/>
-              <a:t>になっている）を</a:t>
+              <a:t>”で表示される）を</a:t>
             </a:r>
             <a:br>
               <a:rPr lang="en-US" altLang="ja-JP" dirty="0"/>
@@ -18325,6 +19715,238 @@
               <a:rPr lang="ja-JP" altLang="en-US" dirty="0"/>
               <a:t>ファイルをコピー</a:t>
             </a:r>
+          </a:p>
+        </p:txBody>
+      </p:sp>
+      <p:pic>
+        <p:nvPicPr>
+          <p:cNvPr id="4" name="図 3">
+            <a:extLst>
+              <a:ext uri="{FF2B5EF4-FFF2-40B4-BE49-F238E27FC236}">
+                <a16:creationId xmlns:a16="http://schemas.microsoft.com/office/drawing/2014/main" id="{AB9EEDBD-DCC6-4E61-94D4-AB8217F6A3F7}"/>
+              </a:ext>
+              <a:ext uri="{C183D7F6-B498-43B3-948B-1728B52AA6E4}">
+                <adec:decorative xmlns:adec="http://schemas.microsoft.com/office/drawing/2017/decorative" val="1"/>
+              </a:ext>
+            </a:extLst>
+          </p:cNvPr>
+          <p:cNvPicPr>
+            <a:picLocks noChangeAspect="1"/>
+          </p:cNvPicPr>
+          <p:nvPr/>
+        </p:nvPicPr>
+        <p:blipFill rotWithShape="1">
+          <a:blip r:embed="rId3">
+            <a:extLst>
+              <a:ext uri="{28A0092B-C50C-407E-A947-70E740481C1C}">
+                <a14:useLocalDpi xmlns:a14="http://schemas.microsoft.com/office/drawing/2010/main" val="0"/>
+              </a:ext>
+            </a:extLst>
+          </a:blip>
+          <a:srcRect l="43462" t="23248" r="40698" b="54188"/>
+          <a:stretch/>
+        </p:blipFill>
+        <p:spPr>
+          <a:xfrm>
+            <a:off x="2488419" y="4027516"/>
+            <a:ext cx="2825261" cy="2263869"/>
+          </a:xfrm>
+          <a:prstGeom prst="rect">
+            <a:avLst/>
+          </a:prstGeom>
+        </p:spPr>
+      </p:pic>
+      <p:pic>
+        <p:nvPicPr>
+          <p:cNvPr id="7" name="図 6">
+            <a:extLst>
+              <a:ext uri="{FF2B5EF4-FFF2-40B4-BE49-F238E27FC236}">
+                <a16:creationId xmlns:a16="http://schemas.microsoft.com/office/drawing/2014/main" id="{BE8EC03C-2669-4171-8E15-C4CB25A9BE2D}"/>
+              </a:ext>
+              <a:ext uri="{C183D7F6-B498-43B3-948B-1728B52AA6E4}">
+                <adec:decorative xmlns:adec="http://schemas.microsoft.com/office/drawing/2017/decorative" val="1"/>
+              </a:ext>
+            </a:extLst>
+          </p:cNvPr>
+          <p:cNvPicPr>
+            <a:picLocks noChangeAspect="1"/>
+          </p:cNvPicPr>
+          <p:nvPr/>
+        </p:nvPicPr>
+        <p:blipFill rotWithShape="1">
+          <a:blip r:embed="rId4">
+            <a:extLst>
+              <a:ext uri="{28A0092B-C50C-407E-A947-70E740481C1C}">
+                <a14:useLocalDpi xmlns:a14="http://schemas.microsoft.com/office/drawing/2010/main" val="0"/>
+              </a:ext>
+            </a:extLst>
+          </a:blip>
+          <a:srcRect l="43466" t="22841" r="40757" b="54643"/>
+          <a:stretch/>
+        </p:blipFill>
+        <p:spPr>
+          <a:xfrm>
+            <a:off x="5953762" y="4027516"/>
+            <a:ext cx="2825261" cy="2267856"/>
+          </a:xfrm>
+          <a:prstGeom prst="rect">
+            <a:avLst/>
+          </a:prstGeom>
+        </p:spPr>
+      </p:pic>
+      <p:sp>
+        <p:nvSpPr>
+          <p:cNvPr id="5" name="矢印: 右 4">
+            <a:extLst>
+              <a:ext uri="{FF2B5EF4-FFF2-40B4-BE49-F238E27FC236}">
+                <a16:creationId xmlns:a16="http://schemas.microsoft.com/office/drawing/2014/main" id="{1F98F729-F6FC-48F1-B775-319085B61115}"/>
+              </a:ext>
+            </a:extLst>
+          </p:cNvPr>
+          <p:cNvSpPr/>
+          <p:nvPr/>
+        </p:nvSpPr>
+        <p:spPr>
+          <a:xfrm>
+            <a:off x="4988168" y="5542280"/>
+            <a:ext cx="1230533" cy="447040"/>
+          </a:xfrm>
+          <a:prstGeom prst="rightArrow">
+            <a:avLst/>
+          </a:prstGeom>
+          <a:noFill/>
+          <a:ln w="76200">
+            <a:solidFill>
+              <a:srgbClr val="FF0000"/>
+            </a:solidFill>
+          </a:ln>
+        </p:spPr>
+        <p:style>
+          <a:lnRef idx="2">
+            <a:schemeClr val="accent1">
+              <a:shade val="50000"/>
+            </a:schemeClr>
+          </a:lnRef>
+          <a:fillRef idx="1">
+            <a:schemeClr val="accent1"/>
+          </a:fillRef>
+          <a:effectRef idx="0">
+            <a:schemeClr val="accent1"/>
+          </a:effectRef>
+          <a:fontRef idx="minor">
+            <a:schemeClr val="lt1"/>
+          </a:fontRef>
+        </p:style>
+        <p:txBody>
+          <a:bodyPr rtlCol="0" anchor="ctr"/>
+          <a:lstStyle/>
+          <a:p>
+            <a:pPr algn="ctr"/>
+            <a:endParaRPr kumimoji="1" lang="ja-JP" altLang="en-US"/>
+          </a:p>
+        </p:txBody>
+      </p:sp>
+      <p:sp>
+        <p:nvSpPr>
+          <p:cNvPr id="8" name="楕円 7">
+            <a:extLst>
+              <a:ext uri="{FF2B5EF4-FFF2-40B4-BE49-F238E27FC236}">
+                <a16:creationId xmlns:a16="http://schemas.microsoft.com/office/drawing/2014/main" id="{6F969448-4AFF-4A64-B98A-4548611E64DF}"/>
+              </a:ext>
+            </a:extLst>
+          </p:cNvPr>
+          <p:cNvSpPr/>
+          <p:nvPr/>
+        </p:nvSpPr>
+        <p:spPr>
+          <a:xfrm>
+            <a:off x="3393440" y="5435600"/>
+            <a:ext cx="1422400" cy="660400"/>
+          </a:xfrm>
+          <a:prstGeom prst="ellipse">
+            <a:avLst/>
+          </a:prstGeom>
+          <a:noFill/>
+          <a:ln w="76200">
+            <a:solidFill>
+              <a:srgbClr val="FF0000"/>
+            </a:solidFill>
+          </a:ln>
+        </p:spPr>
+        <p:style>
+          <a:lnRef idx="2">
+            <a:schemeClr val="accent1">
+              <a:shade val="50000"/>
+            </a:schemeClr>
+          </a:lnRef>
+          <a:fillRef idx="1">
+            <a:schemeClr val="accent1"/>
+          </a:fillRef>
+          <a:effectRef idx="0">
+            <a:schemeClr val="accent1"/>
+          </a:effectRef>
+          <a:fontRef idx="minor">
+            <a:schemeClr val="lt1"/>
+          </a:fontRef>
+        </p:style>
+        <p:txBody>
+          <a:bodyPr rtlCol="0" anchor="ctr"/>
+          <a:lstStyle/>
+          <a:p>
+            <a:pPr algn="ctr"/>
+            <a:endParaRPr kumimoji="1" lang="ja-JP" altLang="en-US"/>
+          </a:p>
+        </p:txBody>
+      </p:sp>
+      <p:sp>
+        <p:nvSpPr>
+          <p:cNvPr id="9" name="楕円 8">
+            <a:extLst>
+              <a:ext uri="{FF2B5EF4-FFF2-40B4-BE49-F238E27FC236}">
+                <a16:creationId xmlns:a16="http://schemas.microsoft.com/office/drawing/2014/main" id="{FE65105C-5F87-4A7F-9F0A-DF4CD1561D4A}"/>
+              </a:ext>
+            </a:extLst>
+          </p:cNvPr>
+          <p:cNvSpPr/>
+          <p:nvPr/>
+        </p:nvSpPr>
+        <p:spPr>
+          <a:xfrm>
+            <a:off x="6909189" y="5476240"/>
+            <a:ext cx="1422400" cy="660400"/>
+          </a:xfrm>
+          <a:prstGeom prst="ellipse">
+            <a:avLst/>
+          </a:prstGeom>
+          <a:noFill/>
+          <a:ln w="76200">
+            <a:solidFill>
+              <a:srgbClr val="FF0000"/>
+            </a:solidFill>
+          </a:ln>
+        </p:spPr>
+        <p:style>
+          <a:lnRef idx="2">
+            <a:schemeClr val="accent1">
+              <a:shade val="50000"/>
+            </a:schemeClr>
+          </a:lnRef>
+          <a:fillRef idx="1">
+            <a:schemeClr val="accent1"/>
+          </a:fillRef>
+          <a:effectRef idx="0">
+            <a:schemeClr val="accent1"/>
+          </a:effectRef>
+          <a:fontRef idx="minor">
+            <a:schemeClr val="lt1"/>
+          </a:fontRef>
+        </p:style>
+        <p:txBody>
+          <a:bodyPr rtlCol="0" anchor="ctr"/>
+          <a:lstStyle/>
+          <a:p>
+            <a:pPr algn="ctr"/>
+            <a:endParaRPr kumimoji="1" lang="ja-JP" altLang="en-US"/>
           </a:p>
         </p:txBody>
       </p:sp>
@@ -18338,6 +19960,685 @@
   <p:clrMapOvr>
     <a:masterClrMapping/>
   </p:clrMapOvr>
+  <p:timing>
+    <p:tnLst>
+      <p:par>
+        <p:cTn id="1" dur="indefinite" restart="never" nodeType="tmRoot">
+          <p:childTnLst>
+            <p:seq concurrent="1" nextAc="seek">
+              <p:cTn id="2" dur="indefinite" nodeType="mainSeq">
+                <p:childTnLst>
+                  <p:par>
+                    <p:cTn id="3" fill="hold">
+                      <p:stCondLst>
+                        <p:cond delay="indefinite"/>
+                        <p:cond evt="onBegin" delay="0">
+                          <p:tn val="2"/>
+                        </p:cond>
+                      </p:stCondLst>
+                      <p:childTnLst>
+                        <p:par>
+                          <p:cTn id="4" fill="hold">
+                            <p:stCondLst>
+                              <p:cond delay="0"/>
+                            </p:stCondLst>
+                            <p:childTnLst>
+                              <p:par>
+                                <p:cTn id="5" presetID="1" presetClass="entr" presetSubtype="0" fill="hold" grpId="0" nodeType="afterEffect">
+                                  <p:stCondLst>
+                                    <p:cond delay="0"/>
+                                  </p:stCondLst>
+                                  <p:childTnLst>
+                                    <p:set>
+                                      <p:cBhvr>
+                                        <p:cTn id="6" dur="1" fill="hold">
+                                          <p:stCondLst>
+                                            <p:cond delay="0"/>
+                                          </p:stCondLst>
+                                        </p:cTn>
+                                        <p:tgtEl>
+                                          <p:spTgt spid="6">
+                                            <p:txEl>
+                                              <p:pRg st="0" end="0"/>
+                                            </p:txEl>
+                                          </p:spTgt>
+                                        </p:tgtEl>
+                                        <p:attrNameLst>
+                                          <p:attrName>style.visibility</p:attrName>
+                                        </p:attrNameLst>
+                                      </p:cBhvr>
+                                      <p:to>
+                                        <p:strVal val="visible"/>
+                                      </p:to>
+                                    </p:set>
+                                  </p:childTnLst>
+                                </p:cTn>
+                              </p:par>
+                            </p:childTnLst>
+                          </p:cTn>
+                        </p:par>
+                      </p:childTnLst>
+                    </p:cTn>
+                  </p:par>
+                  <p:par>
+                    <p:cTn id="7" fill="hold">
+                      <p:stCondLst>
+                        <p:cond delay="indefinite"/>
+                      </p:stCondLst>
+                      <p:childTnLst>
+                        <p:par>
+                          <p:cTn id="8" fill="hold">
+                            <p:stCondLst>
+                              <p:cond delay="0"/>
+                            </p:stCondLst>
+                            <p:childTnLst>
+                              <p:par>
+                                <p:cTn id="9" presetID="1" presetClass="entr" presetSubtype="0" fill="hold" grpId="0" nodeType="clickEffect">
+                                  <p:stCondLst>
+                                    <p:cond delay="0"/>
+                                  </p:stCondLst>
+                                  <p:childTnLst>
+                                    <p:set>
+                                      <p:cBhvr>
+                                        <p:cTn id="10" dur="1" fill="hold">
+                                          <p:stCondLst>
+                                            <p:cond delay="0"/>
+                                          </p:stCondLst>
+                                        </p:cTn>
+                                        <p:tgtEl>
+                                          <p:spTgt spid="6">
+                                            <p:txEl>
+                                              <p:pRg st="1" end="1"/>
+                                            </p:txEl>
+                                          </p:spTgt>
+                                        </p:tgtEl>
+                                        <p:attrNameLst>
+                                          <p:attrName>style.visibility</p:attrName>
+                                        </p:attrNameLst>
+                                      </p:cBhvr>
+                                      <p:to>
+                                        <p:strVal val="visible"/>
+                                      </p:to>
+                                    </p:set>
+                                  </p:childTnLst>
+                                </p:cTn>
+                              </p:par>
+                              <p:par>
+                                <p:cTn id="11" presetID="1" presetClass="entr" presetSubtype="0" fill="hold" grpId="0" nodeType="withEffect">
+                                  <p:stCondLst>
+                                    <p:cond delay="0"/>
+                                  </p:stCondLst>
+                                  <p:childTnLst>
+                                    <p:set>
+                                      <p:cBhvr>
+                                        <p:cTn id="12" dur="1" fill="hold">
+                                          <p:stCondLst>
+                                            <p:cond delay="0"/>
+                                          </p:stCondLst>
+                                        </p:cTn>
+                                        <p:tgtEl>
+                                          <p:spTgt spid="6">
+                                            <p:txEl>
+                                              <p:pRg st="2" end="2"/>
+                                            </p:txEl>
+                                          </p:spTgt>
+                                        </p:tgtEl>
+                                        <p:attrNameLst>
+                                          <p:attrName>style.visibility</p:attrName>
+                                        </p:attrNameLst>
+                                      </p:cBhvr>
+                                      <p:to>
+                                        <p:strVal val="visible"/>
+                                      </p:to>
+                                    </p:set>
+                                  </p:childTnLst>
+                                </p:cTn>
+                              </p:par>
+                            </p:childTnLst>
+                          </p:cTn>
+                        </p:par>
+                        <p:par>
+                          <p:cTn id="13" fill="hold">
+                            <p:stCondLst>
+                              <p:cond delay="0"/>
+                            </p:stCondLst>
+                            <p:childTnLst>
+                              <p:par>
+                                <p:cTn id="14" presetID="1" presetClass="entr" presetSubtype="0" fill="hold" nodeType="afterEffect">
+                                  <p:stCondLst>
+                                    <p:cond delay="0"/>
+                                  </p:stCondLst>
+                                  <p:childTnLst>
+                                    <p:set>
+                                      <p:cBhvr>
+                                        <p:cTn id="15" dur="1" fill="hold">
+                                          <p:stCondLst>
+                                            <p:cond delay="0"/>
+                                          </p:stCondLst>
+                                        </p:cTn>
+                                        <p:tgtEl>
+                                          <p:spTgt spid="4"/>
+                                        </p:tgtEl>
+                                        <p:attrNameLst>
+                                          <p:attrName>style.visibility</p:attrName>
+                                        </p:attrNameLst>
+                                      </p:cBhvr>
+                                      <p:to>
+                                        <p:strVal val="visible"/>
+                                      </p:to>
+                                    </p:set>
+                                  </p:childTnLst>
+                                </p:cTn>
+                              </p:par>
+                            </p:childTnLst>
+                          </p:cTn>
+                        </p:par>
+                        <p:par>
+                          <p:cTn id="16" fill="hold">
+                            <p:stCondLst>
+                              <p:cond delay="0"/>
+                            </p:stCondLst>
+                            <p:childTnLst>
+                              <p:par>
+                                <p:cTn id="17" presetID="21" presetClass="entr" presetSubtype="1" fill="hold" grpId="0" nodeType="afterEffect">
+                                  <p:stCondLst>
+                                    <p:cond delay="0"/>
+                                  </p:stCondLst>
+                                  <p:childTnLst>
+                                    <p:set>
+                                      <p:cBhvr>
+                                        <p:cTn id="18" dur="1" fill="hold">
+                                          <p:stCondLst>
+                                            <p:cond delay="0"/>
+                                          </p:stCondLst>
+                                        </p:cTn>
+                                        <p:tgtEl>
+                                          <p:spTgt spid="8"/>
+                                        </p:tgtEl>
+                                        <p:attrNameLst>
+                                          <p:attrName>style.visibility</p:attrName>
+                                        </p:attrNameLst>
+                                      </p:cBhvr>
+                                      <p:to>
+                                        <p:strVal val="visible"/>
+                                      </p:to>
+                                    </p:set>
+                                    <p:animEffect transition="in" filter="wheel(1)">
+                                      <p:cBhvr>
+                                        <p:cTn id="19" dur="2000"/>
+                                        <p:tgtEl>
+                                          <p:spTgt spid="8"/>
+                                        </p:tgtEl>
+                                      </p:cBhvr>
+                                    </p:animEffect>
+                                  </p:childTnLst>
+                                </p:cTn>
+                              </p:par>
+                            </p:childTnLst>
+                          </p:cTn>
+                        </p:par>
+                        <p:par>
+                          <p:cTn id="20" fill="hold">
+                            <p:stCondLst>
+                              <p:cond delay="2000"/>
+                            </p:stCondLst>
+                            <p:childTnLst>
+                              <p:par>
+                                <p:cTn id="21" presetID="22" presetClass="entr" presetSubtype="8" fill="hold" grpId="0" nodeType="afterEffect">
+                                  <p:stCondLst>
+                                    <p:cond delay="0"/>
+                                  </p:stCondLst>
+                                  <p:childTnLst>
+                                    <p:set>
+                                      <p:cBhvr>
+                                        <p:cTn id="22" dur="1" fill="hold">
+                                          <p:stCondLst>
+                                            <p:cond delay="0"/>
+                                          </p:stCondLst>
+                                        </p:cTn>
+                                        <p:tgtEl>
+                                          <p:spTgt spid="5"/>
+                                        </p:tgtEl>
+                                        <p:attrNameLst>
+                                          <p:attrName>style.visibility</p:attrName>
+                                        </p:attrNameLst>
+                                      </p:cBhvr>
+                                      <p:to>
+                                        <p:strVal val="visible"/>
+                                      </p:to>
+                                    </p:set>
+                                    <p:animEffect transition="in" filter="wipe(left)">
+                                      <p:cBhvr>
+                                        <p:cTn id="23" dur="500"/>
+                                        <p:tgtEl>
+                                          <p:spTgt spid="5"/>
+                                        </p:tgtEl>
+                                      </p:cBhvr>
+                                    </p:animEffect>
+                                  </p:childTnLst>
+                                </p:cTn>
+                              </p:par>
+                            </p:childTnLst>
+                          </p:cTn>
+                        </p:par>
+                        <p:par>
+                          <p:cTn id="24" fill="hold">
+                            <p:stCondLst>
+                              <p:cond delay="2500"/>
+                            </p:stCondLst>
+                            <p:childTnLst>
+                              <p:par>
+                                <p:cTn id="25" presetID="1" presetClass="entr" presetSubtype="0" fill="hold" nodeType="afterEffect">
+                                  <p:stCondLst>
+                                    <p:cond delay="0"/>
+                                  </p:stCondLst>
+                                  <p:childTnLst>
+                                    <p:set>
+                                      <p:cBhvr>
+                                        <p:cTn id="26" dur="1" fill="hold">
+                                          <p:stCondLst>
+                                            <p:cond delay="0"/>
+                                          </p:stCondLst>
+                                        </p:cTn>
+                                        <p:tgtEl>
+                                          <p:spTgt spid="7"/>
+                                        </p:tgtEl>
+                                        <p:attrNameLst>
+                                          <p:attrName>style.visibility</p:attrName>
+                                        </p:attrNameLst>
+                                      </p:cBhvr>
+                                      <p:to>
+                                        <p:strVal val="visible"/>
+                                      </p:to>
+                                    </p:set>
+                                  </p:childTnLst>
+                                </p:cTn>
+                              </p:par>
+                            </p:childTnLst>
+                          </p:cTn>
+                        </p:par>
+                        <p:par>
+                          <p:cTn id="27" fill="hold">
+                            <p:stCondLst>
+                              <p:cond delay="2500"/>
+                            </p:stCondLst>
+                            <p:childTnLst>
+                              <p:par>
+                                <p:cTn id="28" presetID="21" presetClass="entr" presetSubtype="1" fill="hold" grpId="0" nodeType="afterEffect">
+                                  <p:stCondLst>
+                                    <p:cond delay="0"/>
+                                  </p:stCondLst>
+                                  <p:childTnLst>
+                                    <p:set>
+                                      <p:cBhvr>
+                                        <p:cTn id="29" dur="1" fill="hold">
+                                          <p:stCondLst>
+                                            <p:cond delay="0"/>
+                                          </p:stCondLst>
+                                        </p:cTn>
+                                        <p:tgtEl>
+                                          <p:spTgt spid="9"/>
+                                        </p:tgtEl>
+                                        <p:attrNameLst>
+                                          <p:attrName>style.visibility</p:attrName>
+                                        </p:attrNameLst>
+                                      </p:cBhvr>
+                                      <p:to>
+                                        <p:strVal val="visible"/>
+                                      </p:to>
+                                    </p:set>
+                                    <p:animEffect transition="in" filter="wheel(1)">
+                                      <p:cBhvr>
+                                        <p:cTn id="30" dur="2000"/>
+                                        <p:tgtEl>
+                                          <p:spTgt spid="9"/>
+                                        </p:tgtEl>
+                                      </p:cBhvr>
+                                    </p:animEffect>
+                                  </p:childTnLst>
+                                </p:cTn>
+                              </p:par>
+                            </p:childTnLst>
+                          </p:cTn>
+                        </p:par>
+                      </p:childTnLst>
+                    </p:cTn>
+                  </p:par>
+                  <p:par>
+                    <p:cTn id="31" fill="hold">
+                      <p:stCondLst>
+                        <p:cond delay="indefinite"/>
+                      </p:stCondLst>
+                      <p:childTnLst>
+                        <p:par>
+                          <p:cTn id="32" fill="hold">
+                            <p:stCondLst>
+                              <p:cond delay="0"/>
+                            </p:stCondLst>
+                            <p:childTnLst>
+                              <p:par>
+                                <p:cTn id="33" presetID="1" presetClass="exit" presetSubtype="0" fill="hold" nodeType="clickEffect">
+                                  <p:stCondLst>
+                                    <p:cond delay="0"/>
+                                  </p:stCondLst>
+                                  <p:childTnLst>
+                                    <p:set>
+                                      <p:cBhvr>
+                                        <p:cTn id="34" dur="1" fill="hold">
+                                          <p:stCondLst>
+                                            <p:cond delay="0"/>
+                                          </p:stCondLst>
+                                        </p:cTn>
+                                        <p:tgtEl>
+                                          <p:spTgt spid="4"/>
+                                        </p:tgtEl>
+                                        <p:attrNameLst>
+                                          <p:attrName>style.visibility</p:attrName>
+                                        </p:attrNameLst>
+                                      </p:cBhvr>
+                                      <p:to>
+                                        <p:strVal val="hidden"/>
+                                      </p:to>
+                                    </p:set>
+                                  </p:childTnLst>
+                                </p:cTn>
+                              </p:par>
+                              <p:par>
+                                <p:cTn id="35" presetID="1" presetClass="exit" presetSubtype="0" fill="hold" grpId="1" nodeType="withEffect">
+                                  <p:stCondLst>
+                                    <p:cond delay="0"/>
+                                  </p:stCondLst>
+                                  <p:childTnLst>
+                                    <p:set>
+                                      <p:cBhvr>
+                                        <p:cTn id="36" dur="1" fill="hold">
+                                          <p:stCondLst>
+                                            <p:cond delay="0"/>
+                                          </p:stCondLst>
+                                        </p:cTn>
+                                        <p:tgtEl>
+                                          <p:spTgt spid="8"/>
+                                        </p:tgtEl>
+                                        <p:attrNameLst>
+                                          <p:attrName>style.visibility</p:attrName>
+                                        </p:attrNameLst>
+                                      </p:cBhvr>
+                                      <p:to>
+                                        <p:strVal val="hidden"/>
+                                      </p:to>
+                                    </p:set>
+                                  </p:childTnLst>
+                                </p:cTn>
+                              </p:par>
+                              <p:par>
+                                <p:cTn id="37" presetID="1" presetClass="exit" presetSubtype="0" fill="hold" grpId="1" nodeType="withEffect">
+                                  <p:stCondLst>
+                                    <p:cond delay="0"/>
+                                  </p:stCondLst>
+                                  <p:childTnLst>
+                                    <p:set>
+                                      <p:cBhvr>
+                                        <p:cTn id="38" dur="1" fill="hold">
+                                          <p:stCondLst>
+                                            <p:cond delay="0"/>
+                                          </p:stCondLst>
+                                        </p:cTn>
+                                        <p:tgtEl>
+                                          <p:spTgt spid="5"/>
+                                        </p:tgtEl>
+                                        <p:attrNameLst>
+                                          <p:attrName>style.visibility</p:attrName>
+                                        </p:attrNameLst>
+                                      </p:cBhvr>
+                                      <p:to>
+                                        <p:strVal val="hidden"/>
+                                      </p:to>
+                                    </p:set>
+                                  </p:childTnLst>
+                                </p:cTn>
+                              </p:par>
+                              <p:par>
+                                <p:cTn id="39" presetID="1" presetClass="exit" presetSubtype="0" fill="hold" nodeType="withEffect">
+                                  <p:stCondLst>
+                                    <p:cond delay="0"/>
+                                  </p:stCondLst>
+                                  <p:childTnLst>
+                                    <p:set>
+                                      <p:cBhvr>
+                                        <p:cTn id="40" dur="1" fill="hold">
+                                          <p:stCondLst>
+                                            <p:cond delay="0"/>
+                                          </p:stCondLst>
+                                        </p:cTn>
+                                        <p:tgtEl>
+                                          <p:spTgt spid="7"/>
+                                        </p:tgtEl>
+                                        <p:attrNameLst>
+                                          <p:attrName>style.visibility</p:attrName>
+                                        </p:attrNameLst>
+                                      </p:cBhvr>
+                                      <p:to>
+                                        <p:strVal val="hidden"/>
+                                      </p:to>
+                                    </p:set>
+                                  </p:childTnLst>
+                                </p:cTn>
+                              </p:par>
+                              <p:par>
+                                <p:cTn id="41" presetID="1" presetClass="exit" presetSubtype="0" fill="hold" grpId="1" nodeType="withEffect">
+                                  <p:stCondLst>
+                                    <p:cond delay="0"/>
+                                  </p:stCondLst>
+                                  <p:childTnLst>
+                                    <p:set>
+                                      <p:cBhvr>
+                                        <p:cTn id="42" dur="1" fill="hold">
+                                          <p:stCondLst>
+                                            <p:cond delay="0"/>
+                                          </p:stCondLst>
+                                        </p:cTn>
+                                        <p:tgtEl>
+                                          <p:spTgt spid="9"/>
+                                        </p:tgtEl>
+                                        <p:attrNameLst>
+                                          <p:attrName>style.visibility</p:attrName>
+                                        </p:attrNameLst>
+                                      </p:cBhvr>
+                                      <p:to>
+                                        <p:strVal val="hidden"/>
+                                      </p:to>
+                                    </p:set>
+                                  </p:childTnLst>
+                                </p:cTn>
+                              </p:par>
+                            </p:childTnLst>
+                          </p:cTn>
+                        </p:par>
+                        <p:par>
+                          <p:cTn id="43" fill="hold">
+                            <p:stCondLst>
+                              <p:cond delay="0"/>
+                            </p:stCondLst>
+                            <p:childTnLst>
+                              <p:par>
+                                <p:cTn id="44" presetID="1" presetClass="entr" presetSubtype="0" fill="hold" grpId="0" nodeType="afterEffect">
+                                  <p:stCondLst>
+                                    <p:cond delay="0"/>
+                                  </p:stCondLst>
+                                  <p:childTnLst>
+                                    <p:set>
+                                      <p:cBhvr>
+                                        <p:cTn id="45" dur="1" fill="hold">
+                                          <p:stCondLst>
+                                            <p:cond delay="0"/>
+                                          </p:stCondLst>
+                                        </p:cTn>
+                                        <p:tgtEl>
+                                          <p:spTgt spid="6">
+                                            <p:txEl>
+                                              <p:pRg st="3" end="3"/>
+                                            </p:txEl>
+                                          </p:spTgt>
+                                        </p:tgtEl>
+                                        <p:attrNameLst>
+                                          <p:attrName>style.visibility</p:attrName>
+                                        </p:attrNameLst>
+                                      </p:cBhvr>
+                                      <p:to>
+                                        <p:strVal val="visible"/>
+                                      </p:to>
+                                    </p:set>
+                                  </p:childTnLst>
+                                </p:cTn>
+                              </p:par>
+                              <p:par>
+                                <p:cTn id="46" presetID="1" presetClass="entr" presetSubtype="0" fill="hold" grpId="0" nodeType="withEffect">
+                                  <p:stCondLst>
+                                    <p:cond delay="0"/>
+                                  </p:stCondLst>
+                                  <p:childTnLst>
+                                    <p:set>
+                                      <p:cBhvr>
+                                        <p:cTn id="47" dur="1" fill="hold">
+                                          <p:stCondLst>
+                                            <p:cond delay="0"/>
+                                          </p:stCondLst>
+                                        </p:cTn>
+                                        <p:tgtEl>
+                                          <p:spTgt spid="6">
+                                            <p:txEl>
+                                              <p:pRg st="4" end="4"/>
+                                            </p:txEl>
+                                          </p:spTgt>
+                                        </p:tgtEl>
+                                        <p:attrNameLst>
+                                          <p:attrName>style.visibility</p:attrName>
+                                        </p:attrNameLst>
+                                      </p:cBhvr>
+                                      <p:to>
+                                        <p:strVal val="visible"/>
+                                      </p:to>
+                                    </p:set>
+                                  </p:childTnLst>
+                                </p:cTn>
+                              </p:par>
+                              <p:par>
+                                <p:cTn id="48" presetID="1" presetClass="entr" presetSubtype="0" fill="hold" grpId="0" nodeType="withEffect">
+                                  <p:stCondLst>
+                                    <p:cond delay="0"/>
+                                  </p:stCondLst>
+                                  <p:childTnLst>
+                                    <p:set>
+                                      <p:cBhvr>
+                                        <p:cTn id="49" dur="1" fill="hold">
+                                          <p:stCondLst>
+                                            <p:cond delay="0"/>
+                                          </p:stCondLst>
+                                        </p:cTn>
+                                        <p:tgtEl>
+                                          <p:spTgt spid="6">
+                                            <p:txEl>
+                                              <p:pRg st="5" end="5"/>
+                                            </p:txEl>
+                                          </p:spTgt>
+                                        </p:tgtEl>
+                                        <p:attrNameLst>
+                                          <p:attrName>style.visibility</p:attrName>
+                                        </p:attrNameLst>
+                                      </p:cBhvr>
+                                      <p:to>
+                                        <p:strVal val="visible"/>
+                                      </p:to>
+                                    </p:set>
+                                  </p:childTnLst>
+                                </p:cTn>
+                              </p:par>
+                            </p:childTnLst>
+                          </p:cTn>
+                        </p:par>
+                      </p:childTnLst>
+                    </p:cTn>
+                  </p:par>
+                  <p:par>
+                    <p:cTn id="50" fill="hold">
+                      <p:stCondLst>
+                        <p:cond delay="indefinite"/>
+                      </p:stCondLst>
+                      <p:childTnLst>
+                        <p:par>
+                          <p:cTn id="51" fill="hold">
+                            <p:stCondLst>
+                              <p:cond delay="0"/>
+                            </p:stCondLst>
+                            <p:childTnLst>
+                              <p:par>
+                                <p:cTn id="52" presetID="1" presetClass="entr" presetSubtype="0" fill="hold" grpId="0" nodeType="clickEffect">
+                                  <p:stCondLst>
+                                    <p:cond delay="0"/>
+                                  </p:stCondLst>
+                                  <p:childTnLst>
+                                    <p:set>
+                                      <p:cBhvr>
+                                        <p:cTn id="53" dur="1" fill="hold">
+                                          <p:stCondLst>
+                                            <p:cond delay="0"/>
+                                          </p:stCondLst>
+                                        </p:cTn>
+                                        <p:tgtEl>
+                                          <p:spTgt spid="6">
+                                            <p:txEl>
+                                              <p:pRg st="6" end="6"/>
+                                            </p:txEl>
+                                          </p:spTgt>
+                                        </p:tgtEl>
+                                        <p:attrNameLst>
+                                          <p:attrName>style.visibility</p:attrName>
+                                        </p:attrNameLst>
+                                      </p:cBhvr>
+                                      <p:to>
+                                        <p:strVal val="visible"/>
+                                      </p:to>
+                                    </p:set>
+                                  </p:childTnLst>
+                                </p:cTn>
+                              </p:par>
+                            </p:childTnLst>
+                          </p:cTn>
+                        </p:par>
+                      </p:childTnLst>
+                    </p:cTn>
+                  </p:par>
+                </p:childTnLst>
+              </p:cTn>
+              <p:prevCondLst>
+                <p:cond evt="onPrev" delay="0">
+                  <p:tgtEl>
+                    <p:sldTgt/>
+                  </p:tgtEl>
+                </p:cond>
+              </p:prevCondLst>
+              <p:nextCondLst>
+                <p:cond evt="onNext" delay="0">
+                  <p:tgtEl>
+                    <p:sldTgt/>
+                  </p:tgtEl>
+                </p:cond>
+              </p:nextCondLst>
+            </p:seq>
+          </p:childTnLst>
+        </p:cTn>
+      </p:par>
+    </p:tnLst>
+    <p:bldLst>
+      <p:bldP spid="6" grpId="0" uiExpand="1" build="p"/>
+      <p:bldP spid="5" grpId="0" animBg="1"/>
+      <p:bldP spid="5" grpId="1" animBg="1"/>
+      <p:bldP spid="8" grpId="0" animBg="1"/>
+      <p:bldP spid="8" grpId="1" animBg="1"/>
+      <p:bldP spid="9" grpId="0" animBg="1"/>
+      <p:bldP spid="9" grpId="1" animBg="1"/>
+    </p:bldLst>
+  </p:timing>
 </p:sld>
 </file>
 
@@ -18473,7 +20774,7 @@
             </a:r>
             <a:r>
               <a:rPr lang="ja-JP" altLang="en-US" dirty="0"/>
-              <a:t>版のような導入のためにコマンド打つ必要も無い</a:t>
+              <a:t>版時代のような、導入のためにコマンド打つ必要も無い</a:t>
             </a:r>
             <a:endParaRPr lang="en-US" altLang="ja-JP" dirty="0"/>
           </a:p>
@@ -18538,6 +20839,279 @@
   <p:clrMapOvr>
     <a:masterClrMapping/>
   </p:clrMapOvr>
+  <p:timing>
+    <p:tnLst>
+      <p:par>
+        <p:cTn id="1" dur="indefinite" restart="never" nodeType="tmRoot">
+          <p:childTnLst>
+            <p:seq concurrent="1" nextAc="seek">
+              <p:cTn id="2" dur="indefinite" nodeType="mainSeq">
+                <p:childTnLst>
+                  <p:par>
+                    <p:cTn id="3" fill="hold">
+                      <p:stCondLst>
+                        <p:cond delay="indefinite"/>
+                      </p:stCondLst>
+                      <p:childTnLst>
+                        <p:par>
+                          <p:cTn id="4" fill="hold">
+                            <p:stCondLst>
+                              <p:cond delay="0"/>
+                            </p:stCondLst>
+                            <p:childTnLst>
+                              <p:par>
+                                <p:cTn id="5" presetID="1" presetClass="entr" presetSubtype="0" fill="hold" grpId="0" nodeType="clickEffect">
+                                  <p:stCondLst>
+                                    <p:cond delay="0"/>
+                                  </p:stCondLst>
+                                  <p:childTnLst>
+                                    <p:set>
+                                      <p:cBhvr>
+                                        <p:cTn id="6" dur="1" fill="hold">
+                                          <p:stCondLst>
+                                            <p:cond delay="0"/>
+                                          </p:stCondLst>
+                                        </p:cTn>
+                                        <p:tgtEl>
+                                          <p:spTgt spid="6">
+                                            <p:txEl>
+                                              <p:pRg st="0" end="0"/>
+                                            </p:txEl>
+                                          </p:spTgt>
+                                        </p:tgtEl>
+                                        <p:attrNameLst>
+                                          <p:attrName>style.visibility</p:attrName>
+                                        </p:attrNameLst>
+                                      </p:cBhvr>
+                                      <p:to>
+                                        <p:strVal val="visible"/>
+                                      </p:to>
+                                    </p:set>
+                                  </p:childTnLst>
+                                </p:cTn>
+                              </p:par>
+                              <p:par>
+                                <p:cTn id="7" presetID="1" presetClass="entr" presetSubtype="0" fill="hold" grpId="0" nodeType="withEffect">
+                                  <p:stCondLst>
+                                    <p:cond delay="0"/>
+                                  </p:stCondLst>
+                                  <p:childTnLst>
+                                    <p:set>
+                                      <p:cBhvr>
+                                        <p:cTn id="8" dur="1" fill="hold">
+                                          <p:stCondLst>
+                                            <p:cond delay="0"/>
+                                          </p:stCondLst>
+                                        </p:cTn>
+                                        <p:tgtEl>
+                                          <p:spTgt spid="6">
+                                            <p:txEl>
+                                              <p:pRg st="1" end="1"/>
+                                            </p:txEl>
+                                          </p:spTgt>
+                                        </p:tgtEl>
+                                        <p:attrNameLst>
+                                          <p:attrName>style.visibility</p:attrName>
+                                        </p:attrNameLst>
+                                      </p:cBhvr>
+                                      <p:to>
+                                        <p:strVal val="visible"/>
+                                      </p:to>
+                                    </p:set>
+                                  </p:childTnLst>
+                                </p:cTn>
+                              </p:par>
+                            </p:childTnLst>
+                          </p:cTn>
+                        </p:par>
+                      </p:childTnLst>
+                    </p:cTn>
+                  </p:par>
+                  <p:par>
+                    <p:cTn id="9" fill="hold">
+                      <p:stCondLst>
+                        <p:cond delay="indefinite"/>
+                      </p:stCondLst>
+                      <p:childTnLst>
+                        <p:par>
+                          <p:cTn id="10" fill="hold">
+                            <p:stCondLst>
+                              <p:cond delay="0"/>
+                            </p:stCondLst>
+                            <p:childTnLst>
+                              <p:par>
+                                <p:cTn id="11" presetID="1" presetClass="entr" presetSubtype="0" fill="hold" grpId="0" nodeType="clickEffect">
+                                  <p:stCondLst>
+                                    <p:cond delay="0"/>
+                                  </p:stCondLst>
+                                  <p:childTnLst>
+                                    <p:set>
+                                      <p:cBhvr>
+                                        <p:cTn id="12" dur="1" fill="hold">
+                                          <p:stCondLst>
+                                            <p:cond delay="0"/>
+                                          </p:stCondLst>
+                                        </p:cTn>
+                                        <p:tgtEl>
+                                          <p:spTgt spid="6">
+                                            <p:txEl>
+                                              <p:pRg st="3" end="3"/>
+                                            </p:txEl>
+                                          </p:spTgt>
+                                        </p:tgtEl>
+                                        <p:attrNameLst>
+                                          <p:attrName>style.visibility</p:attrName>
+                                        </p:attrNameLst>
+                                      </p:cBhvr>
+                                      <p:to>
+                                        <p:strVal val="visible"/>
+                                      </p:to>
+                                    </p:set>
+                                  </p:childTnLst>
+                                </p:cTn>
+                              </p:par>
+                              <p:par>
+                                <p:cTn id="13" presetID="1" presetClass="entr" presetSubtype="0" fill="hold" grpId="0" nodeType="withEffect">
+                                  <p:stCondLst>
+                                    <p:cond delay="0"/>
+                                  </p:stCondLst>
+                                  <p:childTnLst>
+                                    <p:set>
+                                      <p:cBhvr>
+                                        <p:cTn id="14" dur="1" fill="hold">
+                                          <p:stCondLst>
+                                            <p:cond delay="0"/>
+                                          </p:stCondLst>
+                                        </p:cTn>
+                                        <p:tgtEl>
+                                          <p:spTgt spid="6">
+                                            <p:txEl>
+                                              <p:pRg st="4" end="4"/>
+                                            </p:txEl>
+                                          </p:spTgt>
+                                        </p:tgtEl>
+                                        <p:attrNameLst>
+                                          <p:attrName>style.visibility</p:attrName>
+                                        </p:attrNameLst>
+                                      </p:cBhvr>
+                                      <p:to>
+                                        <p:strVal val="visible"/>
+                                      </p:to>
+                                    </p:set>
+                                  </p:childTnLst>
+                                </p:cTn>
+                              </p:par>
+                            </p:childTnLst>
+                          </p:cTn>
+                        </p:par>
+                      </p:childTnLst>
+                    </p:cTn>
+                  </p:par>
+                  <p:par>
+                    <p:cTn id="15" fill="hold">
+                      <p:stCondLst>
+                        <p:cond delay="indefinite"/>
+                      </p:stCondLst>
+                      <p:childTnLst>
+                        <p:par>
+                          <p:cTn id="16" fill="hold">
+                            <p:stCondLst>
+                              <p:cond delay="0"/>
+                            </p:stCondLst>
+                            <p:childTnLst>
+                              <p:par>
+                                <p:cTn id="17" presetID="1" presetClass="entr" presetSubtype="0" fill="hold" grpId="0" nodeType="clickEffect">
+                                  <p:stCondLst>
+                                    <p:cond delay="0"/>
+                                  </p:stCondLst>
+                                  <p:childTnLst>
+                                    <p:set>
+                                      <p:cBhvr>
+                                        <p:cTn id="18" dur="1" fill="hold">
+                                          <p:stCondLst>
+                                            <p:cond delay="0"/>
+                                          </p:stCondLst>
+                                        </p:cTn>
+                                        <p:tgtEl>
+                                          <p:spTgt spid="6">
+                                            <p:txEl>
+                                              <p:pRg st="5" end="5"/>
+                                            </p:txEl>
+                                          </p:spTgt>
+                                        </p:tgtEl>
+                                        <p:attrNameLst>
+                                          <p:attrName>style.visibility</p:attrName>
+                                        </p:attrNameLst>
+                                      </p:cBhvr>
+                                      <p:to>
+                                        <p:strVal val="visible"/>
+                                      </p:to>
+                                    </p:set>
+                                  </p:childTnLst>
+                                </p:cTn>
+                              </p:par>
+                              <p:par>
+                                <p:cTn id="19" presetID="1" presetClass="entr" presetSubtype="0" fill="hold" grpId="0" nodeType="withEffect">
+                                  <p:stCondLst>
+                                    <p:cond delay="0"/>
+                                  </p:stCondLst>
+                                  <p:childTnLst>
+                                    <p:set>
+                                      <p:cBhvr>
+                                        <p:cTn id="20" dur="1" fill="hold">
+                                          <p:stCondLst>
+                                            <p:cond delay="0"/>
+                                          </p:stCondLst>
+                                        </p:cTn>
+                                        <p:tgtEl>
+                                          <p:spTgt spid="6">
+                                            <p:txEl>
+                                              <p:pRg st="6" end="6"/>
+                                            </p:txEl>
+                                          </p:spTgt>
+                                        </p:tgtEl>
+                                        <p:attrNameLst>
+                                          <p:attrName>style.visibility</p:attrName>
+                                        </p:attrNameLst>
+                                      </p:cBhvr>
+                                      <p:to>
+                                        <p:strVal val="visible"/>
+                                      </p:to>
+                                    </p:set>
+                                  </p:childTnLst>
+                                </p:cTn>
+                              </p:par>
+                            </p:childTnLst>
+                          </p:cTn>
+                        </p:par>
+                      </p:childTnLst>
+                    </p:cTn>
+                  </p:par>
+                </p:childTnLst>
+              </p:cTn>
+              <p:prevCondLst>
+                <p:cond evt="onPrev" delay="0">
+                  <p:tgtEl>
+                    <p:sldTgt/>
+                  </p:tgtEl>
+                </p:cond>
+              </p:prevCondLst>
+              <p:nextCondLst>
+                <p:cond evt="onNext" delay="0">
+                  <p:tgtEl>
+                    <p:sldTgt/>
+                  </p:tgtEl>
+                </p:cond>
+              </p:nextCondLst>
+            </p:seq>
+          </p:childTnLst>
+        </p:cTn>
+      </p:par>
+    </p:tnLst>
+    <p:bldLst>
+      <p:bldP spid="6" grpId="0" uiExpand="1" build="p"/>
+    </p:bldLst>
+  </p:timing>
 </p:sld>
 </file>
 
@@ -19163,7 +21737,7 @@
         <p:spPr>
           <a:xfrm>
             <a:off x="609600" y="1944210"/>
-            <a:ext cx="10972800" cy="4660776"/>
+            <a:ext cx="10972800" cy="2311701"/>
           </a:xfrm>
         </p:spPr>
         <p:txBody>
@@ -19247,12 +21821,48 @@
             </a:r>
             <a:endParaRPr lang="en-US" altLang="ja-JP" dirty="0"/>
           </a:p>
-          <a:p>
-            <a:endParaRPr lang="en-US" altLang="ja-JP" dirty="0"/>
-          </a:p>
-          <a:p>
-            <a:r>
-              <a:rPr lang="ja-JP" altLang="en-US" dirty="0"/>
+        </p:txBody>
+      </p:sp>
+      <p:sp>
+        <p:nvSpPr>
+          <p:cNvPr id="3" name="テキスト ボックス 2">
+            <a:extLst>
+              <a:ext uri="{FF2B5EF4-FFF2-40B4-BE49-F238E27FC236}">
+                <a16:creationId xmlns:a16="http://schemas.microsoft.com/office/drawing/2014/main" id="{3BCB2014-17F5-4F9D-86BB-5EECEAC3CCE3}"/>
+              </a:ext>
+            </a:extLst>
+          </p:cNvPr>
+          <p:cNvSpPr txBox="1"/>
+          <p:nvPr/>
+        </p:nvSpPr>
+        <p:spPr>
+          <a:xfrm>
+            <a:off x="609600" y="5131221"/>
+            <a:ext cx="10972800" cy="646331"/>
+          </a:xfrm>
+          <a:prstGeom prst="rect">
+            <a:avLst/>
+          </a:prstGeom>
+          <a:noFill/>
+        </p:spPr>
+        <p:txBody>
+          <a:bodyPr wrap="square" rtlCol="0" anchor="ctr">
+            <a:spAutoFit/>
+          </a:bodyPr>
+          <a:lstStyle/>
+          <a:p>
+            <a:pPr algn="ctr"/>
+            <a:r>
+              <a:rPr lang="ja-JP" altLang="en-US" sz="3600" b="1" dirty="0">
+                <a:solidFill>
+                  <a:schemeClr val="bg2">
+                    <a:lumMod val="60000"/>
+                    <a:lumOff val="40000"/>
+                  </a:schemeClr>
+                </a:solidFill>
+                <a:latin typeface="Takao明朝" panose="02020409000000000000" pitchFamily="17" charset="-128"/>
+                <a:ea typeface="Takao明朝" panose="02020409000000000000" pitchFamily="17" charset="-128"/>
+              </a:rPr>
               <a:t>お手元に開発環境用意してみませんか？</a:t>
             </a:r>
           </a:p>
@@ -19268,6 +21878,245 @@
   <p:clrMapOvr>
     <a:masterClrMapping/>
   </p:clrMapOvr>
+  <p:timing>
+    <p:tnLst>
+      <p:par>
+        <p:cTn id="1" dur="indefinite" restart="never" nodeType="tmRoot">
+          <p:childTnLst>
+            <p:seq concurrent="1" nextAc="seek">
+              <p:cTn id="2" dur="indefinite" nodeType="mainSeq">
+                <p:childTnLst>
+                  <p:par>
+                    <p:cTn id="3" fill="hold">
+                      <p:stCondLst>
+                        <p:cond delay="indefinite"/>
+                      </p:stCondLst>
+                      <p:childTnLst>
+                        <p:par>
+                          <p:cTn id="4" fill="hold">
+                            <p:stCondLst>
+                              <p:cond delay="0"/>
+                            </p:stCondLst>
+                            <p:childTnLst>
+                              <p:par>
+                                <p:cTn id="5" presetID="1" presetClass="entr" presetSubtype="0" fill="hold" grpId="0" nodeType="clickEffect">
+                                  <p:stCondLst>
+                                    <p:cond delay="0"/>
+                                  </p:stCondLst>
+                                  <p:childTnLst>
+                                    <p:set>
+                                      <p:cBhvr>
+                                        <p:cTn id="6" dur="1" fill="hold">
+                                          <p:stCondLst>
+                                            <p:cond delay="0"/>
+                                          </p:stCondLst>
+                                        </p:cTn>
+                                        <p:tgtEl>
+                                          <p:spTgt spid="6">
+                                            <p:txEl>
+                                              <p:pRg st="0" end="0"/>
+                                            </p:txEl>
+                                          </p:spTgt>
+                                        </p:tgtEl>
+                                        <p:attrNameLst>
+                                          <p:attrName>style.visibility</p:attrName>
+                                        </p:attrNameLst>
+                                      </p:cBhvr>
+                                      <p:to>
+                                        <p:strVal val="visible"/>
+                                      </p:to>
+                                    </p:set>
+                                  </p:childTnLst>
+                                </p:cTn>
+                              </p:par>
+                              <p:par>
+                                <p:cTn id="7" presetID="1" presetClass="entr" presetSubtype="0" fill="hold" grpId="0" nodeType="withEffect">
+                                  <p:stCondLst>
+                                    <p:cond delay="0"/>
+                                  </p:stCondLst>
+                                  <p:childTnLst>
+                                    <p:set>
+                                      <p:cBhvr>
+                                        <p:cTn id="8" dur="1" fill="hold">
+                                          <p:stCondLst>
+                                            <p:cond delay="0"/>
+                                          </p:stCondLst>
+                                        </p:cTn>
+                                        <p:tgtEl>
+                                          <p:spTgt spid="6">
+                                            <p:txEl>
+                                              <p:pRg st="1" end="1"/>
+                                            </p:txEl>
+                                          </p:spTgt>
+                                        </p:tgtEl>
+                                        <p:attrNameLst>
+                                          <p:attrName>style.visibility</p:attrName>
+                                        </p:attrNameLst>
+                                      </p:cBhvr>
+                                      <p:to>
+                                        <p:strVal val="visible"/>
+                                      </p:to>
+                                    </p:set>
+                                  </p:childTnLst>
+                                </p:cTn>
+                              </p:par>
+                            </p:childTnLst>
+                          </p:cTn>
+                        </p:par>
+                      </p:childTnLst>
+                    </p:cTn>
+                  </p:par>
+                  <p:par>
+                    <p:cTn id="9" fill="hold">
+                      <p:stCondLst>
+                        <p:cond delay="indefinite"/>
+                      </p:stCondLst>
+                      <p:childTnLst>
+                        <p:par>
+                          <p:cTn id="10" fill="hold">
+                            <p:stCondLst>
+                              <p:cond delay="0"/>
+                            </p:stCondLst>
+                            <p:childTnLst>
+                              <p:par>
+                                <p:cTn id="11" presetID="1" presetClass="entr" presetSubtype="0" fill="hold" grpId="0" nodeType="clickEffect">
+                                  <p:stCondLst>
+                                    <p:cond delay="0"/>
+                                  </p:stCondLst>
+                                  <p:childTnLst>
+                                    <p:set>
+                                      <p:cBhvr>
+                                        <p:cTn id="12" dur="1" fill="hold">
+                                          <p:stCondLst>
+                                            <p:cond delay="0"/>
+                                          </p:stCondLst>
+                                        </p:cTn>
+                                        <p:tgtEl>
+                                          <p:spTgt spid="6">
+                                            <p:txEl>
+                                              <p:pRg st="2" end="2"/>
+                                            </p:txEl>
+                                          </p:spTgt>
+                                        </p:tgtEl>
+                                        <p:attrNameLst>
+                                          <p:attrName>style.visibility</p:attrName>
+                                        </p:attrNameLst>
+                                      </p:cBhvr>
+                                      <p:to>
+                                        <p:strVal val="visible"/>
+                                      </p:to>
+                                    </p:set>
+                                  </p:childTnLst>
+                                </p:cTn>
+                              </p:par>
+                              <p:par>
+                                <p:cTn id="13" presetID="1" presetClass="entr" presetSubtype="0" fill="hold" grpId="0" nodeType="withEffect">
+                                  <p:stCondLst>
+                                    <p:cond delay="0"/>
+                                  </p:stCondLst>
+                                  <p:childTnLst>
+                                    <p:set>
+                                      <p:cBhvr>
+                                        <p:cTn id="14" dur="1" fill="hold">
+                                          <p:stCondLst>
+                                            <p:cond delay="0"/>
+                                          </p:stCondLst>
+                                        </p:cTn>
+                                        <p:tgtEl>
+                                          <p:spTgt spid="6">
+                                            <p:txEl>
+                                              <p:pRg st="3" end="3"/>
+                                            </p:txEl>
+                                          </p:spTgt>
+                                        </p:tgtEl>
+                                        <p:attrNameLst>
+                                          <p:attrName>style.visibility</p:attrName>
+                                        </p:attrNameLst>
+                                      </p:cBhvr>
+                                      <p:to>
+                                        <p:strVal val="visible"/>
+                                      </p:to>
+                                    </p:set>
+                                  </p:childTnLst>
+                                </p:cTn>
+                              </p:par>
+                            </p:childTnLst>
+                          </p:cTn>
+                        </p:par>
+                      </p:childTnLst>
+                    </p:cTn>
+                  </p:par>
+                  <p:par>
+                    <p:cTn id="15" fill="hold">
+                      <p:stCondLst>
+                        <p:cond delay="indefinite"/>
+                      </p:stCondLst>
+                      <p:childTnLst>
+                        <p:par>
+                          <p:cTn id="16" fill="hold">
+                            <p:stCondLst>
+                              <p:cond delay="0"/>
+                            </p:stCondLst>
+                            <p:childTnLst>
+                              <p:par>
+                                <p:cTn id="17" presetID="1" presetClass="entr" presetSubtype="0" fill="hold" grpId="0" nodeType="clickEffect">
+                                  <p:stCondLst>
+                                    <p:cond delay="0"/>
+                                  </p:stCondLst>
+                                  <p:childTnLst>
+                                    <p:set>
+                                      <p:cBhvr>
+                                        <p:cTn id="18" dur="1" fill="hold">
+                                          <p:stCondLst>
+                                            <p:cond delay="0"/>
+                                          </p:stCondLst>
+                                        </p:cTn>
+                                        <p:tgtEl>
+                                          <p:spTgt spid="3"/>
+                                        </p:tgtEl>
+                                        <p:attrNameLst>
+                                          <p:attrName>style.visibility</p:attrName>
+                                        </p:attrNameLst>
+                                      </p:cBhvr>
+                                      <p:to>
+                                        <p:strVal val="visible"/>
+                                      </p:to>
+                                    </p:set>
+                                  </p:childTnLst>
+                                </p:cTn>
+                              </p:par>
+                            </p:childTnLst>
+                          </p:cTn>
+                        </p:par>
+                      </p:childTnLst>
+                    </p:cTn>
+                  </p:par>
+                </p:childTnLst>
+              </p:cTn>
+              <p:prevCondLst>
+                <p:cond evt="onPrev" delay="0">
+                  <p:tgtEl>
+                    <p:sldTgt/>
+                  </p:tgtEl>
+                </p:cond>
+              </p:prevCondLst>
+              <p:nextCondLst>
+                <p:cond evt="onNext" delay="0">
+                  <p:tgtEl>
+                    <p:sldTgt/>
+                  </p:tgtEl>
+                </p:cond>
+              </p:nextCondLst>
+            </p:seq>
+          </p:childTnLst>
+        </p:cTn>
+      </p:par>
+    </p:tnLst>
+    <p:bldLst>
+      <p:bldP spid="6" grpId="0" uiExpand="1" build="p"/>
+      <p:bldP spid="3" grpId="0"/>
+    </p:bldLst>
+  </p:timing>
 </p:sld>
 </file>
 
@@ -19714,7 +22563,7 @@
         <p:spPr>
           <a:xfrm>
             <a:off x="609600" y="1981199"/>
-            <a:ext cx="10972800" cy="4774708"/>
+            <a:ext cx="10972800" cy="1371600"/>
           </a:xfrm>
         </p:spPr>
         <p:txBody>
@@ -19727,73 +22576,6 @@
                 <a:ea typeface="TakaoExゴシック" panose="020B0500000000000000" pitchFamily="50" charset="-128"/>
               </a:rPr>
               <a:t>初期設定では機能が無効化されているため、管理者権限を持つアカウントで設定を変える</a:t>
-            </a:r>
-            <a:endParaRPr kumimoji="1" lang="en-US" altLang="ja-JP" dirty="0">
-              <a:latin typeface="TakaoExゴシック" panose="020B0500000000000000" pitchFamily="50" charset="-128"/>
-              <a:ea typeface="TakaoExゴシック" panose="020B0500000000000000" pitchFamily="50" charset="-128"/>
-            </a:endParaRPr>
-          </a:p>
-          <a:p>
-            <a:r>
-              <a:rPr kumimoji="1" lang="ja-JP" altLang="en-US" dirty="0">
-                <a:latin typeface="TakaoExゴシック" panose="020B0500000000000000" pitchFamily="50" charset="-128"/>
-                <a:ea typeface="TakaoExゴシック" panose="020B0500000000000000" pitchFamily="50" charset="-128"/>
-              </a:rPr>
-              <a:t>スタートメニュー右クリック</a:t>
-            </a:r>
-            <a:br>
-              <a:rPr kumimoji="1" lang="en-US" altLang="ja-JP" dirty="0">
-                <a:latin typeface="TakaoExゴシック" panose="020B0500000000000000" pitchFamily="50" charset="-128"/>
-                <a:ea typeface="TakaoExゴシック" panose="020B0500000000000000" pitchFamily="50" charset="-128"/>
-              </a:rPr>
-            </a:br>
-            <a:r>
-              <a:rPr kumimoji="1" lang="en-US" altLang="ja-JP" dirty="0">
-                <a:latin typeface="TakaoExゴシック" panose="020B0500000000000000" pitchFamily="50" charset="-128"/>
-                <a:ea typeface="TakaoExゴシック" panose="020B0500000000000000" pitchFamily="50" charset="-128"/>
-              </a:rPr>
-              <a:t>&gt;</a:t>
-            </a:r>
-            <a:r>
-              <a:rPr kumimoji="1" lang="ja-JP" altLang="en-US" dirty="0">
-                <a:latin typeface="TakaoExゴシック" panose="020B0500000000000000" pitchFamily="50" charset="-128"/>
-                <a:ea typeface="TakaoExゴシック" panose="020B0500000000000000" pitchFamily="50" charset="-128"/>
-              </a:rPr>
-              <a:t>「アプリと機能</a:t>
-            </a:r>
-            <a:r>
-              <a:rPr kumimoji="1" lang="en-US" altLang="ja-JP" dirty="0">
-                <a:latin typeface="TakaoExゴシック" panose="020B0500000000000000" pitchFamily="50" charset="-128"/>
-                <a:ea typeface="TakaoExゴシック" panose="020B0500000000000000" pitchFamily="50" charset="-128"/>
-              </a:rPr>
-              <a:t>(F)</a:t>
-            </a:r>
-            <a:r>
-              <a:rPr kumimoji="1" lang="ja-JP" altLang="en-US" dirty="0">
-                <a:latin typeface="TakaoExゴシック" panose="020B0500000000000000" pitchFamily="50" charset="-128"/>
-                <a:ea typeface="TakaoExゴシック" panose="020B0500000000000000" pitchFamily="50" charset="-128"/>
-              </a:rPr>
-              <a:t>」</a:t>
-            </a:r>
-            <a:br>
-              <a:rPr kumimoji="1" lang="en-US" altLang="ja-JP" dirty="0">
-                <a:latin typeface="TakaoExゴシック" panose="020B0500000000000000" pitchFamily="50" charset="-128"/>
-                <a:ea typeface="TakaoExゴシック" panose="020B0500000000000000" pitchFamily="50" charset="-128"/>
-              </a:rPr>
-            </a:br>
-            <a:r>
-              <a:rPr kumimoji="1" lang="en-US" altLang="ja-JP" dirty="0">
-                <a:latin typeface="TakaoExゴシック" panose="020B0500000000000000" pitchFamily="50" charset="-128"/>
-                <a:ea typeface="TakaoExゴシック" panose="020B0500000000000000" pitchFamily="50" charset="-128"/>
-              </a:rPr>
-              <a:t>&gt;</a:t>
-            </a:r>
-            <a:r>
-              <a:rPr kumimoji="1" lang="ja-JP" altLang="en-US" dirty="0">
-                <a:latin typeface="TakaoExゴシック" panose="020B0500000000000000" pitchFamily="50" charset="-128"/>
-                <a:ea typeface="TakaoExゴシック" panose="020B0500000000000000" pitchFamily="50" charset="-128"/>
-              </a:rPr>
-              <a:t>「プログラムと機能」</a:t>
             </a:r>
           </a:p>
         </p:txBody>
@@ -20017,6 +22799,784 @@
           </a:fontRef>
         </p:style>
       </p:cxnSp>
+      <p:sp>
+        <p:nvSpPr>
+          <p:cNvPr id="10" name="コンテンツ プレースホルダー 2">
+            <a:extLst>
+              <a:ext uri="{FF2B5EF4-FFF2-40B4-BE49-F238E27FC236}">
+                <a16:creationId xmlns:a16="http://schemas.microsoft.com/office/drawing/2014/main" id="{0AA3AF6B-D38C-4FCD-AFCC-F9DEACA55207}"/>
+              </a:ext>
+            </a:extLst>
+          </p:cNvPr>
+          <p:cNvSpPr txBox="1">
+            <a:spLocks/>
+          </p:cNvSpPr>
+          <p:nvPr/>
+        </p:nvSpPr>
+        <p:spPr bwMode="auto">
+          <a:xfrm>
+            <a:off x="1723746" y="3159929"/>
+            <a:ext cx="9858653" cy="680402"/>
+          </a:xfrm>
+          <a:prstGeom prst="rect">
+            <a:avLst/>
+          </a:prstGeom>
+          <a:noFill/>
+          <a:ln>
+            <a:noFill/>
+          </a:ln>
+          <a:effectLst/>
+        </p:spPr>
+        <p:txBody>
+          <a:bodyPr vert="horz" wrap="square" lIns="91440" tIns="45720" rIns="91440" bIns="45720" numCol="1" anchor="t" anchorCtr="0" compatLnSpc="1">
+            <a:prstTxWarp prst="textNoShape">
+              <a:avLst/>
+            </a:prstTxWarp>
+          </a:bodyPr>
+          <a:lstStyle>
+            <a:lvl1pPr marL="342900" indent="-342900" algn="l" rtl="0" eaLnBrk="1" fontAlgn="base" hangingPunct="1">
+              <a:spcBef>
+                <a:spcPct val="20000"/>
+              </a:spcBef>
+              <a:spcAft>
+                <a:spcPct val="0"/>
+              </a:spcAft>
+              <a:buClr>
+                <a:schemeClr val="bg2"/>
+              </a:buClr>
+              <a:buSzPct val="75000"/>
+              <a:buFont typeface="Wingdings" panose="05000000000000000000" pitchFamily="2" charset="2"/>
+              <a:buChar char="n"/>
+              <a:defRPr kumimoji="1" sz="3200">
+                <a:solidFill>
+                  <a:schemeClr val="tx1"/>
+                </a:solidFill>
+                <a:latin typeface="+mn-lt"/>
+                <a:ea typeface="+mn-ea"/>
+                <a:cs typeface="+mn-cs"/>
+              </a:defRPr>
+            </a:lvl1pPr>
+            <a:lvl2pPr marL="742950" indent="-285750" algn="l" rtl="0" eaLnBrk="1" fontAlgn="base" hangingPunct="1">
+              <a:spcBef>
+                <a:spcPct val="20000"/>
+              </a:spcBef>
+              <a:spcAft>
+                <a:spcPct val="0"/>
+              </a:spcAft>
+              <a:buClr>
+                <a:schemeClr val="accent2"/>
+              </a:buClr>
+              <a:buSzPct val="80000"/>
+              <a:buFont typeface="Wingdings" panose="05000000000000000000" pitchFamily="2" charset="2"/>
+              <a:buChar char="¨"/>
+              <a:defRPr kumimoji="1" sz="2800">
+                <a:solidFill>
+                  <a:schemeClr val="tx1"/>
+                </a:solidFill>
+                <a:latin typeface="+mn-lt"/>
+                <a:ea typeface="+mn-ea"/>
+              </a:defRPr>
+            </a:lvl2pPr>
+            <a:lvl3pPr marL="1143000" indent="-228600" algn="l" rtl="0" eaLnBrk="1" fontAlgn="base" hangingPunct="1">
+              <a:spcBef>
+                <a:spcPct val="20000"/>
+              </a:spcBef>
+              <a:spcAft>
+                <a:spcPct val="0"/>
+              </a:spcAft>
+              <a:buClr>
+                <a:schemeClr val="bg2"/>
+              </a:buClr>
+              <a:buSzPct val="65000"/>
+              <a:buFont typeface="Wingdings" panose="05000000000000000000" pitchFamily="2" charset="2"/>
+              <a:buChar char="n"/>
+              <a:defRPr kumimoji="1" sz="2400">
+                <a:solidFill>
+                  <a:schemeClr val="tx1"/>
+                </a:solidFill>
+                <a:latin typeface="+mn-lt"/>
+                <a:ea typeface="+mn-ea"/>
+              </a:defRPr>
+            </a:lvl3pPr>
+            <a:lvl4pPr marL="1600200" indent="-228600" algn="l" rtl="0" eaLnBrk="1" fontAlgn="base" hangingPunct="1">
+              <a:spcBef>
+                <a:spcPct val="20000"/>
+              </a:spcBef>
+              <a:spcAft>
+                <a:spcPct val="0"/>
+              </a:spcAft>
+              <a:buClr>
+                <a:schemeClr val="accent2"/>
+              </a:buClr>
+              <a:buSzPct val="70000"/>
+              <a:buFont typeface="Wingdings" panose="05000000000000000000" pitchFamily="2" charset="2"/>
+              <a:buChar char="¨"/>
+              <a:defRPr kumimoji="1" sz="2000">
+                <a:solidFill>
+                  <a:schemeClr val="tx1"/>
+                </a:solidFill>
+                <a:latin typeface="+mn-lt"/>
+                <a:ea typeface="+mn-ea"/>
+              </a:defRPr>
+            </a:lvl4pPr>
+            <a:lvl5pPr marL="2057400" indent="-228600" algn="l" rtl="0" eaLnBrk="1" fontAlgn="base" hangingPunct="1">
+              <a:spcBef>
+                <a:spcPct val="20000"/>
+              </a:spcBef>
+              <a:spcAft>
+                <a:spcPct val="0"/>
+              </a:spcAft>
+              <a:buClr>
+                <a:schemeClr val="bg2"/>
+              </a:buClr>
+              <a:buFont typeface="Wingdings" panose="05000000000000000000" pitchFamily="2" charset="2"/>
+              <a:buChar char="§"/>
+              <a:defRPr kumimoji="1" sz="2000">
+                <a:solidFill>
+                  <a:schemeClr val="tx1"/>
+                </a:solidFill>
+                <a:latin typeface="+mn-lt"/>
+                <a:ea typeface="+mn-ea"/>
+              </a:defRPr>
+            </a:lvl5pPr>
+            <a:lvl6pPr marL="2514600" indent="-228600" algn="l" rtl="0" eaLnBrk="1" fontAlgn="base" hangingPunct="1">
+              <a:spcBef>
+                <a:spcPct val="20000"/>
+              </a:spcBef>
+              <a:spcAft>
+                <a:spcPct val="0"/>
+              </a:spcAft>
+              <a:buClr>
+                <a:schemeClr val="bg2"/>
+              </a:buClr>
+              <a:buFont typeface="Wingdings" pitchFamily="2" charset="2"/>
+              <a:buChar char="§"/>
+              <a:defRPr kumimoji="1" sz="2000">
+                <a:solidFill>
+                  <a:schemeClr val="tx1"/>
+                </a:solidFill>
+                <a:latin typeface="+mn-lt"/>
+                <a:ea typeface="+mn-ea"/>
+              </a:defRPr>
+            </a:lvl6pPr>
+            <a:lvl7pPr marL="2971800" indent="-228600" algn="l" rtl="0" eaLnBrk="1" fontAlgn="base" hangingPunct="1">
+              <a:spcBef>
+                <a:spcPct val="20000"/>
+              </a:spcBef>
+              <a:spcAft>
+                <a:spcPct val="0"/>
+              </a:spcAft>
+              <a:buClr>
+                <a:schemeClr val="bg2"/>
+              </a:buClr>
+              <a:buFont typeface="Wingdings" pitchFamily="2" charset="2"/>
+              <a:buChar char="§"/>
+              <a:defRPr kumimoji="1" sz="2000">
+                <a:solidFill>
+                  <a:schemeClr val="tx1"/>
+                </a:solidFill>
+                <a:latin typeface="+mn-lt"/>
+                <a:ea typeface="+mn-ea"/>
+              </a:defRPr>
+            </a:lvl7pPr>
+            <a:lvl8pPr marL="3429000" indent="-228600" algn="l" rtl="0" eaLnBrk="1" fontAlgn="base" hangingPunct="1">
+              <a:spcBef>
+                <a:spcPct val="20000"/>
+              </a:spcBef>
+              <a:spcAft>
+                <a:spcPct val="0"/>
+              </a:spcAft>
+              <a:buClr>
+                <a:schemeClr val="bg2"/>
+              </a:buClr>
+              <a:buFont typeface="Wingdings" pitchFamily="2" charset="2"/>
+              <a:buChar char="§"/>
+              <a:defRPr kumimoji="1" sz="2000">
+                <a:solidFill>
+                  <a:schemeClr val="tx1"/>
+                </a:solidFill>
+                <a:latin typeface="+mn-lt"/>
+                <a:ea typeface="+mn-ea"/>
+              </a:defRPr>
+            </a:lvl8pPr>
+            <a:lvl9pPr marL="3886200" indent="-228600" algn="l" rtl="0" eaLnBrk="1" fontAlgn="base" hangingPunct="1">
+              <a:spcBef>
+                <a:spcPct val="20000"/>
+              </a:spcBef>
+              <a:spcAft>
+                <a:spcPct val="0"/>
+              </a:spcAft>
+              <a:buClr>
+                <a:schemeClr val="bg2"/>
+              </a:buClr>
+              <a:buFont typeface="Wingdings" pitchFamily="2" charset="2"/>
+              <a:buChar char="§"/>
+              <a:defRPr kumimoji="1" sz="2000">
+                <a:solidFill>
+                  <a:schemeClr val="tx1"/>
+                </a:solidFill>
+                <a:latin typeface="+mn-lt"/>
+                <a:ea typeface="+mn-ea"/>
+              </a:defRPr>
+            </a:lvl9pPr>
+          </a:lstStyle>
+          <a:p>
+            <a:pPr marL="0" indent="0">
+              <a:buNone/>
+            </a:pPr>
+            <a:r>
+              <a:rPr lang="en-US" altLang="ja-JP" kern="0" dirty="0">
+                <a:latin typeface="TakaoExゴシック" panose="020B0500000000000000" pitchFamily="50" charset="-128"/>
+                <a:ea typeface="TakaoExゴシック" panose="020B0500000000000000" pitchFamily="50" charset="-128"/>
+              </a:rPr>
+              <a:t>1. </a:t>
+            </a:r>
+            <a:r>
+              <a:rPr lang="ja-JP" altLang="en-US" kern="0" dirty="0">
+                <a:latin typeface="TakaoExゴシック" panose="020B0500000000000000" pitchFamily="50" charset="-128"/>
+                <a:ea typeface="TakaoExゴシック" panose="020B0500000000000000" pitchFamily="50" charset="-128"/>
+              </a:rPr>
+              <a:t>スタートで右クリック</a:t>
+            </a:r>
+            <a:endParaRPr lang="en-US" altLang="ja-JP" kern="0" dirty="0">
+              <a:latin typeface="TakaoExゴシック" panose="020B0500000000000000" pitchFamily="50" charset="-128"/>
+              <a:ea typeface="TakaoExゴシック" panose="020B0500000000000000" pitchFamily="50" charset="-128"/>
+            </a:endParaRPr>
+          </a:p>
+        </p:txBody>
+      </p:sp>
+      <p:sp>
+        <p:nvSpPr>
+          <p:cNvPr id="12" name="コンテンツ プレースホルダー 2">
+            <a:extLst>
+              <a:ext uri="{FF2B5EF4-FFF2-40B4-BE49-F238E27FC236}">
+                <a16:creationId xmlns:a16="http://schemas.microsoft.com/office/drawing/2014/main" id="{985BCDF2-EB8C-4ADA-9120-F135D6902ACC}"/>
+              </a:ext>
+            </a:extLst>
+          </p:cNvPr>
+          <p:cNvSpPr txBox="1">
+            <a:spLocks/>
+          </p:cNvSpPr>
+          <p:nvPr/>
+        </p:nvSpPr>
+        <p:spPr bwMode="auto">
+          <a:xfrm>
+            <a:off x="1723745" y="3672032"/>
+            <a:ext cx="9858653" cy="1009457"/>
+          </a:xfrm>
+          <a:prstGeom prst="rect">
+            <a:avLst/>
+          </a:prstGeom>
+          <a:noFill/>
+          <a:ln>
+            <a:noFill/>
+          </a:ln>
+          <a:effectLst/>
+        </p:spPr>
+        <p:txBody>
+          <a:bodyPr vert="horz" wrap="square" lIns="91440" tIns="45720" rIns="91440" bIns="45720" numCol="1" anchor="t" anchorCtr="0" compatLnSpc="1">
+            <a:prstTxWarp prst="textNoShape">
+              <a:avLst/>
+            </a:prstTxWarp>
+          </a:bodyPr>
+          <a:lstStyle>
+            <a:lvl1pPr marL="342900" indent="-342900" algn="l" rtl="0" eaLnBrk="1" fontAlgn="base" hangingPunct="1">
+              <a:spcBef>
+                <a:spcPct val="20000"/>
+              </a:spcBef>
+              <a:spcAft>
+                <a:spcPct val="0"/>
+              </a:spcAft>
+              <a:buClr>
+                <a:schemeClr val="bg2"/>
+              </a:buClr>
+              <a:buSzPct val="75000"/>
+              <a:buFont typeface="Wingdings" panose="05000000000000000000" pitchFamily="2" charset="2"/>
+              <a:buChar char="n"/>
+              <a:defRPr kumimoji="1" sz="3200">
+                <a:solidFill>
+                  <a:schemeClr val="tx1"/>
+                </a:solidFill>
+                <a:latin typeface="+mn-lt"/>
+                <a:ea typeface="+mn-ea"/>
+                <a:cs typeface="+mn-cs"/>
+              </a:defRPr>
+            </a:lvl1pPr>
+            <a:lvl2pPr marL="742950" indent="-285750" algn="l" rtl="0" eaLnBrk="1" fontAlgn="base" hangingPunct="1">
+              <a:spcBef>
+                <a:spcPct val="20000"/>
+              </a:spcBef>
+              <a:spcAft>
+                <a:spcPct val="0"/>
+              </a:spcAft>
+              <a:buClr>
+                <a:schemeClr val="accent2"/>
+              </a:buClr>
+              <a:buSzPct val="80000"/>
+              <a:buFont typeface="Wingdings" panose="05000000000000000000" pitchFamily="2" charset="2"/>
+              <a:buChar char="¨"/>
+              <a:defRPr kumimoji="1" sz="2800">
+                <a:solidFill>
+                  <a:schemeClr val="tx1"/>
+                </a:solidFill>
+                <a:latin typeface="+mn-lt"/>
+                <a:ea typeface="+mn-ea"/>
+              </a:defRPr>
+            </a:lvl2pPr>
+            <a:lvl3pPr marL="1143000" indent="-228600" algn="l" rtl="0" eaLnBrk="1" fontAlgn="base" hangingPunct="1">
+              <a:spcBef>
+                <a:spcPct val="20000"/>
+              </a:spcBef>
+              <a:spcAft>
+                <a:spcPct val="0"/>
+              </a:spcAft>
+              <a:buClr>
+                <a:schemeClr val="bg2"/>
+              </a:buClr>
+              <a:buSzPct val="65000"/>
+              <a:buFont typeface="Wingdings" panose="05000000000000000000" pitchFamily="2" charset="2"/>
+              <a:buChar char="n"/>
+              <a:defRPr kumimoji="1" sz="2400">
+                <a:solidFill>
+                  <a:schemeClr val="tx1"/>
+                </a:solidFill>
+                <a:latin typeface="+mn-lt"/>
+                <a:ea typeface="+mn-ea"/>
+              </a:defRPr>
+            </a:lvl3pPr>
+            <a:lvl4pPr marL="1600200" indent="-228600" algn="l" rtl="0" eaLnBrk="1" fontAlgn="base" hangingPunct="1">
+              <a:spcBef>
+                <a:spcPct val="20000"/>
+              </a:spcBef>
+              <a:spcAft>
+                <a:spcPct val="0"/>
+              </a:spcAft>
+              <a:buClr>
+                <a:schemeClr val="accent2"/>
+              </a:buClr>
+              <a:buSzPct val="70000"/>
+              <a:buFont typeface="Wingdings" panose="05000000000000000000" pitchFamily="2" charset="2"/>
+              <a:buChar char="¨"/>
+              <a:defRPr kumimoji="1" sz="2000">
+                <a:solidFill>
+                  <a:schemeClr val="tx1"/>
+                </a:solidFill>
+                <a:latin typeface="+mn-lt"/>
+                <a:ea typeface="+mn-ea"/>
+              </a:defRPr>
+            </a:lvl4pPr>
+            <a:lvl5pPr marL="2057400" indent="-228600" algn="l" rtl="0" eaLnBrk="1" fontAlgn="base" hangingPunct="1">
+              <a:spcBef>
+                <a:spcPct val="20000"/>
+              </a:spcBef>
+              <a:spcAft>
+                <a:spcPct val="0"/>
+              </a:spcAft>
+              <a:buClr>
+                <a:schemeClr val="bg2"/>
+              </a:buClr>
+              <a:buFont typeface="Wingdings" panose="05000000000000000000" pitchFamily="2" charset="2"/>
+              <a:buChar char="§"/>
+              <a:defRPr kumimoji="1" sz="2000">
+                <a:solidFill>
+                  <a:schemeClr val="tx1"/>
+                </a:solidFill>
+                <a:latin typeface="+mn-lt"/>
+                <a:ea typeface="+mn-ea"/>
+              </a:defRPr>
+            </a:lvl5pPr>
+            <a:lvl6pPr marL="2514600" indent="-228600" algn="l" rtl="0" eaLnBrk="1" fontAlgn="base" hangingPunct="1">
+              <a:spcBef>
+                <a:spcPct val="20000"/>
+              </a:spcBef>
+              <a:spcAft>
+                <a:spcPct val="0"/>
+              </a:spcAft>
+              <a:buClr>
+                <a:schemeClr val="bg2"/>
+              </a:buClr>
+              <a:buFont typeface="Wingdings" pitchFamily="2" charset="2"/>
+              <a:buChar char="§"/>
+              <a:defRPr kumimoji="1" sz="2000">
+                <a:solidFill>
+                  <a:schemeClr val="tx1"/>
+                </a:solidFill>
+                <a:latin typeface="+mn-lt"/>
+                <a:ea typeface="+mn-ea"/>
+              </a:defRPr>
+            </a:lvl6pPr>
+            <a:lvl7pPr marL="2971800" indent="-228600" algn="l" rtl="0" eaLnBrk="1" fontAlgn="base" hangingPunct="1">
+              <a:spcBef>
+                <a:spcPct val="20000"/>
+              </a:spcBef>
+              <a:spcAft>
+                <a:spcPct val="0"/>
+              </a:spcAft>
+              <a:buClr>
+                <a:schemeClr val="bg2"/>
+              </a:buClr>
+              <a:buFont typeface="Wingdings" pitchFamily="2" charset="2"/>
+              <a:buChar char="§"/>
+              <a:defRPr kumimoji="1" sz="2000">
+                <a:solidFill>
+                  <a:schemeClr val="tx1"/>
+                </a:solidFill>
+                <a:latin typeface="+mn-lt"/>
+                <a:ea typeface="+mn-ea"/>
+              </a:defRPr>
+            </a:lvl7pPr>
+            <a:lvl8pPr marL="3429000" indent="-228600" algn="l" rtl="0" eaLnBrk="1" fontAlgn="base" hangingPunct="1">
+              <a:spcBef>
+                <a:spcPct val="20000"/>
+              </a:spcBef>
+              <a:spcAft>
+                <a:spcPct val="0"/>
+              </a:spcAft>
+              <a:buClr>
+                <a:schemeClr val="bg2"/>
+              </a:buClr>
+              <a:buFont typeface="Wingdings" pitchFamily="2" charset="2"/>
+              <a:buChar char="§"/>
+              <a:defRPr kumimoji="1" sz="2000">
+                <a:solidFill>
+                  <a:schemeClr val="tx1"/>
+                </a:solidFill>
+                <a:latin typeface="+mn-lt"/>
+                <a:ea typeface="+mn-ea"/>
+              </a:defRPr>
+            </a:lvl8pPr>
+            <a:lvl9pPr marL="3886200" indent="-228600" algn="l" rtl="0" eaLnBrk="1" fontAlgn="base" hangingPunct="1">
+              <a:spcBef>
+                <a:spcPct val="20000"/>
+              </a:spcBef>
+              <a:spcAft>
+                <a:spcPct val="0"/>
+              </a:spcAft>
+              <a:buClr>
+                <a:schemeClr val="bg2"/>
+              </a:buClr>
+              <a:buFont typeface="Wingdings" pitchFamily="2" charset="2"/>
+              <a:buChar char="§"/>
+              <a:defRPr kumimoji="1" sz="2000">
+                <a:solidFill>
+                  <a:schemeClr val="tx1"/>
+                </a:solidFill>
+                <a:latin typeface="+mn-lt"/>
+                <a:ea typeface="+mn-ea"/>
+              </a:defRPr>
+            </a:lvl9pPr>
+          </a:lstStyle>
+          <a:p>
+            <a:pPr marL="0" indent="0">
+              <a:buNone/>
+            </a:pPr>
+            <a:r>
+              <a:rPr lang="en-US" altLang="ja-JP" kern="0" dirty="0">
+                <a:latin typeface="TakaoExゴシック" panose="020B0500000000000000" pitchFamily="50" charset="-128"/>
+                <a:ea typeface="TakaoExゴシック" panose="020B0500000000000000" pitchFamily="50" charset="-128"/>
+              </a:rPr>
+              <a:t>2. </a:t>
+            </a:r>
+            <a:r>
+              <a:rPr lang="ja-JP" altLang="en-US" kern="0" dirty="0">
+                <a:latin typeface="TakaoExゴシック" panose="020B0500000000000000" pitchFamily="50" charset="-128"/>
+                <a:ea typeface="TakaoExゴシック" panose="020B0500000000000000" pitchFamily="50" charset="-128"/>
+              </a:rPr>
+              <a:t>右クリックメニューより「アプリと機能</a:t>
+            </a:r>
+            <a:r>
+              <a:rPr lang="en-US" altLang="ja-JP" kern="0" dirty="0">
+                <a:latin typeface="TakaoExゴシック" panose="020B0500000000000000" pitchFamily="50" charset="-128"/>
+                <a:ea typeface="TakaoExゴシック" panose="020B0500000000000000" pitchFamily="50" charset="-128"/>
+              </a:rPr>
+              <a:t>(F)</a:t>
+            </a:r>
+            <a:r>
+              <a:rPr lang="ja-JP" altLang="en-US" kern="0" dirty="0">
+                <a:latin typeface="TakaoExゴシック" panose="020B0500000000000000" pitchFamily="50" charset="-128"/>
+                <a:ea typeface="TakaoExゴシック" panose="020B0500000000000000" pitchFamily="50" charset="-128"/>
+              </a:rPr>
+              <a:t>」を</a:t>
+            </a:r>
+            <a:br>
+              <a:rPr lang="en-US" altLang="ja-JP" kern="0" dirty="0">
+                <a:latin typeface="TakaoExゴシック" panose="020B0500000000000000" pitchFamily="50" charset="-128"/>
+                <a:ea typeface="TakaoExゴシック" panose="020B0500000000000000" pitchFamily="50" charset="-128"/>
+              </a:rPr>
+            </a:br>
+            <a:r>
+              <a:rPr lang="ja-JP" altLang="en-US" kern="0" dirty="0">
+                <a:latin typeface="TakaoExゴシック" panose="020B0500000000000000" pitchFamily="50" charset="-128"/>
+                <a:ea typeface="TakaoExゴシック" panose="020B0500000000000000" pitchFamily="50" charset="-128"/>
+              </a:rPr>
+              <a:t>クリック</a:t>
+            </a:r>
+            <a:endParaRPr lang="en-US" altLang="ja-JP" kern="0" dirty="0">
+              <a:latin typeface="TakaoExゴシック" panose="020B0500000000000000" pitchFamily="50" charset="-128"/>
+              <a:ea typeface="TakaoExゴシック" panose="020B0500000000000000" pitchFamily="50" charset="-128"/>
+            </a:endParaRPr>
+          </a:p>
+        </p:txBody>
+      </p:sp>
+      <p:sp>
+        <p:nvSpPr>
+          <p:cNvPr id="13" name="コンテンツ プレースホルダー 2">
+            <a:extLst>
+              <a:ext uri="{FF2B5EF4-FFF2-40B4-BE49-F238E27FC236}">
+                <a16:creationId xmlns:a16="http://schemas.microsoft.com/office/drawing/2014/main" id="{519913EE-AF1D-45C9-8534-0AD04BEAD441}"/>
+              </a:ext>
+            </a:extLst>
+          </p:cNvPr>
+          <p:cNvSpPr txBox="1">
+            <a:spLocks/>
+          </p:cNvSpPr>
+          <p:nvPr/>
+        </p:nvSpPr>
+        <p:spPr bwMode="auto">
+          <a:xfrm>
+            <a:off x="1723745" y="3258035"/>
+            <a:ext cx="9858653" cy="1009457"/>
+          </a:xfrm>
+          <a:prstGeom prst="rect">
+            <a:avLst/>
+          </a:prstGeom>
+          <a:noFill/>
+          <a:ln>
+            <a:noFill/>
+          </a:ln>
+          <a:effectLst/>
+        </p:spPr>
+        <p:txBody>
+          <a:bodyPr vert="horz" wrap="square" lIns="91440" tIns="45720" rIns="91440" bIns="45720" numCol="1" anchor="t" anchorCtr="0" compatLnSpc="1">
+            <a:prstTxWarp prst="textNoShape">
+              <a:avLst/>
+            </a:prstTxWarp>
+          </a:bodyPr>
+          <a:lstStyle>
+            <a:lvl1pPr marL="342900" indent="-342900" algn="l" rtl="0" eaLnBrk="1" fontAlgn="base" hangingPunct="1">
+              <a:spcBef>
+                <a:spcPct val="20000"/>
+              </a:spcBef>
+              <a:spcAft>
+                <a:spcPct val="0"/>
+              </a:spcAft>
+              <a:buClr>
+                <a:schemeClr val="bg2"/>
+              </a:buClr>
+              <a:buSzPct val="75000"/>
+              <a:buFont typeface="Wingdings" panose="05000000000000000000" pitchFamily="2" charset="2"/>
+              <a:buChar char="n"/>
+              <a:defRPr kumimoji="1" sz="3200">
+                <a:solidFill>
+                  <a:schemeClr val="tx1"/>
+                </a:solidFill>
+                <a:latin typeface="+mn-lt"/>
+                <a:ea typeface="+mn-ea"/>
+                <a:cs typeface="+mn-cs"/>
+              </a:defRPr>
+            </a:lvl1pPr>
+            <a:lvl2pPr marL="742950" indent="-285750" algn="l" rtl="0" eaLnBrk="1" fontAlgn="base" hangingPunct="1">
+              <a:spcBef>
+                <a:spcPct val="20000"/>
+              </a:spcBef>
+              <a:spcAft>
+                <a:spcPct val="0"/>
+              </a:spcAft>
+              <a:buClr>
+                <a:schemeClr val="accent2"/>
+              </a:buClr>
+              <a:buSzPct val="80000"/>
+              <a:buFont typeface="Wingdings" panose="05000000000000000000" pitchFamily="2" charset="2"/>
+              <a:buChar char="¨"/>
+              <a:defRPr kumimoji="1" sz="2800">
+                <a:solidFill>
+                  <a:schemeClr val="tx1"/>
+                </a:solidFill>
+                <a:latin typeface="+mn-lt"/>
+                <a:ea typeface="+mn-ea"/>
+              </a:defRPr>
+            </a:lvl2pPr>
+            <a:lvl3pPr marL="1143000" indent="-228600" algn="l" rtl="0" eaLnBrk="1" fontAlgn="base" hangingPunct="1">
+              <a:spcBef>
+                <a:spcPct val="20000"/>
+              </a:spcBef>
+              <a:spcAft>
+                <a:spcPct val="0"/>
+              </a:spcAft>
+              <a:buClr>
+                <a:schemeClr val="bg2"/>
+              </a:buClr>
+              <a:buSzPct val="65000"/>
+              <a:buFont typeface="Wingdings" panose="05000000000000000000" pitchFamily="2" charset="2"/>
+              <a:buChar char="n"/>
+              <a:defRPr kumimoji="1" sz="2400">
+                <a:solidFill>
+                  <a:schemeClr val="tx1"/>
+                </a:solidFill>
+                <a:latin typeface="+mn-lt"/>
+                <a:ea typeface="+mn-ea"/>
+              </a:defRPr>
+            </a:lvl3pPr>
+            <a:lvl4pPr marL="1600200" indent="-228600" algn="l" rtl="0" eaLnBrk="1" fontAlgn="base" hangingPunct="1">
+              <a:spcBef>
+                <a:spcPct val="20000"/>
+              </a:spcBef>
+              <a:spcAft>
+                <a:spcPct val="0"/>
+              </a:spcAft>
+              <a:buClr>
+                <a:schemeClr val="accent2"/>
+              </a:buClr>
+              <a:buSzPct val="70000"/>
+              <a:buFont typeface="Wingdings" panose="05000000000000000000" pitchFamily="2" charset="2"/>
+              <a:buChar char="¨"/>
+              <a:defRPr kumimoji="1" sz="2000">
+                <a:solidFill>
+                  <a:schemeClr val="tx1"/>
+                </a:solidFill>
+                <a:latin typeface="+mn-lt"/>
+                <a:ea typeface="+mn-ea"/>
+              </a:defRPr>
+            </a:lvl4pPr>
+            <a:lvl5pPr marL="2057400" indent="-228600" algn="l" rtl="0" eaLnBrk="1" fontAlgn="base" hangingPunct="1">
+              <a:spcBef>
+                <a:spcPct val="20000"/>
+              </a:spcBef>
+              <a:spcAft>
+                <a:spcPct val="0"/>
+              </a:spcAft>
+              <a:buClr>
+                <a:schemeClr val="bg2"/>
+              </a:buClr>
+              <a:buFont typeface="Wingdings" panose="05000000000000000000" pitchFamily="2" charset="2"/>
+              <a:buChar char="§"/>
+              <a:defRPr kumimoji="1" sz="2000">
+                <a:solidFill>
+                  <a:schemeClr val="tx1"/>
+                </a:solidFill>
+                <a:latin typeface="+mn-lt"/>
+                <a:ea typeface="+mn-ea"/>
+              </a:defRPr>
+            </a:lvl5pPr>
+            <a:lvl6pPr marL="2514600" indent="-228600" algn="l" rtl="0" eaLnBrk="1" fontAlgn="base" hangingPunct="1">
+              <a:spcBef>
+                <a:spcPct val="20000"/>
+              </a:spcBef>
+              <a:spcAft>
+                <a:spcPct val="0"/>
+              </a:spcAft>
+              <a:buClr>
+                <a:schemeClr val="bg2"/>
+              </a:buClr>
+              <a:buFont typeface="Wingdings" pitchFamily="2" charset="2"/>
+              <a:buChar char="§"/>
+              <a:defRPr kumimoji="1" sz="2000">
+                <a:solidFill>
+                  <a:schemeClr val="tx1"/>
+                </a:solidFill>
+                <a:latin typeface="+mn-lt"/>
+                <a:ea typeface="+mn-ea"/>
+              </a:defRPr>
+            </a:lvl6pPr>
+            <a:lvl7pPr marL="2971800" indent="-228600" algn="l" rtl="0" eaLnBrk="1" fontAlgn="base" hangingPunct="1">
+              <a:spcBef>
+                <a:spcPct val="20000"/>
+              </a:spcBef>
+              <a:spcAft>
+                <a:spcPct val="0"/>
+              </a:spcAft>
+              <a:buClr>
+                <a:schemeClr val="bg2"/>
+              </a:buClr>
+              <a:buFont typeface="Wingdings" pitchFamily="2" charset="2"/>
+              <a:buChar char="§"/>
+              <a:defRPr kumimoji="1" sz="2000">
+                <a:solidFill>
+                  <a:schemeClr val="tx1"/>
+                </a:solidFill>
+                <a:latin typeface="+mn-lt"/>
+                <a:ea typeface="+mn-ea"/>
+              </a:defRPr>
+            </a:lvl7pPr>
+            <a:lvl8pPr marL="3429000" indent="-228600" algn="l" rtl="0" eaLnBrk="1" fontAlgn="base" hangingPunct="1">
+              <a:spcBef>
+                <a:spcPct val="20000"/>
+              </a:spcBef>
+              <a:spcAft>
+                <a:spcPct val="0"/>
+              </a:spcAft>
+              <a:buClr>
+                <a:schemeClr val="bg2"/>
+              </a:buClr>
+              <a:buFont typeface="Wingdings" pitchFamily="2" charset="2"/>
+              <a:buChar char="§"/>
+              <a:defRPr kumimoji="1" sz="2000">
+                <a:solidFill>
+                  <a:schemeClr val="tx1"/>
+                </a:solidFill>
+                <a:latin typeface="+mn-lt"/>
+                <a:ea typeface="+mn-ea"/>
+              </a:defRPr>
+            </a:lvl8pPr>
+            <a:lvl9pPr marL="3886200" indent="-228600" algn="l" rtl="0" eaLnBrk="1" fontAlgn="base" hangingPunct="1">
+              <a:spcBef>
+                <a:spcPct val="20000"/>
+              </a:spcBef>
+              <a:spcAft>
+                <a:spcPct val="0"/>
+              </a:spcAft>
+              <a:buClr>
+                <a:schemeClr val="bg2"/>
+              </a:buClr>
+              <a:buFont typeface="Wingdings" pitchFamily="2" charset="2"/>
+              <a:buChar char="§"/>
+              <a:defRPr kumimoji="1" sz="2000">
+                <a:solidFill>
+                  <a:schemeClr val="tx1"/>
+                </a:solidFill>
+                <a:latin typeface="+mn-lt"/>
+                <a:ea typeface="+mn-ea"/>
+              </a:defRPr>
+            </a:lvl9pPr>
+          </a:lstStyle>
+          <a:p>
+            <a:pPr marL="0" indent="0">
+              <a:buNone/>
+            </a:pPr>
+            <a:r>
+              <a:rPr lang="en-US" altLang="ja-JP" kern="0" dirty="0">
+                <a:latin typeface="TakaoExゴシック" panose="020B0500000000000000" pitchFamily="50" charset="-128"/>
+                <a:ea typeface="TakaoExゴシック" panose="020B0500000000000000" pitchFamily="50" charset="-128"/>
+              </a:rPr>
+              <a:t>3. </a:t>
+            </a:r>
+            <a:r>
+              <a:rPr lang="ja-JP" altLang="en-US" kern="0" dirty="0">
+                <a:latin typeface="TakaoExゴシック" panose="020B0500000000000000" pitchFamily="50" charset="-128"/>
+                <a:ea typeface="TakaoExゴシック" panose="020B0500000000000000" pitchFamily="50" charset="-128"/>
+              </a:rPr>
+              <a:t>「アプリと機能」画面より、</a:t>
+            </a:r>
+            <a:br>
+              <a:rPr lang="en-US" altLang="ja-JP" kern="0" dirty="0">
+                <a:latin typeface="TakaoExゴシック" panose="020B0500000000000000" pitchFamily="50" charset="-128"/>
+                <a:ea typeface="TakaoExゴシック" panose="020B0500000000000000" pitchFamily="50" charset="-128"/>
+              </a:rPr>
+            </a:br>
+            <a:r>
+              <a:rPr lang="ja-JP" altLang="en-US" kern="0" dirty="0">
+                <a:latin typeface="TakaoExゴシック" panose="020B0500000000000000" pitchFamily="50" charset="-128"/>
+                <a:ea typeface="TakaoExゴシック" panose="020B0500000000000000" pitchFamily="50" charset="-128"/>
+              </a:rPr>
+              <a:t>「プログラムと機能」をクリック</a:t>
+            </a:r>
+            <a:endParaRPr lang="en-US" altLang="ja-JP" kern="0" dirty="0">
+              <a:latin typeface="TakaoExゴシック" panose="020B0500000000000000" pitchFamily="50" charset="-128"/>
+              <a:ea typeface="TakaoExゴシック" panose="020B0500000000000000" pitchFamily="50" charset="-128"/>
+            </a:endParaRPr>
+          </a:p>
+        </p:txBody>
+      </p:sp>
     </p:spTree>
     <p:extLst>
       <p:ext uri="{BB962C8B-B14F-4D97-AF65-F5344CB8AC3E}">
@@ -20039,6 +23599,9 @@
                     <p:cTn id="3" fill="hold">
                       <p:stCondLst>
                         <p:cond delay="indefinite"/>
+                        <p:cond evt="onBegin" delay="0">
+                          <p:tn val="2"/>
+                        </p:cond>
                       </p:stCondLst>
                       <p:childTnLst>
                         <p:par>
@@ -20048,7 +23611,7 @@
                             </p:stCondLst>
                             <p:childTnLst>
                               <p:par>
-                                <p:cTn id="5" presetID="1" presetClass="entr" presetSubtype="0" fill="hold" grpId="0" nodeType="clickEffect">
+                                <p:cTn id="5" presetID="1" presetClass="entr" presetSubtype="0" fill="hold" grpId="0" nodeType="afterEffect">
                                   <p:stCondLst>
                                     <p:cond delay="0"/>
                                   </p:stCondLst>
@@ -20110,9 +23673,9 @@
                                           </p:stCondLst>
                                         </p:cTn>
                                         <p:tgtEl>
-                                          <p:spTgt spid="3">
+                                          <p:spTgt spid="10">
                                             <p:txEl>
-                                              <p:pRg st="1" end="1"/>
+                                              <p:pRg st="0" end="0"/>
                                             </p:txEl>
                                           </p:spTgt>
                                         </p:tgtEl>
@@ -20174,27 +23737,40 @@
                             </p:childTnLst>
                           </p:cTn>
                         </p:par>
+                      </p:childTnLst>
+                    </p:cTn>
+                  </p:par>
+                  <p:par>
+                    <p:cTn id="15" fill="hold">
+                      <p:stCondLst>
+                        <p:cond delay="indefinite"/>
+                      </p:stCondLst>
+                      <p:childTnLst>
                         <p:par>
-                          <p:cTn id="15" fill="hold">
+                          <p:cTn id="16" fill="hold">
                             <p:stCondLst>
-                              <p:cond delay="500"/>
+                              <p:cond delay="0"/>
                             </p:stCondLst>
                             <p:childTnLst>
                               <p:par>
-                                <p:cTn id="16" presetID="1" presetClass="entr" presetSubtype="0" fill="hold" grpId="0" nodeType="afterEffect">
+                                <p:cTn id="17" presetID="1" presetClass="entr" presetSubtype="0" fill="hold" grpId="0" nodeType="clickEffect">
                                   <p:stCondLst>
                                     <p:cond delay="0"/>
                                   </p:stCondLst>
                                   <p:childTnLst>
                                     <p:set>
                                       <p:cBhvr>
-                                        <p:cTn id="17" dur="1" fill="hold">
+                                        <p:cTn id="18" dur="1" fill="hold">
                                           <p:stCondLst>
                                             <p:cond delay="0"/>
                                           </p:stCondLst>
                                         </p:cTn>
                                         <p:tgtEl>
-                                          <p:spTgt spid="8"/>
+                                          <p:spTgt spid="12">
+                                            <p:txEl>
+                                              <p:pRg st="0" end="0"/>
+                                            </p:txEl>
+                                          </p:spTgt>
                                         </p:tgtEl>
                                         <p:attrNameLst>
                                           <p:attrName>style.visibility</p:attrName>
@@ -20211,20 +23787,175 @@
                           </p:cTn>
                         </p:par>
                         <p:par>
-                          <p:cTn id="18" fill="hold">
+                          <p:cTn id="19" fill="hold">
                             <p:stCondLst>
-                              <p:cond delay="500"/>
+                              <p:cond delay="0"/>
                             </p:stCondLst>
                             <p:childTnLst>
                               <p:par>
-                                <p:cTn id="19" presetID="22" presetClass="entr" presetSubtype="1" fill="hold" nodeType="afterEffect">
+                                <p:cTn id="20" presetID="21" presetClass="entr" presetSubtype="1" fill="hold" grpId="0" nodeType="afterEffect">
                                   <p:stCondLst>
                                     <p:cond delay="0"/>
                                   </p:stCondLst>
                                   <p:childTnLst>
                                     <p:set>
                                       <p:cBhvr>
-                                        <p:cTn id="20" dur="1" fill="hold">
+                                        <p:cTn id="21" dur="1" fill="hold">
+                                          <p:stCondLst>
+                                            <p:cond delay="0"/>
+                                          </p:stCondLst>
+                                        </p:cTn>
+                                        <p:tgtEl>
+                                          <p:spTgt spid="8"/>
+                                        </p:tgtEl>
+                                        <p:attrNameLst>
+                                          <p:attrName>style.visibility</p:attrName>
+                                        </p:attrNameLst>
+                                      </p:cBhvr>
+                                      <p:to>
+                                        <p:strVal val="visible"/>
+                                      </p:to>
+                                    </p:set>
+                                    <p:animEffect transition="in" filter="wheel(1)">
+                                      <p:cBhvr>
+                                        <p:cTn id="22" dur="2000"/>
+                                        <p:tgtEl>
+                                          <p:spTgt spid="8"/>
+                                        </p:tgtEl>
+                                      </p:cBhvr>
+                                    </p:animEffect>
+                                  </p:childTnLst>
+                                </p:cTn>
+                              </p:par>
+                            </p:childTnLst>
+                          </p:cTn>
+                        </p:par>
+                      </p:childTnLst>
+                    </p:cTn>
+                  </p:par>
+                  <p:par>
+                    <p:cTn id="23" fill="hold">
+                      <p:stCondLst>
+                        <p:cond delay="indefinite"/>
+                      </p:stCondLst>
+                      <p:childTnLst>
+                        <p:par>
+                          <p:cTn id="24" fill="hold">
+                            <p:stCondLst>
+                              <p:cond delay="0"/>
+                            </p:stCondLst>
+                            <p:childTnLst>
+                              <p:par>
+                                <p:cTn id="25" presetID="1" presetClass="exit" presetSubtype="0" fill="hold" grpId="1" nodeType="clickEffect">
+                                  <p:stCondLst>
+                                    <p:cond delay="0"/>
+                                  </p:stCondLst>
+                                  <p:childTnLst>
+                                    <p:set>
+                                      <p:cBhvr>
+                                        <p:cTn id="26" dur="1" fill="hold">
+                                          <p:stCondLst>
+                                            <p:cond delay="0"/>
+                                          </p:stCondLst>
+                                        </p:cTn>
+                                        <p:tgtEl>
+                                          <p:spTgt spid="10">
+                                            <p:txEl>
+                                              <p:pRg st="0" end="0"/>
+                                            </p:txEl>
+                                          </p:spTgt>
+                                        </p:tgtEl>
+                                        <p:attrNameLst>
+                                          <p:attrName>style.visibility</p:attrName>
+                                        </p:attrNameLst>
+                                      </p:cBhvr>
+                                      <p:to>
+                                        <p:strVal val="hidden"/>
+                                      </p:to>
+                                    </p:set>
+                                  </p:childTnLst>
+                                </p:cTn>
+                              </p:par>
+                              <p:par>
+                                <p:cTn id="27" presetID="1" presetClass="exit" presetSubtype="0" fill="hold" grpId="1" nodeType="withEffect">
+                                  <p:stCondLst>
+                                    <p:cond delay="0"/>
+                                  </p:stCondLst>
+                                  <p:childTnLst>
+                                    <p:set>
+                                      <p:cBhvr>
+                                        <p:cTn id="28" dur="1" fill="hold">
+                                          <p:stCondLst>
+                                            <p:cond delay="0"/>
+                                          </p:stCondLst>
+                                        </p:cTn>
+                                        <p:tgtEl>
+                                          <p:spTgt spid="12">
+                                            <p:txEl>
+                                              <p:pRg st="0" end="0"/>
+                                            </p:txEl>
+                                          </p:spTgt>
+                                        </p:tgtEl>
+                                        <p:attrNameLst>
+                                          <p:attrName>style.visibility</p:attrName>
+                                        </p:attrNameLst>
+                                      </p:cBhvr>
+                                      <p:to>
+                                        <p:strVal val="hidden"/>
+                                      </p:to>
+                                    </p:set>
+                                  </p:childTnLst>
+                                </p:cTn>
+                              </p:par>
+                              <p:par>
+                                <p:cTn id="29" presetID="1" presetClass="entr" presetSubtype="0" fill="hold" grpId="0" nodeType="withEffect">
+                                  <p:stCondLst>
+                                    <p:cond delay="0"/>
+                                  </p:stCondLst>
+                                  <p:childTnLst>
+                                    <p:set>
+                                      <p:cBhvr>
+                                        <p:cTn id="30" dur="1" fill="hold">
+                                          <p:stCondLst>
+                                            <p:cond delay="0"/>
+                                          </p:stCondLst>
+                                        </p:cTn>
+                                        <p:tgtEl>
+                                          <p:spTgt spid="13">
+                                            <p:txEl>
+                                              <p:pRg st="0" end="0"/>
+                                            </p:txEl>
+                                          </p:spTgt>
+                                        </p:tgtEl>
+                                        <p:attrNameLst>
+                                          <p:attrName>style.visibility</p:attrName>
+                                        </p:attrNameLst>
+                                      </p:cBhvr>
+                                      <p:to>
+                                        <p:strVal val="visible"/>
+                                      </p:to>
+                                    </p:set>
+                                  </p:childTnLst>
+                                </p:cTn>
+                              </p:par>
+                            </p:childTnLst>
+                          </p:cTn>
+                        </p:par>
+                        <p:par>
+                          <p:cTn id="31" fill="hold">
+                            <p:stCondLst>
+                              <p:cond delay="0"/>
+                            </p:stCondLst>
+                            <p:childTnLst>
+                              <p:par>
+                                <p:cTn id="32" presetID="22" presetClass="entr" presetSubtype="1" fill="hold" nodeType="afterEffect">
+                                  <p:stCondLst>
+                                    <p:cond delay="0"/>
+                                  </p:stCondLst>
+                                  <p:childTnLst>
+                                    <p:set>
+                                      <p:cBhvr>
+                                        <p:cTn id="33" dur="1" fill="hold">
                                           <p:stCondLst>
                                             <p:cond delay="0"/>
                                           </p:stCondLst>
@@ -20242,7 +23973,7 @@
                                     </p:set>
                                     <p:animEffect transition="in" filter="wipe(up)">
                                       <p:cBhvr>
-                                        <p:cTn id="21" dur="500"/>
+                                        <p:cTn id="34" dur="500"/>
                                         <p:tgtEl>
                                           <p:spTgt spid="7"/>
                                         </p:tgtEl>
@@ -20255,20 +23986,20 @@
                           </p:cTn>
                         </p:par>
                         <p:par>
-                          <p:cTn id="22" fill="hold">
+                          <p:cTn id="35" fill="hold">
                             <p:stCondLst>
-                              <p:cond delay="1000"/>
+                              <p:cond delay="500"/>
                             </p:stCondLst>
                             <p:childTnLst>
                               <p:par>
-                                <p:cTn id="23" presetID="22" presetClass="entr" presetSubtype="8" fill="hold" nodeType="afterEffect">
+                                <p:cTn id="36" presetID="22" presetClass="entr" presetSubtype="8" fill="hold" nodeType="afterEffect">
                                   <p:stCondLst>
                                     <p:cond delay="0"/>
                                   </p:stCondLst>
                                   <p:childTnLst>
                                     <p:set>
                                       <p:cBhvr>
-                                        <p:cTn id="24" dur="1" fill="hold">
+                                        <p:cTn id="37" dur="1" fill="hold">
                                           <p:stCondLst>
                                             <p:cond delay="0"/>
                                           </p:stCondLst>
@@ -20286,7 +24017,7 @@
                                     </p:set>
                                     <p:animEffect transition="in" filter="wipe(left)">
                                       <p:cBhvr>
-                                        <p:cTn id="25" dur="500"/>
+                                        <p:cTn id="38" dur="500"/>
                                         <p:tgtEl>
                                           <p:spTgt spid="11"/>
                                         </p:tgtEl>
@@ -20299,20 +24030,20 @@
                           </p:cTn>
                         </p:par>
                         <p:par>
-                          <p:cTn id="26" fill="hold">
+                          <p:cTn id="39" fill="hold">
                             <p:stCondLst>
-                              <p:cond delay="1500"/>
+                              <p:cond delay="1000"/>
                             </p:stCondLst>
                             <p:childTnLst>
                               <p:par>
-                                <p:cTn id="27" presetID="1" presetClass="entr" presetSubtype="0" fill="hold" grpId="0" nodeType="afterEffect">
+                                <p:cTn id="40" presetID="21" presetClass="entr" presetSubtype="1" fill="hold" grpId="0" nodeType="afterEffect">
                                   <p:stCondLst>
                                     <p:cond delay="0"/>
                                   </p:stCondLst>
                                   <p:childTnLst>
                                     <p:set>
                                       <p:cBhvr>
-                                        <p:cTn id="28" dur="1" fill="hold">
+                                        <p:cTn id="41" dur="1" fill="hold">
                                           <p:stCondLst>
                                             <p:cond delay="0"/>
                                           </p:stCondLst>
@@ -20328,6 +24059,14 @@
                                         <p:strVal val="visible"/>
                                       </p:to>
                                     </p:set>
+                                    <p:animEffect transition="in" filter="wheel(1)">
+                                      <p:cBhvr>
+                                        <p:cTn id="42" dur="2000"/>
+                                        <p:tgtEl>
+                                          <p:spTgt spid="9"/>
+                                        </p:tgtEl>
+                                      </p:cBhvr>
+                                    </p:animEffect>
                                   </p:childTnLst>
                                 </p:cTn>
                               </p:par>
@@ -20359,9 +24098,14 @@
       </p:par>
     </p:tnLst>
     <p:bldLst>
-      <p:bldP spid="3" grpId="0" build="p"/>
+      <p:bldP spid="3" grpId="0" uiExpand="1" build="p"/>
       <p:bldP spid="8" grpId="0" animBg="1"/>
       <p:bldP spid="9" grpId="0" animBg="1"/>
+      <p:bldP spid="10" grpId="0" uiExpand="1" build="p"/>
+      <p:bldP spid="10" grpId="1" build="allAtOnce"/>
+      <p:bldP spid="12" grpId="0" uiExpand="1" build="p"/>
+      <p:bldP spid="12" grpId="1" uiExpand="1" build="allAtOnce"/>
+      <p:bldP spid="13" grpId="0" uiExpand="1" build="p"/>
     </p:bldLst>
   </p:timing>
 </p:sld>
@@ -21377,6 +25121,9 @@
                     <p:cTn id="3" fill="hold">
                       <p:stCondLst>
                         <p:cond delay="indefinite"/>
+                        <p:cond evt="onBegin" delay="0">
+                          <p:tn val="2"/>
+                        </p:cond>
                       </p:stCondLst>
                       <p:childTnLst>
                         <p:par>
@@ -21386,7 +25133,7 @@
                             </p:stCondLst>
                             <p:childTnLst>
                               <p:par>
-                                <p:cTn id="5" presetID="1" presetClass="entr" presetSubtype="0" fill="hold" grpId="0" nodeType="clickEffect">
+                                <p:cTn id="5" presetID="1" presetClass="entr" presetSubtype="0" fill="hold" grpId="0" nodeType="afterEffect">
                                   <p:stCondLst>
                                     <p:cond delay="0"/>
                                   </p:stCondLst>
@@ -22363,6 +26110,9 @@
                     <p:cTn id="3" fill="hold">
                       <p:stCondLst>
                         <p:cond delay="indefinite"/>
+                        <p:cond evt="onBegin" delay="0">
+                          <p:tn val="2"/>
+                        </p:cond>
                       </p:stCondLst>
                       <p:childTnLst>
                         <p:par>
@@ -22372,7 +26122,7 @@
                             </p:stCondLst>
                             <p:childTnLst>
                               <p:par>
-                                <p:cTn id="5" presetID="1" presetClass="entr" presetSubtype="0" fill="hold" grpId="0" nodeType="clickEffect">
+                                <p:cTn id="5" presetID="1" presetClass="entr" presetSubtype="0" fill="hold" grpId="0" nodeType="afterEffect">
                                   <p:stCondLst>
                                     <p:cond delay="0"/>
                                   </p:stCondLst>
@@ -22402,15 +26152,24 @@
                                   </p:childTnLst>
                                 </p:cTn>
                               </p:par>
+                            </p:childTnLst>
+                          </p:cTn>
+                        </p:par>
+                        <p:par>
+                          <p:cTn id="7" fill="hold">
+                            <p:stCondLst>
+                              <p:cond delay="0"/>
+                            </p:stCondLst>
+                            <p:childTnLst>
                               <p:par>
-                                <p:cTn id="7" presetID="1" presetClass="entr" presetSubtype="0" fill="hold" grpId="0" nodeType="withEffect">
+                                <p:cTn id="8" presetID="1" presetClass="entr" presetSubtype="0" fill="hold" grpId="0" nodeType="afterEffect">
                                   <p:stCondLst>
                                     <p:cond delay="0"/>
                                   </p:stCondLst>
                                   <p:childTnLst>
                                     <p:set>
                                       <p:cBhvr>
-                                        <p:cTn id="8" dur="1" fill="hold">
+                                        <p:cTn id="9" dur="1" fill="hold">
                                           <p:stCondLst>
                                             <p:cond delay="0"/>
                                           </p:stCondLst>
@@ -22437,20 +26196,20 @@
                           </p:cTn>
                         </p:par>
                         <p:par>
-                          <p:cTn id="9" fill="hold">
+                          <p:cTn id="10" fill="hold">
                             <p:stCondLst>
                               <p:cond delay="0"/>
                             </p:stCondLst>
                             <p:childTnLst>
                               <p:par>
-                                <p:cTn id="10" presetID="22" presetClass="entr" presetSubtype="1" fill="hold" nodeType="afterEffect">
+                                <p:cTn id="11" presetID="22" presetClass="entr" presetSubtype="1" fill="hold" nodeType="afterEffect">
                                   <p:stCondLst>
                                     <p:cond delay="0"/>
                                   </p:stCondLst>
                                   <p:childTnLst>
                                     <p:set>
                                       <p:cBhvr>
-                                        <p:cTn id="11" dur="1" fill="hold">
+                                        <p:cTn id="12" dur="1" fill="hold">
                                           <p:stCondLst>
                                             <p:cond delay="0"/>
                                           </p:stCondLst>
@@ -22468,7 +26227,7 @@
                                     </p:set>
                                     <p:animEffect transition="in" filter="wipe(up)">
                                       <p:cBhvr>
-                                        <p:cTn id="12" dur="500"/>
+                                        <p:cTn id="13" dur="500"/>
                                         <p:tgtEl>
                                           <p:spTgt spid="5"/>
                                         </p:tgtEl>
@@ -22481,20 +26240,20 @@
                           </p:cTn>
                         </p:par>
                         <p:par>
-                          <p:cTn id="13" fill="hold">
+                          <p:cTn id="14" fill="hold">
                             <p:stCondLst>
                               <p:cond delay="500"/>
                             </p:stCondLst>
                             <p:childTnLst>
                               <p:par>
-                                <p:cTn id="14" presetID="21" presetClass="entr" presetSubtype="1" fill="hold" grpId="0" nodeType="afterEffect">
+                                <p:cTn id="15" presetID="21" presetClass="entr" presetSubtype="1" fill="hold" grpId="0" nodeType="afterEffect">
                                   <p:stCondLst>
                                     <p:cond delay="0"/>
                                   </p:stCondLst>
                                   <p:childTnLst>
                                     <p:set>
                                       <p:cBhvr>
-                                        <p:cTn id="15" dur="1" fill="hold">
+                                        <p:cTn id="16" dur="1" fill="hold">
                                           <p:stCondLst>
                                             <p:cond delay="0"/>
                                           </p:stCondLst>
@@ -22512,7 +26271,7 @@
                                     </p:set>
                                     <p:animEffect transition="in" filter="wheel(1)">
                                       <p:cBhvr>
-                                        <p:cTn id="16" dur="2000"/>
+                                        <p:cTn id="17" dur="2000"/>
                                         <p:tgtEl>
                                           <p:spTgt spid="8"/>
                                         </p:tgtEl>
@@ -22524,21 +26283,30 @@
                             </p:childTnLst>
                           </p:cTn>
                         </p:par>
+                      </p:childTnLst>
+                    </p:cTn>
+                  </p:par>
+                  <p:par>
+                    <p:cTn id="18" fill="hold">
+                      <p:stCondLst>
+                        <p:cond delay="indefinite"/>
+                      </p:stCondLst>
+                      <p:childTnLst>
                         <p:par>
-                          <p:cTn id="17" fill="hold">
+                          <p:cTn id="19" fill="hold">
                             <p:stCondLst>
-                              <p:cond delay="2500"/>
+                              <p:cond delay="0"/>
                             </p:stCondLst>
                             <p:childTnLst>
                               <p:par>
-                                <p:cTn id="18" presetID="1" presetClass="entr" presetSubtype="0" fill="hold" grpId="0" nodeType="afterEffect">
+                                <p:cTn id="20" presetID="1" presetClass="entr" presetSubtype="0" fill="hold" grpId="0" nodeType="clickEffect">
                                   <p:stCondLst>
                                     <p:cond delay="0"/>
                                   </p:stCondLst>
                                   <p:childTnLst>
                                     <p:set>
                                       <p:cBhvr>
-                                        <p:cTn id="19" dur="1" fill="hold">
+                                        <p:cTn id="21" dur="1" fill="hold">
                                           <p:stCondLst>
                                             <p:cond delay="0"/>
                                           </p:stCondLst>
@@ -22565,20 +26333,20 @@
                           </p:cTn>
                         </p:par>
                         <p:par>
-                          <p:cTn id="20" fill="hold">
+                          <p:cTn id="22" fill="hold">
                             <p:stCondLst>
-                              <p:cond delay="2500"/>
+                              <p:cond delay="0"/>
                             </p:stCondLst>
                             <p:childTnLst>
                               <p:par>
-                                <p:cTn id="21" presetID="22" presetClass="entr" presetSubtype="1" fill="hold" nodeType="afterEffect">
+                                <p:cTn id="23" presetID="22" presetClass="entr" presetSubtype="1" fill="hold" nodeType="afterEffect">
                                   <p:stCondLst>
                                     <p:cond delay="0"/>
                                   </p:stCondLst>
                                   <p:childTnLst>
                                     <p:set>
                                       <p:cBhvr>
-                                        <p:cTn id="22" dur="1" fill="hold">
+                                        <p:cTn id="24" dur="1" fill="hold">
                                           <p:stCondLst>
                                             <p:cond delay="0"/>
                                           </p:stCondLst>
@@ -22596,7 +26364,7 @@
                                     </p:set>
                                     <p:animEffect transition="in" filter="wipe(up)">
                                       <p:cBhvr>
-                                        <p:cTn id="23" dur="500"/>
+                                        <p:cTn id="25" dur="500"/>
                                         <p:tgtEl>
                                           <p:spTgt spid="7"/>
                                         </p:tgtEl>
@@ -22609,20 +26377,20 @@
                           </p:cTn>
                         </p:par>
                         <p:par>
-                          <p:cTn id="24" fill="hold">
+                          <p:cTn id="26" fill="hold">
                             <p:stCondLst>
-                              <p:cond delay="3000"/>
+                              <p:cond delay="500"/>
                             </p:stCondLst>
                             <p:childTnLst>
                               <p:par>
-                                <p:cTn id="25" presetID="22" presetClass="entr" presetSubtype="8" fill="hold" nodeType="afterEffect">
+                                <p:cTn id="27" presetID="22" presetClass="entr" presetSubtype="8" fill="hold" nodeType="afterEffect">
                                   <p:stCondLst>
                                     <p:cond delay="0"/>
                                   </p:stCondLst>
                                   <p:childTnLst>
                                     <p:set>
                                       <p:cBhvr>
-                                        <p:cTn id="26" dur="1" fill="hold">
+                                        <p:cTn id="28" dur="1" fill="hold">
                                           <p:stCondLst>
                                             <p:cond delay="0"/>
                                           </p:stCondLst>
@@ -22640,7 +26408,7 @@
                                     </p:set>
                                     <p:animEffect transition="in" filter="wipe(left)">
                                       <p:cBhvr>
-                                        <p:cTn id="27" dur="500"/>
+                                        <p:cTn id="29" dur="500"/>
                                         <p:tgtEl>
                                           <p:spTgt spid="11"/>
                                         </p:tgtEl>
@@ -22653,20 +26421,20 @@
                           </p:cTn>
                         </p:par>
                         <p:par>
-                          <p:cTn id="28" fill="hold">
+                          <p:cTn id="30" fill="hold">
                             <p:stCondLst>
-                              <p:cond delay="3500"/>
+                              <p:cond delay="1000"/>
                             </p:stCondLst>
                             <p:childTnLst>
                               <p:par>
-                                <p:cTn id="29" presetID="21" presetClass="entr" presetSubtype="1" fill="hold" grpId="0" nodeType="afterEffect">
+                                <p:cTn id="31" presetID="21" presetClass="entr" presetSubtype="1" fill="hold" grpId="0" nodeType="afterEffect">
                                   <p:stCondLst>
                                     <p:cond delay="0"/>
                                   </p:stCondLst>
                                   <p:childTnLst>
                                     <p:set>
                                       <p:cBhvr>
-                                        <p:cTn id="30" dur="1" fill="hold">
+                                        <p:cTn id="32" dur="1" fill="hold">
                                           <p:stCondLst>
                                             <p:cond delay="0"/>
                                           </p:stCondLst>
@@ -22684,7 +26452,7 @@
                                     </p:set>
                                     <p:animEffect transition="in" filter="wheel(1)">
                                       <p:cBhvr>
-                                        <p:cTn id="31" dur="2000"/>
+                                        <p:cTn id="33" dur="2000"/>
                                         <p:tgtEl>
                                           <p:spTgt spid="9"/>
                                         </p:tgtEl>
@@ -23059,9 +26827,9 @@
             <a:tailEnd type="triangle"/>
           </a:ln>
           <a:effectLst>
-            <a:outerShdw blurRad="50800" dist="38100" dir="13500000" algn="br" rotWithShape="0">
+            <a:outerShdw blurRad="50800" dist="38100" dir="13500000" sx="105000" sy="105000" algn="br" rotWithShape="0">
               <a:prstClr val="black">
-                <a:alpha val="40000"/>
+                <a:alpha val="75000"/>
               </a:prstClr>
             </a:outerShdw>
           </a:effectLst>
@@ -23364,6 +27132,9 @@
                     <p:cTn id="3" fill="hold">
                       <p:stCondLst>
                         <p:cond delay="indefinite"/>
+                        <p:cond evt="onBegin" delay="0">
+                          <p:tn val="2"/>
+                        </p:cond>
                       </p:stCondLst>
                       <p:childTnLst>
                         <p:par>
@@ -23373,7 +27144,7 @@
                             </p:stCondLst>
                             <p:childTnLst>
                               <p:par>
-                                <p:cTn id="5" presetID="1" presetClass="entr" presetSubtype="0" fill="hold" grpId="0" nodeType="clickEffect">
+                                <p:cTn id="5" presetID="1" presetClass="entr" presetSubtype="0" fill="hold" grpId="0" nodeType="afterEffect">
                                   <p:stCondLst>
                                     <p:cond delay="0"/>
                                   </p:stCondLst>
@@ -23401,15 +27172,24 @@
                                   </p:childTnLst>
                                 </p:cTn>
                               </p:par>
+                            </p:childTnLst>
+                          </p:cTn>
+                        </p:par>
+                        <p:par>
+                          <p:cTn id="7" fill="hold">
+                            <p:stCondLst>
+                              <p:cond delay="0"/>
+                            </p:stCondLst>
+                            <p:childTnLst>
                               <p:par>
-                                <p:cTn id="7" presetID="1" presetClass="entr" presetSubtype="0" fill="hold" grpId="0" nodeType="withEffect">
+                                <p:cTn id="8" presetID="1" presetClass="entr" presetSubtype="0" fill="hold" grpId="0" nodeType="afterEffect">
                                   <p:stCondLst>
                                     <p:cond delay="0"/>
                                   </p:stCondLst>
                                   <p:childTnLst>
                                     <p:set>
                                       <p:cBhvr>
-                                        <p:cTn id="8" dur="1" fill="hold">
+                                        <p:cTn id="9" dur="1" fill="hold">
                                           <p:stCondLst>
                                             <p:cond delay="0"/>
                                           </p:stCondLst>
@@ -23436,20 +27216,20 @@
                           </p:cTn>
                         </p:par>
                         <p:par>
-                          <p:cTn id="9" fill="hold">
+                          <p:cTn id="10" fill="hold">
                             <p:stCondLst>
                               <p:cond delay="0"/>
                             </p:stCondLst>
                             <p:childTnLst>
                               <p:par>
-                                <p:cTn id="10" presetID="22" presetClass="entr" presetSubtype="1" fill="hold" nodeType="afterEffect">
+                                <p:cTn id="11" presetID="22" presetClass="entr" presetSubtype="1" fill="hold" nodeType="afterEffect">
                                   <p:stCondLst>
                                     <p:cond delay="0"/>
                                   </p:stCondLst>
                                   <p:childTnLst>
                                     <p:set>
                                       <p:cBhvr>
-                                        <p:cTn id="11" dur="1" fill="hold">
+                                        <p:cTn id="12" dur="1" fill="hold">
                                           <p:stCondLst>
                                             <p:cond delay="0"/>
                                           </p:stCondLst>
@@ -23467,7 +27247,7 @@
                                     </p:set>
                                     <p:animEffect transition="in" filter="wipe(up)">
                                       <p:cBhvr>
-                                        <p:cTn id="12" dur="500"/>
+                                        <p:cTn id="13" dur="500"/>
                                         <p:tgtEl>
                                           <p:spTgt spid="6"/>
                                         </p:tgtEl>
@@ -23480,20 +27260,20 @@
                           </p:cTn>
                         </p:par>
                         <p:par>
-                          <p:cTn id="13" fill="hold">
+                          <p:cTn id="14" fill="hold">
                             <p:stCondLst>
                               <p:cond delay="500"/>
                             </p:stCondLst>
                             <p:childTnLst>
                               <p:par>
-                                <p:cTn id="14" presetID="21" presetClass="entr" presetSubtype="1" fill="hold" grpId="0" nodeType="afterEffect">
+                                <p:cTn id="15" presetID="21" presetClass="entr" presetSubtype="1" fill="hold" grpId="0" nodeType="afterEffect">
                                   <p:stCondLst>
                                     <p:cond delay="0"/>
                                   </p:stCondLst>
                                   <p:childTnLst>
                                     <p:set>
                                       <p:cBhvr>
-                                        <p:cTn id="15" dur="1" fill="hold">
+                                        <p:cTn id="16" dur="1" fill="hold">
                                           <p:stCondLst>
                                             <p:cond delay="0"/>
                                           </p:stCondLst>
@@ -23511,7 +27291,7 @@
                                     </p:set>
                                     <p:animEffect transition="in" filter="wheel(1)">
                                       <p:cBhvr>
-                                        <p:cTn id="16" dur="2000"/>
+                                        <p:cTn id="17" dur="2000"/>
                                         <p:tgtEl>
                                           <p:spTgt spid="8"/>
                                         </p:tgtEl>
@@ -23523,23 +27303,14 @@
                             </p:childTnLst>
                           </p:cTn>
                         </p:par>
-                      </p:childTnLst>
-                    </p:cTn>
-                  </p:par>
-                  <p:par>
-                    <p:cTn id="17" fill="hold">
-                      <p:stCondLst>
-                        <p:cond delay="indefinite"/>
-                      </p:stCondLst>
-                      <p:childTnLst>
                         <p:par>
                           <p:cTn id="18" fill="hold">
                             <p:stCondLst>
-                              <p:cond delay="0"/>
+                              <p:cond delay="2500"/>
                             </p:stCondLst>
                             <p:childTnLst>
                               <p:par>
-                                <p:cTn id="19" presetID="22" presetClass="entr" presetSubtype="1" fill="hold" nodeType="clickEffect">
+                                <p:cTn id="19" presetID="22" presetClass="entr" presetSubtype="1" fill="hold" nodeType="afterEffect">
                                   <p:stCondLst>
                                     <p:cond delay="0"/>
                                   </p:stCondLst>
@@ -23576,30 +27347,21 @@
                             </p:childTnLst>
                           </p:cTn>
                         </p:par>
-                      </p:childTnLst>
-                    </p:cTn>
-                  </p:par>
-                  <p:par>
-                    <p:cTn id="22" fill="hold">
-                      <p:stCondLst>
-                        <p:cond delay="indefinite"/>
-                      </p:stCondLst>
-                      <p:childTnLst>
                         <p:par>
-                          <p:cTn id="23" fill="hold">
+                          <p:cTn id="22" fill="hold">
                             <p:stCondLst>
-                              <p:cond delay="0"/>
+                              <p:cond delay="3000"/>
                             </p:stCondLst>
                             <p:childTnLst>
                               <p:par>
-                                <p:cTn id="24" presetID="22" presetClass="entr" presetSubtype="8" fill="hold" nodeType="clickEffect">
+                                <p:cTn id="23" presetID="22" presetClass="entr" presetSubtype="8" fill="hold" nodeType="afterEffect">
                                   <p:stCondLst>
                                     <p:cond delay="0"/>
                                   </p:stCondLst>
                                   <p:childTnLst>
                                     <p:set>
                                       <p:cBhvr>
-                                        <p:cTn id="25" dur="1" fill="hold">
+                                        <p:cTn id="24" dur="1" fill="hold">
                                           <p:stCondLst>
                                             <p:cond delay="0"/>
                                           </p:stCondLst>
@@ -23617,7 +27379,7 @@
                                     </p:set>
                                     <p:animEffect transition="in" filter="wipe(left)">
                                       <p:cBhvr>
-                                        <p:cTn id="26" dur="500"/>
+                                        <p:cTn id="25" dur="500"/>
                                         <p:tgtEl>
                                           <p:spTgt spid="11"/>
                                         </p:tgtEl>
@@ -23630,20 +27392,20 @@
                           </p:cTn>
                         </p:par>
                         <p:par>
-                          <p:cTn id="27" fill="hold">
+                          <p:cTn id="26" fill="hold">
                             <p:stCondLst>
-                              <p:cond delay="500"/>
+                              <p:cond delay="3500"/>
                             </p:stCondLst>
                             <p:childTnLst>
                               <p:par>
-                                <p:cTn id="28" presetID="21" presetClass="entr" presetSubtype="1" fill="hold" grpId="0" nodeType="afterEffect">
+                                <p:cTn id="27" presetID="21" presetClass="entr" presetSubtype="1" fill="hold" grpId="0" nodeType="afterEffect">
                                   <p:stCondLst>
                                     <p:cond delay="0"/>
                                   </p:stCondLst>
                                   <p:childTnLst>
                                     <p:set>
                                       <p:cBhvr>
-                                        <p:cTn id="29" dur="1" fill="hold">
+                                        <p:cTn id="28" dur="1" fill="hold">
                                           <p:stCondLst>
                                             <p:cond delay="0"/>
                                           </p:stCondLst>
@@ -23661,7 +27423,7 @@
                                     </p:set>
                                     <p:animEffect transition="in" filter="wheel(1)">
                                       <p:cBhvr>
-                                        <p:cTn id="30" dur="2000"/>
+                                        <p:cTn id="29" dur="2000"/>
                                         <p:tgtEl>
                                           <p:spTgt spid="9"/>
                                         </p:tgtEl>
@@ -23677,26 +27439,26 @@
                     </p:cTn>
                   </p:par>
                   <p:par>
-                    <p:cTn id="31" fill="hold">
+                    <p:cTn id="30" fill="hold">
                       <p:stCondLst>
                         <p:cond delay="indefinite"/>
                       </p:stCondLst>
                       <p:childTnLst>
                         <p:par>
-                          <p:cTn id="32" fill="hold">
+                          <p:cTn id="31" fill="hold">
                             <p:stCondLst>
                               <p:cond delay="0"/>
                             </p:stCondLst>
                             <p:childTnLst>
                               <p:par>
-                                <p:cTn id="33" presetID="1" presetClass="entr" presetSubtype="0" fill="hold" grpId="0" nodeType="clickEffect">
+                                <p:cTn id="32" presetID="1" presetClass="entr" presetSubtype="0" fill="hold" grpId="0" nodeType="clickEffect">
                                   <p:stCondLst>
                                     <p:cond delay="0"/>
                                   </p:stCondLst>
                                   <p:childTnLst>
                                     <p:set>
                                       <p:cBhvr>
-                                        <p:cTn id="34" dur="1" fill="hold">
+                                        <p:cTn id="33" dur="1" fill="hold">
                                           <p:stCondLst>
                                             <p:cond delay="0"/>
                                           </p:stCondLst>
@@ -23718,14 +27480,14 @@
                                 </p:cTn>
                               </p:par>
                               <p:par>
-                                <p:cTn id="35" presetID="1" presetClass="entr" presetSubtype="0" fill="hold" grpId="0" nodeType="withEffect">
+                                <p:cTn id="34" presetID="1" presetClass="entr" presetSubtype="0" fill="hold" grpId="0" nodeType="withEffect">
                                   <p:stCondLst>
                                     <p:cond delay="0"/>
                                   </p:stCondLst>
                                   <p:childTnLst>
                                     <p:set>
                                       <p:cBhvr>
-                                        <p:cTn id="36" dur="1" fill="hold">
+                                        <p:cTn id="35" dur="1" fill="hold">
                                           <p:stCondLst>
                                             <p:cond delay="0"/>
                                           </p:stCondLst>
@@ -23776,10 +27538,10 @@
       </p:par>
     </p:tnLst>
     <p:bldLst>
-      <p:bldP spid="3" grpId="0" uiExpand="1" build="p" animBg="1"/>
+      <p:bldP spid="3" grpId="0" build="p" animBg="1"/>
       <p:bldP spid="8" grpId="0" animBg="1"/>
       <p:bldP spid="9" grpId="0" animBg="1"/>
-      <p:bldP spid="10" grpId="0" uiExpand="1" build="p" animBg="1"/>
+      <p:bldP spid="10" grpId="0" build="p" animBg="1"/>
     </p:bldLst>
   </p:timing>
 </p:sld>
@@ -24108,6 +27870,9 @@
                     <p:cTn id="3" fill="hold">
                       <p:stCondLst>
                         <p:cond delay="indefinite"/>
+                        <p:cond evt="onBegin" delay="0">
+                          <p:tn val="2"/>
+                        </p:cond>
                       </p:stCondLst>
                       <p:childTnLst>
                         <p:par>
@@ -24117,7 +27882,7 @@
                             </p:stCondLst>
                             <p:childTnLst>
                               <p:par>
-                                <p:cTn id="5" presetID="1" presetClass="entr" presetSubtype="0" fill="hold" grpId="0" nodeType="clickEffect">
+                                <p:cTn id="5" presetID="1" presetClass="entr" presetSubtype="0" fill="hold" grpId="0" nodeType="afterEffect">
                                   <p:stCondLst>
                                     <p:cond delay="0"/>
                                   </p:stCondLst>
@@ -24752,6 +28517,9 @@
                     <p:cTn id="3" fill="hold">
                       <p:stCondLst>
                         <p:cond delay="indefinite"/>
+                        <p:cond evt="onBegin" delay="0">
+                          <p:tn val="2"/>
+                        </p:cond>
                       </p:stCondLst>
                       <p:childTnLst>
                         <p:par>
@@ -24761,7 +28529,7 @@
                             </p:stCondLst>
                             <p:childTnLst>
                               <p:par>
-                                <p:cTn id="5" presetID="1" presetClass="entr" presetSubtype="0" fill="hold" grpId="0" nodeType="clickEffect">
+                                <p:cTn id="5" presetID="1" presetClass="entr" presetSubtype="0" fill="hold" grpId="0" nodeType="afterEffect">
                                   <p:stCondLst>
                                     <p:cond delay="0"/>
                                   </p:stCondLst>
@@ -24794,30 +28562,21 @@
                             </p:childTnLst>
                           </p:cTn>
                         </p:par>
-                      </p:childTnLst>
-                    </p:cTn>
-                  </p:par>
-                  <p:par>
-                    <p:cTn id="7" fill="hold">
-                      <p:stCondLst>
-                        <p:cond delay="indefinite"/>
-                      </p:stCondLst>
-                      <p:childTnLst>
                         <p:par>
-                          <p:cTn id="8" fill="hold">
+                          <p:cTn id="7" fill="hold">
                             <p:stCondLst>
                               <p:cond delay="0"/>
                             </p:stCondLst>
                             <p:childTnLst>
                               <p:par>
-                                <p:cTn id="9" presetID="1" presetClass="entr" presetSubtype="0" fill="hold" grpId="0" nodeType="clickEffect">
+                                <p:cTn id="8" presetID="1" presetClass="entr" presetSubtype="0" fill="hold" grpId="0" nodeType="afterEffect">
                                   <p:stCondLst>
                                     <p:cond delay="0"/>
                                   </p:stCondLst>
                                   <p:childTnLst>
                                     <p:set>
                                       <p:cBhvr>
-                                        <p:cTn id="10" dur="1" fill="hold">
+                                        <p:cTn id="9" dur="1" fill="hold">
                                           <p:stCondLst>
                                             <p:cond delay="0"/>
                                           </p:stCondLst>
@@ -24844,20 +28603,20 @@
                           </p:cTn>
                         </p:par>
                         <p:par>
-                          <p:cTn id="11" fill="hold">
+                          <p:cTn id="10" fill="hold">
                             <p:stCondLst>
                               <p:cond delay="0"/>
                             </p:stCondLst>
                             <p:childTnLst>
                               <p:par>
-                                <p:cTn id="12" presetID="22" presetClass="entr" presetSubtype="1" fill="hold" nodeType="afterEffect">
+                                <p:cTn id="11" presetID="22" presetClass="entr" presetSubtype="1" fill="hold" nodeType="afterEffect">
                                   <p:stCondLst>
                                     <p:cond delay="500"/>
                                   </p:stCondLst>
                                   <p:childTnLst>
                                     <p:set>
                                       <p:cBhvr>
-                                        <p:cTn id="13" dur="1" fill="hold">
+                                        <p:cTn id="12" dur="1" fill="hold">
                                           <p:stCondLst>
                                             <p:cond delay="0"/>
                                           </p:stCondLst>
@@ -24875,7 +28634,7 @@
                                     </p:set>
                                     <p:animEffect transition="in" filter="wipe(up)">
                                       <p:cBhvr>
-                                        <p:cTn id="14" dur="500"/>
+                                        <p:cTn id="13" dur="500"/>
                                         <p:tgtEl>
                                           <p:spTgt spid="6"/>
                                         </p:tgtEl>
@@ -24891,26 +28650,26 @@
                     </p:cTn>
                   </p:par>
                   <p:par>
-                    <p:cTn id="15" fill="hold">
+                    <p:cTn id="14" fill="hold">
                       <p:stCondLst>
                         <p:cond delay="indefinite"/>
                       </p:stCondLst>
                       <p:childTnLst>
                         <p:par>
-                          <p:cTn id="16" fill="hold">
+                          <p:cTn id="15" fill="hold">
                             <p:stCondLst>
                               <p:cond delay="0"/>
                             </p:stCondLst>
                             <p:childTnLst>
                               <p:par>
-                                <p:cTn id="17" presetID="1" presetClass="entr" presetSubtype="0" fill="hold" grpId="0" nodeType="clickEffect">
+                                <p:cTn id="16" presetID="1" presetClass="entr" presetSubtype="0" fill="hold" grpId="0" nodeType="clickEffect">
                                   <p:stCondLst>
                                     <p:cond delay="0"/>
                                   </p:stCondLst>
                                   <p:childTnLst>
                                     <p:set>
                                       <p:cBhvr>
-                                        <p:cTn id="18" dur="1" fill="hold">
+                                        <p:cTn id="17" dur="1" fill="hold">
                                           <p:stCondLst>
                                             <p:cond delay="0"/>
                                           </p:stCondLst>
@@ -24937,20 +28696,20 @@
                           </p:cTn>
                         </p:par>
                         <p:par>
-                          <p:cTn id="19" fill="hold">
+                          <p:cTn id="18" fill="hold">
                             <p:stCondLst>
                               <p:cond delay="0"/>
                             </p:stCondLst>
                             <p:childTnLst>
                               <p:par>
-                                <p:cTn id="20" presetID="22" presetClass="entr" presetSubtype="8" fill="hold" grpId="0" nodeType="afterEffect">
+                                <p:cTn id="19" presetID="22" presetClass="entr" presetSubtype="8" fill="hold" grpId="0" nodeType="afterEffect">
                                   <p:stCondLst>
                                     <p:cond delay="0"/>
                                   </p:stCondLst>
                                   <p:childTnLst>
                                     <p:set>
                                       <p:cBhvr>
-                                        <p:cTn id="21" dur="1" fill="hold">
+                                        <p:cTn id="20" dur="1" fill="hold">
                                           <p:stCondLst>
                                             <p:cond delay="0"/>
                                           </p:stCondLst>
@@ -24968,7 +28727,7 @@
                                     </p:set>
                                     <p:animEffect transition="in" filter="wipe(left)">
                                       <p:cBhvr>
-                                        <p:cTn id="22" dur="500"/>
+                                        <p:cTn id="21" dur="500"/>
                                         <p:tgtEl>
                                           <p:spTgt spid="9"/>
                                         </p:tgtEl>
@@ -24981,20 +28740,20 @@
                           </p:cTn>
                         </p:par>
                         <p:par>
-                          <p:cTn id="23" fill="hold">
+                          <p:cTn id="22" fill="hold">
                             <p:stCondLst>
                               <p:cond delay="500"/>
                             </p:stCondLst>
                             <p:childTnLst>
                               <p:par>
-                                <p:cTn id="24" presetID="22" presetClass="entr" presetSubtype="1" fill="hold" nodeType="afterEffect">
+                                <p:cTn id="23" presetID="22" presetClass="entr" presetSubtype="1" fill="hold" nodeType="afterEffect">
                                   <p:stCondLst>
                                     <p:cond delay="0"/>
                                   </p:stCondLst>
                                   <p:childTnLst>
                                     <p:set>
                                       <p:cBhvr>
-                                        <p:cTn id="25" dur="1" fill="hold">
+                                        <p:cTn id="24" dur="1" fill="hold">
                                           <p:stCondLst>
                                             <p:cond delay="0"/>
                                           </p:stCondLst>
@@ -25012,7 +28771,7 @@
                                     </p:set>
                                     <p:animEffect transition="in" filter="wipe(up)">
                                       <p:cBhvr>
-                                        <p:cTn id="26" dur="500"/>
+                                        <p:cTn id="25" dur="500"/>
                                         <p:tgtEl>
                                           <p:spTgt spid="8"/>
                                         </p:tgtEl>
@@ -25028,26 +28787,26 @@
                     </p:cTn>
                   </p:par>
                   <p:par>
-                    <p:cTn id="27" fill="hold">
+                    <p:cTn id="26" fill="hold">
                       <p:stCondLst>
                         <p:cond delay="indefinite"/>
                       </p:stCondLst>
                       <p:childTnLst>
                         <p:par>
-                          <p:cTn id="28" fill="hold">
+                          <p:cTn id="27" fill="hold">
                             <p:stCondLst>
                               <p:cond delay="0"/>
                             </p:stCondLst>
                             <p:childTnLst>
                               <p:par>
-                                <p:cTn id="29" presetID="1" presetClass="entr" presetSubtype="0" fill="hold" grpId="0" nodeType="clickEffect">
+                                <p:cTn id="28" presetID="1" presetClass="entr" presetSubtype="0" fill="hold" grpId="0" nodeType="clickEffect">
                                   <p:stCondLst>
                                     <p:cond delay="0"/>
                                   </p:stCondLst>
                                   <p:childTnLst>
                                     <p:set>
                                       <p:cBhvr>
-                                        <p:cTn id="30" dur="1" fill="hold">
+                                        <p:cTn id="29" dur="1" fill="hold">
                                           <p:stCondLst>
                                             <p:cond delay="0"/>
                                           </p:stCondLst>

--- a/SIMU_ON_WSL.pptx
+++ b/SIMU_ON_WSL.pptx
@@ -316,7 +316,7 @@
           <a:p>
             <a:fld id="{7D37F7A6-00EA-477C-BD0D-F6E7C2E86336}" type="datetimeFigureOut">
               <a:rPr kumimoji="1" lang="ja-JP" altLang="en-US" smtClean="0"/>
-              <a:t>2019/6/15</a:t>
+              <a:t>2019/6/16</a:t>
             </a:fld>
             <a:endParaRPr kumimoji="1" lang="ja-JP" altLang="en-US"/>
           </a:p>
@@ -1365,40 +1365,79 @@
             </a:r>
             <a:r>
               <a:rPr kumimoji="1" lang="ja-JP" altLang="en-US" dirty="0"/>
-              <a:t>で入れられないためちょっといじって入れます</a:t>
+              <a:t>で入れられないためちょっといじる</a:t>
             </a:r>
             <a:endParaRPr kumimoji="1" lang="en-US" altLang="ja-JP" dirty="0"/>
           </a:p>
           <a:p>
             <a:r>
               <a:rPr kumimoji="1" lang="ja-JP" altLang="en-US" dirty="0"/>
-              <a:t>このいじる元をダウンロードするディレクトリは、ユーザホームディレクトリで問題ないです。</a:t>
+              <a:t>このいじる元のダウンロード先は、ユーザホームディレクトリで問題ない</a:t>
             </a:r>
             <a:endParaRPr kumimoji="1" lang="en-US" altLang="ja-JP" dirty="0"/>
           </a:p>
           <a:p>
+            <a:endParaRPr kumimoji="1" lang="en-US" altLang="ja-JP" dirty="0"/>
+          </a:p>
+          <a:p>
             <a:r>
               <a:rPr kumimoji="1" lang="ja-JP" altLang="en-US" dirty="0"/>
-              <a:t>このようなソースのいじり方の情報を載せているサイトによっては別の所を指定している場合がありますがどちらでも問題無いです</a:t>
+              <a:t>これから先紹介するソースのいじり方の情報を載せているサイトによっては別の所を指定している場合がある</a:t>
+            </a:r>
+            <a:r>
+              <a:rPr kumimoji="1" lang="en-US" altLang="ja-JP" dirty="0"/>
+              <a:t>&gt;</a:t>
+            </a:r>
+            <a:r>
+              <a:rPr kumimoji="1" lang="ja-JP" altLang="en-US" dirty="0"/>
+              <a:t>どちらでも問題無い</a:t>
             </a:r>
             <a:endParaRPr kumimoji="1" lang="en-US" altLang="ja-JP" dirty="0"/>
           </a:p>
           <a:p>
+            <a:endParaRPr kumimoji="1" lang="en-US" altLang="ja-JP" dirty="0"/>
+          </a:p>
+          <a:p>
             <a:r>
               <a:rPr kumimoji="1" lang="ja-JP" altLang="en-US" dirty="0"/>
-              <a:t>また、専用ディレクトリを設けることも出来ます</a:t>
+              <a:t>場所を変える際の注意事項</a:t>
+            </a:r>
+            <a:r>
+              <a:rPr kumimoji="1" lang="en-US" altLang="ja-JP" dirty="0"/>
+              <a:t>&gt;</a:t>
+            </a:r>
+            <a:r>
+              <a:rPr kumimoji="1" lang="ja-JP" altLang="en-US" dirty="0"/>
+              <a:t>スーパーユーザ権限が必要かどうか</a:t>
             </a:r>
             <a:endParaRPr kumimoji="1" lang="en-US" altLang="ja-JP" dirty="0"/>
           </a:p>
           <a:p>
+            <a:endParaRPr kumimoji="1" lang="en-US" altLang="ja-JP" dirty="0"/>
+          </a:p>
+          <a:p>
+            <a:pPr marL="0" marR="0" lvl="0" indent="0" algn="l" defTabSz="914400" rtl="0" eaLnBrk="1" fontAlgn="auto" latinLnBrk="0" hangingPunct="1">
+              <a:lnSpc>
+                <a:spcPct val="100000"/>
+              </a:lnSpc>
+              <a:spcBef>
+                <a:spcPts val="0"/>
+              </a:spcBef>
+              <a:spcAft>
+                <a:spcPts val="0"/>
+              </a:spcAft>
+              <a:buClrTx/>
+              <a:buSzTx/>
+              <a:buFontTx/>
+              <a:buNone/>
+              <a:tabLst/>
+              <a:defRPr/>
+            </a:pPr>
             <a:r>
               <a:rPr kumimoji="1" lang="ja-JP" altLang="en-US" dirty="0"/>
-              <a:t>場所を変える際の注意事項としては、スーパーユーザ権限が必要かどうかを確認する必要があります</a:t>
+              <a:t>このスライド以降、折れ線矢印は改行、ホチキス針をひっくり返したようなのは半角スペースを表す</a:t>
             </a:r>
             <a:endParaRPr kumimoji="1" lang="en-US" altLang="ja-JP" dirty="0"/>
-          </a:p>
-          <a:p>
-            <a:endParaRPr kumimoji="1" lang="ja-JP" altLang="en-US" dirty="0"/>
           </a:p>
         </p:txBody>
       </p:sp>
@@ -1490,10 +1529,6 @@
               <a:rPr kumimoji="1" lang="en-US" altLang="ja-JP" dirty="0" err="1"/>
               <a:t>zlib</a:t>
             </a:r>
-            <a:r>
-              <a:rPr kumimoji="1" lang="ja-JP" altLang="en-US" dirty="0"/>
-              <a:t>です</a:t>
-            </a:r>
             <a:endParaRPr kumimoji="1" lang="en-US" altLang="ja-JP" dirty="0"/>
           </a:p>
           <a:p>
@@ -1503,7 +1538,15 @@
             </a:r>
             <a:r>
               <a:rPr kumimoji="1" lang="ja-JP" altLang="en-US" dirty="0"/>
-              <a:t>か公式サイトよりソースコードをダウンロードして、展開します</a:t>
+              <a:t>のパッケージ検索サイトか</a:t>
+            </a:r>
+            <a:r>
+              <a:rPr kumimoji="1" lang="en-US" altLang="ja-JP" dirty="0" err="1"/>
+              <a:t>zlib</a:t>
+            </a:r>
+            <a:r>
+              <a:rPr kumimoji="1" lang="ja-JP" altLang="en-US" dirty="0"/>
+              <a:t>公式サイトよりソースコードを取得</a:t>
             </a:r>
             <a:endParaRPr kumimoji="1" lang="en-US" altLang="ja-JP" dirty="0"/>
           </a:p>
@@ -1518,14 +1561,7 @@
             </a:r>
             <a:r>
               <a:rPr kumimoji="1" lang="ja-JP" altLang="en-US" dirty="0"/>
-              <a:t>を用います</a:t>
-            </a:r>
-            <a:endParaRPr kumimoji="1" lang="en-US" altLang="ja-JP" dirty="0"/>
-          </a:p>
-          <a:p>
-            <a:r>
-              <a:rPr kumimoji="1" lang="ja-JP" altLang="en-US" dirty="0"/>
-              <a:t>ダウンロード終了したら</a:t>
+              <a:t>を、展開は</a:t>
             </a:r>
             <a:r>
               <a:rPr kumimoji="1" lang="en-US" altLang="ja-JP" dirty="0"/>
@@ -1533,7 +1569,37 @@
             </a:r>
             <a:r>
               <a:rPr kumimoji="1" lang="ja-JP" altLang="en-US" dirty="0"/>
-              <a:t>コマンドを使って展開します</a:t>
+              <a:t>コマンドを使う</a:t>
+            </a:r>
+            <a:endParaRPr kumimoji="1" lang="en-US" altLang="ja-JP" dirty="0"/>
+          </a:p>
+          <a:p>
+            <a:endParaRPr lang="en-US" altLang="ja-JP" dirty="0"/>
+          </a:p>
+          <a:p>
+            <a:r>
+              <a:rPr kumimoji="1" lang="ja-JP" altLang="en-US" dirty="0"/>
+              <a:t>拡張子が</a:t>
+            </a:r>
+            <a:r>
+              <a:rPr kumimoji="1" lang="en-US" altLang="ja-JP" dirty="0"/>
+              <a:t>Ubuntu</a:t>
+            </a:r>
+            <a:r>
+              <a:rPr kumimoji="1" lang="ja-JP" altLang="en-US" dirty="0"/>
+              <a:t>側と公式側で異なるが、どちらも</a:t>
+            </a:r>
+            <a:r>
+              <a:rPr lang="en-US" altLang="ja-JP" dirty="0"/>
+              <a:t>t</a:t>
+            </a:r>
+            <a:r>
+              <a:rPr kumimoji="1" lang="en-US" altLang="ja-JP" dirty="0"/>
+              <a:t>ar</a:t>
+            </a:r>
+            <a:r>
+              <a:rPr kumimoji="1" lang="ja-JP" altLang="en-US" dirty="0"/>
+              <a:t>コマンドで展開できる</a:t>
             </a:r>
           </a:p>
         </p:txBody>
@@ -1620,7 +1686,7 @@
           <a:p>
             <a:r>
               <a:rPr kumimoji="1" lang="ja-JP" altLang="en-US" dirty="0"/>
-              <a:t>展開したら、変数宣言をして</a:t>
+              <a:t>展開したら、クロスコンパイル用に変数宣言をして</a:t>
             </a:r>
             <a:r>
               <a:rPr kumimoji="1" lang="en-US" altLang="ja-JP" dirty="0"/>
@@ -1628,15 +1694,11 @@
             </a:r>
             <a:r>
               <a:rPr kumimoji="1" lang="ja-JP" altLang="en-US" dirty="0"/>
-              <a:t>作業します</a:t>
-            </a:r>
-            <a:endParaRPr kumimoji="1" lang="en-US" altLang="ja-JP" dirty="0"/>
-          </a:p>
-          <a:p>
-            <a:r>
-              <a:rPr kumimoji="1" lang="ja-JP" altLang="en-US" dirty="0"/>
-              <a:t>このスライド以降、エンターキーにあるような記号は改行、ホチキス針をひっくり返したようなのがスペースを表します</a:t>
-            </a:r>
+              <a:t>作業</a:t>
+            </a:r>
+            <a:endParaRPr lang="en-US" altLang="ja-JP" dirty="0"/>
+          </a:p>
+          <a:p>
             <a:endParaRPr kumimoji="1" lang="en-US" altLang="ja-JP" dirty="0"/>
           </a:p>
           <a:p>
@@ -1666,7 +1728,26 @@
             </a:r>
             <a:r>
               <a:rPr kumimoji="1" lang="ja-JP" altLang="en-US" dirty="0"/>
-              <a:t>を行います</a:t>
+              <a:t>を行う</a:t>
+            </a:r>
+            <a:endParaRPr kumimoji="1" lang="en-US" altLang="ja-JP" dirty="0"/>
+          </a:p>
+          <a:p>
+            <a:r>
+              <a:rPr kumimoji="1" lang="en-US" altLang="ja-JP" dirty="0"/>
+              <a:t>make</a:t>
+            </a:r>
+            <a:r>
+              <a:rPr kumimoji="1" lang="ja-JP" altLang="en-US" dirty="0"/>
+              <a:t>の際のコマンドは一行で打ち込み、さいごの</a:t>
+            </a:r>
+            <a:r>
+              <a:rPr kumimoji="1" lang="en-US" altLang="ja-JP" dirty="0"/>
+              <a:t>install</a:t>
+            </a:r>
+            <a:r>
+              <a:rPr kumimoji="1" lang="ja-JP" altLang="en-US" dirty="0"/>
+              <a:t>打ってからエンター</a:t>
             </a:r>
             <a:endParaRPr kumimoji="1" lang="en-US" altLang="ja-JP" dirty="0"/>
           </a:p>
@@ -1681,8 +1762,11 @@
             </a:r>
             <a:r>
               <a:rPr kumimoji="1" lang="ja-JP" altLang="en-US" dirty="0"/>
-              <a:t>のセットアップは終了です</a:t>
-            </a:r>
+              <a:t>のセットアップは終了</a:t>
+            </a:r>
+            <a:endParaRPr kumimoji="1" lang="en-US" altLang="ja-JP" dirty="0"/>
+          </a:p>
+          <a:p>
             <a:endParaRPr kumimoji="1" lang="en-US" altLang="ja-JP" dirty="0"/>
           </a:p>
         </p:txBody>
@@ -1775,27 +1859,30 @@
               <a:rPr kumimoji="1" lang="en-US" altLang="ja-JP" dirty="0"/>
               <a:t>bzip2</a:t>
             </a:r>
+          </a:p>
+          <a:p>
+            <a:r>
+              <a:rPr kumimoji="1" lang="en-US" altLang="ja-JP" dirty="0"/>
+              <a:t>bzip2</a:t>
+            </a:r>
             <a:r>
               <a:rPr kumimoji="1" lang="ja-JP" altLang="en-US" dirty="0"/>
-              <a:t>です</a:t>
+              <a:t>は一時公式が怪しいサイト化したことがある</a:t>
+            </a:r>
+            <a:r>
+              <a:rPr kumimoji="1" lang="en-US" altLang="ja-JP" dirty="0"/>
+              <a:t>&gt;</a:t>
+            </a:r>
+            <a:r>
+              <a:rPr kumimoji="1" lang="ja-JP" altLang="en-US" dirty="0"/>
+              <a:t>パッケージ検索サイトからが安全</a:t>
             </a:r>
             <a:endParaRPr kumimoji="1" lang="en-US" altLang="ja-JP" dirty="0"/>
           </a:p>
           <a:p>
             <a:r>
-              <a:rPr kumimoji="1" lang="en-US" altLang="ja-JP" dirty="0"/>
-              <a:t>Bzip2</a:t>
-            </a:r>
-            <a:r>
-              <a:rPr kumimoji="1" lang="ja-JP" altLang="en-US" dirty="0"/>
-              <a:t>は一時公式が怪しいサイト化したことがあるので、パッケージ検索サイトからが安全です</a:t>
-            </a:r>
-            <a:endParaRPr kumimoji="1" lang="en-US" altLang="ja-JP" dirty="0"/>
-          </a:p>
-          <a:p>
-            <a:r>
               <a:rPr kumimoji="1" lang="en-US" altLang="ja-JP" dirty="0" err="1"/>
-              <a:t>Wget</a:t>
+              <a:t>wget</a:t>
             </a:r>
             <a:r>
               <a:rPr kumimoji="1" lang="ja-JP" altLang="en-US" dirty="0"/>
@@ -1815,8 +1902,12 @@
             </a:r>
             <a:r>
               <a:rPr kumimoji="1" lang="ja-JP" altLang="en-US" dirty="0"/>
-              <a:t>と同様です</a:t>
-            </a:r>
+              <a:t>と同じ</a:t>
+            </a:r>
+            <a:endParaRPr kumimoji="1" lang="en-US" altLang="ja-JP" dirty="0"/>
+          </a:p>
+          <a:p>
+            <a:endParaRPr kumimoji="1" lang="ja-JP" altLang="en-US" dirty="0"/>
           </a:p>
         </p:txBody>
       </p:sp>
@@ -1902,7 +1993,7 @@
           <a:p>
             <a:r>
               <a:rPr kumimoji="1" lang="en-US" altLang="ja-JP" dirty="0"/>
-              <a:t>Bzip2</a:t>
+              <a:t>bzip2</a:t>
             </a:r>
             <a:r>
               <a:rPr kumimoji="1" lang="ja-JP" altLang="en-US" dirty="0"/>
@@ -1922,33 +2013,50 @@
             </a:r>
             <a:r>
               <a:rPr kumimoji="1" lang="ja-JP" altLang="en-US" dirty="0"/>
-              <a:t>を行います。</a:t>
+              <a:t>を行う</a:t>
             </a:r>
             <a:endParaRPr kumimoji="1" lang="en-US" altLang="ja-JP" dirty="0"/>
           </a:p>
           <a:p>
+            <a:endParaRPr kumimoji="1" lang="en-US" altLang="ja-JP" dirty="0"/>
+          </a:p>
+          <a:p>
             <a:r>
               <a:rPr kumimoji="1" lang="en-US" altLang="ja-JP" dirty="0"/>
-              <a:t>Bzip2.c</a:t>
+              <a:t>bzip2.c</a:t>
             </a:r>
             <a:r>
               <a:rPr kumimoji="1" lang="ja-JP" altLang="en-US" dirty="0"/>
-              <a:t>では逆スラッシュをスラッシュへ書き換えます。</a:t>
+              <a:t>では逆スラッシュをスラッシュへ書き換え</a:t>
             </a:r>
             <a:endParaRPr kumimoji="1" lang="en-US" altLang="ja-JP" dirty="0"/>
           </a:p>
           <a:p>
             <a:r>
               <a:rPr kumimoji="1" lang="ja-JP" altLang="en-US" dirty="0"/>
-              <a:t>これは使用しているフォントによって円マークか左上から右下へ向かう逆スラッシュで表示されていますので、編集で使用するエディタで確認してください。</a:t>
+              <a:t>これは使用しているフォントによって円マークで表示される</a:t>
+            </a:r>
+            <a:r>
+              <a:rPr kumimoji="1" lang="en-US" altLang="ja-JP" dirty="0"/>
+              <a:t>&gt;</a:t>
+            </a:r>
+            <a:r>
+              <a:rPr kumimoji="1" lang="ja-JP" altLang="en-US" dirty="0"/>
+              <a:t>事前に編集で使用するエディタで確認必要</a:t>
             </a:r>
             <a:endParaRPr kumimoji="1" lang="en-US" altLang="ja-JP" dirty="0"/>
           </a:p>
           <a:p>
             <a:r>
               <a:rPr kumimoji="1" lang="ja-JP" altLang="en-US" dirty="0"/>
-              <a:t>また、</a:t>
-            </a:r>
+              <a:t>キーボードの「ろ」を半角英数（直接入力）で押すと確認出来る</a:t>
+            </a:r>
+            <a:endParaRPr kumimoji="1" lang="en-US" altLang="ja-JP" dirty="0"/>
+          </a:p>
+          <a:p>
+            <a:endParaRPr kumimoji="1" lang="en-US" altLang="ja-JP" dirty="0"/>
+          </a:p>
+          <a:p>
             <a:r>
               <a:rPr kumimoji="1" lang="en-US" altLang="ja-JP" dirty="0" err="1"/>
               <a:t>Makefile</a:t>
@@ -1963,14 +2071,18 @@
             </a:r>
             <a:r>
               <a:rPr kumimoji="1" lang="ja-JP" altLang="en-US" dirty="0"/>
-              <a:t>などのディレクトリを書き換えておきます。</a:t>
+              <a:t>などのディレクトリを書き換える</a:t>
             </a:r>
             <a:endParaRPr kumimoji="1" lang="en-US" altLang="ja-JP" dirty="0"/>
           </a:p>
           <a:p>
             <a:r>
+              <a:rPr kumimoji="1" lang="en-US" altLang="ja-JP" dirty="0"/>
+              <a:t>Make</a:t>
+            </a:r>
+            <a:r>
               <a:rPr kumimoji="1" lang="ja-JP" altLang="en-US" dirty="0"/>
-              <a:t>そして、ヘッダファイル</a:t>
+              <a:t>を実行し、ヘッダファイル</a:t>
             </a:r>
             <a:r>
               <a:rPr kumimoji="1" lang="en-US" altLang="ja-JP" dirty="0" err="1"/>
@@ -1994,7 +2106,7 @@
             </a:r>
             <a:r>
               <a:rPr kumimoji="1" lang="ja-JP" altLang="en-US" dirty="0"/>
-              <a:t>ファイルをそれぞれコピーします。</a:t>
+              <a:t>ファイルをそれぞれコピー</a:t>
             </a:r>
           </a:p>
         </p:txBody>
@@ -2081,21 +2193,24 @@
           <a:p>
             <a:r>
               <a:rPr kumimoji="1" lang="ja-JP" altLang="en-US" dirty="0"/>
-              <a:t>以上で準備終了です。</a:t>
+              <a:t>以上で準備終了</a:t>
             </a:r>
             <a:endParaRPr kumimoji="1" lang="en-US" altLang="ja-JP" dirty="0"/>
           </a:p>
           <a:p>
             <a:r>
               <a:rPr kumimoji="1" lang="ja-JP" altLang="en-US" dirty="0"/>
-              <a:t>この先のソースコード入手などは各所に情報がありますのでここでは省略させて頂きます。</a:t>
+              <a:t>この先のソースコード入手などは各所に情報があるため、冒頭で話したとおり省略</a:t>
             </a:r>
             <a:endParaRPr kumimoji="1" lang="en-US" altLang="ja-JP" dirty="0"/>
           </a:p>
           <a:p>
+            <a:endParaRPr kumimoji="1" lang="en-US" altLang="ja-JP" dirty="0"/>
+          </a:p>
+          <a:p>
             <a:r>
               <a:rPr kumimoji="1" lang="ja-JP" altLang="en-US" dirty="0"/>
-              <a:t>さて、一部は編集したりコピーしたりと大変かも知れませんが、</a:t>
+              <a:t>一部は編集したりコピーしたりと大変かも知れませんが、</a:t>
             </a:r>
             <a:r>
               <a:rPr kumimoji="1" lang="en-US" altLang="ja-JP" dirty="0"/>
@@ -2103,8 +2218,11 @@
             </a:r>
             <a:r>
               <a:rPr kumimoji="1" lang="ja-JP" altLang="en-US" dirty="0"/>
-              <a:t>は今はアプリとなっているため入れるのは凄く楽です。</a:t>
-            </a:r>
+              <a:t>自体はアプリとなっているため入れるのは凄く楽</a:t>
+            </a:r>
+            <a:endParaRPr kumimoji="1" lang="en-US" altLang="ja-JP" dirty="0"/>
+          </a:p>
+          <a:p>
             <a:endParaRPr kumimoji="1" lang="en-US" altLang="ja-JP" dirty="0"/>
           </a:p>
           <a:p>
@@ -2114,15 +2232,18 @@
             </a:r>
             <a:r>
               <a:rPr kumimoji="1" lang="ja-JP" altLang="en-US" dirty="0"/>
-              <a:t>版触れた方いらっしゃるかも知れませんが、その頃はコマンドプロンプトを呼びコマンドを打ち導入する必要がありました。</a:t>
+              <a:t>版はコマンドプロンプトを呼びコマンドを打ち導入する必要があった</a:t>
             </a:r>
             <a:endParaRPr kumimoji="1" lang="en-US" altLang="ja-JP" dirty="0"/>
           </a:p>
           <a:p>
             <a:r>
               <a:rPr kumimoji="1" lang="ja-JP" altLang="en-US" dirty="0"/>
-              <a:t>今はかなりお手軽です。バリアフリーに近いです。</a:t>
-            </a:r>
+              <a:t>今はかなりお手軽</a:t>
+            </a:r>
+            <a:endParaRPr kumimoji="1" lang="en-US" altLang="ja-JP" dirty="0"/>
+          </a:p>
+          <a:p>
             <a:endParaRPr kumimoji="1" lang="en-US" altLang="ja-JP" dirty="0"/>
           </a:p>
           <a:p>
@@ -2144,7 +2265,14 @@
             </a:r>
             <a:r>
               <a:rPr kumimoji="1" lang="ja-JP" altLang="en-US" dirty="0"/>
-              <a:t>エディタに慣れる必要は有りません。作業ディレクトリの移動は必要となりますが、</a:t>
+              <a:t>エディタに慣れる必要はない</a:t>
+            </a:r>
+            <a:endParaRPr kumimoji="1" lang="en-US" altLang="ja-JP" dirty="0"/>
+          </a:p>
+          <a:p>
+            <a:r>
+              <a:rPr kumimoji="1" lang="ja-JP" altLang="en-US" dirty="0"/>
+              <a:t>作業ディレクトリの移動は必要となりますが、</a:t>
             </a:r>
             <a:r>
               <a:rPr kumimoji="1" lang="en-US" altLang="ja-JP" dirty="0"/>
@@ -2152,11 +2280,31 @@
             </a:r>
             <a:r>
               <a:rPr kumimoji="1" lang="ja-JP" altLang="en-US" dirty="0"/>
-              <a:t>で編集しても読み込むこと出来ます。</a:t>
+              <a:t>で編集しても読み込むこと出来る</a:t>
             </a:r>
             <a:endParaRPr kumimoji="1" lang="en-US" altLang="ja-JP" dirty="0"/>
           </a:p>
           <a:p>
+            <a:r>
+              <a:rPr kumimoji="1" lang="ja-JP" altLang="en-US" baseline="0" dirty="0"/>
+              <a:t>保存時に文字コード</a:t>
+            </a:r>
+            <a:r>
+              <a:rPr kumimoji="1" lang="en-US" altLang="ja-JP" baseline="0" dirty="0"/>
+              <a:t>UTF-8</a:t>
+            </a:r>
+            <a:r>
+              <a:rPr kumimoji="1" lang="ja-JP" altLang="en-US" baseline="0" dirty="0"/>
+              <a:t>、改行コード</a:t>
+            </a:r>
+            <a:r>
+              <a:rPr kumimoji="1" lang="en-US" altLang="ja-JP" baseline="0" dirty="0"/>
+              <a:t>LF</a:t>
+            </a:r>
+            <a:r>
+              <a:rPr kumimoji="1" lang="ja-JP" altLang="en-US" baseline="0" dirty="0"/>
+              <a:t>にさえすれば、</a:t>
+            </a:r>
             <a:r>
               <a:rPr kumimoji="1" lang="en-US" altLang="ja-JP" dirty="0"/>
               <a:t>VS</a:t>
@@ -2167,7 +2315,7 @@
             </a:r>
             <a:r>
               <a:rPr kumimoji="1" lang="ja-JP" altLang="en-US" baseline="0" dirty="0"/>
-              <a:t>がいい方、サクラエディタがいい方問題ありません。それそのまま使えます。</a:t>
+              <a:t>やサクラエディタそのまま使える</a:t>
             </a:r>
             <a:endParaRPr kumimoji="1" lang="ja-JP" altLang="en-US" dirty="0"/>
           </a:p>
@@ -2499,7 +2647,7 @@
           <a:p>
             <a:r>
               <a:rPr kumimoji="1" lang="ja-JP" altLang="en-US" dirty="0"/>
-              <a:t>シェルスクリプトでトリミングから</a:t>
+              <a:t>腕に覚えある方、シェルスクリプトでトリミングから</a:t>
             </a:r>
             <a:r>
               <a:rPr kumimoji="1" lang="en-US" altLang="ja-JP" dirty="0" err="1"/>
@@ -2507,7 +2655,7 @@
             </a:r>
             <a:r>
               <a:rPr kumimoji="1" lang="ja-JP" altLang="en-US" dirty="0"/>
-              <a:t>化してアドオンフォルダへコピーまでの一連の作業を自動化も不可能ではありません。</a:t>
+              <a:t>化してアドオンフォルダへコピーまでの一連の作業を自動化も不可能ではない</a:t>
             </a:r>
             <a:endParaRPr kumimoji="1" lang="en-US" altLang="ja-JP" dirty="0"/>
           </a:p>
@@ -2522,7 +2670,7 @@
             </a:r>
             <a:r>
               <a:rPr kumimoji="1" lang="ja-JP" altLang="en-US" dirty="0"/>
-              <a:t>での知識をそのまま使えます。</a:t>
+              <a:t>の知識をそのまま使える</a:t>
             </a:r>
             <a:endParaRPr kumimoji="1" lang="en-US" altLang="ja-JP" dirty="0"/>
           </a:p>
@@ -5692,7 +5840,7 @@
           <a:p>
             <a:fld id="{EFCA2F27-532F-4E2E-86E8-C011D6D4D29E}" type="datetimeFigureOut">
               <a:rPr kumimoji="1" lang="ja-JP" altLang="en-US" smtClean="0"/>
-              <a:t>2019/6/15</a:t>
+              <a:t>2019/6/16</a:t>
             </a:fld>
             <a:endParaRPr kumimoji="1" lang="ja-JP" altLang="en-US"/>
           </a:p>
@@ -5990,7 +6138,7 @@
           <a:p>
             <a:fld id="{EFCA2F27-532F-4E2E-86E8-C011D6D4D29E}" type="datetimeFigureOut">
               <a:rPr kumimoji="1" lang="ja-JP" altLang="en-US" smtClean="0"/>
-              <a:t>2019/6/15</a:t>
+              <a:t>2019/6/16</a:t>
             </a:fld>
             <a:endParaRPr kumimoji="1" lang="ja-JP" altLang="en-US"/>
           </a:p>
@@ -6236,7 +6384,7 @@
           <a:p>
             <a:fld id="{EFCA2F27-532F-4E2E-86E8-C011D6D4D29E}" type="datetimeFigureOut">
               <a:rPr kumimoji="1" lang="ja-JP" altLang="en-US" smtClean="0"/>
-              <a:t>2019/6/15</a:t>
+              <a:t>2019/6/16</a:t>
             </a:fld>
             <a:endParaRPr kumimoji="1" lang="ja-JP" altLang="en-US"/>
           </a:p>
@@ -6402,7 +6550,7 @@
           <a:p>
             <a:fld id="{43172269-E0BE-4177-A733-9CAC9D8021AA}" type="datetimeFigureOut">
               <a:rPr kumimoji="1" lang="ja-JP" altLang="en-US" smtClean="0"/>
-              <a:t>2019/6/15</a:t>
+              <a:t>2019/6/16</a:t>
             </a:fld>
             <a:endParaRPr kumimoji="1" lang="ja-JP" altLang="en-US"/>
           </a:p>
@@ -6632,7 +6780,7 @@
           <a:p>
             <a:fld id="{43172269-E0BE-4177-A733-9CAC9D8021AA}" type="datetimeFigureOut">
               <a:rPr kumimoji="1" lang="ja-JP" altLang="en-US" smtClean="0"/>
-              <a:t>2019/6/15</a:t>
+              <a:t>2019/6/16</a:t>
             </a:fld>
             <a:endParaRPr kumimoji="1" lang="ja-JP" altLang="en-US"/>
           </a:p>
@@ -6907,7 +7055,7 @@
           <a:p>
             <a:fld id="{43172269-E0BE-4177-A733-9CAC9D8021AA}" type="datetimeFigureOut">
               <a:rPr kumimoji="1" lang="ja-JP" altLang="en-US" smtClean="0"/>
-              <a:t>2019/6/15</a:t>
+              <a:t>2019/6/16</a:t>
             </a:fld>
             <a:endParaRPr kumimoji="1" lang="ja-JP" altLang="en-US"/>
           </a:p>
@@ -7236,7 +7384,7 @@
           <a:p>
             <a:fld id="{43172269-E0BE-4177-A733-9CAC9D8021AA}" type="datetimeFigureOut">
               <a:rPr kumimoji="1" lang="ja-JP" altLang="en-US" smtClean="0"/>
-              <a:t>2019/6/15</a:t>
+              <a:t>2019/6/16</a:t>
             </a:fld>
             <a:endParaRPr kumimoji="1" lang="ja-JP" altLang="en-US"/>
           </a:p>
@@ -7712,7 +7860,7 @@
           <a:p>
             <a:fld id="{43172269-E0BE-4177-A733-9CAC9D8021AA}" type="datetimeFigureOut">
               <a:rPr kumimoji="1" lang="ja-JP" altLang="en-US" smtClean="0"/>
-              <a:t>2019/6/15</a:t>
+              <a:t>2019/6/16</a:t>
             </a:fld>
             <a:endParaRPr kumimoji="1" lang="ja-JP" altLang="en-US"/>
           </a:p>
@@ -7853,7 +8001,7 @@
           <a:p>
             <a:fld id="{43172269-E0BE-4177-A733-9CAC9D8021AA}" type="datetimeFigureOut">
               <a:rPr kumimoji="1" lang="ja-JP" altLang="en-US" smtClean="0"/>
-              <a:t>2019/6/15</a:t>
+              <a:t>2019/6/16</a:t>
             </a:fld>
             <a:endParaRPr kumimoji="1" lang="ja-JP" altLang="en-US"/>
           </a:p>
@@ -7966,7 +8114,7 @@
           <a:p>
             <a:fld id="{43172269-E0BE-4177-A733-9CAC9D8021AA}" type="datetimeFigureOut">
               <a:rPr kumimoji="1" lang="ja-JP" altLang="en-US" smtClean="0"/>
-              <a:t>2019/6/15</a:t>
+              <a:t>2019/6/16</a:t>
             </a:fld>
             <a:endParaRPr kumimoji="1" lang="ja-JP" altLang="en-US"/>
           </a:p>
@@ -8309,7 +8457,7 @@
           <a:p>
             <a:fld id="{43172269-E0BE-4177-A733-9CAC9D8021AA}" type="datetimeFigureOut">
               <a:rPr kumimoji="1" lang="ja-JP" altLang="en-US" smtClean="0"/>
-              <a:t>2019/6/15</a:t>
+              <a:t>2019/6/16</a:t>
             </a:fld>
             <a:endParaRPr kumimoji="1" lang="ja-JP" altLang="en-US"/>
           </a:p>
@@ -8599,7 +8747,7 @@
           <a:p>
             <a:fld id="{EFCA2F27-532F-4E2E-86E8-C011D6D4D29E}" type="datetimeFigureOut">
               <a:rPr kumimoji="1" lang="ja-JP" altLang="en-US" smtClean="0"/>
-              <a:t>2019/6/15</a:t>
+              <a:t>2019/6/16</a:t>
             </a:fld>
             <a:endParaRPr kumimoji="1" lang="ja-JP" altLang="en-US"/>
           </a:p>
@@ -8833,7 +8981,7 @@
           <a:p>
             <a:fld id="{43172269-E0BE-4177-A733-9CAC9D8021AA}" type="datetimeFigureOut">
               <a:rPr kumimoji="1" lang="ja-JP" altLang="en-US" smtClean="0"/>
-              <a:t>2019/6/15</a:t>
+              <a:t>2019/6/16</a:t>
             </a:fld>
             <a:endParaRPr kumimoji="1" lang="ja-JP" altLang="en-US"/>
           </a:p>
@@ -9063,7 +9211,7 @@
           <a:p>
             <a:fld id="{43172269-E0BE-4177-A733-9CAC9D8021AA}" type="datetimeFigureOut">
               <a:rPr kumimoji="1" lang="ja-JP" altLang="en-US" smtClean="0"/>
-              <a:t>2019/6/15</a:t>
+              <a:t>2019/6/16</a:t>
             </a:fld>
             <a:endParaRPr kumimoji="1" lang="ja-JP" altLang="en-US"/>
           </a:p>
@@ -9303,7 +9451,7 @@
           <a:p>
             <a:fld id="{43172269-E0BE-4177-A733-9CAC9D8021AA}" type="datetimeFigureOut">
               <a:rPr kumimoji="1" lang="ja-JP" altLang="en-US" smtClean="0"/>
-              <a:t>2019/6/15</a:t>
+              <a:t>2019/6/16</a:t>
             </a:fld>
             <a:endParaRPr kumimoji="1" lang="ja-JP" altLang="en-US"/>
           </a:p>
@@ -9584,7 +9732,7 @@
           <a:p>
             <a:fld id="{EFCA2F27-532F-4E2E-86E8-C011D6D4D29E}" type="datetimeFigureOut">
               <a:rPr kumimoji="1" lang="ja-JP" altLang="en-US" smtClean="0"/>
-              <a:t>2019/6/15</a:t>
+              <a:t>2019/6/16</a:t>
             </a:fld>
             <a:endParaRPr kumimoji="1" lang="ja-JP" altLang="en-US"/>
           </a:p>
@@ -9969,7 +10117,7 @@
           <a:p>
             <a:fld id="{EFCA2F27-532F-4E2E-86E8-C011D6D4D29E}" type="datetimeFigureOut">
               <a:rPr kumimoji="1" lang="ja-JP" altLang="en-US" smtClean="0"/>
-              <a:t>2019/6/15</a:t>
+              <a:t>2019/6/16</a:t>
             </a:fld>
             <a:endParaRPr kumimoji="1" lang="ja-JP" altLang="en-US"/>
           </a:p>
@@ -10493,7 +10641,7 @@
           <a:p>
             <a:fld id="{EFCA2F27-532F-4E2E-86E8-C011D6D4D29E}" type="datetimeFigureOut">
               <a:rPr kumimoji="1" lang="ja-JP" altLang="en-US" smtClean="0"/>
-              <a:t>2019/6/15</a:t>
+              <a:t>2019/6/16</a:t>
             </a:fld>
             <a:endParaRPr kumimoji="1" lang="ja-JP" altLang="en-US"/>
           </a:p>
@@ -10646,7 +10794,7 @@
           <a:p>
             <a:fld id="{EFCA2F27-532F-4E2E-86E8-C011D6D4D29E}" type="datetimeFigureOut">
               <a:rPr kumimoji="1" lang="ja-JP" altLang="en-US" smtClean="0"/>
-              <a:t>2019/6/15</a:t>
+              <a:t>2019/6/16</a:t>
             </a:fld>
             <a:endParaRPr kumimoji="1" lang="ja-JP" altLang="en-US"/>
           </a:p>
@@ -10777,7 +10925,7 @@
           <a:p>
             <a:fld id="{EFCA2F27-532F-4E2E-86E8-C011D6D4D29E}" type="datetimeFigureOut">
               <a:rPr kumimoji="1" lang="ja-JP" altLang="en-US" smtClean="0"/>
-              <a:t>2019/6/15</a:t>
+              <a:t>2019/6/16</a:t>
             </a:fld>
             <a:endParaRPr kumimoji="1" lang="ja-JP" altLang="en-US"/>
           </a:p>
@@ -11120,7 +11268,7 @@
           <a:p>
             <a:fld id="{EFCA2F27-532F-4E2E-86E8-C011D6D4D29E}" type="datetimeFigureOut">
               <a:rPr kumimoji="1" lang="ja-JP" altLang="en-US" smtClean="0"/>
-              <a:t>2019/6/15</a:t>
+              <a:t>2019/6/16</a:t>
             </a:fld>
             <a:endParaRPr kumimoji="1" lang="ja-JP" altLang="en-US"/>
           </a:p>
@@ -11412,7 +11560,7 @@
           <a:p>
             <a:fld id="{EFCA2F27-532F-4E2E-86E8-C011D6D4D29E}" type="datetimeFigureOut">
               <a:rPr kumimoji="1" lang="ja-JP" altLang="en-US" smtClean="0"/>
-              <a:t>2019/6/15</a:t>
+              <a:t>2019/6/16</a:t>
             </a:fld>
             <a:endParaRPr kumimoji="1" lang="ja-JP" altLang="en-US"/>
           </a:p>
@@ -13391,7 +13539,7 @@
           <a:p>
             <a:fld id="{EFCA2F27-532F-4E2E-86E8-C011D6D4D29E}" type="datetimeFigureOut">
               <a:rPr kumimoji="1" lang="ja-JP" altLang="en-US" smtClean="0"/>
-              <a:t>2019/6/15</a:t>
+              <a:t>2019/6/16</a:t>
             </a:fld>
             <a:endParaRPr kumimoji="1" lang="ja-JP" altLang="en-US"/>
           </a:p>
@@ -14043,7 +14191,7 @@
           <a:p>
             <a:fld id="{43172269-E0BE-4177-A733-9CAC9D8021AA}" type="datetimeFigureOut">
               <a:rPr kumimoji="1" lang="ja-JP" altLang="en-US" smtClean="0"/>
-              <a:t>2019/6/15</a:t>
+              <a:t>2019/6/16</a:t>
             </a:fld>
             <a:endParaRPr kumimoji="1" lang="ja-JP" altLang="en-US"/>
           </a:p>
@@ -17775,6 +17923,149 @@
           </a:p>
         </p:txBody>
       </p:sp>
+      <p:sp>
+        <p:nvSpPr>
+          <p:cNvPr id="4" name="テキスト ボックス 3">
+            <a:extLst>
+              <a:ext uri="{FF2B5EF4-FFF2-40B4-BE49-F238E27FC236}">
+                <a16:creationId xmlns:a16="http://schemas.microsoft.com/office/drawing/2014/main" id="{4D191B07-9531-4864-AF8C-6A27FEC4F80E}"/>
+              </a:ext>
+            </a:extLst>
+          </p:cNvPr>
+          <p:cNvSpPr txBox="1"/>
+          <p:nvPr/>
+        </p:nvSpPr>
+        <p:spPr>
+          <a:xfrm>
+            <a:off x="609600" y="1828800"/>
+            <a:ext cx="10972800" cy="4571999"/>
+          </a:xfrm>
+          <a:prstGeom prst="rect">
+            <a:avLst/>
+          </a:prstGeom>
+          <a:solidFill>
+            <a:schemeClr val="bg1"/>
+          </a:solidFill>
+          <a:ln w="19050">
+            <a:solidFill>
+              <a:schemeClr val="accent1"/>
+            </a:solidFill>
+          </a:ln>
+        </p:spPr>
+        <p:txBody>
+          <a:bodyPr wrap="square" rtlCol="0" anchor="ctr">
+            <a:noAutofit/>
+          </a:bodyPr>
+          <a:lstStyle/>
+          <a:p>
+            <a:r>
+              <a:rPr lang="en-US" altLang="ja-JP" sz="3600" b="1" dirty="0">
+                <a:latin typeface="Takaoゴシック" panose="020B0509000000000000" pitchFamily="49" charset="-128"/>
+                <a:ea typeface="Takaoゴシック" panose="020B0509000000000000" pitchFamily="49" charset="-128"/>
+              </a:rPr>
+              <a:t>	</a:t>
+            </a:r>
+            <a:r>
+              <a:rPr lang="ja-JP" altLang="en-US" sz="3600" b="1" dirty="0">
+                <a:latin typeface="Takaoゴシック" panose="020B0509000000000000" pitchFamily="49" charset="-128"/>
+                <a:ea typeface="Takaoゴシック" panose="020B0509000000000000" pitchFamily="49" charset="-128"/>
+              </a:rPr>
+              <a:t>これから先のスライドで出る記号</a:t>
+            </a:r>
+            <a:endParaRPr lang="en-US" altLang="ja-JP" sz="3600" b="1" dirty="0">
+              <a:latin typeface="Takaoゴシック" panose="020B0509000000000000" pitchFamily="49" charset="-128"/>
+              <a:ea typeface="Takaoゴシック" panose="020B0509000000000000" pitchFamily="49" charset="-128"/>
+            </a:endParaRPr>
+          </a:p>
+          <a:p>
+            <a:r>
+              <a:rPr kumimoji="1" lang="en-US" altLang="ja-JP" sz="3600" b="1" dirty="0">
+                <a:latin typeface="Takaoゴシック" panose="020B0509000000000000" pitchFamily="49" charset="-128"/>
+                <a:ea typeface="Takaoゴシック" panose="020B0509000000000000" pitchFamily="49" charset="-128"/>
+              </a:rPr>
+              <a:t>	</a:t>
+            </a:r>
+            <a:r>
+              <a:rPr kumimoji="1" lang="ja-JP" altLang="en-US" sz="3600" b="1" dirty="0">
+                <a:latin typeface="Takaoゴシック" panose="020B0509000000000000" pitchFamily="49" charset="-128"/>
+                <a:ea typeface="Takaoゴシック" panose="020B0509000000000000" pitchFamily="49" charset="-128"/>
+              </a:rPr>
+              <a:t>⏎：改行・エンター</a:t>
+            </a:r>
+            <a:endParaRPr lang="en-US" altLang="ja-JP" sz="3600" b="1" dirty="0">
+              <a:latin typeface="Takaoゴシック" panose="020B0509000000000000" pitchFamily="49" charset="-128"/>
+              <a:ea typeface="Takaoゴシック" panose="020B0509000000000000" pitchFamily="49" charset="-128"/>
+            </a:endParaRPr>
+          </a:p>
+          <a:p>
+            <a:r>
+              <a:rPr kumimoji="1" lang="en-US" altLang="ja-JP" sz="3600" b="1" dirty="0">
+                <a:latin typeface="Takaoゴシック" panose="020B0509000000000000" pitchFamily="49" charset="-128"/>
+                <a:ea typeface="Takaoゴシック" panose="020B0509000000000000" pitchFamily="49" charset="-128"/>
+              </a:rPr>
+              <a:t>	</a:t>
+            </a:r>
+            <a:r>
+              <a:rPr kumimoji="1" lang="ja-JP" altLang="en-US" sz="3600" b="1" dirty="0">
+                <a:latin typeface="Takaoゴシック" panose="020B0509000000000000" pitchFamily="49" charset="-128"/>
+                <a:ea typeface="Takaoゴシック" panose="020B0509000000000000" pitchFamily="49" charset="-128"/>
+              </a:rPr>
+              <a:t>␣：半角スペース</a:t>
+            </a:r>
+            <a:endParaRPr kumimoji="1" lang="en-US" altLang="ja-JP" sz="3600" b="1" dirty="0">
+              <a:latin typeface="Takaoゴシック" panose="020B0509000000000000" pitchFamily="49" charset="-128"/>
+              <a:ea typeface="Takaoゴシック" panose="020B0509000000000000" pitchFamily="49" charset="-128"/>
+            </a:endParaRPr>
+          </a:p>
+          <a:p>
+            <a:r>
+              <a:rPr lang="en-US" altLang="ja-JP" sz="3600" b="1" dirty="0">
+                <a:latin typeface="Takaoゴシック" panose="020B0509000000000000" pitchFamily="49" charset="-128"/>
+                <a:ea typeface="Takaoゴシック" panose="020B0509000000000000" pitchFamily="49" charset="-128"/>
+              </a:rPr>
+              <a:t>	</a:t>
+            </a:r>
+            <a:r>
+              <a:rPr kumimoji="1" lang="ja-JP" altLang="en-US" sz="3600" b="1" dirty="0">
+                <a:latin typeface="Takaoゴシック" panose="020B0509000000000000" pitchFamily="49" charset="-128"/>
+                <a:ea typeface="Takaoゴシック" panose="020B0509000000000000" pitchFamily="49" charset="-128"/>
+              </a:rPr>
+              <a:t>これら無い場合は続けて記述</a:t>
+            </a:r>
+            <a:endParaRPr kumimoji="1" lang="en-US" altLang="ja-JP" sz="3600" b="1" dirty="0">
+              <a:latin typeface="Takaoゴシック" panose="020B0509000000000000" pitchFamily="49" charset="-128"/>
+              <a:ea typeface="Takaoゴシック" panose="020B0509000000000000" pitchFamily="49" charset="-128"/>
+            </a:endParaRPr>
+          </a:p>
+          <a:p>
+            <a:r>
+              <a:rPr lang="en-US" altLang="ja-JP" sz="3600" b="1" dirty="0">
+                <a:latin typeface="Takaoゴシック" panose="020B0509000000000000" pitchFamily="49" charset="-128"/>
+                <a:ea typeface="Takaoゴシック" panose="020B0509000000000000" pitchFamily="49" charset="-128"/>
+              </a:rPr>
+              <a:t>	ex) </a:t>
+            </a:r>
+            <a:r>
+              <a:rPr lang="en-US" altLang="ja-JP" sz="3600" b="1" dirty="0" err="1">
+                <a:latin typeface="Takaoゴシック" panose="020B0509000000000000" pitchFamily="49" charset="-128"/>
+                <a:ea typeface="Takaoゴシック" panose="020B0509000000000000" pitchFamily="49" charset="-128"/>
+              </a:rPr>
+              <a:t>sudo␣apt␣update</a:t>
+            </a:r>
+            <a:r>
+              <a:rPr lang="ja-JP" altLang="en-US" sz="3600" b="1" dirty="0">
+                <a:latin typeface="Takaoゴシック" panose="020B0509000000000000" pitchFamily="49" charset="-128"/>
+                <a:ea typeface="Takaoゴシック" panose="020B0509000000000000" pitchFamily="49" charset="-128"/>
+              </a:rPr>
+              <a:t>⏎</a:t>
+            </a:r>
+            <a:endParaRPr kumimoji="1" lang="ja-JP" altLang="en-US" sz="3600" b="1" dirty="0">
+              <a:latin typeface="Takaoゴシック" panose="020B0509000000000000" pitchFamily="49" charset="-128"/>
+              <a:ea typeface="Takaoゴシック" panose="020B0509000000000000" pitchFamily="49" charset="-128"/>
+            </a:endParaRPr>
+          </a:p>
+        </p:txBody>
+      </p:sp>
     </p:spTree>
     <p:extLst>
       <p:ext uri="{BB962C8B-B14F-4D97-AF65-F5344CB8AC3E}">
@@ -17956,6 +18247,59 @@
                       </p:childTnLst>
                     </p:cTn>
                   </p:par>
+                  <p:par>
+                    <p:cTn id="15" fill="hold">
+                      <p:stCondLst>
+                        <p:cond delay="indefinite"/>
+                      </p:stCondLst>
+                      <p:childTnLst>
+                        <p:par>
+                          <p:cTn id="16" fill="hold">
+                            <p:stCondLst>
+                              <p:cond delay="0"/>
+                            </p:stCondLst>
+                            <p:childTnLst>
+                              <p:par>
+                                <p:cTn id="17" presetID="22" presetClass="entr" presetSubtype="1" fill="hold" grpId="0" nodeType="clickEffect">
+                                  <p:stCondLst>
+                                    <p:cond delay="0"/>
+                                  </p:stCondLst>
+                                  <p:childTnLst>
+                                    <p:set>
+                                      <p:cBhvr>
+                                        <p:cTn id="18" dur="1" fill="hold">
+                                          <p:stCondLst>
+                                            <p:cond delay="0"/>
+                                          </p:stCondLst>
+                                        </p:cTn>
+                                        <p:tgtEl>
+                                          <p:spTgt spid="4"/>
+                                        </p:tgtEl>
+                                        <p:attrNameLst>
+                                          <p:attrName>style.visibility</p:attrName>
+                                        </p:attrNameLst>
+                                      </p:cBhvr>
+                                      <p:to>
+                                        <p:strVal val="visible"/>
+                                      </p:to>
+                                    </p:set>
+                                    <p:animEffect transition="in" filter="wipe(up)">
+                                      <p:cBhvr>
+                                        <p:cTn id="19" dur="500"/>
+                                        <p:tgtEl>
+                                          <p:spTgt spid="4"/>
+                                        </p:tgtEl>
+                                      </p:cBhvr>
+                                    </p:animEffect>
+                                  </p:childTnLst>
+                                </p:cTn>
+                              </p:par>
+                            </p:childTnLst>
+                          </p:cTn>
+                        </p:par>
+                      </p:childTnLst>
+                    </p:cTn>
+                  </p:par>
                 </p:childTnLst>
               </p:cTn>
               <p:prevCondLst>
@@ -17979,6 +18323,7 @@
     </p:tnLst>
     <p:bldLst>
       <p:bldP spid="6" grpId="0" uiExpand="1" build="p"/>
+      <p:bldP spid="4" grpId="0" animBg="1"/>
     </p:bldLst>
   </p:timing>
 </p:sld>

--- a/SIMU_ON_WSL.pptx
+++ b/SIMU_ON_WSL.pptx
@@ -14890,7 +14890,7 @@
                 <a:latin typeface="TakaoExゴシック" panose="020B0500000000000000" pitchFamily="50" charset="-128"/>
                 <a:ea typeface="TakaoExゴシック" panose="020B0500000000000000" pitchFamily="50" charset="-128"/>
               </a:rPr>
-              <a:t>日本語化もこのときに行えるがここでは省略</a:t>
+              <a:t>日本語化については省略</a:t>
             </a:r>
             <a:endParaRPr kumimoji="1" lang="en-US" altLang="ja-JP" dirty="0">
               <a:latin typeface="TakaoExゴシック" panose="020B0500000000000000" pitchFamily="50" charset="-128"/>
@@ -21615,13 +21615,10 @@
               </a:rPr>
               <a:t>厳密なのは調べて頂ければ</a:t>
             </a:r>
-            <a:r>
-              <a:rPr kumimoji="1" lang="en-US" altLang="ja-JP" dirty="0">
-                <a:latin typeface="TakaoExゴシック" panose="020B0500000000000000" pitchFamily="50" charset="-128"/>
-                <a:ea typeface="TakaoExゴシック" panose="020B0500000000000000" pitchFamily="50" charset="-128"/>
-              </a:rPr>
-              <a:t>&gt;&lt;</a:t>
-            </a:r>
+            <a:endParaRPr kumimoji="1" lang="en-US" altLang="ja-JP" dirty="0">
+              <a:latin typeface="TakaoExゴシック" panose="020B0500000000000000" pitchFamily="50" charset="-128"/>
+              <a:ea typeface="TakaoExゴシック" panose="020B0500000000000000" pitchFamily="50" charset="-128"/>
+            </a:endParaRPr>
           </a:p>
           <a:p>
             <a:pPr lvl="1"/>
@@ -21779,189 +21776,7 @@
                                           </p:stCondLst>
                                         </p:cTn>
                                         <p:tgtEl>
-                                          <p:spTgt spid="3">
-                                            <p:txEl>
-                                              <p:pRg st="0" end="0"/>
-                                            </p:txEl>
-                                          </p:spTgt>
-                                        </p:tgtEl>
-                                        <p:attrNameLst>
-                                          <p:attrName>style.visibility</p:attrName>
-                                        </p:attrNameLst>
-                                      </p:cBhvr>
-                                      <p:to>
-                                        <p:strVal val="visible"/>
-                                      </p:to>
-                                    </p:set>
-                                  </p:childTnLst>
-                                </p:cTn>
-                              </p:par>
-                            </p:childTnLst>
-                          </p:cTn>
-                        </p:par>
-                      </p:childTnLst>
-                    </p:cTn>
-                  </p:par>
-                  <p:par>
-                    <p:cTn id="7" fill="hold">
-                      <p:stCondLst>
-                        <p:cond delay="indefinite"/>
-                      </p:stCondLst>
-                      <p:childTnLst>
-                        <p:par>
-                          <p:cTn id="8" fill="hold">
-                            <p:stCondLst>
-                              <p:cond delay="0"/>
-                            </p:stCondLst>
-                            <p:childTnLst>
-                              <p:par>
-                                <p:cTn id="9" presetID="1" presetClass="entr" presetSubtype="0" fill="hold" grpId="0" nodeType="clickEffect">
-                                  <p:stCondLst>
-                                    <p:cond delay="0"/>
-                                  </p:stCondLst>
-                                  <p:childTnLst>
-                                    <p:set>
-                                      <p:cBhvr>
-                                        <p:cTn id="10" dur="1" fill="hold">
-                                          <p:stCondLst>
-                                            <p:cond delay="0"/>
-                                          </p:stCondLst>
-                                        </p:cTn>
-                                        <p:tgtEl>
-                                          <p:spTgt spid="3">
-                                            <p:txEl>
-                                              <p:pRg st="1" end="1"/>
-                                            </p:txEl>
-                                          </p:spTgt>
-                                        </p:tgtEl>
-                                        <p:attrNameLst>
-                                          <p:attrName>style.visibility</p:attrName>
-                                        </p:attrNameLst>
-                                      </p:cBhvr>
-                                      <p:to>
-                                        <p:strVal val="visible"/>
-                                      </p:to>
-                                    </p:set>
-                                  </p:childTnLst>
-                                </p:cTn>
-                              </p:par>
-                              <p:par>
-                                <p:cTn id="11" presetID="1" presetClass="entr" presetSubtype="0" fill="hold" grpId="0" nodeType="withEffect">
-                                  <p:stCondLst>
-                                    <p:cond delay="0"/>
-                                  </p:stCondLst>
-                                  <p:childTnLst>
-                                    <p:set>
-                                      <p:cBhvr>
-                                        <p:cTn id="12" dur="1" fill="hold">
-                                          <p:stCondLst>
-                                            <p:cond delay="0"/>
-                                          </p:stCondLst>
-                                        </p:cTn>
-                                        <p:tgtEl>
-                                          <p:spTgt spid="3">
-                                            <p:txEl>
-                                              <p:pRg st="2" end="2"/>
-                                            </p:txEl>
-                                          </p:spTgt>
-                                        </p:tgtEl>
-                                        <p:attrNameLst>
-                                          <p:attrName>style.visibility</p:attrName>
-                                        </p:attrNameLst>
-                                      </p:cBhvr>
-                                      <p:to>
-                                        <p:strVal val="visible"/>
-                                      </p:to>
-                                    </p:set>
-                                  </p:childTnLst>
-                                </p:cTn>
-                              </p:par>
-                            </p:childTnLst>
-                          </p:cTn>
-                        </p:par>
-                      </p:childTnLst>
-                    </p:cTn>
-                  </p:par>
-                  <p:par>
-                    <p:cTn id="13" fill="hold">
-                      <p:stCondLst>
-                        <p:cond delay="indefinite"/>
-                      </p:stCondLst>
-                      <p:childTnLst>
-                        <p:par>
-                          <p:cTn id="14" fill="hold">
-                            <p:stCondLst>
-                              <p:cond delay="0"/>
-                            </p:stCondLst>
-                            <p:childTnLst>
-                              <p:par>
-                                <p:cTn id="15" presetID="1" presetClass="entr" presetSubtype="0" fill="hold" grpId="0" nodeType="clickEffect">
-                                  <p:stCondLst>
-                                    <p:cond delay="0"/>
-                                  </p:stCondLst>
-                                  <p:childTnLst>
-                                    <p:set>
-                                      <p:cBhvr>
-                                        <p:cTn id="16" dur="1" fill="hold">
-                                          <p:stCondLst>
-                                            <p:cond delay="0"/>
-                                          </p:stCondLst>
-                                        </p:cTn>
-                                        <p:tgtEl>
-                                          <p:spTgt spid="3">
-                                            <p:txEl>
-                                              <p:pRg st="3" end="3"/>
-                                            </p:txEl>
-                                          </p:spTgt>
-                                        </p:tgtEl>
-                                        <p:attrNameLst>
-                                          <p:attrName>style.visibility</p:attrName>
-                                        </p:attrNameLst>
-                                      </p:cBhvr>
-                                      <p:to>
-                                        <p:strVal val="visible"/>
-                                      </p:to>
-                                    </p:set>
-                                  </p:childTnLst>
-                                </p:cTn>
-                              </p:par>
-                            </p:childTnLst>
-                          </p:cTn>
-                        </p:par>
-                      </p:childTnLst>
-                    </p:cTn>
-                  </p:par>
-                  <p:par>
-                    <p:cTn id="17" fill="hold">
-                      <p:stCondLst>
-                        <p:cond delay="indefinite"/>
-                      </p:stCondLst>
-                      <p:childTnLst>
-                        <p:par>
-                          <p:cTn id="18" fill="hold">
-                            <p:stCondLst>
-                              <p:cond delay="0"/>
-                            </p:stCondLst>
-                            <p:childTnLst>
-                              <p:par>
-                                <p:cTn id="19" presetID="1" presetClass="entr" presetSubtype="0" fill="hold" grpId="0" nodeType="clickEffect">
-                                  <p:stCondLst>
-                                    <p:cond delay="0"/>
-                                  </p:stCondLst>
-                                  <p:childTnLst>
-                                    <p:set>
-                                      <p:cBhvr>
-                                        <p:cTn id="20" dur="1" fill="hold">
-                                          <p:stCondLst>
-                                            <p:cond delay="0"/>
-                                          </p:stCondLst>
-                                        </p:cTn>
-                                        <p:tgtEl>
-                                          <p:spTgt spid="3">
-                                            <p:txEl>
-                                              <p:pRg st="4" end="4"/>
-                                            </p:txEl>
-                                          </p:spTgt>
+                                          <p:spTgt spid="3"/>
                                         </p:tgtEl>
                                         <p:attrNameLst>
                                           <p:attrName>style.visibility</p:attrName>
@@ -22002,7 +21817,7 @@
       </p:par>
     </p:tnLst>
     <p:bldLst>
-      <p:bldP spid="3" grpId="0" uiExpand="1" build="p"/>
+      <p:bldP spid="3" grpId="0" uiExpand="1"/>
     </p:bldLst>
   </p:timing>
 </p:sld>
@@ -22635,19 +22450,8 @@
                 <a:latin typeface="TakaoExゴシック" panose="020B0500000000000000" pitchFamily="50" charset="-128"/>
                 <a:ea typeface="TakaoExゴシック" panose="020B0500000000000000" pitchFamily="50" charset="-128"/>
               </a:rPr>
-              <a:t>そこから先は先人の情報を見て</a:t>
-            </a:r>
-            <a:r>
-              <a:rPr kumimoji="1" lang="en-US" altLang="ja-JP" dirty="0">
-                <a:latin typeface="TakaoExゴシック" panose="020B0500000000000000" pitchFamily="50" charset="-128"/>
-                <a:ea typeface="TakaoExゴシック" panose="020B0500000000000000" pitchFamily="50" charset="-128"/>
-              </a:rPr>
-              <a:t>&gt;&lt;</a:t>
-            </a:r>
-            <a:endParaRPr kumimoji="1" lang="ja-JP" altLang="en-US" dirty="0">
-              <a:latin typeface="TakaoExゴシック" panose="020B0500000000000000" pitchFamily="50" charset="-128"/>
-              <a:ea typeface="TakaoExゴシック" panose="020B0500000000000000" pitchFamily="50" charset="-128"/>
-            </a:endParaRPr>
+              <a:t>そこから先は先人の情報を見て頂ければ</a:t>
+            </a:r>
           </a:p>
         </p:txBody>
       </p:sp>
@@ -22695,91 +22499,7 @@
                                           </p:stCondLst>
                                         </p:cTn>
                                         <p:tgtEl>
-                                          <p:spTgt spid="3">
-                                            <p:txEl>
-                                              <p:pRg st="0" end="0"/>
-                                            </p:txEl>
-                                          </p:spTgt>
-                                        </p:tgtEl>
-                                        <p:attrNameLst>
-                                          <p:attrName>style.visibility</p:attrName>
-                                        </p:attrNameLst>
-                                      </p:cBhvr>
-                                      <p:to>
-                                        <p:strVal val="visible"/>
-                                      </p:to>
-                                    </p:set>
-                                  </p:childTnLst>
-                                </p:cTn>
-                              </p:par>
-                            </p:childTnLst>
-                          </p:cTn>
-                        </p:par>
-                      </p:childTnLst>
-                    </p:cTn>
-                  </p:par>
-                  <p:par>
-                    <p:cTn id="7" fill="hold">
-                      <p:stCondLst>
-                        <p:cond delay="indefinite"/>
-                      </p:stCondLst>
-                      <p:childTnLst>
-                        <p:par>
-                          <p:cTn id="8" fill="hold">
-                            <p:stCondLst>
-                              <p:cond delay="0"/>
-                            </p:stCondLst>
-                            <p:childTnLst>
-                              <p:par>
-                                <p:cTn id="9" presetID="1" presetClass="entr" presetSubtype="0" fill="hold" grpId="0" nodeType="clickEffect">
-                                  <p:stCondLst>
-                                    <p:cond delay="0"/>
-                                  </p:stCondLst>
-                                  <p:childTnLst>
-                                    <p:set>
-                                      <p:cBhvr>
-                                        <p:cTn id="10" dur="1" fill="hold">
-                                          <p:stCondLst>
-                                            <p:cond delay="0"/>
-                                          </p:stCondLst>
-                                        </p:cTn>
-                                        <p:tgtEl>
-                                          <p:spTgt spid="3">
-                                            <p:txEl>
-                                              <p:pRg st="1" end="1"/>
-                                            </p:txEl>
-                                          </p:spTgt>
-                                        </p:tgtEl>
-                                        <p:attrNameLst>
-                                          <p:attrName>style.visibility</p:attrName>
-                                        </p:attrNameLst>
-                                      </p:cBhvr>
-                                      <p:to>
-                                        <p:strVal val="visible"/>
-                                      </p:to>
-                                    </p:set>
-                                  </p:childTnLst>
-                                </p:cTn>
-                              </p:par>
-                              <p:par>
-                                <p:cTn id="11" presetID="1" presetClass="entr" presetSubtype="0" fill="hold" grpId="0" nodeType="withEffect">
-                                  <p:stCondLst>
-                                    <p:cond delay="0"/>
-                                  </p:stCondLst>
-                                  <p:childTnLst>
-                                    <p:set>
-                                      <p:cBhvr>
-                                        <p:cTn id="12" dur="1" fill="hold">
-                                          <p:stCondLst>
-                                            <p:cond delay="0"/>
-                                          </p:stCondLst>
-                                        </p:cTn>
-                                        <p:tgtEl>
-                                          <p:spTgt spid="3">
-                                            <p:txEl>
-                                              <p:pRg st="2" end="2"/>
-                                            </p:txEl>
-                                          </p:spTgt>
+                                          <p:spTgt spid="3"/>
                                         </p:tgtEl>
                                         <p:attrNameLst>
                                           <p:attrName>style.visibility</p:attrName>
@@ -22820,7 +22540,7 @@
       </p:par>
     </p:tnLst>
     <p:bldLst>
-      <p:bldP spid="3" grpId="0" uiExpand="1" build="p"/>
+      <p:bldP spid="3" grpId="0" uiExpand="1"/>
     </p:bldLst>
   </p:timing>
 </p:sld>
@@ -29047,7 +28767,7 @@
                             </p:stCondLst>
                             <p:childTnLst>
                               <p:par>
-                                <p:cTn id="19" presetID="22" presetClass="entr" presetSubtype="8" fill="hold" grpId="0" nodeType="afterEffect">
+                                <p:cTn id="19" presetID="1" presetClass="entr" presetSubtype="0" fill="hold" grpId="0" nodeType="afterEffect">
                                   <p:stCondLst>
                                     <p:cond delay="0"/>
                                   </p:stCondLst>
@@ -29055,103 +28775,6 @@
                                     <p:set>
                                       <p:cBhvr>
                                         <p:cTn id="20" dur="1" fill="hold">
-                                          <p:stCondLst>
-                                            <p:cond delay="0"/>
-                                          </p:stCondLst>
-                                        </p:cTn>
-                                        <p:tgtEl>
-                                          <p:spTgt spid="9"/>
-                                        </p:tgtEl>
-                                        <p:attrNameLst>
-                                          <p:attrName>style.visibility</p:attrName>
-                                        </p:attrNameLst>
-                                      </p:cBhvr>
-                                      <p:to>
-                                        <p:strVal val="visible"/>
-                                      </p:to>
-                                    </p:set>
-                                    <p:animEffect transition="in" filter="wipe(left)">
-                                      <p:cBhvr>
-                                        <p:cTn id="21" dur="500"/>
-                                        <p:tgtEl>
-                                          <p:spTgt spid="9"/>
-                                        </p:tgtEl>
-                                      </p:cBhvr>
-                                    </p:animEffect>
-                                  </p:childTnLst>
-                                </p:cTn>
-                              </p:par>
-                            </p:childTnLst>
-                          </p:cTn>
-                        </p:par>
-                        <p:par>
-                          <p:cTn id="22" fill="hold">
-                            <p:stCondLst>
-                              <p:cond delay="500"/>
-                            </p:stCondLst>
-                            <p:childTnLst>
-                              <p:par>
-                                <p:cTn id="23" presetID="22" presetClass="entr" presetSubtype="1" fill="hold" nodeType="afterEffect">
-                                  <p:stCondLst>
-                                    <p:cond delay="0"/>
-                                  </p:stCondLst>
-                                  <p:childTnLst>
-                                    <p:set>
-                                      <p:cBhvr>
-                                        <p:cTn id="24" dur="1" fill="hold">
-                                          <p:stCondLst>
-                                            <p:cond delay="0"/>
-                                          </p:stCondLst>
-                                        </p:cTn>
-                                        <p:tgtEl>
-                                          <p:spTgt spid="8"/>
-                                        </p:tgtEl>
-                                        <p:attrNameLst>
-                                          <p:attrName>style.visibility</p:attrName>
-                                        </p:attrNameLst>
-                                      </p:cBhvr>
-                                      <p:to>
-                                        <p:strVal val="visible"/>
-                                      </p:to>
-                                    </p:set>
-                                    <p:animEffect transition="in" filter="wipe(up)">
-                                      <p:cBhvr>
-                                        <p:cTn id="25" dur="500"/>
-                                        <p:tgtEl>
-                                          <p:spTgt spid="8"/>
-                                        </p:tgtEl>
-                                      </p:cBhvr>
-                                    </p:animEffect>
-                                  </p:childTnLst>
-                                </p:cTn>
-                              </p:par>
-                            </p:childTnLst>
-                          </p:cTn>
-                        </p:par>
-                      </p:childTnLst>
-                    </p:cTn>
-                  </p:par>
-                  <p:par>
-                    <p:cTn id="26" fill="hold">
-                      <p:stCondLst>
-                        <p:cond delay="indefinite"/>
-                      </p:stCondLst>
-                      <p:childTnLst>
-                        <p:par>
-                          <p:cTn id="27" fill="hold">
-                            <p:stCondLst>
-                              <p:cond delay="0"/>
-                            </p:stCondLst>
-                            <p:childTnLst>
-                              <p:par>
-                                <p:cTn id="28" presetID="1" presetClass="entr" presetSubtype="0" fill="hold" grpId="0" nodeType="clickEffect">
-                                  <p:stCondLst>
-                                    <p:cond delay="0"/>
-                                  </p:stCondLst>
-                                  <p:childTnLst>
-                                    <p:set>
-                                      <p:cBhvr>
-                                        <p:cTn id="29" dur="1" fill="hold">
                                           <p:stCondLst>
                                             <p:cond delay="0"/>
                                           </p:stCondLst>
@@ -29171,6 +28794,94 @@
                                         <p:strVal val="visible"/>
                                       </p:to>
                                     </p:set>
+                                  </p:childTnLst>
+                                </p:cTn>
+                              </p:par>
+                            </p:childTnLst>
+                          </p:cTn>
+                        </p:par>
+                        <p:par>
+                          <p:cTn id="21" fill="hold">
+                            <p:stCondLst>
+                              <p:cond delay="0"/>
+                            </p:stCondLst>
+                            <p:childTnLst>
+                              <p:par>
+                                <p:cTn id="22" presetID="22" presetClass="entr" presetSubtype="8" fill="hold" grpId="0" nodeType="afterEffect">
+                                  <p:stCondLst>
+                                    <p:cond delay="0"/>
+                                  </p:stCondLst>
+                                  <p:childTnLst>
+                                    <p:set>
+                                      <p:cBhvr>
+                                        <p:cTn id="23" dur="1" fill="hold">
+                                          <p:stCondLst>
+                                            <p:cond delay="0"/>
+                                          </p:stCondLst>
+                                        </p:cTn>
+                                        <p:tgtEl>
+                                          <p:spTgt spid="9"/>
+                                        </p:tgtEl>
+                                        <p:attrNameLst>
+                                          <p:attrName>style.visibility</p:attrName>
+                                        </p:attrNameLst>
+                                      </p:cBhvr>
+                                      <p:to>
+                                        <p:strVal val="visible"/>
+                                      </p:to>
+                                    </p:set>
+                                    <p:animEffect transition="in" filter="wipe(left)">
+                                      <p:cBhvr>
+                                        <p:cTn id="24" dur="500"/>
+                                        <p:tgtEl>
+                                          <p:spTgt spid="9"/>
+                                        </p:tgtEl>
+                                      </p:cBhvr>
+                                    </p:animEffect>
+                                  </p:childTnLst>
+                                </p:cTn>
+                              </p:par>
+                            </p:childTnLst>
+                          </p:cTn>
+                        </p:par>
+                        <p:par>
+                          <p:cTn id="25" fill="hold">
+                            <p:stCondLst>
+                              <p:cond delay="500"/>
+                            </p:stCondLst>
+                            <p:childTnLst>
+                              <p:par>
+                                <p:cTn id="26" presetID="22" presetClass="entr" presetSubtype="1" fill="hold" nodeType="afterEffect">
+                                  <p:stCondLst>
+                                    <p:cond delay="0"/>
+                                  </p:stCondLst>
+                                  <p:childTnLst>
+                                    <p:set>
+                                      <p:cBhvr>
+                                        <p:cTn id="27" dur="1" fill="hold">
+                                          <p:stCondLst>
+                                            <p:cond delay="0"/>
+                                          </p:stCondLst>
+                                        </p:cTn>
+                                        <p:tgtEl>
+                                          <p:spTgt spid="8"/>
+                                        </p:tgtEl>
+                                        <p:attrNameLst>
+                                          <p:attrName>style.visibility</p:attrName>
+                                        </p:attrNameLst>
+                                      </p:cBhvr>
+                                      <p:to>
+                                        <p:strVal val="visible"/>
+                                      </p:to>
+                                    </p:set>
+                                    <p:animEffect transition="in" filter="wipe(up)">
+                                      <p:cBhvr>
+                                        <p:cTn id="28" dur="500"/>
+                                        <p:tgtEl>
+                                          <p:spTgt spid="8"/>
+                                        </p:tgtEl>
+                                      </p:cBhvr>
+                                    </p:animEffect>
                                   </p:childTnLst>
                                 </p:cTn>
                               </p:par>

--- a/SIMU_ON_WSL.pptx
+++ b/SIMU_ON_WSL.pptx
@@ -316,7 +316,7 @@
           <a:p>
             <a:fld id="{7D37F7A6-00EA-477C-BD0D-F6E7C2E86336}" type="datetimeFigureOut">
               <a:rPr kumimoji="1" lang="ja-JP" altLang="en-US" smtClean="0"/>
-              <a:t>2019/6/16</a:t>
+              <a:t>2019/7/19</a:t>
             </a:fld>
             <a:endParaRPr kumimoji="1" lang="ja-JP" altLang="en-US"/>
           </a:p>
@@ -2930,6 +2930,46 @@
             <a:r>
               <a:rPr kumimoji="1" lang="ja-JP" altLang="en-US" dirty="0"/>
               <a:t>あと、この先も文字が多いのはご了承願いたい</a:t>
+            </a:r>
+            <a:endParaRPr kumimoji="1" lang="en-US" altLang="ja-JP" dirty="0"/>
+          </a:p>
+          <a:p>
+            <a:pPr marL="0" marR="0" lvl="0" indent="0" algn="l" defTabSz="914400" rtl="0" eaLnBrk="1" fontAlgn="auto" latinLnBrk="0" hangingPunct="1">
+              <a:lnSpc>
+                <a:spcPct val="100000"/>
+              </a:lnSpc>
+              <a:spcBef>
+                <a:spcPts val="0"/>
+              </a:spcBef>
+              <a:spcAft>
+                <a:spcPts val="0"/>
+              </a:spcAft>
+              <a:buClrTx/>
+              <a:buSzTx/>
+              <a:buFontTx/>
+              <a:buNone/>
+              <a:tabLst/>
+              <a:defRPr/>
+            </a:pPr>
+            <a:r>
+              <a:rPr kumimoji="1" lang="ja-JP" altLang="en-US" dirty="0"/>
+              <a:t>また、この先発表されるとの話もある</a:t>
+            </a:r>
+            <a:r>
+              <a:rPr kumimoji="1" lang="en-US" altLang="ja-JP" dirty="0"/>
+              <a:t>WSL2</a:t>
+            </a:r>
+            <a:r>
+              <a:rPr kumimoji="1" lang="ja-JP" altLang="en-US" dirty="0"/>
+              <a:t>でも同じく出来るかは不明だが、基本</a:t>
+            </a:r>
+            <a:r>
+              <a:rPr kumimoji="1" lang="en-US" altLang="ja-JP" dirty="0"/>
+              <a:t>Ubuntu</a:t>
+            </a:r>
+            <a:r>
+              <a:rPr kumimoji="1" lang="ja-JP" altLang="en-US"/>
+              <a:t>での作業と同じ為大丈夫かと</a:t>
             </a:r>
             <a:endParaRPr kumimoji="1" lang="en-US" altLang="ja-JP" dirty="0"/>
           </a:p>
@@ -5840,7 +5880,7 @@
           <a:p>
             <a:fld id="{EFCA2F27-532F-4E2E-86E8-C011D6D4D29E}" type="datetimeFigureOut">
               <a:rPr kumimoji="1" lang="ja-JP" altLang="en-US" smtClean="0"/>
-              <a:t>2019/6/16</a:t>
+              <a:t>2019/7/19</a:t>
             </a:fld>
             <a:endParaRPr kumimoji="1" lang="ja-JP" altLang="en-US"/>
           </a:p>
@@ -6138,7 +6178,7 @@
           <a:p>
             <a:fld id="{EFCA2F27-532F-4E2E-86E8-C011D6D4D29E}" type="datetimeFigureOut">
               <a:rPr kumimoji="1" lang="ja-JP" altLang="en-US" smtClean="0"/>
-              <a:t>2019/6/16</a:t>
+              <a:t>2019/7/19</a:t>
             </a:fld>
             <a:endParaRPr kumimoji="1" lang="ja-JP" altLang="en-US"/>
           </a:p>
@@ -6384,7 +6424,7 @@
           <a:p>
             <a:fld id="{EFCA2F27-532F-4E2E-86E8-C011D6D4D29E}" type="datetimeFigureOut">
               <a:rPr kumimoji="1" lang="ja-JP" altLang="en-US" smtClean="0"/>
-              <a:t>2019/6/16</a:t>
+              <a:t>2019/7/19</a:t>
             </a:fld>
             <a:endParaRPr kumimoji="1" lang="ja-JP" altLang="en-US"/>
           </a:p>
@@ -6550,7 +6590,7 @@
           <a:p>
             <a:fld id="{43172269-E0BE-4177-A733-9CAC9D8021AA}" type="datetimeFigureOut">
               <a:rPr kumimoji="1" lang="ja-JP" altLang="en-US" smtClean="0"/>
-              <a:t>2019/6/16</a:t>
+              <a:t>2019/7/19</a:t>
             </a:fld>
             <a:endParaRPr kumimoji="1" lang="ja-JP" altLang="en-US"/>
           </a:p>
@@ -6780,7 +6820,7 @@
           <a:p>
             <a:fld id="{43172269-E0BE-4177-A733-9CAC9D8021AA}" type="datetimeFigureOut">
               <a:rPr kumimoji="1" lang="ja-JP" altLang="en-US" smtClean="0"/>
-              <a:t>2019/6/16</a:t>
+              <a:t>2019/7/19</a:t>
             </a:fld>
             <a:endParaRPr kumimoji="1" lang="ja-JP" altLang="en-US"/>
           </a:p>
@@ -7055,7 +7095,7 @@
           <a:p>
             <a:fld id="{43172269-E0BE-4177-A733-9CAC9D8021AA}" type="datetimeFigureOut">
               <a:rPr kumimoji="1" lang="ja-JP" altLang="en-US" smtClean="0"/>
-              <a:t>2019/6/16</a:t>
+              <a:t>2019/7/19</a:t>
             </a:fld>
             <a:endParaRPr kumimoji="1" lang="ja-JP" altLang="en-US"/>
           </a:p>
@@ -7384,7 +7424,7 @@
           <a:p>
             <a:fld id="{43172269-E0BE-4177-A733-9CAC9D8021AA}" type="datetimeFigureOut">
               <a:rPr kumimoji="1" lang="ja-JP" altLang="en-US" smtClean="0"/>
-              <a:t>2019/6/16</a:t>
+              <a:t>2019/7/19</a:t>
             </a:fld>
             <a:endParaRPr kumimoji="1" lang="ja-JP" altLang="en-US"/>
           </a:p>
@@ -7860,7 +7900,7 @@
           <a:p>
             <a:fld id="{43172269-E0BE-4177-A733-9CAC9D8021AA}" type="datetimeFigureOut">
               <a:rPr kumimoji="1" lang="ja-JP" altLang="en-US" smtClean="0"/>
-              <a:t>2019/6/16</a:t>
+              <a:t>2019/7/19</a:t>
             </a:fld>
             <a:endParaRPr kumimoji="1" lang="ja-JP" altLang="en-US"/>
           </a:p>
@@ -8001,7 +8041,7 @@
           <a:p>
             <a:fld id="{43172269-E0BE-4177-A733-9CAC9D8021AA}" type="datetimeFigureOut">
               <a:rPr kumimoji="1" lang="ja-JP" altLang="en-US" smtClean="0"/>
-              <a:t>2019/6/16</a:t>
+              <a:t>2019/7/19</a:t>
             </a:fld>
             <a:endParaRPr kumimoji="1" lang="ja-JP" altLang="en-US"/>
           </a:p>
@@ -8114,7 +8154,7 @@
           <a:p>
             <a:fld id="{43172269-E0BE-4177-A733-9CAC9D8021AA}" type="datetimeFigureOut">
               <a:rPr kumimoji="1" lang="ja-JP" altLang="en-US" smtClean="0"/>
-              <a:t>2019/6/16</a:t>
+              <a:t>2019/7/19</a:t>
             </a:fld>
             <a:endParaRPr kumimoji="1" lang="ja-JP" altLang="en-US"/>
           </a:p>
@@ -8457,7 +8497,7 @@
           <a:p>
             <a:fld id="{43172269-E0BE-4177-A733-9CAC9D8021AA}" type="datetimeFigureOut">
               <a:rPr kumimoji="1" lang="ja-JP" altLang="en-US" smtClean="0"/>
-              <a:t>2019/6/16</a:t>
+              <a:t>2019/7/19</a:t>
             </a:fld>
             <a:endParaRPr kumimoji="1" lang="ja-JP" altLang="en-US"/>
           </a:p>
@@ -8747,7 +8787,7 @@
           <a:p>
             <a:fld id="{EFCA2F27-532F-4E2E-86E8-C011D6D4D29E}" type="datetimeFigureOut">
               <a:rPr kumimoji="1" lang="ja-JP" altLang="en-US" smtClean="0"/>
-              <a:t>2019/6/16</a:t>
+              <a:t>2019/7/19</a:t>
             </a:fld>
             <a:endParaRPr kumimoji="1" lang="ja-JP" altLang="en-US"/>
           </a:p>
@@ -8981,7 +9021,7 @@
           <a:p>
             <a:fld id="{43172269-E0BE-4177-A733-9CAC9D8021AA}" type="datetimeFigureOut">
               <a:rPr kumimoji="1" lang="ja-JP" altLang="en-US" smtClean="0"/>
-              <a:t>2019/6/16</a:t>
+              <a:t>2019/7/19</a:t>
             </a:fld>
             <a:endParaRPr kumimoji="1" lang="ja-JP" altLang="en-US"/>
           </a:p>
@@ -9211,7 +9251,7 @@
           <a:p>
             <a:fld id="{43172269-E0BE-4177-A733-9CAC9D8021AA}" type="datetimeFigureOut">
               <a:rPr kumimoji="1" lang="ja-JP" altLang="en-US" smtClean="0"/>
-              <a:t>2019/6/16</a:t>
+              <a:t>2019/7/19</a:t>
             </a:fld>
             <a:endParaRPr kumimoji="1" lang="ja-JP" altLang="en-US"/>
           </a:p>
@@ -9451,7 +9491,7 @@
           <a:p>
             <a:fld id="{43172269-E0BE-4177-A733-9CAC9D8021AA}" type="datetimeFigureOut">
               <a:rPr kumimoji="1" lang="ja-JP" altLang="en-US" smtClean="0"/>
-              <a:t>2019/6/16</a:t>
+              <a:t>2019/7/19</a:t>
             </a:fld>
             <a:endParaRPr kumimoji="1" lang="ja-JP" altLang="en-US"/>
           </a:p>
@@ -9732,7 +9772,7 @@
           <a:p>
             <a:fld id="{EFCA2F27-532F-4E2E-86E8-C011D6D4D29E}" type="datetimeFigureOut">
               <a:rPr kumimoji="1" lang="ja-JP" altLang="en-US" smtClean="0"/>
-              <a:t>2019/6/16</a:t>
+              <a:t>2019/7/19</a:t>
             </a:fld>
             <a:endParaRPr kumimoji="1" lang="ja-JP" altLang="en-US"/>
           </a:p>
@@ -10117,7 +10157,7 @@
           <a:p>
             <a:fld id="{EFCA2F27-532F-4E2E-86E8-C011D6D4D29E}" type="datetimeFigureOut">
               <a:rPr kumimoji="1" lang="ja-JP" altLang="en-US" smtClean="0"/>
-              <a:t>2019/6/16</a:t>
+              <a:t>2019/7/19</a:t>
             </a:fld>
             <a:endParaRPr kumimoji="1" lang="ja-JP" altLang="en-US"/>
           </a:p>
@@ -10641,7 +10681,7 @@
           <a:p>
             <a:fld id="{EFCA2F27-532F-4E2E-86E8-C011D6D4D29E}" type="datetimeFigureOut">
               <a:rPr kumimoji="1" lang="ja-JP" altLang="en-US" smtClean="0"/>
-              <a:t>2019/6/16</a:t>
+              <a:t>2019/7/19</a:t>
             </a:fld>
             <a:endParaRPr kumimoji="1" lang="ja-JP" altLang="en-US"/>
           </a:p>
@@ -10794,7 +10834,7 @@
           <a:p>
             <a:fld id="{EFCA2F27-532F-4E2E-86E8-C011D6D4D29E}" type="datetimeFigureOut">
               <a:rPr kumimoji="1" lang="ja-JP" altLang="en-US" smtClean="0"/>
-              <a:t>2019/6/16</a:t>
+              <a:t>2019/7/19</a:t>
             </a:fld>
             <a:endParaRPr kumimoji="1" lang="ja-JP" altLang="en-US"/>
           </a:p>
@@ -10925,7 +10965,7 @@
           <a:p>
             <a:fld id="{EFCA2F27-532F-4E2E-86E8-C011D6D4D29E}" type="datetimeFigureOut">
               <a:rPr kumimoji="1" lang="ja-JP" altLang="en-US" smtClean="0"/>
-              <a:t>2019/6/16</a:t>
+              <a:t>2019/7/19</a:t>
             </a:fld>
             <a:endParaRPr kumimoji="1" lang="ja-JP" altLang="en-US"/>
           </a:p>
@@ -11268,7 +11308,7 @@
           <a:p>
             <a:fld id="{EFCA2F27-532F-4E2E-86E8-C011D6D4D29E}" type="datetimeFigureOut">
               <a:rPr kumimoji="1" lang="ja-JP" altLang="en-US" smtClean="0"/>
-              <a:t>2019/6/16</a:t>
+              <a:t>2019/7/19</a:t>
             </a:fld>
             <a:endParaRPr kumimoji="1" lang="ja-JP" altLang="en-US"/>
           </a:p>
@@ -11560,7 +11600,7 @@
           <a:p>
             <a:fld id="{EFCA2F27-532F-4E2E-86E8-C011D6D4D29E}" type="datetimeFigureOut">
               <a:rPr kumimoji="1" lang="ja-JP" altLang="en-US" smtClean="0"/>
-              <a:t>2019/6/16</a:t>
+              <a:t>2019/7/19</a:t>
             </a:fld>
             <a:endParaRPr kumimoji="1" lang="ja-JP" altLang="en-US"/>
           </a:p>
@@ -13539,7 +13579,7 @@
           <a:p>
             <a:fld id="{EFCA2F27-532F-4E2E-86E8-C011D6D4D29E}" type="datetimeFigureOut">
               <a:rPr kumimoji="1" lang="ja-JP" altLang="en-US" smtClean="0"/>
-              <a:t>2019/6/16</a:t>
+              <a:t>2019/7/19</a:t>
             </a:fld>
             <a:endParaRPr kumimoji="1" lang="ja-JP" altLang="en-US"/>
           </a:p>
@@ -14191,7 +14231,7 @@
           <a:p>
             <a:fld id="{43172269-E0BE-4177-A733-9CAC9D8021AA}" type="datetimeFigureOut">
               <a:rPr kumimoji="1" lang="ja-JP" altLang="en-US" smtClean="0"/>
-              <a:t>2019/6/16</a:t>
+              <a:t>2019/7/19</a:t>
             </a:fld>
             <a:endParaRPr kumimoji="1" lang="ja-JP" altLang="en-US"/>
           </a:p>

--- a/SIMU_ON_WSL.pptx
+++ b/SIMU_ON_WSL.pptx
@@ -316,7 +316,7 @@
           <a:p>
             <a:fld id="{7D37F7A6-00EA-477C-BD0D-F6E7C2E86336}" type="datetimeFigureOut">
               <a:rPr kumimoji="1" lang="ja-JP" altLang="en-US" smtClean="0"/>
-              <a:t>2019/7/19</a:t>
+              <a:t>2019/7/26</a:t>
             </a:fld>
             <a:endParaRPr kumimoji="1" lang="ja-JP" altLang="en-US"/>
           </a:p>
@@ -2968,7 +2968,7 @@
               <a:t>Ubuntu</a:t>
             </a:r>
             <a:r>
-              <a:rPr kumimoji="1" lang="ja-JP" altLang="en-US"/>
+              <a:rPr kumimoji="1" lang="ja-JP" altLang="en-US" dirty="0"/>
               <a:t>での作業と同じ為大丈夫かと</a:t>
             </a:r>
             <a:endParaRPr kumimoji="1" lang="en-US" altLang="ja-JP" dirty="0"/>
@@ -5880,7 +5880,7 @@
           <a:p>
             <a:fld id="{EFCA2F27-532F-4E2E-86E8-C011D6D4D29E}" type="datetimeFigureOut">
               <a:rPr kumimoji="1" lang="ja-JP" altLang="en-US" smtClean="0"/>
-              <a:t>2019/7/19</a:t>
+              <a:t>2019/7/26</a:t>
             </a:fld>
             <a:endParaRPr kumimoji="1" lang="ja-JP" altLang="en-US"/>
           </a:p>
@@ -6178,7 +6178,7 @@
           <a:p>
             <a:fld id="{EFCA2F27-532F-4E2E-86E8-C011D6D4D29E}" type="datetimeFigureOut">
               <a:rPr kumimoji="1" lang="ja-JP" altLang="en-US" smtClean="0"/>
-              <a:t>2019/7/19</a:t>
+              <a:t>2019/7/26</a:t>
             </a:fld>
             <a:endParaRPr kumimoji="1" lang="ja-JP" altLang="en-US"/>
           </a:p>
@@ -6424,7 +6424,7 @@
           <a:p>
             <a:fld id="{EFCA2F27-532F-4E2E-86E8-C011D6D4D29E}" type="datetimeFigureOut">
               <a:rPr kumimoji="1" lang="ja-JP" altLang="en-US" smtClean="0"/>
-              <a:t>2019/7/19</a:t>
+              <a:t>2019/7/26</a:t>
             </a:fld>
             <a:endParaRPr kumimoji="1" lang="ja-JP" altLang="en-US"/>
           </a:p>
@@ -6590,7 +6590,7 @@
           <a:p>
             <a:fld id="{43172269-E0BE-4177-A733-9CAC9D8021AA}" type="datetimeFigureOut">
               <a:rPr kumimoji="1" lang="ja-JP" altLang="en-US" smtClean="0"/>
-              <a:t>2019/7/19</a:t>
+              <a:t>2019/7/26</a:t>
             </a:fld>
             <a:endParaRPr kumimoji="1" lang="ja-JP" altLang="en-US"/>
           </a:p>
@@ -6820,7 +6820,7 @@
           <a:p>
             <a:fld id="{43172269-E0BE-4177-A733-9CAC9D8021AA}" type="datetimeFigureOut">
               <a:rPr kumimoji="1" lang="ja-JP" altLang="en-US" smtClean="0"/>
-              <a:t>2019/7/19</a:t>
+              <a:t>2019/7/26</a:t>
             </a:fld>
             <a:endParaRPr kumimoji="1" lang="ja-JP" altLang="en-US"/>
           </a:p>
@@ -7095,7 +7095,7 @@
           <a:p>
             <a:fld id="{43172269-E0BE-4177-A733-9CAC9D8021AA}" type="datetimeFigureOut">
               <a:rPr kumimoji="1" lang="ja-JP" altLang="en-US" smtClean="0"/>
-              <a:t>2019/7/19</a:t>
+              <a:t>2019/7/26</a:t>
             </a:fld>
             <a:endParaRPr kumimoji="1" lang="ja-JP" altLang="en-US"/>
           </a:p>
@@ -7424,7 +7424,7 @@
           <a:p>
             <a:fld id="{43172269-E0BE-4177-A733-9CAC9D8021AA}" type="datetimeFigureOut">
               <a:rPr kumimoji="1" lang="ja-JP" altLang="en-US" smtClean="0"/>
-              <a:t>2019/7/19</a:t>
+              <a:t>2019/7/26</a:t>
             </a:fld>
             <a:endParaRPr kumimoji="1" lang="ja-JP" altLang="en-US"/>
           </a:p>
@@ -7900,7 +7900,7 @@
           <a:p>
             <a:fld id="{43172269-E0BE-4177-A733-9CAC9D8021AA}" type="datetimeFigureOut">
               <a:rPr kumimoji="1" lang="ja-JP" altLang="en-US" smtClean="0"/>
-              <a:t>2019/7/19</a:t>
+              <a:t>2019/7/26</a:t>
             </a:fld>
             <a:endParaRPr kumimoji="1" lang="ja-JP" altLang="en-US"/>
           </a:p>
@@ -8041,7 +8041,7 @@
           <a:p>
             <a:fld id="{43172269-E0BE-4177-A733-9CAC9D8021AA}" type="datetimeFigureOut">
               <a:rPr kumimoji="1" lang="ja-JP" altLang="en-US" smtClean="0"/>
-              <a:t>2019/7/19</a:t>
+              <a:t>2019/7/26</a:t>
             </a:fld>
             <a:endParaRPr kumimoji="1" lang="ja-JP" altLang="en-US"/>
           </a:p>
@@ -8154,7 +8154,7 @@
           <a:p>
             <a:fld id="{43172269-E0BE-4177-A733-9CAC9D8021AA}" type="datetimeFigureOut">
               <a:rPr kumimoji="1" lang="ja-JP" altLang="en-US" smtClean="0"/>
-              <a:t>2019/7/19</a:t>
+              <a:t>2019/7/26</a:t>
             </a:fld>
             <a:endParaRPr kumimoji="1" lang="ja-JP" altLang="en-US"/>
           </a:p>
@@ -8497,7 +8497,7 @@
           <a:p>
             <a:fld id="{43172269-E0BE-4177-A733-9CAC9D8021AA}" type="datetimeFigureOut">
               <a:rPr kumimoji="1" lang="ja-JP" altLang="en-US" smtClean="0"/>
-              <a:t>2019/7/19</a:t>
+              <a:t>2019/7/26</a:t>
             </a:fld>
             <a:endParaRPr kumimoji="1" lang="ja-JP" altLang="en-US"/>
           </a:p>
@@ -8787,7 +8787,7 @@
           <a:p>
             <a:fld id="{EFCA2F27-532F-4E2E-86E8-C011D6D4D29E}" type="datetimeFigureOut">
               <a:rPr kumimoji="1" lang="ja-JP" altLang="en-US" smtClean="0"/>
-              <a:t>2019/7/19</a:t>
+              <a:t>2019/7/26</a:t>
             </a:fld>
             <a:endParaRPr kumimoji="1" lang="ja-JP" altLang="en-US"/>
           </a:p>
@@ -9021,7 +9021,7 @@
           <a:p>
             <a:fld id="{43172269-E0BE-4177-A733-9CAC9D8021AA}" type="datetimeFigureOut">
               <a:rPr kumimoji="1" lang="ja-JP" altLang="en-US" smtClean="0"/>
-              <a:t>2019/7/19</a:t>
+              <a:t>2019/7/26</a:t>
             </a:fld>
             <a:endParaRPr kumimoji="1" lang="ja-JP" altLang="en-US"/>
           </a:p>
@@ -9251,7 +9251,7 @@
           <a:p>
             <a:fld id="{43172269-E0BE-4177-A733-9CAC9D8021AA}" type="datetimeFigureOut">
               <a:rPr kumimoji="1" lang="ja-JP" altLang="en-US" smtClean="0"/>
-              <a:t>2019/7/19</a:t>
+              <a:t>2019/7/26</a:t>
             </a:fld>
             <a:endParaRPr kumimoji="1" lang="ja-JP" altLang="en-US"/>
           </a:p>
@@ -9491,7 +9491,7 @@
           <a:p>
             <a:fld id="{43172269-E0BE-4177-A733-9CAC9D8021AA}" type="datetimeFigureOut">
               <a:rPr kumimoji="1" lang="ja-JP" altLang="en-US" smtClean="0"/>
-              <a:t>2019/7/19</a:t>
+              <a:t>2019/7/26</a:t>
             </a:fld>
             <a:endParaRPr kumimoji="1" lang="ja-JP" altLang="en-US"/>
           </a:p>
@@ -9772,7 +9772,7 @@
           <a:p>
             <a:fld id="{EFCA2F27-532F-4E2E-86E8-C011D6D4D29E}" type="datetimeFigureOut">
               <a:rPr kumimoji="1" lang="ja-JP" altLang="en-US" smtClean="0"/>
-              <a:t>2019/7/19</a:t>
+              <a:t>2019/7/26</a:t>
             </a:fld>
             <a:endParaRPr kumimoji="1" lang="ja-JP" altLang="en-US"/>
           </a:p>
@@ -10157,7 +10157,7 @@
           <a:p>
             <a:fld id="{EFCA2F27-532F-4E2E-86E8-C011D6D4D29E}" type="datetimeFigureOut">
               <a:rPr kumimoji="1" lang="ja-JP" altLang="en-US" smtClean="0"/>
-              <a:t>2019/7/19</a:t>
+              <a:t>2019/7/26</a:t>
             </a:fld>
             <a:endParaRPr kumimoji="1" lang="ja-JP" altLang="en-US"/>
           </a:p>
@@ -10681,7 +10681,7 @@
           <a:p>
             <a:fld id="{EFCA2F27-532F-4E2E-86E8-C011D6D4D29E}" type="datetimeFigureOut">
               <a:rPr kumimoji="1" lang="ja-JP" altLang="en-US" smtClean="0"/>
-              <a:t>2019/7/19</a:t>
+              <a:t>2019/7/26</a:t>
             </a:fld>
             <a:endParaRPr kumimoji="1" lang="ja-JP" altLang="en-US"/>
           </a:p>
@@ -10834,7 +10834,7 @@
           <a:p>
             <a:fld id="{EFCA2F27-532F-4E2E-86E8-C011D6D4D29E}" type="datetimeFigureOut">
               <a:rPr kumimoji="1" lang="ja-JP" altLang="en-US" smtClean="0"/>
-              <a:t>2019/7/19</a:t>
+              <a:t>2019/7/26</a:t>
             </a:fld>
             <a:endParaRPr kumimoji="1" lang="ja-JP" altLang="en-US"/>
           </a:p>
@@ -10965,7 +10965,7 @@
           <a:p>
             <a:fld id="{EFCA2F27-532F-4E2E-86E8-C011D6D4D29E}" type="datetimeFigureOut">
               <a:rPr kumimoji="1" lang="ja-JP" altLang="en-US" smtClean="0"/>
-              <a:t>2019/7/19</a:t>
+              <a:t>2019/7/26</a:t>
             </a:fld>
             <a:endParaRPr kumimoji="1" lang="ja-JP" altLang="en-US"/>
           </a:p>
@@ -11308,7 +11308,7 @@
           <a:p>
             <a:fld id="{EFCA2F27-532F-4E2E-86E8-C011D6D4D29E}" type="datetimeFigureOut">
               <a:rPr kumimoji="1" lang="ja-JP" altLang="en-US" smtClean="0"/>
-              <a:t>2019/7/19</a:t>
+              <a:t>2019/7/26</a:t>
             </a:fld>
             <a:endParaRPr kumimoji="1" lang="ja-JP" altLang="en-US"/>
           </a:p>
@@ -11600,7 +11600,7 @@
           <a:p>
             <a:fld id="{EFCA2F27-532F-4E2E-86E8-C011D6D4D29E}" type="datetimeFigureOut">
               <a:rPr kumimoji="1" lang="ja-JP" altLang="en-US" smtClean="0"/>
-              <a:t>2019/7/19</a:t>
+              <a:t>2019/7/26</a:t>
             </a:fld>
             <a:endParaRPr kumimoji="1" lang="ja-JP" altLang="en-US"/>
           </a:p>
@@ -13579,7 +13579,7 @@
           <a:p>
             <a:fld id="{EFCA2F27-532F-4E2E-86E8-C011D6D4D29E}" type="datetimeFigureOut">
               <a:rPr kumimoji="1" lang="ja-JP" altLang="en-US" smtClean="0"/>
-              <a:t>2019/7/19</a:t>
+              <a:t>2019/7/26</a:t>
             </a:fld>
             <a:endParaRPr kumimoji="1" lang="ja-JP" altLang="en-US"/>
           </a:p>
@@ -14231,7 +14231,7 @@
           <a:p>
             <a:fld id="{43172269-E0BE-4177-A733-9CAC9D8021AA}" type="datetimeFigureOut">
               <a:rPr kumimoji="1" lang="ja-JP" altLang="en-US" smtClean="0"/>
-              <a:t>2019/7/19</a:t>
+              <a:t>2019/7/26</a:t>
             </a:fld>
             <a:endParaRPr kumimoji="1" lang="ja-JP" altLang="en-US"/>
           </a:p>
@@ -21209,7 +21209,19 @@
             </a:r>
             <a:r>
               <a:rPr lang="ja-JP" altLang="en-US" dirty="0"/>
-              <a:t>等に限らず使い慣れたエディタを使い続けれられる</a:t>
+              <a:t>等に限らず使い慣れたエディタを使い続けれられる（</a:t>
+            </a:r>
+            <a:r>
+              <a:rPr lang="ja-JP" altLang="en-US" dirty="0">
+                <a:solidFill>
+                  <a:srgbClr val="FF0000"/>
+                </a:solidFill>
+              </a:rPr>
+              <a:t>文字コード、改行コードには注意</a:t>
+            </a:r>
+            <a:r>
+              <a:rPr lang="ja-JP" altLang="en-US" dirty="0"/>
+              <a:t>）</a:t>
             </a:r>
           </a:p>
         </p:txBody>
@@ -22466,6 +22478,9 @@
             </a:r>
             <a:r>
               <a:rPr kumimoji="1" lang="en-US" altLang="ja-JP" dirty="0">
+                <a:highlight>
+                  <a:srgbClr val="FFFF00"/>
+                </a:highlight>
                 <a:latin typeface="TakaoExゴシック" panose="020B0500000000000000" pitchFamily="50" charset="-128"/>
                 <a:ea typeface="TakaoExゴシック" panose="020B0500000000000000" pitchFamily="50" charset="-128"/>
               </a:rPr>
@@ -22473,10 +22488,20 @@
             </a:r>
             <a:r>
               <a:rPr kumimoji="1" lang="ja-JP" altLang="en-US" dirty="0">
+                <a:highlight>
+                  <a:srgbClr val="FFFF00"/>
+                </a:highlight>
                 <a:latin typeface="TakaoExゴシック" panose="020B0500000000000000" pitchFamily="50" charset="-128"/>
                 <a:ea typeface="TakaoExゴシック" panose="020B0500000000000000" pitchFamily="50" charset="-128"/>
               </a:rPr>
-              <a:t>と必要なパッケージの導入をまとめるよ</a:t>
+              <a:t>と必要なパッケージの導入</a:t>
+            </a:r>
+            <a:r>
+              <a:rPr kumimoji="1" lang="ja-JP" altLang="en-US" dirty="0">
+                <a:latin typeface="TakaoExゴシック" panose="020B0500000000000000" pitchFamily="50" charset="-128"/>
+                <a:ea typeface="TakaoExゴシック" panose="020B0500000000000000" pitchFamily="50" charset="-128"/>
+              </a:rPr>
+              <a:t>をまとめるよ</a:t>
             </a:r>
             <a:endParaRPr kumimoji="1" lang="en-US" altLang="ja-JP" dirty="0">
               <a:latin typeface="TakaoExゴシック" panose="020B0500000000000000" pitchFamily="50" charset="-128"/>

--- a/SIMU_ON_WSL.pptx
+++ b/SIMU_ON_WSL.pptx
@@ -316,7 +316,7 @@
           <a:p>
             <a:fld id="{7D37F7A6-00EA-477C-BD0D-F6E7C2E86336}" type="datetimeFigureOut">
               <a:rPr kumimoji="1" lang="ja-JP" altLang="en-US" smtClean="0"/>
-              <a:t>2019/7/26</a:t>
+              <a:t>2019/7/27</a:t>
             </a:fld>
             <a:endParaRPr kumimoji="1" lang="ja-JP" altLang="en-US"/>
           </a:p>
@@ -1435,7 +1435,7 @@
             </a:pPr>
             <a:r>
               <a:rPr kumimoji="1" lang="ja-JP" altLang="en-US" dirty="0"/>
-              <a:t>このスライド以降、折れ線矢印は改行、ホチキス針をひっくり返したようなのは半角スペースを表す</a:t>
+              <a:t>このスライド以降（先ほどチラッとは出ていたが）、折れ線矢印は改行、ホチキス針をひっくり返したようなのは半角スペースを表す</a:t>
             </a:r>
             <a:endParaRPr kumimoji="1" lang="en-US" altLang="ja-JP" dirty="0"/>
           </a:p>
@@ -3745,7 +3745,7 @@
           <a:p>
             <a:r>
               <a:rPr kumimoji="1" lang="ja-JP" altLang="en-US" dirty="0"/>
-              <a:t>問題無ければドルマーク（コマンド待機状態）がでます</a:t>
+              <a:t>問題無ければドルマークがでて、コマンド入力待ちに</a:t>
             </a:r>
             <a:endParaRPr kumimoji="1" lang="en-US" altLang="ja-JP" dirty="0"/>
           </a:p>
@@ -3760,7 +3760,7 @@
             </a:r>
             <a:r>
               <a:rPr kumimoji="1" lang="ja-JP" altLang="en-US" dirty="0"/>
-              <a:t>のセットアップ終了です</a:t>
+              <a:t>のセットアップ終了</a:t>
             </a:r>
           </a:p>
         </p:txBody>
@@ -5880,7 +5880,7 @@
           <a:p>
             <a:fld id="{EFCA2F27-532F-4E2E-86E8-C011D6D4D29E}" type="datetimeFigureOut">
               <a:rPr kumimoji="1" lang="ja-JP" altLang="en-US" smtClean="0"/>
-              <a:t>2019/7/26</a:t>
+              <a:t>2019/7/27</a:t>
             </a:fld>
             <a:endParaRPr kumimoji="1" lang="ja-JP" altLang="en-US"/>
           </a:p>
@@ -6178,7 +6178,7 @@
           <a:p>
             <a:fld id="{EFCA2F27-532F-4E2E-86E8-C011D6D4D29E}" type="datetimeFigureOut">
               <a:rPr kumimoji="1" lang="ja-JP" altLang="en-US" smtClean="0"/>
-              <a:t>2019/7/26</a:t>
+              <a:t>2019/7/27</a:t>
             </a:fld>
             <a:endParaRPr kumimoji="1" lang="ja-JP" altLang="en-US"/>
           </a:p>
@@ -6424,7 +6424,7 @@
           <a:p>
             <a:fld id="{EFCA2F27-532F-4E2E-86E8-C011D6D4D29E}" type="datetimeFigureOut">
               <a:rPr kumimoji="1" lang="ja-JP" altLang="en-US" smtClean="0"/>
-              <a:t>2019/7/26</a:t>
+              <a:t>2019/7/27</a:t>
             </a:fld>
             <a:endParaRPr kumimoji="1" lang="ja-JP" altLang="en-US"/>
           </a:p>
@@ -6590,7 +6590,7 @@
           <a:p>
             <a:fld id="{43172269-E0BE-4177-A733-9CAC9D8021AA}" type="datetimeFigureOut">
               <a:rPr kumimoji="1" lang="ja-JP" altLang="en-US" smtClean="0"/>
-              <a:t>2019/7/26</a:t>
+              <a:t>2019/7/27</a:t>
             </a:fld>
             <a:endParaRPr kumimoji="1" lang="ja-JP" altLang="en-US"/>
           </a:p>
@@ -6820,7 +6820,7 @@
           <a:p>
             <a:fld id="{43172269-E0BE-4177-A733-9CAC9D8021AA}" type="datetimeFigureOut">
               <a:rPr kumimoji="1" lang="ja-JP" altLang="en-US" smtClean="0"/>
-              <a:t>2019/7/26</a:t>
+              <a:t>2019/7/27</a:t>
             </a:fld>
             <a:endParaRPr kumimoji="1" lang="ja-JP" altLang="en-US"/>
           </a:p>
@@ -7095,7 +7095,7 @@
           <a:p>
             <a:fld id="{43172269-E0BE-4177-A733-9CAC9D8021AA}" type="datetimeFigureOut">
               <a:rPr kumimoji="1" lang="ja-JP" altLang="en-US" smtClean="0"/>
-              <a:t>2019/7/26</a:t>
+              <a:t>2019/7/27</a:t>
             </a:fld>
             <a:endParaRPr kumimoji="1" lang="ja-JP" altLang="en-US"/>
           </a:p>
@@ -7424,7 +7424,7 @@
           <a:p>
             <a:fld id="{43172269-E0BE-4177-A733-9CAC9D8021AA}" type="datetimeFigureOut">
               <a:rPr kumimoji="1" lang="ja-JP" altLang="en-US" smtClean="0"/>
-              <a:t>2019/7/26</a:t>
+              <a:t>2019/7/27</a:t>
             </a:fld>
             <a:endParaRPr kumimoji="1" lang="ja-JP" altLang="en-US"/>
           </a:p>
@@ -7900,7 +7900,7 @@
           <a:p>
             <a:fld id="{43172269-E0BE-4177-A733-9CAC9D8021AA}" type="datetimeFigureOut">
               <a:rPr kumimoji="1" lang="ja-JP" altLang="en-US" smtClean="0"/>
-              <a:t>2019/7/26</a:t>
+              <a:t>2019/7/27</a:t>
             </a:fld>
             <a:endParaRPr kumimoji="1" lang="ja-JP" altLang="en-US"/>
           </a:p>
@@ -8041,7 +8041,7 @@
           <a:p>
             <a:fld id="{43172269-E0BE-4177-A733-9CAC9D8021AA}" type="datetimeFigureOut">
               <a:rPr kumimoji="1" lang="ja-JP" altLang="en-US" smtClean="0"/>
-              <a:t>2019/7/26</a:t>
+              <a:t>2019/7/27</a:t>
             </a:fld>
             <a:endParaRPr kumimoji="1" lang="ja-JP" altLang="en-US"/>
           </a:p>
@@ -8154,7 +8154,7 @@
           <a:p>
             <a:fld id="{43172269-E0BE-4177-A733-9CAC9D8021AA}" type="datetimeFigureOut">
               <a:rPr kumimoji="1" lang="ja-JP" altLang="en-US" smtClean="0"/>
-              <a:t>2019/7/26</a:t>
+              <a:t>2019/7/27</a:t>
             </a:fld>
             <a:endParaRPr kumimoji="1" lang="ja-JP" altLang="en-US"/>
           </a:p>
@@ -8497,7 +8497,7 @@
           <a:p>
             <a:fld id="{43172269-E0BE-4177-A733-9CAC9D8021AA}" type="datetimeFigureOut">
               <a:rPr kumimoji="1" lang="ja-JP" altLang="en-US" smtClean="0"/>
-              <a:t>2019/7/26</a:t>
+              <a:t>2019/7/27</a:t>
             </a:fld>
             <a:endParaRPr kumimoji="1" lang="ja-JP" altLang="en-US"/>
           </a:p>
@@ -8787,7 +8787,7 @@
           <a:p>
             <a:fld id="{EFCA2F27-532F-4E2E-86E8-C011D6D4D29E}" type="datetimeFigureOut">
               <a:rPr kumimoji="1" lang="ja-JP" altLang="en-US" smtClean="0"/>
-              <a:t>2019/7/26</a:t>
+              <a:t>2019/7/27</a:t>
             </a:fld>
             <a:endParaRPr kumimoji="1" lang="ja-JP" altLang="en-US"/>
           </a:p>
@@ -9021,7 +9021,7 @@
           <a:p>
             <a:fld id="{43172269-E0BE-4177-A733-9CAC9D8021AA}" type="datetimeFigureOut">
               <a:rPr kumimoji="1" lang="ja-JP" altLang="en-US" smtClean="0"/>
-              <a:t>2019/7/26</a:t>
+              <a:t>2019/7/27</a:t>
             </a:fld>
             <a:endParaRPr kumimoji="1" lang="ja-JP" altLang="en-US"/>
           </a:p>
@@ -9251,7 +9251,7 @@
           <a:p>
             <a:fld id="{43172269-E0BE-4177-A733-9CAC9D8021AA}" type="datetimeFigureOut">
               <a:rPr kumimoji="1" lang="ja-JP" altLang="en-US" smtClean="0"/>
-              <a:t>2019/7/26</a:t>
+              <a:t>2019/7/27</a:t>
             </a:fld>
             <a:endParaRPr kumimoji="1" lang="ja-JP" altLang="en-US"/>
           </a:p>
@@ -9491,7 +9491,7 @@
           <a:p>
             <a:fld id="{43172269-E0BE-4177-A733-9CAC9D8021AA}" type="datetimeFigureOut">
               <a:rPr kumimoji="1" lang="ja-JP" altLang="en-US" smtClean="0"/>
-              <a:t>2019/7/26</a:t>
+              <a:t>2019/7/27</a:t>
             </a:fld>
             <a:endParaRPr kumimoji="1" lang="ja-JP" altLang="en-US"/>
           </a:p>
@@ -9772,7 +9772,7 @@
           <a:p>
             <a:fld id="{EFCA2F27-532F-4E2E-86E8-C011D6D4D29E}" type="datetimeFigureOut">
               <a:rPr kumimoji="1" lang="ja-JP" altLang="en-US" smtClean="0"/>
-              <a:t>2019/7/26</a:t>
+              <a:t>2019/7/27</a:t>
             </a:fld>
             <a:endParaRPr kumimoji="1" lang="ja-JP" altLang="en-US"/>
           </a:p>
@@ -10157,7 +10157,7 @@
           <a:p>
             <a:fld id="{EFCA2F27-532F-4E2E-86E8-C011D6D4D29E}" type="datetimeFigureOut">
               <a:rPr kumimoji="1" lang="ja-JP" altLang="en-US" smtClean="0"/>
-              <a:t>2019/7/26</a:t>
+              <a:t>2019/7/27</a:t>
             </a:fld>
             <a:endParaRPr kumimoji="1" lang="ja-JP" altLang="en-US"/>
           </a:p>
@@ -10681,7 +10681,7 @@
           <a:p>
             <a:fld id="{EFCA2F27-532F-4E2E-86E8-C011D6D4D29E}" type="datetimeFigureOut">
               <a:rPr kumimoji="1" lang="ja-JP" altLang="en-US" smtClean="0"/>
-              <a:t>2019/7/26</a:t>
+              <a:t>2019/7/27</a:t>
             </a:fld>
             <a:endParaRPr kumimoji="1" lang="ja-JP" altLang="en-US"/>
           </a:p>
@@ -10834,7 +10834,7 @@
           <a:p>
             <a:fld id="{EFCA2F27-532F-4E2E-86E8-C011D6D4D29E}" type="datetimeFigureOut">
               <a:rPr kumimoji="1" lang="ja-JP" altLang="en-US" smtClean="0"/>
-              <a:t>2019/7/26</a:t>
+              <a:t>2019/7/27</a:t>
             </a:fld>
             <a:endParaRPr kumimoji="1" lang="ja-JP" altLang="en-US"/>
           </a:p>
@@ -10965,7 +10965,7 @@
           <a:p>
             <a:fld id="{EFCA2F27-532F-4E2E-86E8-C011D6D4D29E}" type="datetimeFigureOut">
               <a:rPr kumimoji="1" lang="ja-JP" altLang="en-US" smtClean="0"/>
-              <a:t>2019/7/26</a:t>
+              <a:t>2019/7/27</a:t>
             </a:fld>
             <a:endParaRPr kumimoji="1" lang="ja-JP" altLang="en-US"/>
           </a:p>
@@ -11308,7 +11308,7 @@
           <a:p>
             <a:fld id="{EFCA2F27-532F-4E2E-86E8-C011D6D4D29E}" type="datetimeFigureOut">
               <a:rPr kumimoji="1" lang="ja-JP" altLang="en-US" smtClean="0"/>
-              <a:t>2019/7/26</a:t>
+              <a:t>2019/7/27</a:t>
             </a:fld>
             <a:endParaRPr kumimoji="1" lang="ja-JP" altLang="en-US"/>
           </a:p>
@@ -11600,7 +11600,7 @@
           <a:p>
             <a:fld id="{EFCA2F27-532F-4E2E-86E8-C011D6D4D29E}" type="datetimeFigureOut">
               <a:rPr kumimoji="1" lang="ja-JP" altLang="en-US" smtClean="0"/>
-              <a:t>2019/7/26</a:t>
+              <a:t>2019/7/27</a:t>
             </a:fld>
             <a:endParaRPr kumimoji="1" lang="ja-JP" altLang="en-US"/>
           </a:p>
@@ -13579,7 +13579,7 @@
           <a:p>
             <a:fld id="{EFCA2F27-532F-4E2E-86E8-C011D6D4D29E}" type="datetimeFigureOut">
               <a:rPr kumimoji="1" lang="ja-JP" altLang="en-US" smtClean="0"/>
-              <a:t>2019/7/26</a:t>
+              <a:t>2019/7/27</a:t>
             </a:fld>
             <a:endParaRPr kumimoji="1" lang="ja-JP" altLang="en-US"/>
           </a:p>
@@ -14231,7 +14231,7 @@
           <a:p>
             <a:fld id="{43172269-E0BE-4177-A733-9CAC9D8021AA}" type="datetimeFigureOut">
               <a:rPr kumimoji="1" lang="ja-JP" altLang="en-US" smtClean="0"/>
-              <a:t>2019/7/26</a:t>
+              <a:t>2019/7/27</a:t>
             </a:fld>
             <a:endParaRPr kumimoji="1" lang="ja-JP" altLang="en-US"/>
           </a:p>
